--- a/presentation/presentation1.pptx
+++ b/presentation/presentation1.pptx
@@ -5,7 +5,7 @@
     <p:sldMasterId id="2147483648" r:id="rId1"/>
   </p:sldMasterIdLst>
   <p:notesMasterIdLst>
-    <p:notesMasterId r:id="rId13"/>
+    <p:notesMasterId r:id="rId19"/>
   </p:notesMasterIdLst>
   <p:sldIdLst>
     <p:sldId id="256" r:id="rId2"/>
@@ -17,8 +17,14 @@
     <p:sldId id="264" r:id="rId8"/>
     <p:sldId id="262" r:id="rId9"/>
     <p:sldId id="263" r:id="rId10"/>
-    <p:sldId id="265" r:id="rId11"/>
-    <p:sldId id="266" r:id="rId12"/>
+    <p:sldId id="272" r:id="rId11"/>
+    <p:sldId id="265" r:id="rId12"/>
+    <p:sldId id="267" r:id="rId13"/>
+    <p:sldId id="268" r:id="rId14"/>
+    <p:sldId id="269" r:id="rId15"/>
+    <p:sldId id="270" r:id="rId16"/>
+    <p:sldId id="271" r:id="rId17"/>
+    <p:sldId id="266" r:id="rId18"/>
   </p:sldIdLst>
   <p:sldSz cx="12192000" cy="6858000"/>
   <p:notesSz cx="6858000" cy="9144000"/>
@@ -207,7 +213,7 @@
           <a:p>
             <a:fld id="{FA8F02CA-77CB-4E54-B712-21E588799EE8}" type="datetimeFigureOut">
               <a:rPr lang="de-DE" smtClean="0"/>
-              <a:t>06.03.20</a:t>
+              <a:t>07.03.20</a:t>
             </a:fld>
             <a:endParaRPr lang="de-DE"/>
           </a:p>
@@ -4633,108 +4639,604 @@
           <a:lstStyle/>
           <a:p>
             <a:r>
-              <a:rPr lang="en-US" noProof="0" dirty="0"/>
-              <a:t>Demo</a:t>
-            </a:r>
-          </a:p>
-        </p:txBody>
-      </p:sp>
-      <p:sp>
-        <p:nvSpPr>
-          <p:cNvPr id="3" name="Inhaltsplatzhalter 2">
-            <a:extLst>
-              <a:ext uri="{FF2B5EF4-FFF2-40B4-BE49-F238E27FC236}">
-                <a16:creationId xmlns:a16="http://schemas.microsoft.com/office/drawing/2014/main" id="{900E3307-8428-4C7A-A1DA-C96FE547A036}"/>
-              </a:ext>
-            </a:extLst>
-          </p:cNvPr>
-          <p:cNvSpPr>
-            <a:spLocks noGrp="1"/>
-          </p:cNvSpPr>
-          <p:nvPr>
-            <p:ph idx="1"/>
-          </p:nvPr>
+              <a:rPr lang="en-US" noProof="0" dirty="0" err="1"/>
+              <a:t>Validierung</a:t>
+            </a:r>
+            <a:endParaRPr lang="en-US" noProof="0" dirty="0"/>
+          </a:p>
+        </p:txBody>
+      </p:sp>
+      <p:sp>
+        <p:nvSpPr>
+          <p:cNvPr id="4" name="Datumsplatzhalter 3">
+            <a:extLst>
+              <a:ext uri="{FF2B5EF4-FFF2-40B4-BE49-F238E27FC236}">
+                <a16:creationId xmlns:a16="http://schemas.microsoft.com/office/drawing/2014/main" id="{9CCAFD67-B02A-4CC5-A0AF-41ECCAE2B82F}"/>
+              </a:ext>
+            </a:extLst>
+          </p:cNvPr>
+          <p:cNvSpPr>
+            <a:spLocks noGrp="1"/>
+          </p:cNvSpPr>
+          <p:nvPr>
+            <p:ph type="dt" sz="half" idx="10"/>
+          </p:nvPr>
+        </p:nvSpPr>
+        <p:spPr/>
+        <p:txBody>
+          <a:bodyPr/>
+          <a:lstStyle/>
+          <a:p>
+            <a:r>
+              <a:rPr lang="de-DE"/>
+              <a:t>25.03.2020</a:t>
+            </a:r>
+          </a:p>
+        </p:txBody>
+      </p:sp>
+      <p:sp>
+        <p:nvSpPr>
+          <p:cNvPr id="6" name="Foliennummernplatzhalter 5">
+            <a:extLst>
+              <a:ext uri="{FF2B5EF4-FFF2-40B4-BE49-F238E27FC236}">
+                <a16:creationId xmlns:a16="http://schemas.microsoft.com/office/drawing/2014/main" id="{2014E5A3-BB19-4CC6-A059-F359A2A51340}"/>
+              </a:ext>
+            </a:extLst>
+          </p:cNvPr>
+          <p:cNvSpPr>
+            <a:spLocks noGrp="1"/>
+          </p:cNvSpPr>
+          <p:nvPr>
+            <p:ph type="sldNum" sz="quarter" idx="12"/>
+          </p:nvPr>
+        </p:nvSpPr>
+        <p:spPr/>
+        <p:txBody>
+          <a:bodyPr/>
+          <a:lstStyle/>
+          <a:p>
+            <a:fld id="{61696EC4-B4CF-4701-AD06-A8439D6D8E12}" type="slidenum">
+              <a:rPr lang="de-DE" smtClean="0"/>
+              <a:t>10</a:t>
+            </a:fld>
+            <a:endParaRPr lang="de-DE"/>
+          </a:p>
+        </p:txBody>
+      </p:sp>
+      <p:sp>
+        <p:nvSpPr>
+          <p:cNvPr id="7" name="Inhaltsplatzhalter 2">
+            <a:extLst>
+              <a:ext uri="{FF2B5EF4-FFF2-40B4-BE49-F238E27FC236}">
+                <a16:creationId xmlns:a16="http://schemas.microsoft.com/office/drawing/2014/main" id="{8AAF696D-35E6-C94A-816B-16AC4067B035}"/>
+              </a:ext>
+            </a:extLst>
+          </p:cNvPr>
+          <p:cNvSpPr txBox="1">
+            <a:spLocks/>
+          </p:cNvSpPr>
+          <p:nvPr/>
         </p:nvSpPr>
         <p:spPr>
           <a:xfrm>
-            <a:off x="524664" y="1269207"/>
-            <a:ext cx="11142672" cy="4502318"/>
+            <a:off x="279993" y="4338424"/>
+            <a:ext cx="3531477" cy="1407920"/>
           </a:xfrm>
+          <a:prstGeom prst="rect">
+            <a:avLst/>
+          </a:prstGeom>
         </p:spPr>
         <p:txBody>
-          <a:bodyPr/>
-          <a:lstStyle/>
+          <a:bodyPr vert="horz" lIns="0" tIns="0" rIns="0" bIns="0" rtlCol="0">
+            <a:normAutofit/>
+          </a:bodyPr>
+          <a:lstStyle>
+            <a:lvl1pPr marL="361950" indent="-361950" algn="l" defTabSz="914400" rtl="0" eaLnBrk="1" latinLnBrk="0" hangingPunct="1">
+              <a:lnSpc>
+                <a:spcPct val="90000"/>
+              </a:lnSpc>
+              <a:spcBef>
+                <a:spcPts val="600"/>
+              </a:spcBef>
+              <a:buSzPct val="88000"/>
+              <a:buFontTx/>
+              <a:buBlip>
+                <a:blip r:embed="rId2"/>
+              </a:buBlip>
+              <a:defRPr sz="2800" kern="1200">
+                <a:solidFill>
+                  <a:schemeClr val="tx1"/>
+                </a:solidFill>
+                <a:latin typeface="+mn-lt"/>
+                <a:ea typeface="+mn-ea"/>
+                <a:cs typeface="+mn-cs"/>
+              </a:defRPr>
+            </a:lvl1pPr>
+            <a:lvl2pPr marL="809625" indent="-361950" algn="l" defTabSz="914400" rtl="0" eaLnBrk="1" latinLnBrk="0" hangingPunct="1">
+              <a:lnSpc>
+                <a:spcPct val="90000"/>
+              </a:lnSpc>
+              <a:spcBef>
+                <a:spcPts val="600"/>
+              </a:spcBef>
+              <a:buSzPct val="88000"/>
+              <a:buFontTx/>
+              <a:buBlip>
+                <a:blip r:embed="rId2"/>
+              </a:buBlip>
+              <a:defRPr sz="2400" kern="1200">
+                <a:solidFill>
+                  <a:schemeClr val="tx1"/>
+                </a:solidFill>
+                <a:latin typeface="+mn-lt"/>
+                <a:ea typeface="+mn-ea"/>
+                <a:cs typeface="+mn-cs"/>
+              </a:defRPr>
+            </a:lvl2pPr>
+            <a:lvl3pPr marL="1257300" indent="-361950" algn="l" defTabSz="914400" rtl="0" eaLnBrk="1" latinLnBrk="0" hangingPunct="1">
+              <a:lnSpc>
+                <a:spcPct val="90000"/>
+              </a:lnSpc>
+              <a:spcBef>
+                <a:spcPts val="600"/>
+              </a:spcBef>
+              <a:buSzPct val="88000"/>
+              <a:buFontTx/>
+              <a:buBlip>
+                <a:blip r:embed="rId2"/>
+              </a:buBlip>
+              <a:defRPr sz="2000" kern="1200">
+                <a:solidFill>
+                  <a:schemeClr val="tx1"/>
+                </a:solidFill>
+                <a:latin typeface="+mn-lt"/>
+                <a:ea typeface="+mn-ea"/>
+                <a:cs typeface="+mn-cs"/>
+              </a:defRPr>
+            </a:lvl3pPr>
+            <a:lvl4pPr marL="1704975" indent="-361950" algn="l" defTabSz="914400" rtl="0" eaLnBrk="1" latinLnBrk="0" hangingPunct="1">
+              <a:lnSpc>
+                <a:spcPct val="90000"/>
+              </a:lnSpc>
+              <a:spcBef>
+                <a:spcPts val="600"/>
+              </a:spcBef>
+              <a:buSzPct val="88000"/>
+              <a:buFontTx/>
+              <a:buBlip>
+                <a:blip r:embed="rId2"/>
+              </a:buBlip>
+              <a:defRPr sz="2000" kern="1200">
+                <a:solidFill>
+                  <a:schemeClr val="tx1"/>
+                </a:solidFill>
+                <a:latin typeface="+mn-lt"/>
+                <a:ea typeface="+mn-ea"/>
+                <a:cs typeface="+mn-cs"/>
+              </a:defRPr>
+            </a:lvl4pPr>
+            <a:lvl5pPr marL="2152650" indent="-361950" algn="l" defTabSz="914400" rtl="0" eaLnBrk="1" latinLnBrk="0" hangingPunct="1">
+              <a:lnSpc>
+                <a:spcPct val="90000"/>
+              </a:lnSpc>
+              <a:spcBef>
+                <a:spcPts val="600"/>
+              </a:spcBef>
+              <a:buSzPct val="88000"/>
+              <a:buFontTx/>
+              <a:buBlip>
+                <a:blip r:embed="rId2"/>
+              </a:buBlip>
+              <a:defRPr sz="2000" kern="1200">
+                <a:solidFill>
+                  <a:schemeClr val="tx1"/>
+                </a:solidFill>
+                <a:latin typeface="+mn-lt"/>
+                <a:ea typeface="+mn-ea"/>
+                <a:cs typeface="+mn-cs"/>
+              </a:defRPr>
+            </a:lvl5pPr>
+            <a:lvl6pPr marL="2514600" indent="-228600" algn="l" defTabSz="914400" rtl="0" eaLnBrk="1" latinLnBrk="0" hangingPunct="1">
+              <a:lnSpc>
+                <a:spcPct val="90000"/>
+              </a:lnSpc>
+              <a:spcBef>
+                <a:spcPts val="500"/>
+              </a:spcBef>
+              <a:buFont typeface="Arial" panose="020B0604020202020204" pitchFamily="34" charset="0"/>
+              <a:buChar char="•"/>
+              <a:defRPr sz="1800" kern="1200">
+                <a:solidFill>
+                  <a:schemeClr val="tx1"/>
+                </a:solidFill>
+                <a:latin typeface="+mn-lt"/>
+                <a:ea typeface="+mn-ea"/>
+                <a:cs typeface="+mn-cs"/>
+              </a:defRPr>
+            </a:lvl6pPr>
+            <a:lvl7pPr marL="2971800" indent="-228600" algn="l" defTabSz="914400" rtl="0" eaLnBrk="1" latinLnBrk="0" hangingPunct="1">
+              <a:lnSpc>
+                <a:spcPct val="90000"/>
+              </a:lnSpc>
+              <a:spcBef>
+                <a:spcPts val="500"/>
+              </a:spcBef>
+              <a:buFont typeface="Arial" panose="020B0604020202020204" pitchFamily="34" charset="0"/>
+              <a:buChar char="•"/>
+              <a:defRPr sz="1800" kern="1200">
+                <a:solidFill>
+                  <a:schemeClr val="tx1"/>
+                </a:solidFill>
+                <a:latin typeface="+mn-lt"/>
+                <a:ea typeface="+mn-ea"/>
+                <a:cs typeface="+mn-cs"/>
+              </a:defRPr>
+            </a:lvl7pPr>
+            <a:lvl8pPr marL="3429000" indent="-228600" algn="l" defTabSz="914400" rtl="0" eaLnBrk="1" latinLnBrk="0" hangingPunct="1">
+              <a:lnSpc>
+                <a:spcPct val="90000"/>
+              </a:lnSpc>
+              <a:spcBef>
+                <a:spcPts val="500"/>
+              </a:spcBef>
+              <a:buFont typeface="Arial" panose="020B0604020202020204" pitchFamily="34" charset="0"/>
+              <a:buChar char="•"/>
+              <a:defRPr sz="1800" kern="1200">
+                <a:solidFill>
+                  <a:schemeClr val="tx1"/>
+                </a:solidFill>
+                <a:latin typeface="+mn-lt"/>
+                <a:ea typeface="+mn-ea"/>
+                <a:cs typeface="+mn-cs"/>
+              </a:defRPr>
+            </a:lvl8pPr>
+            <a:lvl9pPr marL="3886200" indent="-228600" algn="l" defTabSz="914400" rtl="0" eaLnBrk="1" latinLnBrk="0" hangingPunct="1">
+              <a:lnSpc>
+                <a:spcPct val="90000"/>
+              </a:lnSpc>
+              <a:spcBef>
+                <a:spcPts val="500"/>
+              </a:spcBef>
+              <a:buFont typeface="Arial" panose="020B0604020202020204" pitchFamily="34" charset="0"/>
+              <a:buChar char="•"/>
+              <a:defRPr sz="1800" kern="1200">
+                <a:solidFill>
+                  <a:schemeClr val="tx1"/>
+                </a:solidFill>
+                <a:latin typeface="+mn-lt"/>
+                <a:ea typeface="+mn-ea"/>
+                <a:cs typeface="+mn-cs"/>
+              </a:defRPr>
+            </a:lvl9pPr>
+          </a:lstStyle>
           <a:p>
             <a:pPr>
               <a:lnSpc>
                 <a:spcPct val="100000"/>
               </a:lnSpc>
             </a:pPr>
+            <a:r>
+              <a:rPr lang="de-DE" sz="2000" dirty="0"/>
+              <a:t>A.1 , A.2 , B ist erlaubt</a:t>
+            </a:r>
+          </a:p>
+          <a:p>
+            <a:pPr lvl="1">
+              <a:lnSpc>
+                <a:spcPct val="100000"/>
+              </a:lnSpc>
+            </a:pPr>
+            <a:r>
+              <a:rPr lang="de-DE" sz="1800" dirty="0"/>
+              <a:t>A.1, B nicht</a:t>
+            </a:r>
+          </a:p>
+          <a:p>
+            <a:pPr lvl="1">
+              <a:lnSpc>
+                <a:spcPct val="100000"/>
+              </a:lnSpc>
+            </a:pPr>
+            <a:r>
+              <a:rPr lang="de-DE" sz="1800" dirty="0"/>
+              <a:t>A.1, A.2, B.1 auch nicht</a:t>
+            </a:r>
+          </a:p>
+          <a:p>
+            <a:pPr>
+              <a:lnSpc>
+                <a:spcPct val="100000"/>
+              </a:lnSpc>
+            </a:pPr>
+            <a:r>
+              <a:rPr lang="de-DE" sz="2000" dirty="0"/>
+              <a:t>Knoten ist Multi-Menge</a:t>
+            </a:r>
+          </a:p>
+          <a:p>
+            <a:pPr lvl="1">
+              <a:lnSpc>
+                <a:spcPct val="100000"/>
+              </a:lnSpc>
+            </a:pPr>
             <a:endParaRPr lang="de-DE" dirty="0"/>
           </a:p>
         </p:txBody>
       </p:sp>
       <p:sp>
         <p:nvSpPr>
-          <p:cNvPr id="4" name="Datumsplatzhalter 3">
-            <a:extLst>
-              <a:ext uri="{FF2B5EF4-FFF2-40B4-BE49-F238E27FC236}">
-                <a16:creationId xmlns:a16="http://schemas.microsoft.com/office/drawing/2014/main" id="{9CCAFD67-B02A-4CC5-A0AF-41ECCAE2B82F}"/>
-              </a:ext>
-            </a:extLst>
-          </p:cNvPr>
-          <p:cNvSpPr>
-            <a:spLocks noGrp="1"/>
-          </p:cNvSpPr>
-          <p:nvPr>
-            <p:ph type="dt" sz="half" idx="10"/>
-          </p:nvPr>
-        </p:nvSpPr>
-        <p:spPr/>
-        <p:txBody>
-          <a:bodyPr/>
-          <a:lstStyle/>
-          <a:p>
-            <a:r>
-              <a:rPr lang="de-DE"/>
-              <a:t>25.03.2020</a:t>
-            </a:r>
-          </a:p>
-        </p:txBody>
-      </p:sp>
-      <p:sp>
-        <p:nvSpPr>
-          <p:cNvPr id="6" name="Foliennummernplatzhalter 5">
-            <a:extLst>
-              <a:ext uri="{FF2B5EF4-FFF2-40B4-BE49-F238E27FC236}">
-                <a16:creationId xmlns:a16="http://schemas.microsoft.com/office/drawing/2014/main" id="{2014E5A3-BB19-4CC6-A059-F359A2A51340}"/>
-              </a:ext>
-            </a:extLst>
-          </p:cNvPr>
-          <p:cNvSpPr>
-            <a:spLocks noGrp="1"/>
-          </p:cNvSpPr>
-          <p:nvPr>
-            <p:ph type="sldNum" sz="quarter" idx="12"/>
-          </p:nvPr>
-        </p:nvSpPr>
-        <p:spPr/>
-        <p:txBody>
-          <a:bodyPr/>
-          <a:lstStyle/>
-          <a:p>
-            <a:fld id="{61696EC4-B4CF-4701-AD06-A8439D6D8E12}" type="slidenum">
-              <a:rPr lang="de-DE" smtClean="0"/>
-              <a:t>10</a:t>
-            </a:fld>
-            <a:endParaRPr lang="de-DE"/>
-          </a:p>
-        </p:txBody>
-      </p:sp>
+          <p:cNvPr id="11" name="Inhaltsplatzhalter 2">
+            <a:extLst>
+              <a:ext uri="{FF2B5EF4-FFF2-40B4-BE49-F238E27FC236}">
+                <a16:creationId xmlns:a16="http://schemas.microsoft.com/office/drawing/2014/main" id="{5369B94C-4C74-434B-8917-6AB66EF8A3B5}"/>
+              </a:ext>
+            </a:extLst>
+          </p:cNvPr>
+          <p:cNvSpPr txBox="1">
+            <a:spLocks/>
+          </p:cNvSpPr>
+          <p:nvPr/>
+        </p:nvSpPr>
+        <p:spPr>
+          <a:xfrm>
+            <a:off x="3942174" y="4332318"/>
+            <a:ext cx="3531477" cy="1407920"/>
+          </a:xfrm>
+          <a:prstGeom prst="rect">
+            <a:avLst/>
+          </a:prstGeom>
+        </p:spPr>
+        <p:txBody>
+          <a:bodyPr vert="horz" lIns="0" tIns="0" rIns="0" bIns="0" rtlCol="0">
+            <a:normAutofit/>
+          </a:bodyPr>
+          <a:lstStyle>
+            <a:lvl1pPr marL="361950" indent="-361950" algn="l" defTabSz="914400" rtl="0" eaLnBrk="1" latinLnBrk="0" hangingPunct="1">
+              <a:lnSpc>
+                <a:spcPct val="90000"/>
+              </a:lnSpc>
+              <a:spcBef>
+                <a:spcPts val="600"/>
+              </a:spcBef>
+              <a:buSzPct val="88000"/>
+              <a:buFontTx/>
+              <a:buBlip>
+                <a:blip r:embed="rId2"/>
+              </a:buBlip>
+              <a:defRPr sz="2800" kern="1200">
+                <a:solidFill>
+                  <a:schemeClr val="tx1"/>
+                </a:solidFill>
+                <a:latin typeface="+mn-lt"/>
+                <a:ea typeface="+mn-ea"/>
+                <a:cs typeface="+mn-cs"/>
+              </a:defRPr>
+            </a:lvl1pPr>
+            <a:lvl2pPr marL="809625" indent="-361950" algn="l" defTabSz="914400" rtl="0" eaLnBrk="1" latinLnBrk="0" hangingPunct="1">
+              <a:lnSpc>
+                <a:spcPct val="90000"/>
+              </a:lnSpc>
+              <a:spcBef>
+                <a:spcPts val="600"/>
+              </a:spcBef>
+              <a:buSzPct val="88000"/>
+              <a:buFontTx/>
+              <a:buBlip>
+                <a:blip r:embed="rId2"/>
+              </a:buBlip>
+              <a:defRPr sz="2400" kern="1200">
+                <a:solidFill>
+                  <a:schemeClr val="tx1"/>
+                </a:solidFill>
+                <a:latin typeface="+mn-lt"/>
+                <a:ea typeface="+mn-ea"/>
+                <a:cs typeface="+mn-cs"/>
+              </a:defRPr>
+            </a:lvl2pPr>
+            <a:lvl3pPr marL="1257300" indent="-361950" algn="l" defTabSz="914400" rtl="0" eaLnBrk="1" latinLnBrk="0" hangingPunct="1">
+              <a:lnSpc>
+                <a:spcPct val="90000"/>
+              </a:lnSpc>
+              <a:spcBef>
+                <a:spcPts val="600"/>
+              </a:spcBef>
+              <a:buSzPct val="88000"/>
+              <a:buFontTx/>
+              <a:buBlip>
+                <a:blip r:embed="rId2"/>
+              </a:buBlip>
+              <a:defRPr sz="2000" kern="1200">
+                <a:solidFill>
+                  <a:schemeClr val="tx1"/>
+                </a:solidFill>
+                <a:latin typeface="+mn-lt"/>
+                <a:ea typeface="+mn-ea"/>
+                <a:cs typeface="+mn-cs"/>
+              </a:defRPr>
+            </a:lvl3pPr>
+            <a:lvl4pPr marL="1704975" indent="-361950" algn="l" defTabSz="914400" rtl="0" eaLnBrk="1" latinLnBrk="0" hangingPunct="1">
+              <a:lnSpc>
+                <a:spcPct val="90000"/>
+              </a:lnSpc>
+              <a:spcBef>
+                <a:spcPts val="600"/>
+              </a:spcBef>
+              <a:buSzPct val="88000"/>
+              <a:buFontTx/>
+              <a:buBlip>
+                <a:blip r:embed="rId2"/>
+              </a:buBlip>
+              <a:defRPr sz="2000" kern="1200">
+                <a:solidFill>
+                  <a:schemeClr val="tx1"/>
+                </a:solidFill>
+                <a:latin typeface="+mn-lt"/>
+                <a:ea typeface="+mn-ea"/>
+                <a:cs typeface="+mn-cs"/>
+              </a:defRPr>
+            </a:lvl4pPr>
+            <a:lvl5pPr marL="2152650" indent="-361950" algn="l" defTabSz="914400" rtl="0" eaLnBrk="1" latinLnBrk="0" hangingPunct="1">
+              <a:lnSpc>
+                <a:spcPct val="90000"/>
+              </a:lnSpc>
+              <a:spcBef>
+                <a:spcPts val="600"/>
+              </a:spcBef>
+              <a:buSzPct val="88000"/>
+              <a:buFontTx/>
+              <a:buBlip>
+                <a:blip r:embed="rId2"/>
+              </a:buBlip>
+              <a:defRPr sz="2000" kern="1200">
+                <a:solidFill>
+                  <a:schemeClr val="tx1"/>
+                </a:solidFill>
+                <a:latin typeface="+mn-lt"/>
+                <a:ea typeface="+mn-ea"/>
+                <a:cs typeface="+mn-cs"/>
+              </a:defRPr>
+            </a:lvl5pPr>
+            <a:lvl6pPr marL="2514600" indent="-228600" algn="l" defTabSz="914400" rtl="0" eaLnBrk="1" latinLnBrk="0" hangingPunct="1">
+              <a:lnSpc>
+                <a:spcPct val="90000"/>
+              </a:lnSpc>
+              <a:spcBef>
+                <a:spcPts val="500"/>
+              </a:spcBef>
+              <a:buFont typeface="Arial" panose="020B0604020202020204" pitchFamily="34" charset="0"/>
+              <a:buChar char="•"/>
+              <a:defRPr sz="1800" kern="1200">
+                <a:solidFill>
+                  <a:schemeClr val="tx1"/>
+                </a:solidFill>
+                <a:latin typeface="+mn-lt"/>
+                <a:ea typeface="+mn-ea"/>
+                <a:cs typeface="+mn-cs"/>
+              </a:defRPr>
+            </a:lvl6pPr>
+            <a:lvl7pPr marL="2971800" indent="-228600" algn="l" defTabSz="914400" rtl="0" eaLnBrk="1" latinLnBrk="0" hangingPunct="1">
+              <a:lnSpc>
+                <a:spcPct val="90000"/>
+              </a:lnSpc>
+              <a:spcBef>
+                <a:spcPts val="500"/>
+              </a:spcBef>
+              <a:buFont typeface="Arial" panose="020B0604020202020204" pitchFamily="34" charset="0"/>
+              <a:buChar char="•"/>
+              <a:defRPr sz="1800" kern="1200">
+                <a:solidFill>
+                  <a:schemeClr val="tx1"/>
+                </a:solidFill>
+                <a:latin typeface="+mn-lt"/>
+                <a:ea typeface="+mn-ea"/>
+                <a:cs typeface="+mn-cs"/>
+              </a:defRPr>
+            </a:lvl7pPr>
+            <a:lvl8pPr marL="3429000" indent="-228600" algn="l" defTabSz="914400" rtl="0" eaLnBrk="1" latinLnBrk="0" hangingPunct="1">
+              <a:lnSpc>
+                <a:spcPct val="90000"/>
+              </a:lnSpc>
+              <a:spcBef>
+                <a:spcPts val="500"/>
+              </a:spcBef>
+              <a:buFont typeface="Arial" panose="020B0604020202020204" pitchFamily="34" charset="0"/>
+              <a:buChar char="•"/>
+              <a:defRPr sz="1800" kern="1200">
+                <a:solidFill>
+                  <a:schemeClr val="tx1"/>
+                </a:solidFill>
+                <a:latin typeface="+mn-lt"/>
+                <a:ea typeface="+mn-ea"/>
+                <a:cs typeface="+mn-cs"/>
+              </a:defRPr>
+            </a:lvl8pPr>
+            <a:lvl9pPr marL="3886200" indent="-228600" algn="l" defTabSz="914400" rtl="0" eaLnBrk="1" latinLnBrk="0" hangingPunct="1">
+              <a:lnSpc>
+                <a:spcPct val="90000"/>
+              </a:lnSpc>
+              <a:spcBef>
+                <a:spcPts val="500"/>
+              </a:spcBef>
+              <a:buFont typeface="Arial" panose="020B0604020202020204" pitchFamily="34" charset="0"/>
+              <a:buChar char="•"/>
+              <a:defRPr sz="1800" kern="1200">
+                <a:solidFill>
+                  <a:schemeClr val="tx1"/>
+                </a:solidFill>
+                <a:latin typeface="+mn-lt"/>
+                <a:ea typeface="+mn-ea"/>
+                <a:cs typeface="+mn-cs"/>
+              </a:defRPr>
+            </a:lvl9pPr>
+          </a:lstStyle>
+          <a:p>
+            <a:pPr>
+              <a:lnSpc>
+                <a:spcPct val="100000"/>
+              </a:lnSpc>
+            </a:pPr>
+            <a:r>
+              <a:rPr lang="de-DE" sz="2000" dirty="0"/>
+              <a:t>„Ausnahmen“ generieren alle Kandidaten</a:t>
+            </a:r>
+          </a:p>
+          <a:p>
+            <a:pPr>
+              <a:lnSpc>
+                <a:spcPct val="100000"/>
+              </a:lnSpc>
+            </a:pPr>
+            <a:r>
+              <a:rPr lang="de-DE" sz="2000" dirty="0" err="1"/>
+              <a:t>Pruning</a:t>
+            </a:r>
+            <a:r>
+              <a:rPr lang="de-DE" sz="2000" dirty="0"/>
+              <a:t> von Duplikaten</a:t>
+            </a:r>
+          </a:p>
+        </p:txBody>
+      </p:sp>
+      <p:pic>
+        <p:nvPicPr>
+          <p:cNvPr id="13" name="Grafik 12" descr="Ein Bild, das Fern, Monitor, Bedienung, sitzend enthält.&#10;&#10;Automatisch generierte Beschreibung">
+            <a:extLst>
+              <a:ext uri="{FF2B5EF4-FFF2-40B4-BE49-F238E27FC236}">
+                <a16:creationId xmlns:a16="http://schemas.microsoft.com/office/drawing/2014/main" id="{510F87E8-F869-694B-9557-B300585FF8DF}"/>
+              </a:ext>
+            </a:extLst>
+          </p:cNvPr>
+          <p:cNvPicPr>
+            <a:picLocks noChangeAspect="1"/>
+          </p:cNvPicPr>
+          <p:nvPr/>
+        </p:nvPicPr>
+        <p:blipFill>
+          <a:blip r:embed="rId3">
+            <a:extLst>
+              <a:ext uri="{28A0092B-C50C-407E-A947-70E740481C1C}">
+                <a14:useLocalDpi xmlns:a14="http://schemas.microsoft.com/office/drawing/2010/main" val="0"/>
+              </a:ext>
+            </a:extLst>
+          </a:blip>
+          <a:stretch>
+            <a:fillRect/>
+          </a:stretch>
+        </p:blipFill>
+        <p:spPr>
+          <a:xfrm>
+            <a:off x="176165" y="202268"/>
+            <a:ext cx="11839669" cy="3844215"/>
+          </a:xfrm>
+          <a:prstGeom prst="rect">
+            <a:avLst/>
+          </a:prstGeom>
+        </p:spPr>
+      </p:pic>
     </p:spTree>
     <p:extLst>
       <p:ext uri="{BB962C8B-B14F-4D97-AF65-F5344CB8AC3E}">
-        <p14:creationId xmlns:p14="http://schemas.microsoft.com/office/powerpoint/2010/main" val="1866389151"/>
+        <p14:creationId xmlns:p14="http://schemas.microsoft.com/office/powerpoint/2010/main" val="2101614505"/>
       </p:ext>
     </p:extLst>
   </p:cSld>
@@ -4788,10 +5290,9 @@
           <a:lstStyle/>
           <a:p>
             <a:r>
-              <a:rPr lang="en-US" noProof="0" dirty="0" err="1"/>
-              <a:t>Zusammenfassung</a:t>
-            </a:r>
-            <a:endParaRPr lang="en-US" noProof="0" dirty="0"/>
+              <a:rPr lang="en-US" noProof="0" dirty="0"/>
+              <a:t>Demo</a:t>
+            </a:r>
           </a:p>
         </p:txBody>
       </p:sp>
@@ -4882,6 +5383,937 @@
             <a:fld id="{61696EC4-B4CF-4701-AD06-A8439D6D8E12}" type="slidenum">
               <a:rPr lang="de-DE" smtClean="0"/>
               <a:t>11</a:t>
+            </a:fld>
+            <a:endParaRPr lang="de-DE"/>
+          </a:p>
+        </p:txBody>
+      </p:sp>
+    </p:spTree>
+    <p:extLst>
+      <p:ext uri="{BB962C8B-B14F-4D97-AF65-F5344CB8AC3E}">
+        <p14:creationId xmlns:p14="http://schemas.microsoft.com/office/powerpoint/2010/main" val="1866389151"/>
+      </p:ext>
+    </p:extLst>
+  </p:cSld>
+  <p:clrMapOvr>
+    <a:masterClrMapping/>
+  </p:clrMapOvr>
+</p:sld>
+</file>
+
+<file path=ppt/slides/slide12.xml><?xml version="1.0" encoding="utf-8"?>
+<p:sld xmlns:a="http://schemas.openxmlformats.org/drawingml/2006/main" xmlns:r="http://schemas.openxmlformats.org/officeDocument/2006/relationships" xmlns:p="http://schemas.openxmlformats.org/presentationml/2006/main">
+  <p:cSld>
+    <p:spTree>
+      <p:nvGrpSpPr>
+        <p:cNvPr id="1" name=""/>
+        <p:cNvGrpSpPr/>
+        <p:nvPr/>
+      </p:nvGrpSpPr>
+      <p:grpSpPr>
+        <a:xfrm>
+          <a:off x="0" y="0"/>
+          <a:ext cx="0" cy="0"/>
+          <a:chOff x="0" y="0"/>
+          <a:chExt cx="0" cy="0"/>
+        </a:xfrm>
+      </p:grpSpPr>
+      <p:sp>
+        <p:nvSpPr>
+          <p:cNvPr id="2" name="Titel 1">
+            <a:extLst>
+              <a:ext uri="{FF2B5EF4-FFF2-40B4-BE49-F238E27FC236}">
+                <a16:creationId xmlns:a16="http://schemas.microsoft.com/office/drawing/2014/main" id="{4E4AE26E-BDAE-4262-A057-39AC2366A5F1}"/>
+              </a:ext>
+            </a:extLst>
+          </p:cNvPr>
+          <p:cNvSpPr>
+            <a:spLocks noGrp="1"/>
+          </p:cNvSpPr>
+          <p:nvPr>
+            <p:ph type="title"/>
+          </p:nvPr>
+        </p:nvSpPr>
+        <p:spPr>
+          <a:xfrm>
+            <a:off x="524664" y="444005"/>
+            <a:ext cx="9178008" cy="627829"/>
+          </a:xfrm>
+        </p:spPr>
+        <p:txBody>
+          <a:bodyPr/>
+          <a:lstStyle/>
+          <a:p>
+            <a:r>
+              <a:rPr lang="en-US" noProof="0" dirty="0"/>
+              <a:t>Meta-Modell (1)</a:t>
+            </a:r>
+          </a:p>
+        </p:txBody>
+      </p:sp>
+      <p:pic>
+        <p:nvPicPr>
+          <p:cNvPr id="7" name="Inhaltsplatzhalter 6">
+            <a:extLst>
+              <a:ext uri="{FF2B5EF4-FFF2-40B4-BE49-F238E27FC236}">
+                <a16:creationId xmlns:a16="http://schemas.microsoft.com/office/drawing/2014/main" id="{AAFBDB75-4142-7142-926F-5BA01FB0FEA5}"/>
+              </a:ext>
+            </a:extLst>
+          </p:cNvPr>
+          <p:cNvPicPr>
+            <a:picLocks noGrp="1" noChangeAspect="1"/>
+          </p:cNvPicPr>
+          <p:nvPr>
+            <p:ph idx="1"/>
+          </p:nvPr>
+        </p:nvPicPr>
+        <p:blipFill>
+          <a:blip r:embed="rId2">
+            <a:extLst>
+              <a:ext uri="{28A0092B-C50C-407E-A947-70E740481C1C}">
+                <a14:useLocalDpi xmlns:a14="http://schemas.microsoft.com/office/drawing/2010/main" val="0"/>
+              </a:ext>
+            </a:extLst>
+          </a:blip>
+          <a:stretch>
+            <a:fillRect/>
+          </a:stretch>
+        </p:blipFill>
+        <p:spPr>
+          <a:xfrm>
+            <a:off x="2899213" y="1261021"/>
+            <a:ext cx="5330387" cy="1819354"/>
+          </a:xfrm>
+        </p:spPr>
+      </p:pic>
+      <p:sp>
+        <p:nvSpPr>
+          <p:cNvPr id="4" name="Datumsplatzhalter 3">
+            <a:extLst>
+              <a:ext uri="{FF2B5EF4-FFF2-40B4-BE49-F238E27FC236}">
+                <a16:creationId xmlns:a16="http://schemas.microsoft.com/office/drawing/2014/main" id="{9CCAFD67-B02A-4CC5-A0AF-41ECCAE2B82F}"/>
+              </a:ext>
+            </a:extLst>
+          </p:cNvPr>
+          <p:cNvSpPr>
+            <a:spLocks noGrp="1"/>
+          </p:cNvSpPr>
+          <p:nvPr>
+            <p:ph type="dt" sz="half" idx="10"/>
+          </p:nvPr>
+        </p:nvSpPr>
+        <p:spPr/>
+        <p:txBody>
+          <a:bodyPr/>
+          <a:lstStyle/>
+          <a:p>
+            <a:r>
+              <a:rPr lang="de-DE"/>
+              <a:t>25.03.2020</a:t>
+            </a:r>
+          </a:p>
+        </p:txBody>
+      </p:sp>
+      <p:sp>
+        <p:nvSpPr>
+          <p:cNvPr id="6" name="Foliennummernplatzhalter 5">
+            <a:extLst>
+              <a:ext uri="{FF2B5EF4-FFF2-40B4-BE49-F238E27FC236}">
+                <a16:creationId xmlns:a16="http://schemas.microsoft.com/office/drawing/2014/main" id="{2014E5A3-BB19-4CC6-A059-F359A2A51340}"/>
+              </a:ext>
+            </a:extLst>
+          </p:cNvPr>
+          <p:cNvSpPr>
+            <a:spLocks noGrp="1"/>
+          </p:cNvSpPr>
+          <p:nvPr>
+            <p:ph type="sldNum" sz="quarter" idx="12"/>
+          </p:nvPr>
+        </p:nvSpPr>
+        <p:spPr/>
+        <p:txBody>
+          <a:bodyPr/>
+          <a:lstStyle/>
+          <a:p>
+            <a:fld id="{61696EC4-B4CF-4701-AD06-A8439D6D8E12}" type="slidenum">
+              <a:rPr lang="de-DE" smtClean="0"/>
+              <a:t>12</a:t>
+            </a:fld>
+            <a:endParaRPr lang="de-DE"/>
+          </a:p>
+        </p:txBody>
+      </p:sp>
+    </p:spTree>
+    <p:extLst>
+      <p:ext uri="{BB962C8B-B14F-4D97-AF65-F5344CB8AC3E}">
+        <p14:creationId xmlns:p14="http://schemas.microsoft.com/office/powerpoint/2010/main" val="2669224639"/>
+      </p:ext>
+    </p:extLst>
+  </p:cSld>
+  <p:clrMapOvr>
+    <a:masterClrMapping/>
+  </p:clrMapOvr>
+</p:sld>
+</file>
+
+<file path=ppt/slides/slide13.xml><?xml version="1.0" encoding="utf-8"?>
+<p:sld xmlns:a="http://schemas.openxmlformats.org/drawingml/2006/main" xmlns:r="http://schemas.openxmlformats.org/officeDocument/2006/relationships" xmlns:p="http://schemas.openxmlformats.org/presentationml/2006/main">
+  <p:cSld>
+    <p:spTree>
+      <p:nvGrpSpPr>
+        <p:cNvPr id="1" name=""/>
+        <p:cNvGrpSpPr/>
+        <p:nvPr/>
+      </p:nvGrpSpPr>
+      <p:grpSpPr>
+        <a:xfrm>
+          <a:off x="0" y="0"/>
+          <a:ext cx="0" cy="0"/>
+          <a:chOff x="0" y="0"/>
+          <a:chExt cx="0" cy="0"/>
+        </a:xfrm>
+      </p:grpSpPr>
+      <p:sp>
+        <p:nvSpPr>
+          <p:cNvPr id="2" name="Titel 1">
+            <a:extLst>
+              <a:ext uri="{FF2B5EF4-FFF2-40B4-BE49-F238E27FC236}">
+                <a16:creationId xmlns:a16="http://schemas.microsoft.com/office/drawing/2014/main" id="{4E4AE26E-BDAE-4262-A057-39AC2366A5F1}"/>
+              </a:ext>
+            </a:extLst>
+          </p:cNvPr>
+          <p:cNvSpPr>
+            <a:spLocks noGrp="1"/>
+          </p:cNvSpPr>
+          <p:nvPr>
+            <p:ph type="title"/>
+          </p:nvPr>
+        </p:nvSpPr>
+        <p:spPr>
+          <a:xfrm>
+            <a:off x="524664" y="444005"/>
+            <a:ext cx="9178008" cy="627829"/>
+          </a:xfrm>
+        </p:spPr>
+        <p:txBody>
+          <a:bodyPr/>
+          <a:lstStyle/>
+          <a:p>
+            <a:r>
+              <a:rPr lang="en-US" noProof="0" dirty="0"/>
+              <a:t>Meta-Modell (2)</a:t>
+            </a:r>
+          </a:p>
+        </p:txBody>
+      </p:sp>
+      <p:pic>
+        <p:nvPicPr>
+          <p:cNvPr id="7" name="Inhaltsplatzhalter 6">
+            <a:extLst>
+              <a:ext uri="{FF2B5EF4-FFF2-40B4-BE49-F238E27FC236}">
+                <a16:creationId xmlns:a16="http://schemas.microsoft.com/office/drawing/2014/main" id="{84EBC7FC-1EE8-0648-884C-272B49BEAE15}"/>
+              </a:ext>
+            </a:extLst>
+          </p:cNvPr>
+          <p:cNvPicPr>
+            <a:picLocks noGrp="1" noChangeAspect="1"/>
+          </p:cNvPicPr>
+          <p:nvPr>
+            <p:ph idx="1"/>
+          </p:nvPr>
+        </p:nvPicPr>
+        <p:blipFill>
+          <a:blip r:embed="rId2">
+            <a:extLst>
+              <a:ext uri="{28A0092B-C50C-407E-A947-70E740481C1C}">
+                <a14:useLocalDpi xmlns:a14="http://schemas.microsoft.com/office/drawing/2010/main" val="0"/>
+              </a:ext>
+            </a:extLst>
+          </a:blip>
+          <a:stretch>
+            <a:fillRect/>
+          </a:stretch>
+        </p:blipFill>
+        <p:spPr>
+          <a:xfrm>
+            <a:off x="2899592" y="1270000"/>
+            <a:ext cx="6392816" cy="4502150"/>
+          </a:xfrm>
+        </p:spPr>
+      </p:pic>
+      <p:sp>
+        <p:nvSpPr>
+          <p:cNvPr id="4" name="Datumsplatzhalter 3">
+            <a:extLst>
+              <a:ext uri="{FF2B5EF4-FFF2-40B4-BE49-F238E27FC236}">
+                <a16:creationId xmlns:a16="http://schemas.microsoft.com/office/drawing/2014/main" id="{9CCAFD67-B02A-4CC5-A0AF-41ECCAE2B82F}"/>
+              </a:ext>
+            </a:extLst>
+          </p:cNvPr>
+          <p:cNvSpPr>
+            <a:spLocks noGrp="1"/>
+          </p:cNvSpPr>
+          <p:nvPr>
+            <p:ph type="dt" sz="half" idx="10"/>
+          </p:nvPr>
+        </p:nvSpPr>
+        <p:spPr/>
+        <p:txBody>
+          <a:bodyPr/>
+          <a:lstStyle/>
+          <a:p>
+            <a:r>
+              <a:rPr lang="de-DE"/>
+              <a:t>25.03.2020</a:t>
+            </a:r>
+          </a:p>
+        </p:txBody>
+      </p:sp>
+      <p:sp>
+        <p:nvSpPr>
+          <p:cNvPr id="6" name="Foliennummernplatzhalter 5">
+            <a:extLst>
+              <a:ext uri="{FF2B5EF4-FFF2-40B4-BE49-F238E27FC236}">
+                <a16:creationId xmlns:a16="http://schemas.microsoft.com/office/drawing/2014/main" id="{2014E5A3-BB19-4CC6-A059-F359A2A51340}"/>
+              </a:ext>
+            </a:extLst>
+          </p:cNvPr>
+          <p:cNvSpPr>
+            <a:spLocks noGrp="1"/>
+          </p:cNvSpPr>
+          <p:nvPr>
+            <p:ph type="sldNum" sz="quarter" idx="12"/>
+          </p:nvPr>
+        </p:nvSpPr>
+        <p:spPr/>
+        <p:txBody>
+          <a:bodyPr/>
+          <a:lstStyle/>
+          <a:p>
+            <a:fld id="{61696EC4-B4CF-4701-AD06-A8439D6D8E12}" type="slidenum">
+              <a:rPr lang="de-DE" smtClean="0"/>
+              <a:t>13</a:t>
+            </a:fld>
+            <a:endParaRPr lang="de-DE"/>
+          </a:p>
+        </p:txBody>
+      </p:sp>
+    </p:spTree>
+    <p:extLst>
+      <p:ext uri="{BB962C8B-B14F-4D97-AF65-F5344CB8AC3E}">
+        <p14:creationId xmlns:p14="http://schemas.microsoft.com/office/powerpoint/2010/main" val="457514926"/>
+      </p:ext>
+    </p:extLst>
+  </p:cSld>
+  <p:clrMapOvr>
+    <a:masterClrMapping/>
+  </p:clrMapOvr>
+</p:sld>
+</file>
+
+<file path=ppt/slides/slide14.xml><?xml version="1.0" encoding="utf-8"?>
+<p:sld xmlns:a="http://schemas.openxmlformats.org/drawingml/2006/main" xmlns:r="http://schemas.openxmlformats.org/officeDocument/2006/relationships" xmlns:p="http://schemas.openxmlformats.org/presentationml/2006/main">
+  <p:cSld>
+    <p:spTree>
+      <p:nvGrpSpPr>
+        <p:cNvPr id="1" name=""/>
+        <p:cNvGrpSpPr/>
+        <p:nvPr/>
+      </p:nvGrpSpPr>
+      <p:grpSpPr>
+        <a:xfrm>
+          <a:off x="0" y="0"/>
+          <a:ext cx="0" cy="0"/>
+          <a:chOff x="0" y="0"/>
+          <a:chExt cx="0" cy="0"/>
+        </a:xfrm>
+      </p:grpSpPr>
+      <p:sp>
+        <p:nvSpPr>
+          <p:cNvPr id="2" name="Titel 1">
+            <a:extLst>
+              <a:ext uri="{FF2B5EF4-FFF2-40B4-BE49-F238E27FC236}">
+                <a16:creationId xmlns:a16="http://schemas.microsoft.com/office/drawing/2014/main" id="{4E4AE26E-BDAE-4262-A057-39AC2366A5F1}"/>
+              </a:ext>
+            </a:extLst>
+          </p:cNvPr>
+          <p:cNvSpPr>
+            <a:spLocks noGrp="1"/>
+          </p:cNvSpPr>
+          <p:nvPr>
+            <p:ph type="title"/>
+          </p:nvPr>
+        </p:nvSpPr>
+        <p:spPr>
+          <a:xfrm>
+            <a:off x="524664" y="444005"/>
+            <a:ext cx="9178008" cy="627829"/>
+          </a:xfrm>
+        </p:spPr>
+        <p:txBody>
+          <a:bodyPr/>
+          <a:lstStyle/>
+          <a:p>
+            <a:r>
+              <a:rPr lang="en-US" noProof="0" dirty="0"/>
+              <a:t>Meta-Modell (3)</a:t>
+            </a:r>
+          </a:p>
+        </p:txBody>
+      </p:sp>
+      <p:pic>
+        <p:nvPicPr>
+          <p:cNvPr id="7" name="Inhaltsplatzhalter 6">
+            <a:extLst>
+              <a:ext uri="{FF2B5EF4-FFF2-40B4-BE49-F238E27FC236}">
+                <a16:creationId xmlns:a16="http://schemas.microsoft.com/office/drawing/2014/main" id="{597271BE-975A-8448-8890-95AC9CA9A263}"/>
+              </a:ext>
+            </a:extLst>
+          </p:cNvPr>
+          <p:cNvPicPr>
+            <a:picLocks noGrp="1" noChangeAspect="1"/>
+          </p:cNvPicPr>
+          <p:nvPr>
+            <p:ph idx="1"/>
+          </p:nvPr>
+        </p:nvPicPr>
+        <p:blipFill>
+          <a:blip r:embed="rId2">
+            <a:extLst>
+              <a:ext uri="{28A0092B-C50C-407E-A947-70E740481C1C}">
+                <a14:useLocalDpi xmlns:a14="http://schemas.microsoft.com/office/drawing/2010/main" val="0"/>
+              </a:ext>
+            </a:extLst>
+          </a:blip>
+          <a:stretch>
+            <a:fillRect/>
+          </a:stretch>
+        </p:blipFill>
+        <p:spPr>
+          <a:xfrm>
+            <a:off x="3615691" y="1270000"/>
+            <a:ext cx="4960617" cy="4502150"/>
+          </a:xfrm>
+        </p:spPr>
+      </p:pic>
+      <p:sp>
+        <p:nvSpPr>
+          <p:cNvPr id="4" name="Datumsplatzhalter 3">
+            <a:extLst>
+              <a:ext uri="{FF2B5EF4-FFF2-40B4-BE49-F238E27FC236}">
+                <a16:creationId xmlns:a16="http://schemas.microsoft.com/office/drawing/2014/main" id="{9CCAFD67-B02A-4CC5-A0AF-41ECCAE2B82F}"/>
+              </a:ext>
+            </a:extLst>
+          </p:cNvPr>
+          <p:cNvSpPr>
+            <a:spLocks noGrp="1"/>
+          </p:cNvSpPr>
+          <p:nvPr>
+            <p:ph type="dt" sz="half" idx="10"/>
+          </p:nvPr>
+        </p:nvSpPr>
+        <p:spPr/>
+        <p:txBody>
+          <a:bodyPr/>
+          <a:lstStyle/>
+          <a:p>
+            <a:r>
+              <a:rPr lang="de-DE"/>
+              <a:t>25.03.2020</a:t>
+            </a:r>
+          </a:p>
+        </p:txBody>
+      </p:sp>
+      <p:sp>
+        <p:nvSpPr>
+          <p:cNvPr id="6" name="Foliennummernplatzhalter 5">
+            <a:extLst>
+              <a:ext uri="{FF2B5EF4-FFF2-40B4-BE49-F238E27FC236}">
+                <a16:creationId xmlns:a16="http://schemas.microsoft.com/office/drawing/2014/main" id="{2014E5A3-BB19-4CC6-A059-F359A2A51340}"/>
+              </a:ext>
+            </a:extLst>
+          </p:cNvPr>
+          <p:cNvSpPr>
+            <a:spLocks noGrp="1"/>
+          </p:cNvSpPr>
+          <p:nvPr>
+            <p:ph type="sldNum" sz="quarter" idx="12"/>
+          </p:nvPr>
+        </p:nvSpPr>
+        <p:spPr/>
+        <p:txBody>
+          <a:bodyPr/>
+          <a:lstStyle/>
+          <a:p>
+            <a:fld id="{61696EC4-B4CF-4701-AD06-A8439D6D8E12}" type="slidenum">
+              <a:rPr lang="de-DE" smtClean="0"/>
+              <a:t>14</a:t>
+            </a:fld>
+            <a:endParaRPr lang="de-DE"/>
+          </a:p>
+        </p:txBody>
+      </p:sp>
+    </p:spTree>
+    <p:extLst>
+      <p:ext uri="{BB962C8B-B14F-4D97-AF65-F5344CB8AC3E}">
+        <p14:creationId xmlns:p14="http://schemas.microsoft.com/office/powerpoint/2010/main" val="1840141399"/>
+      </p:ext>
+    </p:extLst>
+  </p:cSld>
+  <p:clrMapOvr>
+    <a:masterClrMapping/>
+  </p:clrMapOvr>
+</p:sld>
+</file>
+
+<file path=ppt/slides/slide15.xml><?xml version="1.0" encoding="utf-8"?>
+<p:sld xmlns:a="http://schemas.openxmlformats.org/drawingml/2006/main" xmlns:r="http://schemas.openxmlformats.org/officeDocument/2006/relationships" xmlns:p="http://schemas.openxmlformats.org/presentationml/2006/main">
+  <p:cSld>
+    <p:spTree>
+      <p:nvGrpSpPr>
+        <p:cNvPr id="1" name=""/>
+        <p:cNvGrpSpPr/>
+        <p:nvPr/>
+      </p:nvGrpSpPr>
+      <p:grpSpPr>
+        <a:xfrm>
+          <a:off x="0" y="0"/>
+          <a:ext cx="0" cy="0"/>
+          <a:chOff x="0" y="0"/>
+          <a:chExt cx="0" cy="0"/>
+        </a:xfrm>
+      </p:grpSpPr>
+      <p:sp>
+        <p:nvSpPr>
+          <p:cNvPr id="2" name="Titel 1">
+            <a:extLst>
+              <a:ext uri="{FF2B5EF4-FFF2-40B4-BE49-F238E27FC236}">
+                <a16:creationId xmlns:a16="http://schemas.microsoft.com/office/drawing/2014/main" id="{4E4AE26E-BDAE-4262-A057-39AC2366A5F1}"/>
+              </a:ext>
+            </a:extLst>
+          </p:cNvPr>
+          <p:cNvSpPr>
+            <a:spLocks noGrp="1"/>
+          </p:cNvSpPr>
+          <p:nvPr>
+            <p:ph type="title"/>
+          </p:nvPr>
+        </p:nvSpPr>
+        <p:spPr>
+          <a:xfrm>
+            <a:off x="524664" y="444005"/>
+            <a:ext cx="9178008" cy="627829"/>
+          </a:xfrm>
+        </p:spPr>
+        <p:txBody>
+          <a:bodyPr/>
+          <a:lstStyle/>
+          <a:p>
+            <a:r>
+              <a:rPr lang="en-US" noProof="0" dirty="0"/>
+              <a:t>Meta-Modell (4)</a:t>
+            </a:r>
+          </a:p>
+        </p:txBody>
+      </p:sp>
+      <p:pic>
+        <p:nvPicPr>
+          <p:cNvPr id="7" name="Inhaltsplatzhalter 6" descr="Ein Bild, das Screenshot enthält.&#10;&#10;Automatisch generierte Beschreibung">
+            <a:extLst>
+              <a:ext uri="{FF2B5EF4-FFF2-40B4-BE49-F238E27FC236}">
+                <a16:creationId xmlns:a16="http://schemas.microsoft.com/office/drawing/2014/main" id="{69BFE89E-4FB3-B845-BE66-7A1F3B0E16C1}"/>
+              </a:ext>
+            </a:extLst>
+          </p:cNvPr>
+          <p:cNvPicPr>
+            <a:picLocks noGrp="1" noChangeAspect="1"/>
+          </p:cNvPicPr>
+          <p:nvPr>
+            <p:ph idx="1"/>
+          </p:nvPr>
+        </p:nvPicPr>
+        <p:blipFill>
+          <a:blip r:embed="rId2">
+            <a:extLst>
+              <a:ext uri="{28A0092B-C50C-407E-A947-70E740481C1C}">
+                <a14:useLocalDpi xmlns:a14="http://schemas.microsoft.com/office/drawing/2010/main" val="0"/>
+              </a:ext>
+            </a:extLst>
+          </a:blip>
+          <a:stretch>
+            <a:fillRect/>
+          </a:stretch>
+        </p:blipFill>
+        <p:spPr>
+          <a:xfrm>
+            <a:off x="3236526" y="1270000"/>
+            <a:ext cx="5718947" cy="4502150"/>
+          </a:xfrm>
+        </p:spPr>
+      </p:pic>
+      <p:sp>
+        <p:nvSpPr>
+          <p:cNvPr id="4" name="Datumsplatzhalter 3">
+            <a:extLst>
+              <a:ext uri="{FF2B5EF4-FFF2-40B4-BE49-F238E27FC236}">
+                <a16:creationId xmlns:a16="http://schemas.microsoft.com/office/drawing/2014/main" id="{9CCAFD67-B02A-4CC5-A0AF-41ECCAE2B82F}"/>
+              </a:ext>
+            </a:extLst>
+          </p:cNvPr>
+          <p:cNvSpPr>
+            <a:spLocks noGrp="1"/>
+          </p:cNvSpPr>
+          <p:nvPr>
+            <p:ph type="dt" sz="half" idx="10"/>
+          </p:nvPr>
+        </p:nvSpPr>
+        <p:spPr/>
+        <p:txBody>
+          <a:bodyPr/>
+          <a:lstStyle/>
+          <a:p>
+            <a:r>
+              <a:rPr lang="de-DE"/>
+              <a:t>25.03.2020</a:t>
+            </a:r>
+          </a:p>
+        </p:txBody>
+      </p:sp>
+      <p:sp>
+        <p:nvSpPr>
+          <p:cNvPr id="6" name="Foliennummernplatzhalter 5">
+            <a:extLst>
+              <a:ext uri="{FF2B5EF4-FFF2-40B4-BE49-F238E27FC236}">
+                <a16:creationId xmlns:a16="http://schemas.microsoft.com/office/drawing/2014/main" id="{2014E5A3-BB19-4CC6-A059-F359A2A51340}"/>
+              </a:ext>
+            </a:extLst>
+          </p:cNvPr>
+          <p:cNvSpPr>
+            <a:spLocks noGrp="1"/>
+          </p:cNvSpPr>
+          <p:nvPr>
+            <p:ph type="sldNum" sz="quarter" idx="12"/>
+          </p:nvPr>
+        </p:nvSpPr>
+        <p:spPr/>
+        <p:txBody>
+          <a:bodyPr/>
+          <a:lstStyle/>
+          <a:p>
+            <a:fld id="{61696EC4-B4CF-4701-AD06-A8439D6D8E12}" type="slidenum">
+              <a:rPr lang="de-DE" smtClean="0"/>
+              <a:t>15</a:t>
+            </a:fld>
+            <a:endParaRPr lang="de-DE"/>
+          </a:p>
+        </p:txBody>
+      </p:sp>
+    </p:spTree>
+    <p:extLst>
+      <p:ext uri="{BB962C8B-B14F-4D97-AF65-F5344CB8AC3E}">
+        <p14:creationId xmlns:p14="http://schemas.microsoft.com/office/powerpoint/2010/main" val="2735828084"/>
+      </p:ext>
+    </p:extLst>
+  </p:cSld>
+  <p:clrMapOvr>
+    <a:masterClrMapping/>
+  </p:clrMapOvr>
+</p:sld>
+</file>
+
+<file path=ppt/slides/slide16.xml><?xml version="1.0" encoding="utf-8"?>
+<p:sld xmlns:a="http://schemas.openxmlformats.org/drawingml/2006/main" xmlns:r="http://schemas.openxmlformats.org/officeDocument/2006/relationships" xmlns:p="http://schemas.openxmlformats.org/presentationml/2006/main">
+  <p:cSld>
+    <p:spTree>
+      <p:nvGrpSpPr>
+        <p:cNvPr id="1" name=""/>
+        <p:cNvGrpSpPr/>
+        <p:nvPr/>
+      </p:nvGrpSpPr>
+      <p:grpSpPr>
+        <a:xfrm>
+          <a:off x="0" y="0"/>
+          <a:ext cx="0" cy="0"/>
+          <a:chOff x="0" y="0"/>
+          <a:chExt cx="0" cy="0"/>
+        </a:xfrm>
+      </p:grpSpPr>
+      <p:sp>
+        <p:nvSpPr>
+          <p:cNvPr id="2" name="Titel 1">
+            <a:extLst>
+              <a:ext uri="{FF2B5EF4-FFF2-40B4-BE49-F238E27FC236}">
+                <a16:creationId xmlns:a16="http://schemas.microsoft.com/office/drawing/2014/main" id="{4E4AE26E-BDAE-4262-A057-39AC2366A5F1}"/>
+              </a:ext>
+            </a:extLst>
+          </p:cNvPr>
+          <p:cNvSpPr>
+            <a:spLocks noGrp="1"/>
+          </p:cNvSpPr>
+          <p:nvPr>
+            <p:ph type="title"/>
+          </p:nvPr>
+        </p:nvSpPr>
+        <p:spPr>
+          <a:xfrm>
+            <a:off x="524664" y="444005"/>
+            <a:ext cx="9178008" cy="627829"/>
+          </a:xfrm>
+        </p:spPr>
+        <p:txBody>
+          <a:bodyPr/>
+          <a:lstStyle/>
+          <a:p>
+            <a:r>
+              <a:rPr lang="en-US" noProof="0" dirty="0"/>
+              <a:t>Meta-Modell (5)</a:t>
+            </a:r>
+          </a:p>
+        </p:txBody>
+      </p:sp>
+      <p:pic>
+        <p:nvPicPr>
+          <p:cNvPr id="7" name="Inhaltsplatzhalter 6" descr="Ein Bild, das Screenshot enthält.&#10;&#10;Automatisch generierte Beschreibung">
+            <a:extLst>
+              <a:ext uri="{FF2B5EF4-FFF2-40B4-BE49-F238E27FC236}">
+                <a16:creationId xmlns:a16="http://schemas.microsoft.com/office/drawing/2014/main" id="{62C7D3AB-7537-E546-BC76-8768A15A3C62}"/>
+              </a:ext>
+            </a:extLst>
+          </p:cNvPr>
+          <p:cNvPicPr>
+            <a:picLocks noGrp="1" noChangeAspect="1"/>
+          </p:cNvPicPr>
+          <p:nvPr>
+            <p:ph idx="1"/>
+          </p:nvPr>
+        </p:nvPicPr>
+        <p:blipFill>
+          <a:blip r:embed="rId2">
+            <a:extLst>
+              <a:ext uri="{28A0092B-C50C-407E-A947-70E740481C1C}">
+                <a14:useLocalDpi xmlns:a14="http://schemas.microsoft.com/office/drawing/2010/main" val="0"/>
+              </a:ext>
+            </a:extLst>
+          </a:blip>
+          <a:stretch>
+            <a:fillRect/>
+          </a:stretch>
+        </p:blipFill>
+        <p:spPr>
+          <a:xfrm>
+            <a:off x="3149612" y="1270000"/>
+            <a:ext cx="5892775" cy="4502150"/>
+          </a:xfrm>
+        </p:spPr>
+      </p:pic>
+      <p:sp>
+        <p:nvSpPr>
+          <p:cNvPr id="4" name="Datumsplatzhalter 3">
+            <a:extLst>
+              <a:ext uri="{FF2B5EF4-FFF2-40B4-BE49-F238E27FC236}">
+                <a16:creationId xmlns:a16="http://schemas.microsoft.com/office/drawing/2014/main" id="{9CCAFD67-B02A-4CC5-A0AF-41ECCAE2B82F}"/>
+              </a:ext>
+            </a:extLst>
+          </p:cNvPr>
+          <p:cNvSpPr>
+            <a:spLocks noGrp="1"/>
+          </p:cNvSpPr>
+          <p:nvPr>
+            <p:ph type="dt" sz="half" idx="10"/>
+          </p:nvPr>
+        </p:nvSpPr>
+        <p:spPr/>
+        <p:txBody>
+          <a:bodyPr/>
+          <a:lstStyle/>
+          <a:p>
+            <a:r>
+              <a:rPr lang="de-DE"/>
+              <a:t>25.03.2020</a:t>
+            </a:r>
+          </a:p>
+        </p:txBody>
+      </p:sp>
+      <p:sp>
+        <p:nvSpPr>
+          <p:cNvPr id="6" name="Foliennummernplatzhalter 5">
+            <a:extLst>
+              <a:ext uri="{FF2B5EF4-FFF2-40B4-BE49-F238E27FC236}">
+                <a16:creationId xmlns:a16="http://schemas.microsoft.com/office/drawing/2014/main" id="{2014E5A3-BB19-4CC6-A059-F359A2A51340}"/>
+              </a:ext>
+            </a:extLst>
+          </p:cNvPr>
+          <p:cNvSpPr>
+            <a:spLocks noGrp="1"/>
+          </p:cNvSpPr>
+          <p:nvPr>
+            <p:ph type="sldNum" sz="quarter" idx="12"/>
+          </p:nvPr>
+        </p:nvSpPr>
+        <p:spPr/>
+        <p:txBody>
+          <a:bodyPr/>
+          <a:lstStyle/>
+          <a:p>
+            <a:fld id="{61696EC4-B4CF-4701-AD06-A8439D6D8E12}" type="slidenum">
+              <a:rPr lang="de-DE" smtClean="0"/>
+              <a:t>16</a:t>
+            </a:fld>
+            <a:endParaRPr lang="de-DE"/>
+          </a:p>
+        </p:txBody>
+      </p:sp>
+    </p:spTree>
+    <p:extLst>
+      <p:ext uri="{BB962C8B-B14F-4D97-AF65-F5344CB8AC3E}">
+        <p14:creationId xmlns:p14="http://schemas.microsoft.com/office/powerpoint/2010/main" val="1226132527"/>
+      </p:ext>
+    </p:extLst>
+  </p:cSld>
+  <p:clrMapOvr>
+    <a:masterClrMapping/>
+  </p:clrMapOvr>
+</p:sld>
+</file>
+
+<file path=ppt/slides/slide17.xml><?xml version="1.0" encoding="utf-8"?>
+<p:sld xmlns:a="http://schemas.openxmlformats.org/drawingml/2006/main" xmlns:r="http://schemas.openxmlformats.org/officeDocument/2006/relationships" xmlns:p="http://schemas.openxmlformats.org/presentationml/2006/main">
+  <p:cSld>
+    <p:spTree>
+      <p:nvGrpSpPr>
+        <p:cNvPr id="1" name=""/>
+        <p:cNvGrpSpPr/>
+        <p:nvPr/>
+      </p:nvGrpSpPr>
+      <p:grpSpPr>
+        <a:xfrm>
+          <a:off x="0" y="0"/>
+          <a:ext cx="0" cy="0"/>
+          <a:chOff x="0" y="0"/>
+          <a:chExt cx="0" cy="0"/>
+        </a:xfrm>
+      </p:grpSpPr>
+      <p:sp>
+        <p:nvSpPr>
+          <p:cNvPr id="2" name="Titel 1">
+            <a:extLst>
+              <a:ext uri="{FF2B5EF4-FFF2-40B4-BE49-F238E27FC236}">
+                <a16:creationId xmlns:a16="http://schemas.microsoft.com/office/drawing/2014/main" id="{4E4AE26E-BDAE-4262-A057-39AC2366A5F1}"/>
+              </a:ext>
+            </a:extLst>
+          </p:cNvPr>
+          <p:cNvSpPr>
+            <a:spLocks noGrp="1"/>
+          </p:cNvSpPr>
+          <p:nvPr>
+            <p:ph type="title"/>
+          </p:nvPr>
+        </p:nvSpPr>
+        <p:spPr>
+          <a:xfrm>
+            <a:off x="524664" y="444005"/>
+            <a:ext cx="9178008" cy="627829"/>
+          </a:xfrm>
+        </p:spPr>
+        <p:txBody>
+          <a:bodyPr/>
+          <a:lstStyle/>
+          <a:p>
+            <a:r>
+              <a:rPr lang="en-US" noProof="0" dirty="0" err="1"/>
+              <a:t>Zusammenfassung</a:t>
+            </a:r>
+            <a:endParaRPr lang="en-US" noProof="0" dirty="0"/>
+          </a:p>
+        </p:txBody>
+      </p:sp>
+      <p:sp>
+        <p:nvSpPr>
+          <p:cNvPr id="3" name="Inhaltsplatzhalter 2">
+            <a:extLst>
+              <a:ext uri="{FF2B5EF4-FFF2-40B4-BE49-F238E27FC236}">
+                <a16:creationId xmlns:a16="http://schemas.microsoft.com/office/drawing/2014/main" id="{900E3307-8428-4C7A-A1DA-C96FE547A036}"/>
+              </a:ext>
+            </a:extLst>
+          </p:cNvPr>
+          <p:cNvSpPr>
+            <a:spLocks noGrp="1"/>
+          </p:cNvSpPr>
+          <p:nvPr>
+            <p:ph idx="1"/>
+          </p:nvPr>
+        </p:nvSpPr>
+        <p:spPr>
+          <a:xfrm>
+            <a:off x="524664" y="1269207"/>
+            <a:ext cx="11142672" cy="4502318"/>
+          </a:xfrm>
+        </p:spPr>
+        <p:txBody>
+          <a:bodyPr/>
+          <a:lstStyle/>
+          <a:p>
+            <a:pPr>
+              <a:lnSpc>
+                <a:spcPct val="100000"/>
+              </a:lnSpc>
+            </a:pPr>
+            <a:endParaRPr lang="de-DE" dirty="0"/>
+          </a:p>
+        </p:txBody>
+      </p:sp>
+      <p:sp>
+        <p:nvSpPr>
+          <p:cNvPr id="4" name="Datumsplatzhalter 3">
+            <a:extLst>
+              <a:ext uri="{FF2B5EF4-FFF2-40B4-BE49-F238E27FC236}">
+                <a16:creationId xmlns:a16="http://schemas.microsoft.com/office/drawing/2014/main" id="{9CCAFD67-B02A-4CC5-A0AF-41ECCAE2B82F}"/>
+              </a:ext>
+            </a:extLst>
+          </p:cNvPr>
+          <p:cNvSpPr>
+            <a:spLocks noGrp="1"/>
+          </p:cNvSpPr>
+          <p:nvPr>
+            <p:ph type="dt" sz="half" idx="10"/>
+          </p:nvPr>
+        </p:nvSpPr>
+        <p:spPr/>
+        <p:txBody>
+          <a:bodyPr/>
+          <a:lstStyle/>
+          <a:p>
+            <a:r>
+              <a:rPr lang="de-DE"/>
+              <a:t>25.03.2020</a:t>
+            </a:r>
+          </a:p>
+        </p:txBody>
+      </p:sp>
+      <p:sp>
+        <p:nvSpPr>
+          <p:cNvPr id="6" name="Foliennummernplatzhalter 5">
+            <a:extLst>
+              <a:ext uri="{FF2B5EF4-FFF2-40B4-BE49-F238E27FC236}">
+                <a16:creationId xmlns:a16="http://schemas.microsoft.com/office/drawing/2014/main" id="{2014E5A3-BB19-4CC6-A059-F359A2A51340}"/>
+              </a:ext>
+            </a:extLst>
+          </p:cNvPr>
+          <p:cNvSpPr>
+            <a:spLocks noGrp="1"/>
+          </p:cNvSpPr>
+          <p:nvPr>
+            <p:ph type="sldNum" sz="quarter" idx="12"/>
+          </p:nvPr>
+        </p:nvSpPr>
+        <p:spPr/>
+        <p:txBody>
+          <a:bodyPr/>
+          <a:lstStyle/>
+          <a:p>
+            <a:fld id="{61696EC4-B4CF-4701-AD06-A8439D6D8E12}" type="slidenum">
+              <a:rPr lang="de-DE" smtClean="0"/>
+              <a:t>17</a:t>
             </a:fld>
             <a:endParaRPr lang="de-DE"/>
           </a:p>
@@ -7457,6 +8889,33 @@
               <a:t>Notwendige vs. hinreichende Kriterien</a:t>
             </a:r>
           </a:p>
+          <a:p>
+            <a:pPr lvl="1">
+              <a:lnSpc>
+                <a:spcPct val="100000"/>
+              </a:lnSpc>
+            </a:pPr>
+            <a:r>
+              <a:rPr lang="de-DE" dirty="0"/>
+              <a:t>„</a:t>
+            </a:r>
+            <a:r>
+              <a:rPr lang="de-DE" dirty="0" err="1"/>
+              <a:t>Greedy</a:t>
+            </a:r>
+            <a:r>
+              <a:rPr lang="de-DE" dirty="0"/>
+              <a:t>“-Strategie möglich?</a:t>
+            </a:r>
+          </a:p>
+          <a:p>
+            <a:pPr lvl="1">
+              <a:lnSpc>
+                <a:spcPct val="100000"/>
+              </a:lnSpc>
+            </a:pPr>
+            <a:endParaRPr lang="de-DE" dirty="0"/>
+          </a:p>
         </p:txBody>
       </p:sp>
       <p:sp>
@@ -7513,6 +8972,266 @@
               <a:t>9</a:t>
             </a:fld>
             <a:endParaRPr lang="de-DE"/>
+          </a:p>
+        </p:txBody>
+      </p:sp>
+      <p:sp>
+        <p:nvSpPr>
+          <p:cNvPr id="7" name="Inhaltsplatzhalter 2">
+            <a:extLst>
+              <a:ext uri="{FF2B5EF4-FFF2-40B4-BE49-F238E27FC236}">
+                <a16:creationId xmlns:a16="http://schemas.microsoft.com/office/drawing/2014/main" id="{8AAF696D-35E6-C94A-816B-16AC4067B035}"/>
+              </a:ext>
+            </a:extLst>
+          </p:cNvPr>
+          <p:cNvSpPr txBox="1">
+            <a:spLocks/>
+          </p:cNvSpPr>
+          <p:nvPr/>
+        </p:nvSpPr>
+        <p:spPr>
+          <a:xfrm>
+            <a:off x="6096000" y="2606566"/>
+            <a:ext cx="11142672" cy="4502318"/>
+          </a:xfrm>
+          <a:prstGeom prst="rect">
+            <a:avLst/>
+          </a:prstGeom>
+        </p:spPr>
+        <p:txBody>
+          <a:bodyPr vert="horz" lIns="0" tIns="0" rIns="0" bIns="0" rtlCol="0">
+            <a:normAutofit/>
+          </a:bodyPr>
+          <a:lstStyle>
+            <a:lvl1pPr marL="361950" indent="-361950" algn="l" defTabSz="914400" rtl="0" eaLnBrk="1" latinLnBrk="0" hangingPunct="1">
+              <a:lnSpc>
+                <a:spcPct val="90000"/>
+              </a:lnSpc>
+              <a:spcBef>
+                <a:spcPts val="600"/>
+              </a:spcBef>
+              <a:buSzPct val="88000"/>
+              <a:buFontTx/>
+              <a:buBlip>
+                <a:blip r:embed="rId2"/>
+              </a:buBlip>
+              <a:defRPr sz="2800" kern="1200">
+                <a:solidFill>
+                  <a:schemeClr val="tx1"/>
+                </a:solidFill>
+                <a:latin typeface="+mn-lt"/>
+                <a:ea typeface="+mn-ea"/>
+                <a:cs typeface="+mn-cs"/>
+              </a:defRPr>
+            </a:lvl1pPr>
+            <a:lvl2pPr marL="809625" indent="-361950" algn="l" defTabSz="914400" rtl="0" eaLnBrk="1" latinLnBrk="0" hangingPunct="1">
+              <a:lnSpc>
+                <a:spcPct val="90000"/>
+              </a:lnSpc>
+              <a:spcBef>
+                <a:spcPts val="600"/>
+              </a:spcBef>
+              <a:buSzPct val="88000"/>
+              <a:buFontTx/>
+              <a:buBlip>
+                <a:blip r:embed="rId2"/>
+              </a:buBlip>
+              <a:defRPr sz="2400" kern="1200">
+                <a:solidFill>
+                  <a:schemeClr val="tx1"/>
+                </a:solidFill>
+                <a:latin typeface="+mn-lt"/>
+                <a:ea typeface="+mn-ea"/>
+                <a:cs typeface="+mn-cs"/>
+              </a:defRPr>
+            </a:lvl2pPr>
+            <a:lvl3pPr marL="1257300" indent="-361950" algn="l" defTabSz="914400" rtl="0" eaLnBrk="1" latinLnBrk="0" hangingPunct="1">
+              <a:lnSpc>
+                <a:spcPct val="90000"/>
+              </a:lnSpc>
+              <a:spcBef>
+                <a:spcPts val="600"/>
+              </a:spcBef>
+              <a:buSzPct val="88000"/>
+              <a:buFontTx/>
+              <a:buBlip>
+                <a:blip r:embed="rId2"/>
+              </a:buBlip>
+              <a:defRPr sz="2000" kern="1200">
+                <a:solidFill>
+                  <a:schemeClr val="tx1"/>
+                </a:solidFill>
+                <a:latin typeface="+mn-lt"/>
+                <a:ea typeface="+mn-ea"/>
+                <a:cs typeface="+mn-cs"/>
+              </a:defRPr>
+            </a:lvl3pPr>
+            <a:lvl4pPr marL="1704975" indent="-361950" algn="l" defTabSz="914400" rtl="0" eaLnBrk="1" latinLnBrk="0" hangingPunct="1">
+              <a:lnSpc>
+                <a:spcPct val="90000"/>
+              </a:lnSpc>
+              <a:spcBef>
+                <a:spcPts val="600"/>
+              </a:spcBef>
+              <a:buSzPct val="88000"/>
+              <a:buFontTx/>
+              <a:buBlip>
+                <a:blip r:embed="rId2"/>
+              </a:buBlip>
+              <a:defRPr sz="2000" kern="1200">
+                <a:solidFill>
+                  <a:schemeClr val="tx1"/>
+                </a:solidFill>
+                <a:latin typeface="+mn-lt"/>
+                <a:ea typeface="+mn-ea"/>
+                <a:cs typeface="+mn-cs"/>
+              </a:defRPr>
+            </a:lvl4pPr>
+            <a:lvl5pPr marL="2152650" indent="-361950" algn="l" defTabSz="914400" rtl="0" eaLnBrk="1" latinLnBrk="0" hangingPunct="1">
+              <a:lnSpc>
+                <a:spcPct val="90000"/>
+              </a:lnSpc>
+              <a:spcBef>
+                <a:spcPts val="600"/>
+              </a:spcBef>
+              <a:buSzPct val="88000"/>
+              <a:buFontTx/>
+              <a:buBlip>
+                <a:blip r:embed="rId2"/>
+              </a:buBlip>
+              <a:defRPr sz="2000" kern="1200">
+                <a:solidFill>
+                  <a:schemeClr val="tx1"/>
+                </a:solidFill>
+                <a:latin typeface="+mn-lt"/>
+                <a:ea typeface="+mn-ea"/>
+                <a:cs typeface="+mn-cs"/>
+              </a:defRPr>
+            </a:lvl5pPr>
+            <a:lvl6pPr marL="2514600" indent="-228600" algn="l" defTabSz="914400" rtl="0" eaLnBrk="1" latinLnBrk="0" hangingPunct="1">
+              <a:lnSpc>
+                <a:spcPct val="90000"/>
+              </a:lnSpc>
+              <a:spcBef>
+                <a:spcPts val="500"/>
+              </a:spcBef>
+              <a:buFont typeface="Arial" panose="020B0604020202020204" pitchFamily="34" charset="0"/>
+              <a:buChar char="•"/>
+              <a:defRPr sz="1800" kern="1200">
+                <a:solidFill>
+                  <a:schemeClr val="tx1"/>
+                </a:solidFill>
+                <a:latin typeface="+mn-lt"/>
+                <a:ea typeface="+mn-ea"/>
+                <a:cs typeface="+mn-cs"/>
+              </a:defRPr>
+            </a:lvl6pPr>
+            <a:lvl7pPr marL="2971800" indent="-228600" algn="l" defTabSz="914400" rtl="0" eaLnBrk="1" latinLnBrk="0" hangingPunct="1">
+              <a:lnSpc>
+                <a:spcPct val="90000"/>
+              </a:lnSpc>
+              <a:spcBef>
+                <a:spcPts val="500"/>
+              </a:spcBef>
+              <a:buFont typeface="Arial" panose="020B0604020202020204" pitchFamily="34" charset="0"/>
+              <a:buChar char="•"/>
+              <a:defRPr sz="1800" kern="1200">
+                <a:solidFill>
+                  <a:schemeClr val="tx1"/>
+                </a:solidFill>
+                <a:latin typeface="+mn-lt"/>
+                <a:ea typeface="+mn-ea"/>
+                <a:cs typeface="+mn-cs"/>
+              </a:defRPr>
+            </a:lvl7pPr>
+            <a:lvl8pPr marL="3429000" indent="-228600" algn="l" defTabSz="914400" rtl="0" eaLnBrk="1" latinLnBrk="0" hangingPunct="1">
+              <a:lnSpc>
+                <a:spcPct val="90000"/>
+              </a:lnSpc>
+              <a:spcBef>
+                <a:spcPts val="500"/>
+              </a:spcBef>
+              <a:buFont typeface="Arial" panose="020B0604020202020204" pitchFamily="34" charset="0"/>
+              <a:buChar char="•"/>
+              <a:defRPr sz="1800" kern="1200">
+                <a:solidFill>
+                  <a:schemeClr val="tx1"/>
+                </a:solidFill>
+                <a:latin typeface="+mn-lt"/>
+                <a:ea typeface="+mn-ea"/>
+                <a:cs typeface="+mn-cs"/>
+              </a:defRPr>
+            </a:lvl8pPr>
+            <a:lvl9pPr marL="3886200" indent="-228600" algn="l" defTabSz="914400" rtl="0" eaLnBrk="1" latinLnBrk="0" hangingPunct="1">
+              <a:lnSpc>
+                <a:spcPct val="90000"/>
+              </a:lnSpc>
+              <a:spcBef>
+                <a:spcPts val="500"/>
+              </a:spcBef>
+              <a:buFont typeface="Arial" panose="020B0604020202020204" pitchFamily="34" charset="0"/>
+              <a:buChar char="•"/>
+              <a:defRPr sz="1800" kern="1200">
+                <a:solidFill>
+                  <a:schemeClr val="tx1"/>
+                </a:solidFill>
+                <a:latin typeface="+mn-lt"/>
+                <a:ea typeface="+mn-ea"/>
+                <a:cs typeface="+mn-cs"/>
+              </a:defRPr>
+            </a:lvl9pPr>
+          </a:lstStyle>
+          <a:p>
+            <a:pPr>
+              <a:lnSpc>
+                <a:spcPct val="100000"/>
+              </a:lnSpc>
+            </a:pPr>
+            <a:r>
+              <a:rPr lang="de-DE" dirty="0"/>
+              <a:t>A.1 , A.2 , B ist erlaubt</a:t>
+            </a:r>
+          </a:p>
+          <a:p>
+            <a:pPr lvl="1">
+              <a:lnSpc>
+                <a:spcPct val="100000"/>
+              </a:lnSpc>
+            </a:pPr>
+            <a:r>
+              <a:rPr lang="de-DE" dirty="0"/>
+              <a:t>A.1, B nicht</a:t>
+            </a:r>
+          </a:p>
+          <a:p>
+            <a:pPr lvl="1">
+              <a:lnSpc>
+                <a:spcPct val="100000"/>
+              </a:lnSpc>
+            </a:pPr>
+            <a:r>
+              <a:rPr lang="de-DE" dirty="0"/>
+              <a:t>A.1, A.2, B.1 auch nicht</a:t>
+            </a:r>
+          </a:p>
+          <a:p>
+            <a:pPr>
+              <a:lnSpc>
+                <a:spcPct val="100000"/>
+              </a:lnSpc>
+            </a:pPr>
+            <a:r>
+              <a:rPr lang="de-DE" dirty="0"/>
+              <a:t>Knoten ist Multi-Menge</a:t>
+            </a:r>
+          </a:p>
+          <a:p>
+            <a:pPr lvl="1">
+              <a:lnSpc>
+                <a:spcPct val="100000"/>
+              </a:lnSpc>
+            </a:pPr>
+            <a:endParaRPr lang="de-DE" dirty="0"/>
           </a:p>
         </p:txBody>
       </p:sp>

--- a/presentation/presentation1.pptx
+++ b/presentation/presentation1.pptx
@@ -5,7 +5,7 @@
     <p:sldMasterId id="2147483648" r:id="rId1"/>
   </p:sldMasterIdLst>
   <p:notesMasterIdLst>
-    <p:notesMasterId r:id="rId19"/>
+    <p:notesMasterId r:id="rId20"/>
   </p:notesMasterIdLst>
   <p:sldIdLst>
     <p:sldId id="256" r:id="rId2"/>
@@ -16,15 +16,16 @@
     <p:sldId id="261" r:id="rId7"/>
     <p:sldId id="264" r:id="rId8"/>
     <p:sldId id="262" r:id="rId9"/>
-    <p:sldId id="263" r:id="rId10"/>
-    <p:sldId id="272" r:id="rId11"/>
-    <p:sldId id="265" r:id="rId12"/>
-    <p:sldId id="267" r:id="rId13"/>
-    <p:sldId id="268" r:id="rId14"/>
-    <p:sldId id="269" r:id="rId15"/>
-    <p:sldId id="270" r:id="rId16"/>
-    <p:sldId id="271" r:id="rId17"/>
-    <p:sldId id="266" r:id="rId18"/>
+    <p:sldId id="273" r:id="rId10"/>
+    <p:sldId id="263" r:id="rId11"/>
+    <p:sldId id="272" r:id="rId12"/>
+    <p:sldId id="265" r:id="rId13"/>
+    <p:sldId id="267" r:id="rId14"/>
+    <p:sldId id="268" r:id="rId15"/>
+    <p:sldId id="269" r:id="rId16"/>
+    <p:sldId id="270" r:id="rId17"/>
+    <p:sldId id="271" r:id="rId18"/>
+    <p:sldId id="266" r:id="rId19"/>
   </p:sldIdLst>
   <p:sldSz cx="12192000" cy="6858000"/>
   <p:notesSz cx="6858000" cy="9144000"/>
@@ -213,7 +214,7 @@
           <a:p>
             <a:fld id="{FA8F02CA-77CB-4E54-B712-21E588799EE8}" type="datetimeFigureOut">
               <a:rPr lang="de-DE" smtClean="0"/>
-              <a:t>07.03.20</a:t>
+              <a:t>11.03.20</a:t>
             </a:fld>
             <a:endParaRPr lang="de-DE"/>
           </a:p>
@@ -4648,6 +4649,183 @@
       </p:sp>
       <p:sp>
         <p:nvSpPr>
+          <p:cNvPr id="3" name="Inhaltsplatzhalter 2">
+            <a:extLst>
+              <a:ext uri="{FF2B5EF4-FFF2-40B4-BE49-F238E27FC236}">
+                <a16:creationId xmlns:a16="http://schemas.microsoft.com/office/drawing/2014/main" id="{900E3307-8428-4C7A-A1DA-C96FE547A036}"/>
+              </a:ext>
+            </a:extLst>
+          </p:cNvPr>
+          <p:cNvSpPr>
+            <a:spLocks noGrp="1"/>
+          </p:cNvSpPr>
+          <p:nvPr>
+            <p:ph idx="1"/>
+          </p:nvPr>
+        </p:nvSpPr>
+        <p:spPr>
+          <a:xfrm>
+            <a:off x="524664" y="1269207"/>
+            <a:ext cx="11142672" cy="4502318"/>
+          </a:xfrm>
+        </p:spPr>
+        <p:txBody>
+          <a:bodyPr>
+            <a:normAutofit lnSpcReduction="10000"/>
+          </a:bodyPr>
+          <a:lstStyle/>
+          <a:p>
+            <a:pPr>
+              <a:lnSpc>
+                <a:spcPct val="100000"/>
+              </a:lnSpc>
+            </a:pPr>
+            <a:r>
+              <a:rPr lang="de-DE" dirty="0"/>
+              <a:t>TODO: Baum-Grafik</a:t>
+            </a:r>
+          </a:p>
+          <a:p>
+            <a:pPr>
+              <a:lnSpc>
+                <a:spcPct val="100000"/>
+              </a:lnSpc>
+            </a:pPr>
+            <a:r>
+              <a:rPr lang="de-DE" dirty="0"/>
+              <a:t>„</a:t>
+            </a:r>
+            <a:r>
+              <a:rPr lang="de-DE" dirty="0" err="1"/>
+              <a:t>Generate</a:t>
+            </a:r>
+            <a:r>
+              <a:rPr lang="de-DE" dirty="0"/>
+              <a:t> </a:t>
+            </a:r>
+            <a:r>
+              <a:rPr lang="de-DE" dirty="0" err="1"/>
+              <a:t>and</a:t>
+            </a:r>
+            <a:r>
+              <a:rPr lang="de-DE" dirty="0"/>
+              <a:t> Test“ &amp; Baumaufbau</a:t>
+            </a:r>
+          </a:p>
+          <a:p>
+            <a:pPr>
+              <a:lnSpc>
+                <a:spcPct val="100000"/>
+              </a:lnSpc>
+            </a:pPr>
+            <a:r>
+              <a:rPr lang="de-DE" dirty="0"/>
+              <a:t>Nutzereingabe erschwert Analyse</a:t>
+            </a:r>
+          </a:p>
+          <a:p>
+            <a:pPr>
+              <a:lnSpc>
+                <a:spcPct val="100000"/>
+              </a:lnSpc>
+            </a:pPr>
+            <a:r>
+              <a:rPr lang="de-DE" dirty="0"/>
+              <a:t>Future Work:</a:t>
+            </a:r>
+          </a:p>
+          <a:p>
+            <a:pPr lvl="1">
+              <a:lnSpc>
+                <a:spcPct val="100000"/>
+              </a:lnSpc>
+            </a:pPr>
+            <a:r>
+              <a:rPr lang="de-DE" dirty="0"/>
+              <a:t>Early </a:t>
+            </a:r>
+            <a:r>
+              <a:rPr lang="de-DE" dirty="0" err="1"/>
+              <a:t>Pruning</a:t>
+            </a:r>
+            <a:endParaRPr lang="de-DE" dirty="0"/>
+          </a:p>
+          <a:p>
+            <a:pPr lvl="1">
+              <a:lnSpc>
+                <a:spcPct val="100000"/>
+              </a:lnSpc>
+            </a:pPr>
+            <a:r>
+              <a:rPr lang="de-DE" dirty="0"/>
+              <a:t>Schrittweite</a:t>
+            </a:r>
+          </a:p>
+          <a:p>
+            <a:pPr lvl="1">
+              <a:lnSpc>
+                <a:spcPct val="100000"/>
+              </a:lnSpc>
+            </a:pPr>
+            <a:r>
+              <a:rPr lang="de-DE" dirty="0"/>
+              <a:t>Vorberechnung</a:t>
+            </a:r>
+          </a:p>
+          <a:p>
+            <a:pPr lvl="1">
+              <a:lnSpc>
+                <a:spcPct val="100000"/>
+              </a:lnSpc>
+            </a:pPr>
+            <a:r>
+              <a:rPr lang="de-DE" dirty="0"/>
+              <a:t>Notwendige vs. hinreichende Kriterien</a:t>
+            </a:r>
+          </a:p>
+          <a:p>
+            <a:pPr lvl="1">
+              <a:lnSpc>
+                <a:spcPct val="100000"/>
+              </a:lnSpc>
+            </a:pPr>
+            <a:r>
+              <a:rPr lang="de-DE" dirty="0"/>
+              <a:t>„</a:t>
+            </a:r>
+            <a:r>
+              <a:rPr lang="de-DE" dirty="0" err="1"/>
+              <a:t>Greedy</a:t>
+            </a:r>
+            <a:r>
+              <a:rPr lang="de-DE" dirty="0"/>
+              <a:t>“-Strategie möglich?</a:t>
+            </a:r>
+          </a:p>
+          <a:p>
+            <a:pPr lvl="1">
+              <a:lnSpc>
+                <a:spcPct val="100000"/>
+              </a:lnSpc>
+            </a:pPr>
+            <a:r>
+              <a:rPr lang="de-DE"/>
+              <a:t>Erklärbarkeit</a:t>
+            </a:r>
+            <a:endParaRPr lang="de-DE" dirty="0"/>
+          </a:p>
+          <a:p>
+            <a:pPr lvl="1">
+              <a:lnSpc>
+                <a:spcPct val="100000"/>
+              </a:lnSpc>
+            </a:pPr>
+            <a:endParaRPr lang="de-DE" dirty="0"/>
+          </a:p>
+        </p:txBody>
+      </p:sp>
+      <p:sp>
+        <p:nvSpPr>
           <p:cNvPr id="4" name="Datumsplatzhalter 3">
             <a:extLst>
               <a:ext uri="{FF2B5EF4-FFF2-40B4-BE49-F238E27FC236}">
@@ -4719,8 +4897,8 @@
         </p:nvSpPr>
         <p:spPr>
           <a:xfrm>
-            <a:off x="279993" y="4338424"/>
-            <a:ext cx="3531477" cy="1407920"/>
+            <a:off x="6096000" y="2606566"/>
+            <a:ext cx="11142672" cy="4502318"/>
           </a:xfrm>
           <a:prstGeom prst="rect">
             <a:avLst/>
@@ -4916,7 +5094,7 @@
               </a:lnSpc>
             </a:pPr>
             <a:r>
-              <a:rPr lang="de-DE" sz="2000" dirty="0"/>
+              <a:rPr lang="de-DE" dirty="0"/>
               <a:t>A.1 , A.2 , B ist erlaubt</a:t>
             </a:r>
           </a:p>
@@ -4927,7 +5105,7 @@
               </a:lnSpc>
             </a:pPr>
             <a:r>
-              <a:rPr lang="de-DE" sz="1800" dirty="0"/>
+              <a:rPr lang="de-DE" dirty="0"/>
               <a:t>A.1, B nicht</a:t>
             </a:r>
           </a:p>
@@ -4938,7 +5116,7 @@
               </a:lnSpc>
             </a:pPr>
             <a:r>
-              <a:rPr lang="de-DE" sz="1800" dirty="0"/>
+              <a:rPr lang="de-DE" dirty="0"/>
               <a:t>A.1, A.2, B.1 auch nicht</a:t>
             </a:r>
           </a:p>
@@ -4949,7 +5127,7 @@
               </a:lnSpc>
             </a:pPr>
             <a:r>
-              <a:rPr lang="de-DE" sz="2000" dirty="0"/>
+              <a:rPr lang="de-DE" dirty="0"/>
               <a:t>Knoten ist Multi-Menge</a:t>
             </a:r>
           </a:p>
@@ -4963,12 +5141,133 @@
           </a:p>
         </p:txBody>
       </p:sp>
-      <p:sp>
-        <p:nvSpPr>
-          <p:cNvPr id="11" name="Inhaltsplatzhalter 2">
-            <a:extLst>
-              <a:ext uri="{FF2B5EF4-FFF2-40B4-BE49-F238E27FC236}">
-                <a16:creationId xmlns:a16="http://schemas.microsoft.com/office/drawing/2014/main" id="{5369B94C-4C74-434B-8917-6AB66EF8A3B5}"/>
+    </p:spTree>
+    <p:extLst>
+      <p:ext uri="{BB962C8B-B14F-4D97-AF65-F5344CB8AC3E}">
+        <p14:creationId xmlns:p14="http://schemas.microsoft.com/office/powerpoint/2010/main" val="3528647106"/>
+      </p:ext>
+    </p:extLst>
+  </p:cSld>
+  <p:clrMapOvr>
+    <a:masterClrMapping/>
+  </p:clrMapOvr>
+</p:sld>
+</file>
+
+<file path=ppt/slides/slide11.xml><?xml version="1.0" encoding="utf-8"?>
+<p:sld xmlns:a="http://schemas.openxmlformats.org/drawingml/2006/main" xmlns:r="http://schemas.openxmlformats.org/officeDocument/2006/relationships" xmlns:p="http://schemas.openxmlformats.org/presentationml/2006/main">
+  <p:cSld>
+    <p:spTree>
+      <p:nvGrpSpPr>
+        <p:cNvPr id="1" name=""/>
+        <p:cNvGrpSpPr/>
+        <p:nvPr/>
+      </p:nvGrpSpPr>
+      <p:grpSpPr>
+        <a:xfrm>
+          <a:off x="0" y="0"/>
+          <a:ext cx="0" cy="0"/>
+          <a:chOff x="0" y="0"/>
+          <a:chExt cx="0" cy="0"/>
+        </a:xfrm>
+      </p:grpSpPr>
+      <p:sp>
+        <p:nvSpPr>
+          <p:cNvPr id="2" name="Titel 1">
+            <a:extLst>
+              <a:ext uri="{FF2B5EF4-FFF2-40B4-BE49-F238E27FC236}">
+                <a16:creationId xmlns:a16="http://schemas.microsoft.com/office/drawing/2014/main" id="{4E4AE26E-BDAE-4262-A057-39AC2366A5F1}"/>
+              </a:ext>
+            </a:extLst>
+          </p:cNvPr>
+          <p:cNvSpPr>
+            <a:spLocks noGrp="1"/>
+          </p:cNvSpPr>
+          <p:nvPr>
+            <p:ph type="title"/>
+          </p:nvPr>
+        </p:nvSpPr>
+        <p:spPr>
+          <a:xfrm>
+            <a:off x="524664" y="444005"/>
+            <a:ext cx="9178008" cy="627829"/>
+          </a:xfrm>
+        </p:spPr>
+        <p:txBody>
+          <a:bodyPr/>
+          <a:lstStyle/>
+          <a:p>
+            <a:r>
+              <a:rPr lang="en-US" noProof="0" dirty="0" err="1"/>
+              <a:t>Validierung</a:t>
+            </a:r>
+            <a:endParaRPr lang="en-US" noProof="0" dirty="0"/>
+          </a:p>
+        </p:txBody>
+      </p:sp>
+      <p:sp>
+        <p:nvSpPr>
+          <p:cNvPr id="4" name="Datumsplatzhalter 3">
+            <a:extLst>
+              <a:ext uri="{FF2B5EF4-FFF2-40B4-BE49-F238E27FC236}">
+                <a16:creationId xmlns:a16="http://schemas.microsoft.com/office/drawing/2014/main" id="{9CCAFD67-B02A-4CC5-A0AF-41ECCAE2B82F}"/>
+              </a:ext>
+            </a:extLst>
+          </p:cNvPr>
+          <p:cNvSpPr>
+            <a:spLocks noGrp="1"/>
+          </p:cNvSpPr>
+          <p:nvPr>
+            <p:ph type="dt" sz="half" idx="10"/>
+          </p:nvPr>
+        </p:nvSpPr>
+        <p:spPr/>
+        <p:txBody>
+          <a:bodyPr/>
+          <a:lstStyle/>
+          <a:p>
+            <a:r>
+              <a:rPr lang="de-DE"/>
+              <a:t>25.03.2020</a:t>
+            </a:r>
+          </a:p>
+        </p:txBody>
+      </p:sp>
+      <p:sp>
+        <p:nvSpPr>
+          <p:cNvPr id="6" name="Foliennummernplatzhalter 5">
+            <a:extLst>
+              <a:ext uri="{FF2B5EF4-FFF2-40B4-BE49-F238E27FC236}">
+                <a16:creationId xmlns:a16="http://schemas.microsoft.com/office/drawing/2014/main" id="{2014E5A3-BB19-4CC6-A059-F359A2A51340}"/>
+              </a:ext>
+            </a:extLst>
+          </p:cNvPr>
+          <p:cNvSpPr>
+            <a:spLocks noGrp="1"/>
+          </p:cNvSpPr>
+          <p:nvPr>
+            <p:ph type="sldNum" sz="quarter" idx="12"/>
+          </p:nvPr>
+        </p:nvSpPr>
+        <p:spPr/>
+        <p:txBody>
+          <a:bodyPr/>
+          <a:lstStyle/>
+          <a:p>
+            <a:fld id="{61696EC4-B4CF-4701-AD06-A8439D6D8E12}" type="slidenum">
+              <a:rPr lang="de-DE" smtClean="0"/>
+              <a:t>11</a:t>
+            </a:fld>
+            <a:endParaRPr lang="de-DE"/>
+          </a:p>
+        </p:txBody>
+      </p:sp>
+      <p:sp>
+        <p:nvSpPr>
+          <p:cNvPr id="7" name="Inhaltsplatzhalter 2">
+            <a:extLst>
+              <a:ext uri="{FF2B5EF4-FFF2-40B4-BE49-F238E27FC236}">
+                <a16:creationId xmlns:a16="http://schemas.microsoft.com/office/drawing/2014/main" id="{8AAF696D-35E6-C94A-816B-16AC4067B035}"/>
               </a:ext>
             </a:extLst>
           </p:cNvPr>
@@ -4979,7 +5278,7 @@
         </p:nvSpPr>
         <p:spPr>
           <a:xfrm>
-            <a:off x="3942174" y="4332318"/>
+            <a:off x="279993" y="4338424"/>
             <a:ext cx="3531477" cy="1407920"/>
           </a:xfrm>
           <a:prstGeom prst="rect">
@@ -5177,6 +5476,266 @@
             </a:pPr>
             <a:r>
               <a:rPr lang="de-DE" sz="2000" dirty="0"/>
+              <a:t>A.1 , A.2 , B ist erlaubt</a:t>
+            </a:r>
+          </a:p>
+          <a:p>
+            <a:pPr lvl="1">
+              <a:lnSpc>
+                <a:spcPct val="100000"/>
+              </a:lnSpc>
+            </a:pPr>
+            <a:r>
+              <a:rPr lang="de-DE" sz="1800" dirty="0"/>
+              <a:t>A.1, B nicht</a:t>
+            </a:r>
+          </a:p>
+          <a:p>
+            <a:pPr lvl="1">
+              <a:lnSpc>
+                <a:spcPct val="100000"/>
+              </a:lnSpc>
+            </a:pPr>
+            <a:r>
+              <a:rPr lang="de-DE" sz="1800" dirty="0"/>
+              <a:t>A.1, A.2, B.1 auch nicht</a:t>
+            </a:r>
+          </a:p>
+          <a:p>
+            <a:pPr>
+              <a:lnSpc>
+                <a:spcPct val="100000"/>
+              </a:lnSpc>
+            </a:pPr>
+            <a:r>
+              <a:rPr lang="de-DE" sz="2000" dirty="0"/>
+              <a:t>Knoten ist Multi-Menge</a:t>
+            </a:r>
+          </a:p>
+          <a:p>
+            <a:pPr lvl="1">
+              <a:lnSpc>
+                <a:spcPct val="100000"/>
+              </a:lnSpc>
+            </a:pPr>
+            <a:endParaRPr lang="de-DE" dirty="0"/>
+          </a:p>
+        </p:txBody>
+      </p:sp>
+      <p:sp>
+        <p:nvSpPr>
+          <p:cNvPr id="11" name="Inhaltsplatzhalter 2">
+            <a:extLst>
+              <a:ext uri="{FF2B5EF4-FFF2-40B4-BE49-F238E27FC236}">
+                <a16:creationId xmlns:a16="http://schemas.microsoft.com/office/drawing/2014/main" id="{5369B94C-4C74-434B-8917-6AB66EF8A3B5}"/>
+              </a:ext>
+            </a:extLst>
+          </p:cNvPr>
+          <p:cNvSpPr txBox="1">
+            <a:spLocks/>
+          </p:cNvSpPr>
+          <p:nvPr/>
+        </p:nvSpPr>
+        <p:spPr>
+          <a:xfrm>
+            <a:off x="3942174" y="4332318"/>
+            <a:ext cx="3531477" cy="1407920"/>
+          </a:xfrm>
+          <a:prstGeom prst="rect">
+            <a:avLst/>
+          </a:prstGeom>
+        </p:spPr>
+        <p:txBody>
+          <a:bodyPr vert="horz" lIns="0" tIns="0" rIns="0" bIns="0" rtlCol="0">
+            <a:normAutofit/>
+          </a:bodyPr>
+          <a:lstStyle>
+            <a:lvl1pPr marL="361950" indent="-361950" algn="l" defTabSz="914400" rtl="0" eaLnBrk="1" latinLnBrk="0" hangingPunct="1">
+              <a:lnSpc>
+                <a:spcPct val="90000"/>
+              </a:lnSpc>
+              <a:spcBef>
+                <a:spcPts val="600"/>
+              </a:spcBef>
+              <a:buSzPct val="88000"/>
+              <a:buFontTx/>
+              <a:buBlip>
+                <a:blip r:embed="rId2"/>
+              </a:buBlip>
+              <a:defRPr sz="2800" kern="1200">
+                <a:solidFill>
+                  <a:schemeClr val="tx1"/>
+                </a:solidFill>
+                <a:latin typeface="+mn-lt"/>
+                <a:ea typeface="+mn-ea"/>
+                <a:cs typeface="+mn-cs"/>
+              </a:defRPr>
+            </a:lvl1pPr>
+            <a:lvl2pPr marL="809625" indent="-361950" algn="l" defTabSz="914400" rtl="0" eaLnBrk="1" latinLnBrk="0" hangingPunct="1">
+              <a:lnSpc>
+                <a:spcPct val="90000"/>
+              </a:lnSpc>
+              <a:spcBef>
+                <a:spcPts val="600"/>
+              </a:spcBef>
+              <a:buSzPct val="88000"/>
+              <a:buFontTx/>
+              <a:buBlip>
+                <a:blip r:embed="rId2"/>
+              </a:buBlip>
+              <a:defRPr sz="2400" kern="1200">
+                <a:solidFill>
+                  <a:schemeClr val="tx1"/>
+                </a:solidFill>
+                <a:latin typeface="+mn-lt"/>
+                <a:ea typeface="+mn-ea"/>
+                <a:cs typeface="+mn-cs"/>
+              </a:defRPr>
+            </a:lvl2pPr>
+            <a:lvl3pPr marL="1257300" indent="-361950" algn="l" defTabSz="914400" rtl="0" eaLnBrk="1" latinLnBrk="0" hangingPunct="1">
+              <a:lnSpc>
+                <a:spcPct val="90000"/>
+              </a:lnSpc>
+              <a:spcBef>
+                <a:spcPts val="600"/>
+              </a:spcBef>
+              <a:buSzPct val="88000"/>
+              <a:buFontTx/>
+              <a:buBlip>
+                <a:blip r:embed="rId2"/>
+              </a:buBlip>
+              <a:defRPr sz="2000" kern="1200">
+                <a:solidFill>
+                  <a:schemeClr val="tx1"/>
+                </a:solidFill>
+                <a:latin typeface="+mn-lt"/>
+                <a:ea typeface="+mn-ea"/>
+                <a:cs typeface="+mn-cs"/>
+              </a:defRPr>
+            </a:lvl3pPr>
+            <a:lvl4pPr marL="1704975" indent="-361950" algn="l" defTabSz="914400" rtl="0" eaLnBrk="1" latinLnBrk="0" hangingPunct="1">
+              <a:lnSpc>
+                <a:spcPct val="90000"/>
+              </a:lnSpc>
+              <a:spcBef>
+                <a:spcPts val="600"/>
+              </a:spcBef>
+              <a:buSzPct val="88000"/>
+              <a:buFontTx/>
+              <a:buBlip>
+                <a:blip r:embed="rId2"/>
+              </a:buBlip>
+              <a:defRPr sz="2000" kern="1200">
+                <a:solidFill>
+                  <a:schemeClr val="tx1"/>
+                </a:solidFill>
+                <a:latin typeface="+mn-lt"/>
+                <a:ea typeface="+mn-ea"/>
+                <a:cs typeface="+mn-cs"/>
+              </a:defRPr>
+            </a:lvl4pPr>
+            <a:lvl5pPr marL="2152650" indent="-361950" algn="l" defTabSz="914400" rtl="0" eaLnBrk="1" latinLnBrk="0" hangingPunct="1">
+              <a:lnSpc>
+                <a:spcPct val="90000"/>
+              </a:lnSpc>
+              <a:spcBef>
+                <a:spcPts val="600"/>
+              </a:spcBef>
+              <a:buSzPct val="88000"/>
+              <a:buFontTx/>
+              <a:buBlip>
+                <a:blip r:embed="rId2"/>
+              </a:buBlip>
+              <a:defRPr sz="2000" kern="1200">
+                <a:solidFill>
+                  <a:schemeClr val="tx1"/>
+                </a:solidFill>
+                <a:latin typeface="+mn-lt"/>
+                <a:ea typeface="+mn-ea"/>
+                <a:cs typeface="+mn-cs"/>
+              </a:defRPr>
+            </a:lvl5pPr>
+            <a:lvl6pPr marL="2514600" indent="-228600" algn="l" defTabSz="914400" rtl="0" eaLnBrk="1" latinLnBrk="0" hangingPunct="1">
+              <a:lnSpc>
+                <a:spcPct val="90000"/>
+              </a:lnSpc>
+              <a:spcBef>
+                <a:spcPts val="500"/>
+              </a:spcBef>
+              <a:buFont typeface="Arial" panose="020B0604020202020204" pitchFamily="34" charset="0"/>
+              <a:buChar char="•"/>
+              <a:defRPr sz="1800" kern="1200">
+                <a:solidFill>
+                  <a:schemeClr val="tx1"/>
+                </a:solidFill>
+                <a:latin typeface="+mn-lt"/>
+                <a:ea typeface="+mn-ea"/>
+                <a:cs typeface="+mn-cs"/>
+              </a:defRPr>
+            </a:lvl6pPr>
+            <a:lvl7pPr marL="2971800" indent="-228600" algn="l" defTabSz="914400" rtl="0" eaLnBrk="1" latinLnBrk="0" hangingPunct="1">
+              <a:lnSpc>
+                <a:spcPct val="90000"/>
+              </a:lnSpc>
+              <a:spcBef>
+                <a:spcPts val="500"/>
+              </a:spcBef>
+              <a:buFont typeface="Arial" panose="020B0604020202020204" pitchFamily="34" charset="0"/>
+              <a:buChar char="•"/>
+              <a:defRPr sz="1800" kern="1200">
+                <a:solidFill>
+                  <a:schemeClr val="tx1"/>
+                </a:solidFill>
+                <a:latin typeface="+mn-lt"/>
+                <a:ea typeface="+mn-ea"/>
+                <a:cs typeface="+mn-cs"/>
+              </a:defRPr>
+            </a:lvl7pPr>
+            <a:lvl8pPr marL="3429000" indent="-228600" algn="l" defTabSz="914400" rtl="0" eaLnBrk="1" latinLnBrk="0" hangingPunct="1">
+              <a:lnSpc>
+                <a:spcPct val="90000"/>
+              </a:lnSpc>
+              <a:spcBef>
+                <a:spcPts val="500"/>
+              </a:spcBef>
+              <a:buFont typeface="Arial" panose="020B0604020202020204" pitchFamily="34" charset="0"/>
+              <a:buChar char="•"/>
+              <a:defRPr sz="1800" kern="1200">
+                <a:solidFill>
+                  <a:schemeClr val="tx1"/>
+                </a:solidFill>
+                <a:latin typeface="+mn-lt"/>
+                <a:ea typeface="+mn-ea"/>
+                <a:cs typeface="+mn-cs"/>
+              </a:defRPr>
+            </a:lvl8pPr>
+            <a:lvl9pPr marL="3886200" indent="-228600" algn="l" defTabSz="914400" rtl="0" eaLnBrk="1" latinLnBrk="0" hangingPunct="1">
+              <a:lnSpc>
+                <a:spcPct val="90000"/>
+              </a:lnSpc>
+              <a:spcBef>
+                <a:spcPts val="500"/>
+              </a:spcBef>
+              <a:buFont typeface="Arial" panose="020B0604020202020204" pitchFamily="34" charset="0"/>
+              <a:buChar char="•"/>
+              <a:defRPr sz="1800" kern="1200">
+                <a:solidFill>
+                  <a:schemeClr val="tx1"/>
+                </a:solidFill>
+                <a:latin typeface="+mn-lt"/>
+                <a:ea typeface="+mn-ea"/>
+                <a:cs typeface="+mn-cs"/>
+              </a:defRPr>
+            </a:lvl9pPr>
+          </a:lstStyle>
+          <a:p>
+            <a:pPr>
+              <a:lnSpc>
+                <a:spcPct val="100000"/>
+              </a:lnSpc>
+            </a:pPr>
+            <a:r>
+              <a:rPr lang="de-DE" sz="2000" dirty="0"/>
               <a:t>„Ausnahmen“ generieren alle Kandidaten</a:t>
             </a:r>
           </a:p>
@@ -5246,161 +5805,6 @@
 </p:sld>
 </file>
 
-<file path=ppt/slides/slide11.xml><?xml version="1.0" encoding="utf-8"?>
-<p:sld xmlns:a="http://schemas.openxmlformats.org/drawingml/2006/main" xmlns:r="http://schemas.openxmlformats.org/officeDocument/2006/relationships" xmlns:p="http://schemas.openxmlformats.org/presentationml/2006/main">
-  <p:cSld>
-    <p:spTree>
-      <p:nvGrpSpPr>
-        <p:cNvPr id="1" name=""/>
-        <p:cNvGrpSpPr/>
-        <p:nvPr/>
-      </p:nvGrpSpPr>
-      <p:grpSpPr>
-        <a:xfrm>
-          <a:off x="0" y="0"/>
-          <a:ext cx="0" cy="0"/>
-          <a:chOff x="0" y="0"/>
-          <a:chExt cx="0" cy="0"/>
-        </a:xfrm>
-      </p:grpSpPr>
-      <p:sp>
-        <p:nvSpPr>
-          <p:cNvPr id="2" name="Titel 1">
-            <a:extLst>
-              <a:ext uri="{FF2B5EF4-FFF2-40B4-BE49-F238E27FC236}">
-                <a16:creationId xmlns:a16="http://schemas.microsoft.com/office/drawing/2014/main" id="{4E4AE26E-BDAE-4262-A057-39AC2366A5F1}"/>
-              </a:ext>
-            </a:extLst>
-          </p:cNvPr>
-          <p:cNvSpPr>
-            <a:spLocks noGrp="1"/>
-          </p:cNvSpPr>
-          <p:nvPr>
-            <p:ph type="title"/>
-          </p:nvPr>
-        </p:nvSpPr>
-        <p:spPr>
-          <a:xfrm>
-            <a:off x="524664" y="444005"/>
-            <a:ext cx="9178008" cy="627829"/>
-          </a:xfrm>
-        </p:spPr>
-        <p:txBody>
-          <a:bodyPr/>
-          <a:lstStyle/>
-          <a:p>
-            <a:r>
-              <a:rPr lang="en-US" noProof="0" dirty="0"/>
-              <a:t>Demo</a:t>
-            </a:r>
-          </a:p>
-        </p:txBody>
-      </p:sp>
-      <p:sp>
-        <p:nvSpPr>
-          <p:cNvPr id="3" name="Inhaltsplatzhalter 2">
-            <a:extLst>
-              <a:ext uri="{FF2B5EF4-FFF2-40B4-BE49-F238E27FC236}">
-                <a16:creationId xmlns:a16="http://schemas.microsoft.com/office/drawing/2014/main" id="{900E3307-8428-4C7A-A1DA-C96FE547A036}"/>
-              </a:ext>
-            </a:extLst>
-          </p:cNvPr>
-          <p:cNvSpPr>
-            <a:spLocks noGrp="1"/>
-          </p:cNvSpPr>
-          <p:nvPr>
-            <p:ph idx="1"/>
-          </p:nvPr>
-        </p:nvSpPr>
-        <p:spPr>
-          <a:xfrm>
-            <a:off x="524664" y="1269207"/>
-            <a:ext cx="11142672" cy="4502318"/>
-          </a:xfrm>
-        </p:spPr>
-        <p:txBody>
-          <a:bodyPr/>
-          <a:lstStyle/>
-          <a:p>
-            <a:pPr>
-              <a:lnSpc>
-                <a:spcPct val="100000"/>
-              </a:lnSpc>
-            </a:pPr>
-            <a:endParaRPr lang="de-DE" dirty="0"/>
-          </a:p>
-        </p:txBody>
-      </p:sp>
-      <p:sp>
-        <p:nvSpPr>
-          <p:cNvPr id="4" name="Datumsplatzhalter 3">
-            <a:extLst>
-              <a:ext uri="{FF2B5EF4-FFF2-40B4-BE49-F238E27FC236}">
-                <a16:creationId xmlns:a16="http://schemas.microsoft.com/office/drawing/2014/main" id="{9CCAFD67-B02A-4CC5-A0AF-41ECCAE2B82F}"/>
-              </a:ext>
-            </a:extLst>
-          </p:cNvPr>
-          <p:cNvSpPr>
-            <a:spLocks noGrp="1"/>
-          </p:cNvSpPr>
-          <p:nvPr>
-            <p:ph type="dt" sz="half" idx="10"/>
-          </p:nvPr>
-        </p:nvSpPr>
-        <p:spPr/>
-        <p:txBody>
-          <a:bodyPr/>
-          <a:lstStyle/>
-          <a:p>
-            <a:r>
-              <a:rPr lang="de-DE"/>
-              <a:t>25.03.2020</a:t>
-            </a:r>
-          </a:p>
-        </p:txBody>
-      </p:sp>
-      <p:sp>
-        <p:nvSpPr>
-          <p:cNvPr id="6" name="Foliennummernplatzhalter 5">
-            <a:extLst>
-              <a:ext uri="{FF2B5EF4-FFF2-40B4-BE49-F238E27FC236}">
-                <a16:creationId xmlns:a16="http://schemas.microsoft.com/office/drawing/2014/main" id="{2014E5A3-BB19-4CC6-A059-F359A2A51340}"/>
-              </a:ext>
-            </a:extLst>
-          </p:cNvPr>
-          <p:cNvSpPr>
-            <a:spLocks noGrp="1"/>
-          </p:cNvSpPr>
-          <p:nvPr>
-            <p:ph type="sldNum" sz="quarter" idx="12"/>
-          </p:nvPr>
-        </p:nvSpPr>
-        <p:spPr/>
-        <p:txBody>
-          <a:bodyPr/>
-          <a:lstStyle/>
-          <a:p>
-            <a:fld id="{61696EC4-B4CF-4701-AD06-A8439D6D8E12}" type="slidenum">
-              <a:rPr lang="de-DE" smtClean="0"/>
-              <a:t>11</a:t>
-            </a:fld>
-            <a:endParaRPr lang="de-DE"/>
-          </a:p>
-        </p:txBody>
-      </p:sp>
-    </p:spTree>
-    <p:extLst>
-      <p:ext uri="{BB962C8B-B14F-4D97-AF65-F5344CB8AC3E}">
-        <p14:creationId xmlns:p14="http://schemas.microsoft.com/office/powerpoint/2010/main" val="1866389151"/>
-      </p:ext>
-    </p:extLst>
-  </p:cSld>
-  <p:clrMapOvr>
-    <a:masterClrMapping/>
-  </p:clrMapOvr>
-</p:sld>
-</file>
-
 <file path=ppt/slides/slide12.xml><?xml version="1.0" encoding="utf-8"?>
 <p:sld xmlns:a="http://schemas.openxmlformats.org/drawingml/2006/main" xmlns:r="http://schemas.openxmlformats.org/officeDocument/2006/relationships" xmlns:p="http://schemas.openxmlformats.org/presentationml/2006/main">
   <p:cSld>
@@ -5446,46 +5850,46 @@
           <a:p>
             <a:r>
               <a:rPr lang="en-US" noProof="0" dirty="0"/>
-              <a:t>Meta-Modell (1)</a:t>
-            </a:r>
-          </a:p>
-        </p:txBody>
-      </p:sp>
-      <p:pic>
-        <p:nvPicPr>
-          <p:cNvPr id="7" name="Inhaltsplatzhalter 6">
-            <a:extLst>
-              <a:ext uri="{FF2B5EF4-FFF2-40B4-BE49-F238E27FC236}">
-                <a16:creationId xmlns:a16="http://schemas.microsoft.com/office/drawing/2014/main" id="{AAFBDB75-4142-7142-926F-5BA01FB0FEA5}"/>
-              </a:ext>
-            </a:extLst>
-          </p:cNvPr>
-          <p:cNvPicPr>
-            <a:picLocks noGrp="1" noChangeAspect="1"/>
-          </p:cNvPicPr>
+              <a:t>Demo</a:t>
+            </a:r>
+          </a:p>
+        </p:txBody>
+      </p:sp>
+      <p:sp>
+        <p:nvSpPr>
+          <p:cNvPr id="3" name="Inhaltsplatzhalter 2">
+            <a:extLst>
+              <a:ext uri="{FF2B5EF4-FFF2-40B4-BE49-F238E27FC236}">
+                <a16:creationId xmlns:a16="http://schemas.microsoft.com/office/drawing/2014/main" id="{900E3307-8428-4C7A-A1DA-C96FE547A036}"/>
+              </a:ext>
+            </a:extLst>
+          </p:cNvPr>
+          <p:cNvSpPr>
+            <a:spLocks noGrp="1"/>
+          </p:cNvSpPr>
           <p:nvPr>
             <p:ph idx="1"/>
           </p:nvPr>
-        </p:nvPicPr>
-        <p:blipFill>
-          <a:blip r:embed="rId2">
-            <a:extLst>
-              <a:ext uri="{28A0092B-C50C-407E-A947-70E740481C1C}">
-                <a14:useLocalDpi xmlns:a14="http://schemas.microsoft.com/office/drawing/2010/main" val="0"/>
-              </a:ext>
-            </a:extLst>
-          </a:blip>
-          <a:stretch>
-            <a:fillRect/>
-          </a:stretch>
-        </p:blipFill>
+        </p:nvSpPr>
         <p:spPr>
           <a:xfrm>
-            <a:off x="2899213" y="1261021"/>
-            <a:ext cx="5330387" cy="1819354"/>
+            <a:off x="524664" y="1269207"/>
+            <a:ext cx="11142672" cy="4502318"/>
           </a:xfrm>
         </p:spPr>
-      </p:pic>
+        <p:txBody>
+          <a:bodyPr/>
+          <a:lstStyle/>
+          <a:p>
+            <a:pPr>
+              <a:lnSpc>
+                <a:spcPct val="100000"/>
+              </a:lnSpc>
+            </a:pPr>
+            <a:endParaRPr lang="de-DE" dirty="0"/>
+          </a:p>
+        </p:txBody>
+      </p:sp>
       <p:sp>
         <p:nvSpPr>
           <p:cNvPr id="4" name="Datumsplatzhalter 3">
@@ -5546,7 +5950,7 @@
     </p:spTree>
     <p:extLst>
       <p:ext uri="{BB962C8B-B14F-4D97-AF65-F5344CB8AC3E}">
-        <p14:creationId xmlns:p14="http://schemas.microsoft.com/office/powerpoint/2010/main" val="2669224639"/>
+        <p14:creationId xmlns:p14="http://schemas.microsoft.com/office/powerpoint/2010/main" val="1866389151"/>
       </p:ext>
     </p:extLst>
   </p:cSld>
@@ -5601,7 +6005,7 @@
           <a:p>
             <a:r>
               <a:rPr lang="en-US" noProof="0" dirty="0"/>
-              <a:t>Meta-Modell (2)</a:t>
+              <a:t>Meta-Modell (1)</a:t>
             </a:r>
           </a:p>
         </p:txBody>
@@ -5611,7 +6015,7 @@
           <p:cNvPr id="7" name="Inhaltsplatzhalter 6">
             <a:extLst>
               <a:ext uri="{FF2B5EF4-FFF2-40B4-BE49-F238E27FC236}">
-                <a16:creationId xmlns:a16="http://schemas.microsoft.com/office/drawing/2014/main" id="{84EBC7FC-1EE8-0648-884C-272B49BEAE15}"/>
+                <a16:creationId xmlns:a16="http://schemas.microsoft.com/office/drawing/2014/main" id="{AAFBDB75-4142-7142-926F-5BA01FB0FEA5}"/>
               </a:ext>
             </a:extLst>
           </p:cNvPr>
@@ -5636,8 +6040,8 @@
         </p:blipFill>
         <p:spPr>
           <a:xfrm>
-            <a:off x="2899592" y="1270000"/>
-            <a:ext cx="6392816" cy="4502150"/>
+            <a:off x="2899213" y="1261021"/>
+            <a:ext cx="5330387" cy="1819354"/>
           </a:xfrm>
         </p:spPr>
       </p:pic>
@@ -5701,7 +6105,7 @@
     </p:spTree>
     <p:extLst>
       <p:ext uri="{BB962C8B-B14F-4D97-AF65-F5344CB8AC3E}">
-        <p14:creationId xmlns:p14="http://schemas.microsoft.com/office/powerpoint/2010/main" val="457514926"/>
+        <p14:creationId xmlns:p14="http://schemas.microsoft.com/office/powerpoint/2010/main" val="2669224639"/>
       </p:ext>
     </p:extLst>
   </p:cSld>
@@ -5756,7 +6160,7 @@
           <a:p>
             <a:r>
               <a:rPr lang="en-US" noProof="0" dirty="0"/>
-              <a:t>Meta-Modell (3)</a:t>
+              <a:t>Meta-Modell (2)</a:t>
             </a:r>
           </a:p>
         </p:txBody>
@@ -5766,7 +6170,7 @@
           <p:cNvPr id="7" name="Inhaltsplatzhalter 6">
             <a:extLst>
               <a:ext uri="{FF2B5EF4-FFF2-40B4-BE49-F238E27FC236}">
-                <a16:creationId xmlns:a16="http://schemas.microsoft.com/office/drawing/2014/main" id="{597271BE-975A-8448-8890-95AC9CA9A263}"/>
+                <a16:creationId xmlns:a16="http://schemas.microsoft.com/office/drawing/2014/main" id="{84EBC7FC-1EE8-0648-884C-272B49BEAE15}"/>
               </a:ext>
             </a:extLst>
           </p:cNvPr>
@@ -5791,8 +6195,8 @@
         </p:blipFill>
         <p:spPr>
           <a:xfrm>
-            <a:off x="3615691" y="1270000"/>
-            <a:ext cx="4960617" cy="4502150"/>
+            <a:off x="2899592" y="1270000"/>
+            <a:ext cx="6392816" cy="4502150"/>
           </a:xfrm>
         </p:spPr>
       </p:pic>
@@ -5856,7 +6260,7 @@
     </p:spTree>
     <p:extLst>
       <p:ext uri="{BB962C8B-B14F-4D97-AF65-F5344CB8AC3E}">
-        <p14:creationId xmlns:p14="http://schemas.microsoft.com/office/powerpoint/2010/main" val="1840141399"/>
+        <p14:creationId xmlns:p14="http://schemas.microsoft.com/office/powerpoint/2010/main" val="457514926"/>
       </p:ext>
     </p:extLst>
   </p:cSld>
@@ -5911,17 +6315,17 @@
           <a:p>
             <a:r>
               <a:rPr lang="en-US" noProof="0" dirty="0"/>
-              <a:t>Meta-Modell (4)</a:t>
+              <a:t>Meta-Modell (3)</a:t>
             </a:r>
           </a:p>
         </p:txBody>
       </p:sp>
       <p:pic>
         <p:nvPicPr>
-          <p:cNvPr id="7" name="Inhaltsplatzhalter 6" descr="Ein Bild, das Screenshot enthält.&#10;&#10;Automatisch generierte Beschreibung">
-            <a:extLst>
-              <a:ext uri="{FF2B5EF4-FFF2-40B4-BE49-F238E27FC236}">
-                <a16:creationId xmlns:a16="http://schemas.microsoft.com/office/drawing/2014/main" id="{69BFE89E-4FB3-B845-BE66-7A1F3B0E16C1}"/>
+          <p:cNvPr id="7" name="Inhaltsplatzhalter 6">
+            <a:extLst>
+              <a:ext uri="{FF2B5EF4-FFF2-40B4-BE49-F238E27FC236}">
+                <a16:creationId xmlns:a16="http://schemas.microsoft.com/office/drawing/2014/main" id="{597271BE-975A-8448-8890-95AC9CA9A263}"/>
               </a:ext>
             </a:extLst>
           </p:cNvPr>
@@ -5946,8 +6350,8 @@
         </p:blipFill>
         <p:spPr>
           <a:xfrm>
-            <a:off x="3236526" y="1270000"/>
-            <a:ext cx="5718947" cy="4502150"/>
+            <a:off x="3615691" y="1270000"/>
+            <a:ext cx="4960617" cy="4502150"/>
           </a:xfrm>
         </p:spPr>
       </p:pic>
@@ -6011,7 +6415,7 @@
     </p:spTree>
     <p:extLst>
       <p:ext uri="{BB962C8B-B14F-4D97-AF65-F5344CB8AC3E}">
-        <p14:creationId xmlns:p14="http://schemas.microsoft.com/office/powerpoint/2010/main" val="2735828084"/>
+        <p14:creationId xmlns:p14="http://schemas.microsoft.com/office/powerpoint/2010/main" val="1840141399"/>
       </p:ext>
     </p:extLst>
   </p:cSld>
@@ -6066,7 +6470,7 @@
           <a:p>
             <a:r>
               <a:rPr lang="en-US" noProof="0" dirty="0"/>
-              <a:t>Meta-Modell (5)</a:t>
+              <a:t>Meta-Modell (4)</a:t>
             </a:r>
           </a:p>
         </p:txBody>
@@ -6076,7 +6480,7 @@
           <p:cNvPr id="7" name="Inhaltsplatzhalter 6" descr="Ein Bild, das Screenshot enthält.&#10;&#10;Automatisch generierte Beschreibung">
             <a:extLst>
               <a:ext uri="{FF2B5EF4-FFF2-40B4-BE49-F238E27FC236}">
-                <a16:creationId xmlns:a16="http://schemas.microsoft.com/office/drawing/2014/main" id="{62C7D3AB-7537-E546-BC76-8768A15A3C62}"/>
+                <a16:creationId xmlns:a16="http://schemas.microsoft.com/office/drawing/2014/main" id="{69BFE89E-4FB3-B845-BE66-7A1F3B0E16C1}"/>
               </a:ext>
             </a:extLst>
           </p:cNvPr>
@@ -6101,8 +6505,8 @@
         </p:blipFill>
         <p:spPr>
           <a:xfrm>
-            <a:off x="3149612" y="1270000"/>
-            <a:ext cx="5892775" cy="4502150"/>
+            <a:off x="3236526" y="1270000"/>
+            <a:ext cx="5718947" cy="4502150"/>
           </a:xfrm>
         </p:spPr>
       </p:pic>
@@ -6166,7 +6570,7 @@
     </p:spTree>
     <p:extLst>
       <p:ext uri="{BB962C8B-B14F-4D97-AF65-F5344CB8AC3E}">
-        <p14:creationId xmlns:p14="http://schemas.microsoft.com/office/powerpoint/2010/main" val="1226132527"/>
+        <p14:creationId xmlns:p14="http://schemas.microsoft.com/office/powerpoint/2010/main" val="2735828084"/>
       </p:ext>
     </p:extLst>
   </p:cSld>
@@ -6220,6 +6624,161 @@
           <a:lstStyle/>
           <a:p>
             <a:r>
+              <a:rPr lang="en-US" noProof="0" dirty="0"/>
+              <a:t>Meta-Modell (5)</a:t>
+            </a:r>
+          </a:p>
+        </p:txBody>
+      </p:sp>
+      <p:pic>
+        <p:nvPicPr>
+          <p:cNvPr id="7" name="Inhaltsplatzhalter 6" descr="Ein Bild, das Screenshot enthält.&#10;&#10;Automatisch generierte Beschreibung">
+            <a:extLst>
+              <a:ext uri="{FF2B5EF4-FFF2-40B4-BE49-F238E27FC236}">
+                <a16:creationId xmlns:a16="http://schemas.microsoft.com/office/drawing/2014/main" id="{62C7D3AB-7537-E546-BC76-8768A15A3C62}"/>
+              </a:ext>
+            </a:extLst>
+          </p:cNvPr>
+          <p:cNvPicPr>
+            <a:picLocks noGrp="1" noChangeAspect="1"/>
+          </p:cNvPicPr>
+          <p:nvPr>
+            <p:ph idx="1"/>
+          </p:nvPr>
+        </p:nvPicPr>
+        <p:blipFill>
+          <a:blip r:embed="rId2">
+            <a:extLst>
+              <a:ext uri="{28A0092B-C50C-407E-A947-70E740481C1C}">
+                <a14:useLocalDpi xmlns:a14="http://schemas.microsoft.com/office/drawing/2010/main" val="0"/>
+              </a:ext>
+            </a:extLst>
+          </a:blip>
+          <a:stretch>
+            <a:fillRect/>
+          </a:stretch>
+        </p:blipFill>
+        <p:spPr>
+          <a:xfrm>
+            <a:off x="3149612" y="1270000"/>
+            <a:ext cx="5892775" cy="4502150"/>
+          </a:xfrm>
+        </p:spPr>
+      </p:pic>
+      <p:sp>
+        <p:nvSpPr>
+          <p:cNvPr id="4" name="Datumsplatzhalter 3">
+            <a:extLst>
+              <a:ext uri="{FF2B5EF4-FFF2-40B4-BE49-F238E27FC236}">
+                <a16:creationId xmlns:a16="http://schemas.microsoft.com/office/drawing/2014/main" id="{9CCAFD67-B02A-4CC5-A0AF-41ECCAE2B82F}"/>
+              </a:ext>
+            </a:extLst>
+          </p:cNvPr>
+          <p:cNvSpPr>
+            <a:spLocks noGrp="1"/>
+          </p:cNvSpPr>
+          <p:nvPr>
+            <p:ph type="dt" sz="half" idx="10"/>
+          </p:nvPr>
+        </p:nvSpPr>
+        <p:spPr/>
+        <p:txBody>
+          <a:bodyPr/>
+          <a:lstStyle/>
+          <a:p>
+            <a:r>
+              <a:rPr lang="de-DE"/>
+              <a:t>25.03.2020</a:t>
+            </a:r>
+          </a:p>
+        </p:txBody>
+      </p:sp>
+      <p:sp>
+        <p:nvSpPr>
+          <p:cNvPr id="6" name="Foliennummernplatzhalter 5">
+            <a:extLst>
+              <a:ext uri="{FF2B5EF4-FFF2-40B4-BE49-F238E27FC236}">
+                <a16:creationId xmlns:a16="http://schemas.microsoft.com/office/drawing/2014/main" id="{2014E5A3-BB19-4CC6-A059-F359A2A51340}"/>
+              </a:ext>
+            </a:extLst>
+          </p:cNvPr>
+          <p:cNvSpPr>
+            <a:spLocks noGrp="1"/>
+          </p:cNvSpPr>
+          <p:nvPr>
+            <p:ph type="sldNum" sz="quarter" idx="12"/>
+          </p:nvPr>
+        </p:nvSpPr>
+        <p:spPr/>
+        <p:txBody>
+          <a:bodyPr/>
+          <a:lstStyle/>
+          <a:p>
+            <a:fld id="{61696EC4-B4CF-4701-AD06-A8439D6D8E12}" type="slidenum">
+              <a:rPr lang="de-DE" smtClean="0"/>
+              <a:t>17</a:t>
+            </a:fld>
+            <a:endParaRPr lang="de-DE"/>
+          </a:p>
+        </p:txBody>
+      </p:sp>
+    </p:spTree>
+    <p:extLst>
+      <p:ext uri="{BB962C8B-B14F-4D97-AF65-F5344CB8AC3E}">
+        <p14:creationId xmlns:p14="http://schemas.microsoft.com/office/powerpoint/2010/main" val="1226132527"/>
+      </p:ext>
+    </p:extLst>
+  </p:cSld>
+  <p:clrMapOvr>
+    <a:masterClrMapping/>
+  </p:clrMapOvr>
+</p:sld>
+</file>
+
+<file path=ppt/slides/slide18.xml><?xml version="1.0" encoding="utf-8"?>
+<p:sld xmlns:a="http://schemas.openxmlformats.org/drawingml/2006/main" xmlns:r="http://schemas.openxmlformats.org/officeDocument/2006/relationships" xmlns:p="http://schemas.openxmlformats.org/presentationml/2006/main">
+  <p:cSld>
+    <p:spTree>
+      <p:nvGrpSpPr>
+        <p:cNvPr id="1" name=""/>
+        <p:cNvGrpSpPr/>
+        <p:nvPr/>
+      </p:nvGrpSpPr>
+      <p:grpSpPr>
+        <a:xfrm>
+          <a:off x="0" y="0"/>
+          <a:ext cx="0" cy="0"/>
+          <a:chOff x="0" y="0"/>
+          <a:chExt cx="0" cy="0"/>
+        </a:xfrm>
+      </p:grpSpPr>
+      <p:sp>
+        <p:nvSpPr>
+          <p:cNvPr id="2" name="Titel 1">
+            <a:extLst>
+              <a:ext uri="{FF2B5EF4-FFF2-40B4-BE49-F238E27FC236}">
+                <a16:creationId xmlns:a16="http://schemas.microsoft.com/office/drawing/2014/main" id="{4E4AE26E-BDAE-4262-A057-39AC2366A5F1}"/>
+              </a:ext>
+            </a:extLst>
+          </p:cNvPr>
+          <p:cNvSpPr>
+            <a:spLocks noGrp="1"/>
+          </p:cNvSpPr>
+          <p:nvPr>
+            <p:ph type="title"/>
+          </p:nvPr>
+        </p:nvSpPr>
+        <p:spPr>
+          <a:xfrm>
+            <a:off x="524664" y="444005"/>
+            <a:ext cx="9178008" cy="627829"/>
+          </a:xfrm>
+        </p:spPr>
+        <p:txBody>
+          <a:bodyPr/>
+          <a:lstStyle/>
+          <a:p>
+            <a:r>
               <a:rPr lang="en-US" noProof="0" dirty="0" err="1"/>
               <a:t>Zusammenfassung</a:t>
             </a:r>
@@ -6313,7 +6872,7 @@
           <a:p>
             <a:fld id="{61696EC4-B4CF-4701-AD06-A8439D6D8E12}" type="slidenum">
               <a:rPr lang="de-DE" smtClean="0"/>
-              <a:t>17</a:t>
+              <a:t>18</a:t>
             </a:fld>
             <a:endParaRPr lang="de-DE"/>
           </a:p>
@@ -8748,10 +9307,17 @@
           <a:lstStyle/>
           <a:p>
             <a:r>
-              <a:rPr lang="en-US" noProof="0" dirty="0" err="1"/>
-              <a:t>Validierung</a:t>
-            </a:r>
-            <a:endParaRPr lang="en-US" noProof="0" dirty="0"/>
+              <a:rPr lang="en-US" noProof="0" dirty="0"/>
+              <a:t>Eclipse -</a:t>
+            </a:r>
+            <a:r>
+              <a:rPr lang="en-US" dirty="0"/>
+              <a:t> </a:t>
+            </a:r>
+            <a:r>
+              <a:rPr lang="en-US" noProof="0" dirty="0"/>
+              <a:t>Sirius</a:t>
+            </a:r>
           </a:p>
         </p:txBody>
       </p:sp>
@@ -8788,7 +9354,18 @@
             </a:pPr>
             <a:r>
               <a:rPr lang="de-DE" dirty="0"/>
-              <a:t>TODO: Baum-Grafik</a:t>
+              <a:t>Framework für Erstellung von Editoren</a:t>
+            </a:r>
+          </a:p>
+          <a:p>
+            <a:pPr lvl="1">
+              <a:lnSpc>
+                <a:spcPct val="100000"/>
+              </a:lnSpc>
+            </a:pPr>
+            <a:r>
+              <a:rPr lang="de-DE" dirty="0"/>
+              <a:t>Auf Basis von Meta-Modellen</a:t>
             </a:r>
           </a:p>
           <a:p>
@@ -8799,23 +9376,7 @@
             </a:pPr>
             <a:r>
               <a:rPr lang="de-DE" dirty="0"/>
-              <a:t>„</a:t>
-            </a:r>
-            <a:r>
-              <a:rPr lang="de-DE" dirty="0" err="1"/>
-              <a:t>Generate</a:t>
-            </a:r>
-            <a:r>
-              <a:rPr lang="de-DE" dirty="0"/>
-              <a:t> </a:t>
-            </a:r>
-            <a:r>
-              <a:rPr lang="de-DE" dirty="0" err="1"/>
-              <a:t>and</a:t>
-            </a:r>
-            <a:r>
-              <a:rPr lang="de-DE" dirty="0"/>
-              <a:t> Test“ &amp; Baumaufbau</a:t>
+              <a:t>...</a:t>
             </a:r>
           </a:p>
           <a:p>
@@ -8826,18 +9387,7 @@
             </a:pPr>
             <a:r>
               <a:rPr lang="de-DE" dirty="0"/>
-              <a:t>Nutzereingabe erschwert Analyse</a:t>
-            </a:r>
-          </a:p>
-          <a:p>
-            <a:pPr>
-              <a:lnSpc>
-                <a:spcPct val="100000"/>
-              </a:lnSpc>
-            </a:pPr>
-            <a:r>
-              <a:rPr lang="de-DE" dirty="0"/>
-              <a:t>Future Work:</a:t>
+              <a:t>Logische Trennung von </a:t>
             </a:r>
           </a:p>
           <a:p>
@@ -8848,13 +9398,8 @@
             </a:pPr>
             <a:r>
               <a:rPr lang="de-DE" dirty="0"/>
-              <a:t>Early </a:t>
-            </a:r>
-            <a:r>
-              <a:rPr lang="de-DE" dirty="0" err="1"/>
-              <a:t>Pruning</a:t>
-            </a:r>
-            <a:endParaRPr lang="de-DE" dirty="0"/>
+              <a:t>Modell </a:t>
+            </a:r>
           </a:p>
           <a:p>
             <a:pPr lvl="1">
@@ -8864,7 +9409,7 @@
             </a:pPr>
             <a:r>
               <a:rPr lang="de-DE" dirty="0"/>
-              <a:t>Schrittweite</a:t>
+              <a:t>Repräsentation</a:t>
             </a:r>
           </a:p>
           <a:p>
@@ -8875,46 +9420,8 @@
             </a:pPr>
             <a:r>
               <a:rPr lang="de-DE" dirty="0"/>
-              <a:t>Vorberechnung</a:t>
-            </a:r>
-          </a:p>
-          <a:p>
-            <a:pPr lvl="1">
-              <a:lnSpc>
-                <a:spcPct val="100000"/>
-              </a:lnSpc>
-            </a:pPr>
-            <a:r>
-              <a:rPr lang="de-DE" dirty="0"/>
-              <a:t>Notwendige vs. hinreichende Kriterien</a:t>
-            </a:r>
-          </a:p>
-          <a:p>
-            <a:pPr lvl="1">
-              <a:lnSpc>
-                <a:spcPct val="100000"/>
-              </a:lnSpc>
-            </a:pPr>
-            <a:r>
-              <a:rPr lang="de-DE" dirty="0"/>
-              <a:t>„</a:t>
-            </a:r>
-            <a:r>
-              <a:rPr lang="de-DE" dirty="0" err="1"/>
-              <a:t>Greedy</a:t>
-            </a:r>
-            <a:r>
-              <a:rPr lang="de-DE" dirty="0"/>
-              <a:t>“-Strategie möglich?</a:t>
-            </a:r>
-          </a:p>
-          <a:p>
-            <a:pPr lvl="1">
-              <a:lnSpc>
-                <a:spcPct val="100000"/>
-              </a:lnSpc>
-            </a:pPr>
-            <a:endParaRPr lang="de-DE" dirty="0"/>
+              <a:t>Editor</a:t>
+            </a:r>
           </a:p>
         </p:txBody>
       </p:sp>
@@ -8975,270 +9482,250 @@
           </a:p>
         </p:txBody>
       </p:sp>
-      <p:sp>
-        <p:nvSpPr>
-          <p:cNvPr id="7" name="Inhaltsplatzhalter 2">
-            <a:extLst>
-              <a:ext uri="{FF2B5EF4-FFF2-40B4-BE49-F238E27FC236}">
-                <a16:creationId xmlns:a16="http://schemas.microsoft.com/office/drawing/2014/main" id="{8AAF696D-35E6-C94A-816B-16AC4067B035}"/>
-              </a:ext>
-            </a:extLst>
-          </p:cNvPr>
-          <p:cNvSpPr txBox="1">
-            <a:spLocks/>
-          </p:cNvSpPr>
+      <p:grpSp>
+        <p:nvGrpSpPr>
+          <p:cNvPr id="15" name="Gruppieren 14">
+            <a:extLst>
+              <a:ext uri="{FF2B5EF4-FFF2-40B4-BE49-F238E27FC236}">
+                <a16:creationId xmlns:a16="http://schemas.microsoft.com/office/drawing/2014/main" id="{51DCBB4E-CCC1-6B4D-BCEA-0F137673D4D3}"/>
+              </a:ext>
+            </a:extLst>
+          </p:cNvPr>
+          <p:cNvGrpSpPr/>
           <p:nvPr/>
-        </p:nvSpPr>
-        <p:spPr>
+        </p:nvGrpSpPr>
+        <p:grpSpPr>
           <a:xfrm>
-            <a:off x="6096000" y="2606566"/>
-            <a:ext cx="11142672" cy="4502318"/>
+            <a:off x="6376058" y="3148695"/>
+            <a:ext cx="5011371" cy="2963365"/>
+            <a:chOff x="3706431" y="3220347"/>
+            <a:chExt cx="5011371" cy="2963365"/>
           </a:xfrm>
-          <a:prstGeom prst="rect">
-            <a:avLst/>
-          </a:prstGeom>
-        </p:spPr>
-        <p:txBody>
-          <a:bodyPr vert="horz" lIns="0" tIns="0" rIns="0" bIns="0" rtlCol="0">
-            <a:normAutofit/>
-          </a:bodyPr>
-          <a:lstStyle>
-            <a:lvl1pPr marL="361950" indent="-361950" algn="l" defTabSz="914400" rtl="0" eaLnBrk="1" latinLnBrk="0" hangingPunct="1">
-              <a:lnSpc>
-                <a:spcPct val="90000"/>
-              </a:lnSpc>
-              <a:spcBef>
-                <a:spcPts val="600"/>
-              </a:spcBef>
-              <a:buSzPct val="88000"/>
-              <a:buFontTx/>
-              <a:buBlip>
-                <a:blip r:embed="rId2"/>
-              </a:buBlip>
-              <a:defRPr sz="2800" kern="1200">
-                <a:solidFill>
-                  <a:schemeClr val="tx1"/>
-                </a:solidFill>
-                <a:latin typeface="+mn-lt"/>
-                <a:ea typeface="+mn-ea"/>
-                <a:cs typeface="+mn-cs"/>
-              </a:defRPr>
-            </a:lvl1pPr>
-            <a:lvl2pPr marL="809625" indent="-361950" algn="l" defTabSz="914400" rtl="0" eaLnBrk="1" latinLnBrk="0" hangingPunct="1">
-              <a:lnSpc>
-                <a:spcPct val="90000"/>
-              </a:lnSpc>
-              <a:spcBef>
-                <a:spcPts val="600"/>
-              </a:spcBef>
-              <a:buSzPct val="88000"/>
-              <a:buFontTx/>
-              <a:buBlip>
-                <a:blip r:embed="rId2"/>
-              </a:buBlip>
-              <a:defRPr sz="2400" kern="1200">
-                <a:solidFill>
-                  <a:schemeClr val="tx1"/>
-                </a:solidFill>
-                <a:latin typeface="+mn-lt"/>
-                <a:ea typeface="+mn-ea"/>
-                <a:cs typeface="+mn-cs"/>
-              </a:defRPr>
-            </a:lvl2pPr>
-            <a:lvl3pPr marL="1257300" indent="-361950" algn="l" defTabSz="914400" rtl="0" eaLnBrk="1" latinLnBrk="0" hangingPunct="1">
-              <a:lnSpc>
-                <a:spcPct val="90000"/>
-              </a:lnSpc>
-              <a:spcBef>
-                <a:spcPts val="600"/>
-              </a:spcBef>
-              <a:buSzPct val="88000"/>
-              <a:buFontTx/>
-              <a:buBlip>
-                <a:blip r:embed="rId2"/>
-              </a:buBlip>
-              <a:defRPr sz="2000" kern="1200">
-                <a:solidFill>
-                  <a:schemeClr val="tx1"/>
-                </a:solidFill>
-                <a:latin typeface="+mn-lt"/>
-                <a:ea typeface="+mn-ea"/>
-                <a:cs typeface="+mn-cs"/>
-              </a:defRPr>
-            </a:lvl3pPr>
-            <a:lvl4pPr marL="1704975" indent="-361950" algn="l" defTabSz="914400" rtl="0" eaLnBrk="1" latinLnBrk="0" hangingPunct="1">
-              <a:lnSpc>
-                <a:spcPct val="90000"/>
-              </a:lnSpc>
-              <a:spcBef>
-                <a:spcPts val="600"/>
-              </a:spcBef>
-              <a:buSzPct val="88000"/>
-              <a:buFontTx/>
-              <a:buBlip>
-                <a:blip r:embed="rId2"/>
-              </a:buBlip>
-              <a:defRPr sz="2000" kern="1200">
-                <a:solidFill>
-                  <a:schemeClr val="tx1"/>
-                </a:solidFill>
-                <a:latin typeface="+mn-lt"/>
-                <a:ea typeface="+mn-ea"/>
-                <a:cs typeface="+mn-cs"/>
-              </a:defRPr>
-            </a:lvl4pPr>
-            <a:lvl5pPr marL="2152650" indent="-361950" algn="l" defTabSz="914400" rtl="0" eaLnBrk="1" latinLnBrk="0" hangingPunct="1">
-              <a:lnSpc>
-                <a:spcPct val="90000"/>
-              </a:lnSpc>
-              <a:spcBef>
-                <a:spcPts val="600"/>
-              </a:spcBef>
-              <a:buSzPct val="88000"/>
-              <a:buFontTx/>
-              <a:buBlip>
-                <a:blip r:embed="rId2"/>
-              </a:buBlip>
-              <a:defRPr sz="2000" kern="1200">
-                <a:solidFill>
-                  <a:schemeClr val="tx1"/>
-                </a:solidFill>
-                <a:latin typeface="+mn-lt"/>
-                <a:ea typeface="+mn-ea"/>
-                <a:cs typeface="+mn-cs"/>
-              </a:defRPr>
-            </a:lvl5pPr>
-            <a:lvl6pPr marL="2514600" indent="-228600" algn="l" defTabSz="914400" rtl="0" eaLnBrk="1" latinLnBrk="0" hangingPunct="1">
-              <a:lnSpc>
-                <a:spcPct val="90000"/>
-              </a:lnSpc>
-              <a:spcBef>
-                <a:spcPts val="500"/>
-              </a:spcBef>
-              <a:buFont typeface="Arial" panose="020B0604020202020204" pitchFamily="34" charset="0"/>
-              <a:buChar char="•"/>
-              <a:defRPr sz="1800" kern="1200">
-                <a:solidFill>
-                  <a:schemeClr val="tx1"/>
-                </a:solidFill>
-                <a:latin typeface="+mn-lt"/>
-                <a:ea typeface="+mn-ea"/>
-                <a:cs typeface="+mn-cs"/>
-              </a:defRPr>
-            </a:lvl6pPr>
-            <a:lvl7pPr marL="2971800" indent="-228600" algn="l" defTabSz="914400" rtl="0" eaLnBrk="1" latinLnBrk="0" hangingPunct="1">
-              <a:lnSpc>
-                <a:spcPct val="90000"/>
-              </a:lnSpc>
-              <a:spcBef>
-                <a:spcPts val="500"/>
-              </a:spcBef>
-              <a:buFont typeface="Arial" panose="020B0604020202020204" pitchFamily="34" charset="0"/>
-              <a:buChar char="•"/>
-              <a:defRPr sz="1800" kern="1200">
-                <a:solidFill>
-                  <a:schemeClr val="tx1"/>
-                </a:solidFill>
-                <a:latin typeface="+mn-lt"/>
-                <a:ea typeface="+mn-ea"/>
-                <a:cs typeface="+mn-cs"/>
-              </a:defRPr>
-            </a:lvl7pPr>
-            <a:lvl8pPr marL="3429000" indent="-228600" algn="l" defTabSz="914400" rtl="0" eaLnBrk="1" latinLnBrk="0" hangingPunct="1">
-              <a:lnSpc>
-                <a:spcPct val="90000"/>
-              </a:lnSpc>
-              <a:spcBef>
-                <a:spcPts val="500"/>
-              </a:spcBef>
-              <a:buFont typeface="Arial" panose="020B0604020202020204" pitchFamily="34" charset="0"/>
-              <a:buChar char="•"/>
-              <a:defRPr sz="1800" kern="1200">
-                <a:solidFill>
-                  <a:schemeClr val="tx1"/>
-                </a:solidFill>
-                <a:latin typeface="+mn-lt"/>
-                <a:ea typeface="+mn-ea"/>
-                <a:cs typeface="+mn-cs"/>
-              </a:defRPr>
-            </a:lvl8pPr>
-            <a:lvl9pPr marL="3886200" indent="-228600" algn="l" defTabSz="914400" rtl="0" eaLnBrk="1" latinLnBrk="0" hangingPunct="1">
-              <a:lnSpc>
-                <a:spcPct val="90000"/>
-              </a:lnSpc>
-              <a:spcBef>
-                <a:spcPts val="500"/>
-              </a:spcBef>
-              <a:buFont typeface="Arial" panose="020B0604020202020204" pitchFamily="34" charset="0"/>
-              <a:buChar char="•"/>
-              <a:defRPr sz="1800" kern="1200">
-                <a:solidFill>
-                  <a:schemeClr val="tx1"/>
-                </a:solidFill>
-                <a:latin typeface="+mn-lt"/>
-                <a:ea typeface="+mn-ea"/>
-                <a:cs typeface="+mn-cs"/>
-              </a:defRPr>
-            </a:lvl9pPr>
-          </a:lstStyle>
-          <a:p>
-            <a:pPr>
-              <a:lnSpc>
-                <a:spcPct val="100000"/>
-              </a:lnSpc>
-            </a:pPr>
-            <a:r>
-              <a:rPr lang="de-DE" dirty="0"/>
-              <a:t>A.1 , A.2 , B ist erlaubt</a:t>
-            </a:r>
-          </a:p>
-          <a:p>
-            <a:pPr lvl="1">
-              <a:lnSpc>
-                <a:spcPct val="100000"/>
-              </a:lnSpc>
-            </a:pPr>
-            <a:r>
-              <a:rPr lang="de-DE" dirty="0"/>
-              <a:t>A.1, B nicht</a:t>
-            </a:r>
-          </a:p>
-          <a:p>
-            <a:pPr lvl="1">
-              <a:lnSpc>
-                <a:spcPct val="100000"/>
-              </a:lnSpc>
-            </a:pPr>
-            <a:r>
-              <a:rPr lang="de-DE" dirty="0"/>
-              <a:t>A.1, A.2, B.1 auch nicht</a:t>
-            </a:r>
-          </a:p>
-          <a:p>
-            <a:pPr>
-              <a:lnSpc>
-                <a:spcPct val="100000"/>
-              </a:lnSpc>
-            </a:pPr>
-            <a:r>
-              <a:rPr lang="de-DE" dirty="0"/>
-              <a:t>Knoten ist Multi-Menge</a:t>
-            </a:r>
-          </a:p>
-          <a:p>
-            <a:pPr lvl="1">
-              <a:lnSpc>
-                <a:spcPct val="100000"/>
-              </a:lnSpc>
-            </a:pPr>
-            <a:endParaRPr lang="de-DE" dirty="0"/>
-          </a:p>
-        </p:txBody>
-      </p:sp>
+        </p:grpSpPr>
+        <p:grpSp>
+          <p:nvGrpSpPr>
+            <p:cNvPr id="5" name="Gruppieren 4">
+              <a:extLst>
+                <a:ext uri="{FF2B5EF4-FFF2-40B4-BE49-F238E27FC236}">
+                  <a16:creationId xmlns:a16="http://schemas.microsoft.com/office/drawing/2014/main" id="{CBC3684D-6260-7F46-AC33-9D66FFA62BAA}"/>
+                </a:ext>
+              </a:extLst>
+            </p:cNvPr>
+            <p:cNvGrpSpPr/>
+            <p:nvPr/>
+          </p:nvGrpSpPr>
+          <p:grpSpPr>
+            <a:xfrm>
+              <a:off x="6034377" y="3220347"/>
+              <a:ext cx="2683425" cy="2963365"/>
+              <a:chOff x="6034377" y="3220347"/>
+              <a:chExt cx="2683425" cy="2963365"/>
+            </a:xfrm>
+          </p:grpSpPr>
+          <p:pic>
+            <p:nvPicPr>
+              <p:cNvPr id="11" name="Grafik 10">
+                <a:extLst>
+                  <a:ext uri="{FF2B5EF4-FFF2-40B4-BE49-F238E27FC236}">
+                    <a16:creationId xmlns:a16="http://schemas.microsoft.com/office/drawing/2014/main" id="{0A2DD6A0-97A6-D94B-AFA3-1E359CCC5AB9}"/>
+                  </a:ext>
+                </a:extLst>
+              </p:cNvPr>
+              <p:cNvPicPr>
+                <a:picLocks noChangeAspect="1"/>
+              </p:cNvPicPr>
+              <p:nvPr/>
+            </p:nvPicPr>
+            <p:blipFill>
+              <a:blip r:embed="rId2">
+                <a:extLst>
+                  <a:ext uri="{28A0092B-C50C-407E-A947-70E740481C1C}">
+                    <a14:useLocalDpi xmlns:a14="http://schemas.microsoft.com/office/drawing/2010/main" val="0"/>
+                  </a:ext>
+                  <a:ext uri="{96DAC541-7B7A-43D3-8B79-37D633B846F1}">
+                    <asvg:svgBlip xmlns:asvg="http://schemas.microsoft.com/office/drawing/2016/SVG/main" r:embed="rId3"/>
+                  </a:ext>
+                </a:extLst>
+              </a:blip>
+              <a:stretch>
+                <a:fillRect/>
+              </a:stretch>
+            </p:blipFill>
+            <p:spPr>
+              <a:xfrm>
+                <a:off x="7528947" y="4993874"/>
+                <a:ext cx="1188855" cy="1189838"/>
+              </a:xfrm>
+              <a:prstGeom prst="rect">
+                <a:avLst/>
+              </a:prstGeom>
+            </p:spPr>
+          </p:pic>
+          <p:pic>
+            <p:nvPicPr>
+              <p:cNvPr id="12" name="Grafik 11">
+                <a:extLst>
+                  <a:ext uri="{FF2B5EF4-FFF2-40B4-BE49-F238E27FC236}">
+                    <a16:creationId xmlns:a16="http://schemas.microsoft.com/office/drawing/2014/main" id="{51B681CA-8740-1646-ACA6-B1572AAC2A55}"/>
+                  </a:ext>
+                </a:extLst>
+              </p:cNvPr>
+              <p:cNvPicPr>
+                <a:picLocks noChangeAspect="1"/>
+              </p:cNvPicPr>
+              <p:nvPr/>
+            </p:nvPicPr>
+            <p:blipFill>
+              <a:blip r:embed="rId4">
+                <a:extLst>
+                  <a:ext uri="{28A0092B-C50C-407E-A947-70E740481C1C}">
+                    <a14:useLocalDpi xmlns:a14="http://schemas.microsoft.com/office/drawing/2010/main" val="0"/>
+                  </a:ext>
+                  <a:ext uri="{96DAC541-7B7A-43D3-8B79-37D633B846F1}">
+                    <asvg:svgBlip xmlns:asvg="http://schemas.microsoft.com/office/drawing/2016/SVG/main" r:embed="rId5"/>
+                  </a:ext>
+                </a:extLst>
+              </a:blip>
+              <a:stretch>
+                <a:fillRect/>
+              </a:stretch>
+            </p:blipFill>
+            <p:spPr>
+              <a:xfrm>
+                <a:off x="7528947" y="3220347"/>
+                <a:ext cx="1188855" cy="1189838"/>
+              </a:xfrm>
+              <a:prstGeom prst="rect">
+                <a:avLst/>
+              </a:prstGeom>
+            </p:spPr>
+          </p:pic>
+          <p:pic>
+            <p:nvPicPr>
+              <p:cNvPr id="13" name="Grafik 12">
+                <a:extLst>
+                  <a:ext uri="{FF2B5EF4-FFF2-40B4-BE49-F238E27FC236}">
+                    <a16:creationId xmlns:a16="http://schemas.microsoft.com/office/drawing/2014/main" id="{37A6CE56-9020-BE44-9949-27A74B543A74}"/>
+                  </a:ext>
+                </a:extLst>
+              </p:cNvPr>
+              <p:cNvPicPr>
+                <a:picLocks noChangeAspect="1"/>
+              </p:cNvPicPr>
+              <p:nvPr/>
+            </p:nvPicPr>
+            <p:blipFill>
+              <a:blip r:embed="rId6">
+                <a:extLst>
+                  <a:ext uri="{28A0092B-C50C-407E-A947-70E740481C1C}">
+                    <a14:useLocalDpi xmlns:a14="http://schemas.microsoft.com/office/drawing/2010/main" val="0"/>
+                  </a:ext>
+                  <a:ext uri="{96DAC541-7B7A-43D3-8B79-37D633B846F1}">
+                    <asvg:svgBlip xmlns:asvg="http://schemas.microsoft.com/office/drawing/2016/SVG/main" r:embed="rId7"/>
+                  </a:ext>
+                </a:extLst>
+              </a:blip>
+              <a:stretch>
+                <a:fillRect/>
+              </a:stretch>
+            </p:blipFill>
+            <p:spPr>
+              <a:xfrm>
+                <a:off x="6034377" y="4151476"/>
+                <a:ext cx="1188855" cy="1189838"/>
+              </a:xfrm>
+              <a:prstGeom prst="rect">
+                <a:avLst/>
+              </a:prstGeom>
+            </p:spPr>
+          </p:pic>
+        </p:grpSp>
+        <p:sp>
+          <p:nvSpPr>
+            <p:cNvPr id="9" name="Textfeld 8">
+              <a:extLst>
+                <a:ext uri="{FF2B5EF4-FFF2-40B4-BE49-F238E27FC236}">
+                  <a16:creationId xmlns:a16="http://schemas.microsoft.com/office/drawing/2014/main" id="{8975F2DE-3369-6145-AE3F-A3D0FF536E51}"/>
+                </a:ext>
+              </a:extLst>
+            </p:cNvPr>
+            <p:cNvSpPr txBox="1"/>
+            <p:nvPr/>
+          </p:nvSpPr>
+          <p:spPr>
+            <a:xfrm>
+              <a:off x="3706431" y="4527595"/>
+              <a:ext cx="1127232" cy="461665"/>
+            </a:xfrm>
+            <a:prstGeom prst="rect">
+              <a:avLst/>
+            </a:prstGeom>
+            <a:noFill/>
+          </p:spPr>
+          <p:txBody>
+            <a:bodyPr wrap="none" rtlCol="0">
+              <a:spAutoFit/>
+            </a:bodyPr>
+            <a:lstStyle/>
+            <a:p>
+              <a:r>
+                <a:rPr lang="en-US" sz="2400" dirty="0"/>
+                <a:t>“Node”</a:t>
+              </a:r>
+            </a:p>
+          </p:txBody>
+        </p:sp>
+        <p:sp>
+          <p:nvSpPr>
+            <p:cNvPr id="14" name="Pfeil nach rechts 13">
+              <a:extLst>
+                <a:ext uri="{FF2B5EF4-FFF2-40B4-BE49-F238E27FC236}">
+                  <a16:creationId xmlns:a16="http://schemas.microsoft.com/office/drawing/2014/main" id="{24C8E1BF-BC31-1747-A4DE-C1689FEA9C36}"/>
+                </a:ext>
+              </a:extLst>
+            </p:cNvPr>
+            <p:cNvSpPr/>
+            <p:nvPr/>
+          </p:nvSpPr>
+          <p:spPr>
+            <a:xfrm>
+              <a:off x="4938936" y="4549748"/>
+              <a:ext cx="821256" cy="417360"/>
+            </a:xfrm>
+            <a:prstGeom prst="rightArrow">
+              <a:avLst/>
+            </a:prstGeom>
+          </p:spPr>
+          <p:style>
+            <a:lnRef idx="2">
+              <a:schemeClr val="accent1">
+                <a:shade val="50000"/>
+              </a:schemeClr>
+            </a:lnRef>
+            <a:fillRef idx="1">
+              <a:schemeClr val="accent1"/>
+            </a:fillRef>
+            <a:effectRef idx="0">
+              <a:schemeClr val="accent1"/>
+            </a:effectRef>
+            <a:fontRef idx="minor">
+              <a:schemeClr val="lt1"/>
+            </a:fontRef>
+          </p:style>
+          <p:txBody>
+            <a:bodyPr rtlCol="0" anchor="ctr"/>
+            <a:lstStyle/>
+            <a:p>
+              <a:pPr algn="ctr"/>
+              <a:endParaRPr lang="en-US"/>
+            </a:p>
+          </p:txBody>
+        </p:sp>
+      </p:grpSp>
     </p:spTree>
     <p:extLst>
       <p:ext uri="{BB962C8B-B14F-4D97-AF65-F5344CB8AC3E}">
-        <p14:creationId xmlns:p14="http://schemas.microsoft.com/office/powerpoint/2010/main" val="3528647106"/>
+        <p14:creationId xmlns:p14="http://schemas.microsoft.com/office/powerpoint/2010/main" val="302426992"/>
       </p:ext>
     </p:extLst>
   </p:cSld>

--- a/presentation/presentation1.pptx
+++ b/presentation/presentation1.pptx
@@ -5,27 +5,28 @@
     <p:sldMasterId id="2147483648" r:id="rId1"/>
   </p:sldMasterIdLst>
   <p:notesMasterIdLst>
-    <p:notesMasterId r:id="rId20"/>
+    <p:notesMasterId r:id="rId21"/>
   </p:notesMasterIdLst>
   <p:sldIdLst>
     <p:sldId id="256" r:id="rId2"/>
     <p:sldId id="257" r:id="rId3"/>
-    <p:sldId id="258" r:id="rId4"/>
-    <p:sldId id="259" r:id="rId5"/>
-    <p:sldId id="260" r:id="rId6"/>
-    <p:sldId id="261" r:id="rId7"/>
-    <p:sldId id="264" r:id="rId8"/>
-    <p:sldId id="262" r:id="rId9"/>
-    <p:sldId id="273" r:id="rId10"/>
-    <p:sldId id="263" r:id="rId11"/>
-    <p:sldId id="272" r:id="rId12"/>
-    <p:sldId id="265" r:id="rId13"/>
-    <p:sldId id="267" r:id="rId14"/>
-    <p:sldId id="268" r:id="rId15"/>
-    <p:sldId id="269" r:id="rId16"/>
-    <p:sldId id="270" r:id="rId17"/>
-    <p:sldId id="271" r:id="rId18"/>
-    <p:sldId id="266" r:id="rId19"/>
+    <p:sldId id="274" r:id="rId4"/>
+    <p:sldId id="258" r:id="rId5"/>
+    <p:sldId id="259" r:id="rId6"/>
+    <p:sldId id="260" r:id="rId7"/>
+    <p:sldId id="275" r:id="rId8"/>
+    <p:sldId id="267" r:id="rId9"/>
+    <p:sldId id="268" r:id="rId10"/>
+    <p:sldId id="269" r:id="rId11"/>
+    <p:sldId id="270" r:id="rId12"/>
+    <p:sldId id="271" r:id="rId13"/>
+    <p:sldId id="262" r:id="rId14"/>
+    <p:sldId id="277" r:id="rId15"/>
+    <p:sldId id="263" r:id="rId16"/>
+    <p:sldId id="272" r:id="rId17"/>
+    <p:sldId id="276" r:id="rId18"/>
+    <p:sldId id="265" r:id="rId19"/>
+    <p:sldId id="266" r:id="rId20"/>
   </p:sldIdLst>
   <p:sldSz cx="12192000" cy="6858000"/>
   <p:notesSz cx="6858000" cy="9144000"/>
@@ -214,7 +215,7 @@
           <a:p>
             <a:fld id="{FA8F02CA-77CB-4E54-B712-21E588799EE8}" type="datetimeFigureOut">
               <a:rPr lang="de-DE" smtClean="0"/>
-              <a:t>11.03.20</a:t>
+              <a:t>14.03.20</a:t>
             </a:fld>
             <a:endParaRPr lang="de-DE"/>
           </a:p>
@@ -4613,6 +4614,41 @@
           <a:chExt cx="0" cy="0"/>
         </a:xfrm>
       </p:grpSpPr>
+      <p:pic>
+        <p:nvPicPr>
+          <p:cNvPr id="7" name="Inhaltsplatzhalter 6">
+            <a:extLst>
+              <a:ext uri="{FF2B5EF4-FFF2-40B4-BE49-F238E27FC236}">
+                <a16:creationId xmlns:a16="http://schemas.microsoft.com/office/drawing/2014/main" id="{597271BE-975A-8448-8890-95AC9CA9A263}"/>
+              </a:ext>
+            </a:extLst>
+          </p:cNvPr>
+          <p:cNvPicPr>
+            <a:picLocks noGrp="1" noChangeAspect="1"/>
+          </p:cNvPicPr>
+          <p:nvPr>
+            <p:ph idx="1"/>
+          </p:nvPr>
+        </p:nvPicPr>
+        <p:blipFill>
+          <a:blip r:embed="rId2">
+            <a:extLst>
+              <a:ext uri="{28A0092B-C50C-407E-A947-70E740481C1C}">
+                <a14:useLocalDpi xmlns:a14="http://schemas.microsoft.com/office/drawing/2010/main" val="0"/>
+              </a:ext>
+            </a:extLst>
+          </a:blip>
+          <a:stretch>
+            <a:fillRect/>
+          </a:stretch>
+        </p:blipFill>
+        <p:spPr>
+          <a:xfrm>
+            <a:off x="2760669" y="195579"/>
+            <a:ext cx="6670661" cy="6054149"/>
+          </a:xfrm>
+        </p:spPr>
+      </p:pic>
       <p:sp>
         <p:nvSpPr>
           <p:cNvPr id="2" name="Titel 1">
@@ -4640,187 +4676,9 @@
           <a:lstStyle/>
           <a:p>
             <a:r>
-              <a:rPr lang="en-US" noProof="0" dirty="0" err="1"/>
-              <a:t>Validierung</a:t>
-            </a:r>
-            <a:endParaRPr lang="en-US" noProof="0" dirty="0"/>
-          </a:p>
-        </p:txBody>
-      </p:sp>
-      <p:sp>
-        <p:nvSpPr>
-          <p:cNvPr id="3" name="Inhaltsplatzhalter 2">
-            <a:extLst>
-              <a:ext uri="{FF2B5EF4-FFF2-40B4-BE49-F238E27FC236}">
-                <a16:creationId xmlns:a16="http://schemas.microsoft.com/office/drawing/2014/main" id="{900E3307-8428-4C7A-A1DA-C96FE547A036}"/>
-              </a:ext>
-            </a:extLst>
-          </p:cNvPr>
-          <p:cNvSpPr>
-            <a:spLocks noGrp="1"/>
-          </p:cNvSpPr>
-          <p:nvPr>
-            <p:ph idx="1"/>
-          </p:nvPr>
-        </p:nvSpPr>
-        <p:spPr>
-          <a:xfrm>
-            <a:off x="524664" y="1269207"/>
-            <a:ext cx="11142672" cy="4502318"/>
-          </a:xfrm>
-        </p:spPr>
-        <p:txBody>
-          <a:bodyPr>
-            <a:normAutofit lnSpcReduction="10000"/>
-          </a:bodyPr>
-          <a:lstStyle/>
-          <a:p>
-            <a:pPr>
-              <a:lnSpc>
-                <a:spcPct val="100000"/>
-              </a:lnSpc>
-            </a:pPr>
-            <a:r>
-              <a:rPr lang="de-DE" dirty="0"/>
-              <a:t>TODO: Baum-Grafik</a:t>
-            </a:r>
-          </a:p>
-          <a:p>
-            <a:pPr>
-              <a:lnSpc>
-                <a:spcPct val="100000"/>
-              </a:lnSpc>
-            </a:pPr>
-            <a:r>
-              <a:rPr lang="de-DE" dirty="0"/>
-              <a:t>„</a:t>
-            </a:r>
-            <a:r>
-              <a:rPr lang="de-DE" dirty="0" err="1"/>
-              <a:t>Generate</a:t>
-            </a:r>
-            <a:r>
-              <a:rPr lang="de-DE" dirty="0"/>
-              <a:t> </a:t>
-            </a:r>
-            <a:r>
-              <a:rPr lang="de-DE" dirty="0" err="1"/>
-              <a:t>and</a:t>
-            </a:r>
-            <a:r>
-              <a:rPr lang="de-DE" dirty="0"/>
-              <a:t> Test“ &amp; Baumaufbau</a:t>
-            </a:r>
-          </a:p>
-          <a:p>
-            <a:pPr>
-              <a:lnSpc>
-                <a:spcPct val="100000"/>
-              </a:lnSpc>
-            </a:pPr>
-            <a:r>
-              <a:rPr lang="de-DE" dirty="0"/>
-              <a:t>Nutzereingabe erschwert Analyse</a:t>
-            </a:r>
-          </a:p>
-          <a:p>
-            <a:pPr>
-              <a:lnSpc>
-                <a:spcPct val="100000"/>
-              </a:lnSpc>
-            </a:pPr>
-            <a:r>
-              <a:rPr lang="de-DE" dirty="0"/>
-              <a:t>Future Work:</a:t>
-            </a:r>
-          </a:p>
-          <a:p>
-            <a:pPr lvl="1">
-              <a:lnSpc>
-                <a:spcPct val="100000"/>
-              </a:lnSpc>
-            </a:pPr>
-            <a:r>
-              <a:rPr lang="de-DE" dirty="0"/>
-              <a:t>Early </a:t>
-            </a:r>
-            <a:r>
-              <a:rPr lang="de-DE" dirty="0" err="1"/>
-              <a:t>Pruning</a:t>
-            </a:r>
-            <a:endParaRPr lang="de-DE" dirty="0"/>
-          </a:p>
-          <a:p>
-            <a:pPr lvl="1">
-              <a:lnSpc>
-                <a:spcPct val="100000"/>
-              </a:lnSpc>
-            </a:pPr>
-            <a:r>
-              <a:rPr lang="de-DE" dirty="0"/>
-              <a:t>Schrittweite</a:t>
-            </a:r>
-          </a:p>
-          <a:p>
-            <a:pPr lvl="1">
-              <a:lnSpc>
-                <a:spcPct val="100000"/>
-              </a:lnSpc>
-            </a:pPr>
-            <a:r>
-              <a:rPr lang="de-DE" dirty="0"/>
-              <a:t>Vorberechnung</a:t>
-            </a:r>
-          </a:p>
-          <a:p>
-            <a:pPr lvl="1">
-              <a:lnSpc>
-                <a:spcPct val="100000"/>
-              </a:lnSpc>
-            </a:pPr>
-            <a:r>
-              <a:rPr lang="de-DE" dirty="0"/>
-              <a:t>Notwendige vs. hinreichende Kriterien</a:t>
-            </a:r>
-          </a:p>
-          <a:p>
-            <a:pPr lvl="1">
-              <a:lnSpc>
-                <a:spcPct val="100000"/>
-              </a:lnSpc>
-            </a:pPr>
-            <a:r>
-              <a:rPr lang="de-DE" dirty="0"/>
-              <a:t>„</a:t>
-            </a:r>
-            <a:r>
-              <a:rPr lang="de-DE" dirty="0" err="1"/>
-              <a:t>Greedy</a:t>
-            </a:r>
-            <a:r>
-              <a:rPr lang="de-DE" dirty="0"/>
-              <a:t>“-Strategie möglich?</a:t>
-            </a:r>
-          </a:p>
-          <a:p>
-            <a:pPr lvl="1">
-              <a:lnSpc>
-                <a:spcPct val="100000"/>
-              </a:lnSpc>
-            </a:pPr>
-            <a:r>
-              <a:rPr lang="de-DE"/>
-              <a:t>Erklärbarkeit</a:t>
-            </a:r>
-            <a:endParaRPr lang="de-DE" dirty="0"/>
-          </a:p>
-          <a:p>
-            <a:pPr lvl="1">
-              <a:lnSpc>
-                <a:spcPct val="100000"/>
-              </a:lnSpc>
-            </a:pPr>
-            <a:endParaRPr lang="de-DE" dirty="0"/>
+              <a:rPr lang="en-US" noProof="0" dirty="0"/>
+              <a:t>Meta-Modell (3)</a:t>
+            </a:r>
           </a:p>
         </p:txBody>
       </p:sp>
@@ -4881,270 +4739,10 @@
           </a:p>
         </p:txBody>
       </p:sp>
-      <p:sp>
-        <p:nvSpPr>
-          <p:cNvPr id="7" name="Inhaltsplatzhalter 2">
-            <a:extLst>
-              <a:ext uri="{FF2B5EF4-FFF2-40B4-BE49-F238E27FC236}">
-                <a16:creationId xmlns:a16="http://schemas.microsoft.com/office/drawing/2014/main" id="{8AAF696D-35E6-C94A-816B-16AC4067B035}"/>
-              </a:ext>
-            </a:extLst>
-          </p:cNvPr>
-          <p:cNvSpPr txBox="1">
-            <a:spLocks/>
-          </p:cNvSpPr>
-          <p:nvPr/>
-        </p:nvSpPr>
-        <p:spPr>
-          <a:xfrm>
-            <a:off x="6096000" y="2606566"/>
-            <a:ext cx="11142672" cy="4502318"/>
-          </a:xfrm>
-          <a:prstGeom prst="rect">
-            <a:avLst/>
-          </a:prstGeom>
-        </p:spPr>
-        <p:txBody>
-          <a:bodyPr vert="horz" lIns="0" tIns="0" rIns="0" bIns="0" rtlCol="0">
-            <a:normAutofit/>
-          </a:bodyPr>
-          <a:lstStyle>
-            <a:lvl1pPr marL="361950" indent="-361950" algn="l" defTabSz="914400" rtl="0" eaLnBrk="1" latinLnBrk="0" hangingPunct="1">
-              <a:lnSpc>
-                <a:spcPct val="90000"/>
-              </a:lnSpc>
-              <a:spcBef>
-                <a:spcPts val="600"/>
-              </a:spcBef>
-              <a:buSzPct val="88000"/>
-              <a:buFontTx/>
-              <a:buBlip>
-                <a:blip r:embed="rId2"/>
-              </a:buBlip>
-              <a:defRPr sz="2800" kern="1200">
-                <a:solidFill>
-                  <a:schemeClr val="tx1"/>
-                </a:solidFill>
-                <a:latin typeface="+mn-lt"/>
-                <a:ea typeface="+mn-ea"/>
-                <a:cs typeface="+mn-cs"/>
-              </a:defRPr>
-            </a:lvl1pPr>
-            <a:lvl2pPr marL="809625" indent="-361950" algn="l" defTabSz="914400" rtl="0" eaLnBrk="1" latinLnBrk="0" hangingPunct="1">
-              <a:lnSpc>
-                <a:spcPct val="90000"/>
-              </a:lnSpc>
-              <a:spcBef>
-                <a:spcPts val="600"/>
-              </a:spcBef>
-              <a:buSzPct val="88000"/>
-              <a:buFontTx/>
-              <a:buBlip>
-                <a:blip r:embed="rId2"/>
-              </a:buBlip>
-              <a:defRPr sz="2400" kern="1200">
-                <a:solidFill>
-                  <a:schemeClr val="tx1"/>
-                </a:solidFill>
-                <a:latin typeface="+mn-lt"/>
-                <a:ea typeface="+mn-ea"/>
-                <a:cs typeface="+mn-cs"/>
-              </a:defRPr>
-            </a:lvl2pPr>
-            <a:lvl3pPr marL="1257300" indent="-361950" algn="l" defTabSz="914400" rtl="0" eaLnBrk="1" latinLnBrk="0" hangingPunct="1">
-              <a:lnSpc>
-                <a:spcPct val="90000"/>
-              </a:lnSpc>
-              <a:spcBef>
-                <a:spcPts val="600"/>
-              </a:spcBef>
-              <a:buSzPct val="88000"/>
-              <a:buFontTx/>
-              <a:buBlip>
-                <a:blip r:embed="rId2"/>
-              </a:buBlip>
-              <a:defRPr sz="2000" kern="1200">
-                <a:solidFill>
-                  <a:schemeClr val="tx1"/>
-                </a:solidFill>
-                <a:latin typeface="+mn-lt"/>
-                <a:ea typeface="+mn-ea"/>
-                <a:cs typeface="+mn-cs"/>
-              </a:defRPr>
-            </a:lvl3pPr>
-            <a:lvl4pPr marL="1704975" indent="-361950" algn="l" defTabSz="914400" rtl="0" eaLnBrk="1" latinLnBrk="0" hangingPunct="1">
-              <a:lnSpc>
-                <a:spcPct val="90000"/>
-              </a:lnSpc>
-              <a:spcBef>
-                <a:spcPts val="600"/>
-              </a:spcBef>
-              <a:buSzPct val="88000"/>
-              <a:buFontTx/>
-              <a:buBlip>
-                <a:blip r:embed="rId2"/>
-              </a:buBlip>
-              <a:defRPr sz="2000" kern="1200">
-                <a:solidFill>
-                  <a:schemeClr val="tx1"/>
-                </a:solidFill>
-                <a:latin typeface="+mn-lt"/>
-                <a:ea typeface="+mn-ea"/>
-                <a:cs typeface="+mn-cs"/>
-              </a:defRPr>
-            </a:lvl4pPr>
-            <a:lvl5pPr marL="2152650" indent="-361950" algn="l" defTabSz="914400" rtl="0" eaLnBrk="1" latinLnBrk="0" hangingPunct="1">
-              <a:lnSpc>
-                <a:spcPct val="90000"/>
-              </a:lnSpc>
-              <a:spcBef>
-                <a:spcPts val="600"/>
-              </a:spcBef>
-              <a:buSzPct val="88000"/>
-              <a:buFontTx/>
-              <a:buBlip>
-                <a:blip r:embed="rId2"/>
-              </a:buBlip>
-              <a:defRPr sz="2000" kern="1200">
-                <a:solidFill>
-                  <a:schemeClr val="tx1"/>
-                </a:solidFill>
-                <a:latin typeface="+mn-lt"/>
-                <a:ea typeface="+mn-ea"/>
-                <a:cs typeface="+mn-cs"/>
-              </a:defRPr>
-            </a:lvl5pPr>
-            <a:lvl6pPr marL="2514600" indent="-228600" algn="l" defTabSz="914400" rtl="0" eaLnBrk="1" latinLnBrk="0" hangingPunct="1">
-              <a:lnSpc>
-                <a:spcPct val="90000"/>
-              </a:lnSpc>
-              <a:spcBef>
-                <a:spcPts val="500"/>
-              </a:spcBef>
-              <a:buFont typeface="Arial" panose="020B0604020202020204" pitchFamily="34" charset="0"/>
-              <a:buChar char="•"/>
-              <a:defRPr sz="1800" kern="1200">
-                <a:solidFill>
-                  <a:schemeClr val="tx1"/>
-                </a:solidFill>
-                <a:latin typeface="+mn-lt"/>
-                <a:ea typeface="+mn-ea"/>
-                <a:cs typeface="+mn-cs"/>
-              </a:defRPr>
-            </a:lvl6pPr>
-            <a:lvl7pPr marL="2971800" indent="-228600" algn="l" defTabSz="914400" rtl="0" eaLnBrk="1" latinLnBrk="0" hangingPunct="1">
-              <a:lnSpc>
-                <a:spcPct val="90000"/>
-              </a:lnSpc>
-              <a:spcBef>
-                <a:spcPts val="500"/>
-              </a:spcBef>
-              <a:buFont typeface="Arial" panose="020B0604020202020204" pitchFamily="34" charset="0"/>
-              <a:buChar char="•"/>
-              <a:defRPr sz="1800" kern="1200">
-                <a:solidFill>
-                  <a:schemeClr val="tx1"/>
-                </a:solidFill>
-                <a:latin typeface="+mn-lt"/>
-                <a:ea typeface="+mn-ea"/>
-                <a:cs typeface="+mn-cs"/>
-              </a:defRPr>
-            </a:lvl7pPr>
-            <a:lvl8pPr marL="3429000" indent="-228600" algn="l" defTabSz="914400" rtl="0" eaLnBrk="1" latinLnBrk="0" hangingPunct="1">
-              <a:lnSpc>
-                <a:spcPct val="90000"/>
-              </a:lnSpc>
-              <a:spcBef>
-                <a:spcPts val="500"/>
-              </a:spcBef>
-              <a:buFont typeface="Arial" panose="020B0604020202020204" pitchFamily="34" charset="0"/>
-              <a:buChar char="•"/>
-              <a:defRPr sz="1800" kern="1200">
-                <a:solidFill>
-                  <a:schemeClr val="tx1"/>
-                </a:solidFill>
-                <a:latin typeface="+mn-lt"/>
-                <a:ea typeface="+mn-ea"/>
-                <a:cs typeface="+mn-cs"/>
-              </a:defRPr>
-            </a:lvl8pPr>
-            <a:lvl9pPr marL="3886200" indent="-228600" algn="l" defTabSz="914400" rtl="0" eaLnBrk="1" latinLnBrk="0" hangingPunct="1">
-              <a:lnSpc>
-                <a:spcPct val="90000"/>
-              </a:lnSpc>
-              <a:spcBef>
-                <a:spcPts val="500"/>
-              </a:spcBef>
-              <a:buFont typeface="Arial" panose="020B0604020202020204" pitchFamily="34" charset="0"/>
-              <a:buChar char="•"/>
-              <a:defRPr sz="1800" kern="1200">
-                <a:solidFill>
-                  <a:schemeClr val="tx1"/>
-                </a:solidFill>
-                <a:latin typeface="+mn-lt"/>
-                <a:ea typeface="+mn-ea"/>
-                <a:cs typeface="+mn-cs"/>
-              </a:defRPr>
-            </a:lvl9pPr>
-          </a:lstStyle>
-          <a:p>
-            <a:pPr>
-              <a:lnSpc>
-                <a:spcPct val="100000"/>
-              </a:lnSpc>
-            </a:pPr>
-            <a:r>
-              <a:rPr lang="de-DE" dirty="0"/>
-              <a:t>A.1 , A.2 , B ist erlaubt</a:t>
-            </a:r>
-          </a:p>
-          <a:p>
-            <a:pPr lvl="1">
-              <a:lnSpc>
-                <a:spcPct val="100000"/>
-              </a:lnSpc>
-            </a:pPr>
-            <a:r>
-              <a:rPr lang="de-DE" dirty="0"/>
-              <a:t>A.1, B nicht</a:t>
-            </a:r>
-          </a:p>
-          <a:p>
-            <a:pPr lvl="1">
-              <a:lnSpc>
-                <a:spcPct val="100000"/>
-              </a:lnSpc>
-            </a:pPr>
-            <a:r>
-              <a:rPr lang="de-DE" dirty="0"/>
-              <a:t>A.1, A.2, B.1 auch nicht</a:t>
-            </a:r>
-          </a:p>
-          <a:p>
-            <a:pPr>
-              <a:lnSpc>
-                <a:spcPct val="100000"/>
-              </a:lnSpc>
-            </a:pPr>
-            <a:r>
-              <a:rPr lang="de-DE" dirty="0"/>
-              <a:t>Knoten ist Multi-Menge</a:t>
-            </a:r>
-          </a:p>
-          <a:p>
-            <a:pPr lvl="1">
-              <a:lnSpc>
-                <a:spcPct val="100000"/>
-              </a:lnSpc>
-            </a:pPr>
-            <a:endParaRPr lang="de-DE" dirty="0"/>
-          </a:p>
-        </p:txBody>
-      </p:sp>
     </p:spTree>
     <p:extLst>
       <p:ext uri="{BB962C8B-B14F-4D97-AF65-F5344CB8AC3E}">
-        <p14:creationId xmlns:p14="http://schemas.microsoft.com/office/powerpoint/2010/main" val="3528647106"/>
+        <p14:creationId xmlns:p14="http://schemas.microsoft.com/office/powerpoint/2010/main" val="1840141399"/>
       </p:ext>
     </p:extLst>
   </p:cSld>
@@ -5171,607 +4769,24 @@
           <a:chExt cx="0" cy="0"/>
         </a:xfrm>
       </p:grpSpPr>
-      <p:sp>
-        <p:nvSpPr>
-          <p:cNvPr id="2" name="Titel 1">
-            <a:extLst>
-              <a:ext uri="{FF2B5EF4-FFF2-40B4-BE49-F238E27FC236}">
-                <a16:creationId xmlns:a16="http://schemas.microsoft.com/office/drawing/2014/main" id="{4E4AE26E-BDAE-4262-A057-39AC2366A5F1}"/>
-              </a:ext>
-            </a:extLst>
-          </p:cNvPr>
-          <p:cNvSpPr>
-            <a:spLocks noGrp="1"/>
-          </p:cNvSpPr>
-          <p:nvPr>
-            <p:ph type="title"/>
-          </p:nvPr>
-        </p:nvSpPr>
-        <p:spPr>
-          <a:xfrm>
-            <a:off x="524664" y="444005"/>
-            <a:ext cx="9178008" cy="627829"/>
-          </a:xfrm>
-        </p:spPr>
-        <p:txBody>
-          <a:bodyPr/>
-          <a:lstStyle/>
-          <a:p>
-            <a:r>
-              <a:rPr lang="en-US" noProof="0" dirty="0" err="1"/>
-              <a:t>Validierung</a:t>
-            </a:r>
-            <a:endParaRPr lang="en-US" noProof="0" dirty="0"/>
-          </a:p>
-        </p:txBody>
-      </p:sp>
-      <p:sp>
-        <p:nvSpPr>
-          <p:cNvPr id="4" name="Datumsplatzhalter 3">
-            <a:extLst>
-              <a:ext uri="{FF2B5EF4-FFF2-40B4-BE49-F238E27FC236}">
-                <a16:creationId xmlns:a16="http://schemas.microsoft.com/office/drawing/2014/main" id="{9CCAFD67-B02A-4CC5-A0AF-41ECCAE2B82F}"/>
-              </a:ext>
-            </a:extLst>
-          </p:cNvPr>
-          <p:cNvSpPr>
-            <a:spLocks noGrp="1"/>
-          </p:cNvSpPr>
-          <p:nvPr>
-            <p:ph type="dt" sz="half" idx="10"/>
-          </p:nvPr>
-        </p:nvSpPr>
-        <p:spPr/>
-        <p:txBody>
-          <a:bodyPr/>
-          <a:lstStyle/>
-          <a:p>
-            <a:r>
-              <a:rPr lang="de-DE"/>
-              <a:t>25.03.2020</a:t>
-            </a:r>
-          </a:p>
-        </p:txBody>
-      </p:sp>
-      <p:sp>
-        <p:nvSpPr>
-          <p:cNvPr id="6" name="Foliennummernplatzhalter 5">
-            <a:extLst>
-              <a:ext uri="{FF2B5EF4-FFF2-40B4-BE49-F238E27FC236}">
-                <a16:creationId xmlns:a16="http://schemas.microsoft.com/office/drawing/2014/main" id="{2014E5A3-BB19-4CC6-A059-F359A2A51340}"/>
-              </a:ext>
-            </a:extLst>
-          </p:cNvPr>
-          <p:cNvSpPr>
-            <a:spLocks noGrp="1"/>
-          </p:cNvSpPr>
-          <p:nvPr>
-            <p:ph type="sldNum" sz="quarter" idx="12"/>
-          </p:nvPr>
-        </p:nvSpPr>
-        <p:spPr/>
-        <p:txBody>
-          <a:bodyPr/>
-          <a:lstStyle/>
-          <a:p>
-            <a:fld id="{61696EC4-B4CF-4701-AD06-A8439D6D8E12}" type="slidenum">
-              <a:rPr lang="de-DE" smtClean="0"/>
-              <a:t>11</a:t>
-            </a:fld>
-            <a:endParaRPr lang="de-DE"/>
-          </a:p>
-        </p:txBody>
-      </p:sp>
-      <p:sp>
-        <p:nvSpPr>
-          <p:cNvPr id="7" name="Inhaltsplatzhalter 2">
-            <a:extLst>
-              <a:ext uri="{FF2B5EF4-FFF2-40B4-BE49-F238E27FC236}">
-                <a16:creationId xmlns:a16="http://schemas.microsoft.com/office/drawing/2014/main" id="{8AAF696D-35E6-C94A-816B-16AC4067B035}"/>
-              </a:ext>
-            </a:extLst>
-          </p:cNvPr>
-          <p:cNvSpPr txBox="1">
-            <a:spLocks/>
-          </p:cNvSpPr>
-          <p:nvPr/>
-        </p:nvSpPr>
-        <p:spPr>
-          <a:xfrm>
-            <a:off x="279993" y="4338424"/>
-            <a:ext cx="3531477" cy="1407920"/>
-          </a:xfrm>
-          <a:prstGeom prst="rect">
-            <a:avLst/>
-          </a:prstGeom>
-        </p:spPr>
-        <p:txBody>
-          <a:bodyPr vert="horz" lIns="0" tIns="0" rIns="0" bIns="0" rtlCol="0">
-            <a:normAutofit/>
-          </a:bodyPr>
-          <a:lstStyle>
-            <a:lvl1pPr marL="361950" indent="-361950" algn="l" defTabSz="914400" rtl="0" eaLnBrk="1" latinLnBrk="0" hangingPunct="1">
-              <a:lnSpc>
-                <a:spcPct val="90000"/>
-              </a:lnSpc>
-              <a:spcBef>
-                <a:spcPts val="600"/>
-              </a:spcBef>
-              <a:buSzPct val="88000"/>
-              <a:buFontTx/>
-              <a:buBlip>
-                <a:blip r:embed="rId2"/>
-              </a:buBlip>
-              <a:defRPr sz="2800" kern="1200">
-                <a:solidFill>
-                  <a:schemeClr val="tx1"/>
-                </a:solidFill>
-                <a:latin typeface="+mn-lt"/>
-                <a:ea typeface="+mn-ea"/>
-                <a:cs typeface="+mn-cs"/>
-              </a:defRPr>
-            </a:lvl1pPr>
-            <a:lvl2pPr marL="809625" indent="-361950" algn="l" defTabSz="914400" rtl="0" eaLnBrk="1" latinLnBrk="0" hangingPunct="1">
-              <a:lnSpc>
-                <a:spcPct val="90000"/>
-              </a:lnSpc>
-              <a:spcBef>
-                <a:spcPts val="600"/>
-              </a:spcBef>
-              <a:buSzPct val="88000"/>
-              <a:buFontTx/>
-              <a:buBlip>
-                <a:blip r:embed="rId2"/>
-              </a:buBlip>
-              <a:defRPr sz="2400" kern="1200">
-                <a:solidFill>
-                  <a:schemeClr val="tx1"/>
-                </a:solidFill>
-                <a:latin typeface="+mn-lt"/>
-                <a:ea typeface="+mn-ea"/>
-                <a:cs typeface="+mn-cs"/>
-              </a:defRPr>
-            </a:lvl2pPr>
-            <a:lvl3pPr marL="1257300" indent="-361950" algn="l" defTabSz="914400" rtl="0" eaLnBrk="1" latinLnBrk="0" hangingPunct="1">
-              <a:lnSpc>
-                <a:spcPct val="90000"/>
-              </a:lnSpc>
-              <a:spcBef>
-                <a:spcPts val="600"/>
-              </a:spcBef>
-              <a:buSzPct val="88000"/>
-              <a:buFontTx/>
-              <a:buBlip>
-                <a:blip r:embed="rId2"/>
-              </a:buBlip>
-              <a:defRPr sz="2000" kern="1200">
-                <a:solidFill>
-                  <a:schemeClr val="tx1"/>
-                </a:solidFill>
-                <a:latin typeface="+mn-lt"/>
-                <a:ea typeface="+mn-ea"/>
-                <a:cs typeface="+mn-cs"/>
-              </a:defRPr>
-            </a:lvl3pPr>
-            <a:lvl4pPr marL="1704975" indent="-361950" algn="l" defTabSz="914400" rtl="0" eaLnBrk="1" latinLnBrk="0" hangingPunct="1">
-              <a:lnSpc>
-                <a:spcPct val="90000"/>
-              </a:lnSpc>
-              <a:spcBef>
-                <a:spcPts val="600"/>
-              </a:spcBef>
-              <a:buSzPct val="88000"/>
-              <a:buFontTx/>
-              <a:buBlip>
-                <a:blip r:embed="rId2"/>
-              </a:buBlip>
-              <a:defRPr sz="2000" kern="1200">
-                <a:solidFill>
-                  <a:schemeClr val="tx1"/>
-                </a:solidFill>
-                <a:latin typeface="+mn-lt"/>
-                <a:ea typeface="+mn-ea"/>
-                <a:cs typeface="+mn-cs"/>
-              </a:defRPr>
-            </a:lvl4pPr>
-            <a:lvl5pPr marL="2152650" indent="-361950" algn="l" defTabSz="914400" rtl="0" eaLnBrk="1" latinLnBrk="0" hangingPunct="1">
-              <a:lnSpc>
-                <a:spcPct val="90000"/>
-              </a:lnSpc>
-              <a:spcBef>
-                <a:spcPts val="600"/>
-              </a:spcBef>
-              <a:buSzPct val="88000"/>
-              <a:buFontTx/>
-              <a:buBlip>
-                <a:blip r:embed="rId2"/>
-              </a:buBlip>
-              <a:defRPr sz="2000" kern="1200">
-                <a:solidFill>
-                  <a:schemeClr val="tx1"/>
-                </a:solidFill>
-                <a:latin typeface="+mn-lt"/>
-                <a:ea typeface="+mn-ea"/>
-                <a:cs typeface="+mn-cs"/>
-              </a:defRPr>
-            </a:lvl5pPr>
-            <a:lvl6pPr marL="2514600" indent="-228600" algn="l" defTabSz="914400" rtl="0" eaLnBrk="1" latinLnBrk="0" hangingPunct="1">
-              <a:lnSpc>
-                <a:spcPct val="90000"/>
-              </a:lnSpc>
-              <a:spcBef>
-                <a:spcPts val="500"/>
-              </a:spcBef>
-              <a:buFont typeface="Arial" panose="020B0604020202020204" pitchFamily="34" charset="0"/>
-              <a:buChar char="•"/>
-              <a:defRPr sz="1800" kern="1200">
-                <a:solidFill>
-                  <a:schemeClr val="tx1"/>
-                </a:solidFill>
-                <a:latin typeface="+mn-lt"/>
-                <a:ea typeface="+mn-ea"/>
-                <a:cs typeface="+mn-cs"/>
-              </a:defRPr>
-            </a:lvl6pPr>
-            <a:lvl7pPr marL="2971800" indent="-228600" algn="l" defTabSz="914400" rtl="0" eaLnBrk="1" latinLnBrk="0" hangingPunct="1">
-              <a:lnSpc>
-                <a:spcPct val="90000"/>
-              </a:lnSpc>
-              <a:spcBef>
-                <a:spcPts val="500"/>
-              </a:spcBef>
-              <a:buFont typeface="Arial" panose="020B0604020202020204" pitchFamily="34" charset="0"/>
-              <a:buChar char="•"/>
-              <a:defRPr sz="1800" kern="1200">
-                <a:solidFill>
-                  <a:schemeClr val="tx1"/>
-                </a:solidFill>
-                <a:latin typeface="+mn-lt"/>
-                <a:ea typeface="+mn-ea"/>
-                <a:cs typeface="+mn-cs"/>
-              </a:defRPr>
-            </a:lvl7pPr>
-            <a:lvl8pPr marL="3429000" indent="-228600" algn="l" defTabSz="914400" rtl="0" eaLnBrk="1" latinLnBrk="0" hangingPunct="1">
-              <a:lnSpc>
-                <a:spcPct val="90000"/>
-              </a:lnSpc>
-              <a:spcBef>
-                <a:spcPts val="500"/>
-              </a:spcBef>
-              <a:buFont typeface="Arial" panose="020B0604020202020204" pitchFamily="34" charset="0"/>
-              <a:buChar char="•"/>
-              <a:defRPr sz="1800" kern="1200">
-                <a:solidFill>
-                  <a:schemeClr val="tx1"/>
-                </a:solidFill>
-                <a:latin typeface="+mn-lt"/>
-                <a:ea typeface="+mn-ea"/>
-                <a:cs typeface="+mn-cs"/>
-              </a:defRPr>
-            </a:lvl8pPr>
-            <a:lvl9pPr marL="3886200" indent="-228600" algn="l" defTabSz="914400" rtl="0" eaLnBrk="1" latinLnBrk="0" hangingPunct="1">
-              <a:lnSpc>
-                <a:spcPct val="90000"/>
-              </a:lnSpc>
-              <a:spcBef>
-                <a:spcPts val="500"/>
-              </a:spcBef>
-              <a:buFont typeface="Arial" panose="020B0604020202020204" pitchFamily="34" charset="0"/>
-              <a:buChar char="•"/>
-              <a:defRPr sz="1800" kern="1200">
-                <a:solidFill>
-                  <a:schemeClr val="tx1"/>
-                </a:solidFill>
-                <a:latin typeface="+mn-lt"/>
-                <a:ea typeface="+mn-ea"/>
-                <a:cs typeface="+mn-cs"/>
-              </a:defRPr>
-            </a:lvl9pPr>
-          </a:lstStyle>
-          <a:p>
-            <a:pPr>
-              <a:lnSpc>
-                <a:spcPct val="100000"/>
-              </a:lnSpc>
-            </a:pPr>
-            <a:r>
-              <a:rPr lang="de-DE" sz="2000" dirty="0"/>
-              <a:t>A.1 , A.2 , B ist erlaubt</a:t>
-            </a:r>
-          </a:p>
-          <a:p>
-            <a:pPr lvl="1">
-              <a:lnSpc>
-                <a:spcPct val="100000"/>
-              </a:lnSpc>
-            </a:pPr>
-            <a:r>
-              <a:rPr lang="de-DE" sz="1800" dirty="0"/>
-              <a:t>A.1, B nicht</a:t>
-            </a:r>
-          </a:p>
-          <a:p>
-            <a:pPr lvl="1">
-              <a:lnSpc>
-                <a:spcPct val="100000"/>
-              </a:lnSpc>
-            </a:pPr>
-            <a:r>
-              <a:rPr lang="de-DE" sz="1800" dirty="0"/>
-              <a:t>A.1, A.2, B.1 auch nicht</a:t>
-            </a:r>
-          </a:p>
-          <a:p>
-            <a:pPr>
-              <a:lnSpc>
-                <a:spcPct val="100000"/>
-              </a:lnSpc>
-            </a:pPr>
-            <a:r>
-              <a:rPr lang="de-DE" sz="2000" dirty="0"/>
-              <a:t>Knoten ist Multi-Menge</a:t>
-            </a:r>
-          </a:p>
-          <a:p>
-            <a:pPr lvl="1">
-              <a:lnSpc>
-                <a:spcPct val="100000"/>
-              </a:lnSpc>
-            </a:pPr>
-            <a:endParaRPr lang="de-DE" dirty="0"/>
-          </a:p>
-        </p:txBody>
-      </p:sp>
-      <p:sp>
-        <p:nvSpPr>
-          <p:cNvPr id="11" name="Inhaltsplatzhalter 2">
-            <a:extLst>
-              <a:ext uri="{FF2B5EF4-FFF2-40B4-BE49-F238E27FC236}">
-                <a16:creationId xmlns:a16="http://schemas.microsoft.com/office/drawing/2014/main" id="{5369B94C-4C74-434B-8917-6AB66EF8A3B5}"/>
-              </a:ext>
-            </a:extLst>
-          </p:cNvPr>
-          <p:cNvSpPr txBox="1">
-            <a:spLocks/>
-          </p:cNvSpPr>
-          <p:nvPr/>
-        </p:nvSpPr>
-        <p:spPr>
-          <a:xfrm>
-            <a:off x="3942174" y="4332318"/>
-            <a:ext cx="3531477" cy="1407920"/>
-          </a:xfrm>
-          <a:prstGeom prst="rect">
-            <a:avLst/>
-          </a:prstGeom>
-        </p:spPr>
-        <p:txBody>
-          <a:bodyPr vert="horz" lIns="0" tIns="0" rIns="0" bIns="0" rtlCol="0">
-            <a:normAutofit/>
-          </a:bodyPr>
-          <a:lstStyle>
-            <a:lvl1pPr marL="361950" indent="-361950" algn="l" defTabSz="914400" rtl="0" eaLnBrk="1" latinLnBrk="0" hangingPunct="1">
-              <a:lnSpc>
-                <a:spcPct val="90000"/>
-              </a:lnSpc>
-              <a:spcBef>
-                <a:spcPts val="600"/>
-              </a:spcBef>
-              <a:buSzPct val="88000"/>
-              <a:buFontTx/>
-              <a:buBlip>
-                <a:blip r:embed="rId2"/>
-              </a:buBlip>
-              <a:defRPr sz="2800" kern="1200">
-                <a:solidFill>
-                  <a:schemeClr val="tx1"/>
-                </a:solidFill>
-                <a:latin typeface="+mn-lt"/>
-                <a:ea typeface="+mn-ea"/>
-                <a:cs typeface="+mn-cs"/>
-              </a:defRPr>
-            </a:lvl1pPr>
-            <a:lvl2pPr marL="809625" indent="-361950" algn="l" defTabSz="914400" rtl="0" eaLnBrk="1" latinLnBrk="0" hangingPunct="1">
-              <a:lnSpc>
-                <a:spcPct val="90000"/>
-              </a:lnSpc>
-              <a:spcBef>
-                <a:spcPts val="600"/>
-              </a:spcBef>
-              <a:buSzPct val="88000"/>
-              <a:buFontTx/>
-              <a:buBlip>
-                <a:blip r:embed="rId2"/>
-              </a:buBlip>
-              <a:defRPr sz="2400" kern="1200">
-                <a:solidFill>
-                  <a:schemeClr val="tx1"/>
-                </a:solidFill>
-                <a:latin typeface="+mn-lt"/>
-                <a:ea typeface="+mn-ea"/>
-                <a:cs typeface="+mn-cs"/>
-              </a:defRPr>
-            </a:lvl2pPr>
-            <a:lvl3pPr marL="1257300" indent="-361950" algn="l" defTabSz="914400" rtl="0" eaLnBrk="1" latinLnBrk="0" hangingPunct="1">
-              <a:lnSpc>
-                <a:spcPct val="90000"/>
-              </a:lnSpc>
-              <a:spcBef>
-                <a:spcPts val="600"/>
-              </a:spcBef>
-              <a:buSzPct val="88000"/>
-              <a:buFontTx/>
-              <a:buBlip>
-                <a:blip r:embed="rId2"/>
-              </a:buBlip>
-              <a:defRPr sz="2000" kern="1200">
-                <a:solidFill>
-                  <a:schemeClr val="tx1"/>
-                </a:solidFill>
-                <a:latin typeface="+mn-lt"/>
-                <a:ea typeface="+mn-ea"/>
-                <a:cs typeface="+mn-cs"/>
-              </a:defRPr>
-            </a:lvl3pPr>
-            <a:lvl4pPr marL="1704975" indent="-361950" algn="l" defTabSz="914400" rtl="0" eaLnBrk="1" latinLnBrk="0" hangingPunct="1">
-              <a:lnSpc>
-                <a:spcPct val="90000"/>
-              </a:lnSpc>
-              <a:spcBef>
-                <a:spcPts val="600"/>
-              </a:spcBef>
-              <a:buSzPct val="88000"/>
-              <a:buFontTx/>
-              <a:buBlip>
-                <a:blip r:embed="rId2"/>
-              </a:buBlip>
-              <a:defRPr sz="2000" kern="1200">
-                <a:solidFill>
-                  <a:schemeClr val="tx1"/>
-                </a:solidFill>
-                <a:latin typeface="+mn-lt"/>
-                <a:ea typeface="+mn-ea"/>
-                <a:cs typeface="+mn-cs"/>
-              </a:defRPr>
-            </a:lvl4pPr>
-            <a:lvl5pPr marL="2152650" indent="-361950" algn="l" defTabSz="914400" rtl="0" eaLnBrk="1" latinLnBrk="0" hangingPunct="1">
-              <a:lnSpc>
-                <a:spcPct val="90000"/>
-              </a:lnSpc>
-              <a:spcBef>
-                <a:spcPts val="600"/>
-              </a:spcBef>
-              <a:buSzPct val="88000"/>
-              <a:buFontTx/>
-              <a:buBlip>
-                <a:blip r:embed="rId2"/>
-              </a:buBlip>
-              <a:defRPr sz="2000" kern="1200">
-                <a:solidFill>
-                  <a:schemeClr val="tx1"/>
-                </a:solidFill>
-                <a:latin typeface="+mn-lt"/>
-                <a:ea typeface="+mn-ea"/>
-                <a:cs typeface="+mn-cs"/>
-              </a:defRPr>
-            </a:lvl5pPr>
-            <a:lvl6pPr marL="2514600" indent="-228600" algn="l" defTabSz="914400" rtl="0" eaLnBrk="1" latinLnBrk="0" hangingPunct="1">
-              <a:lnSpc>
-                <a:spcPct val="90000"/>
-              </a:lnSpc>
-              <a:spcBef>
-                <a:spcPts val="500"/>
-              </a:spcBef>
-              <a:buFont typeface="Arial" panose="020B0604020202020204" pitchFamily="34" charset="0"/>
-              <a:buChar char="•"/>
-              <a:defRPr sz="1800" kern="1200">
-                <a:solidFill>
-                  <a:schemeClr val="tx1"/>
-                </a:solidFill>
-                <a:latin typeface="+mn-lt"/>
-                <a:ea typeface="+mn-ea"/>
-                <a:cs typeface="+mn-cs"/>
-              </a:defRPr>
-            </a:lvl6pPr>
-            <a:lvl7pPr marL="2971800" indent="-228600" algn="l" defTabSz="914400" rtl="0" eaLnBrk="1" latinLnBrk="0" hangingPunct="1">
-              <a:lnSpc>
-                <a:spcPct val="90000"/>
-              </a:lnSpc>
-              <a:spcBef>
-                <a:spcPts val="500"/>
-              </a:spcBef>
-              <a:buFont typeface="Arial" panose="020B0604020202020204" pitchFamily="34" charset="0"/>
-              <a:buChar char="•"/>
-              <a:defRPr sz="1800" kern="1200">
-                <a:solidFill>
-                  <a:schemeClr val="tx1"/>
-                </a:solidFill>
-                <a:latin typeface="+mn-lt"/>
-                <a:ea typeface="+mn-ea"/>
-                <a:cs typeface="+mn-cs"/>
-              </a:defRPr>
-            </a:lvl7pPr>
-            <a:lvl8pPr marL="3429000" indent="-228600" algn="l" defTabSz="914400" rtl="0" eaLnBrk="1" latinLnBrk="0" hangingPunct="1">
-              <a:lnSpc>
-                <a:spcPct val="90000"/>
-              </a:lnSpc>
-              <a:spcBef>
-                <a:spcPts val="500"/>
-              </a:spcBef>
-              <a:buFont typeface="Arial" panose="020B0604020202020204" pitchFamily="34" charset="0"/>
-              <a:buChar char="•"/>
-              <a:defRPr sz="1800" kern="1200">
-                <a:solidFill>
-                  <a:schemeClr val="tx1"/>
-                </a:solidFill>
-                <a:latin typeface="+mn-lt"/>
-                <a:ea typeface="+mn-ea"/>
-                <a:cs typeface="+mn-cs"/>
-              </a:defRPr>
-            </a:lvl8pPr>
-            <a:lvl9pPr marL="3886200" indent="-228600" algn="l" defTabSz="914400" rtl="0" eaLnBrk="1" latinLnBrk="0" hangingPunct="1">
-              <a:lnSpc>
-                <a:spcPct val="90000"/>
-              </a:lnSpc>
-              <a:spcBef>
-                <a:spcPts val="500"/>
-              </a:spcBef>
-              <a:buFont typeface="Arial" panose="020B0604020202020204" pitchFamily="34" charset="0"/>
-              <a:buChar char="•"/>
-              <a:defRPr sz="1800" kern="1200">
-                <a:solidFill>
-                  <a:schemeClr val="tx1"/>
-                </a:solidFill>
-                <a:latin typeface="+mn-lt"/>
-                <a:ea typeface="+mn-ea"/>
-                <a:cs typeface="+mn-cs"/>
-              </a:defRPr>
-            </a:lvl9pPr>
-          </a:lstStyle>
-          <a:p>
-            <a:pPr>
-              <a:lnSpc>
-                <a:spcPct val="100000"/>
-              </a:lnSpc>
-            </a:pPr>
-            <a:r>
-              <a:rPr lang="de-DE" sz="2000" dirty="0"/>
-              <a:t>„Ausnahmen“ generieren alle Kandidaten</a:t>
-            </a:r>
-          </a:p>
-          <a:p>
-            <a:pPr>
-              <a:lnSpc>
-                <a:spcPct val="100000"/>
-              </a:lnSpc>
-            </a:pPr>
-            <a:r>
-              <a:rPr lang="de-DE" sz="2000" dirty="0" err="1"/>
-              <a:t>Pruning</a:t>
-            </a:r>
-            <a:r>
-              <a:rPr lang="de-DE" sz="2000" dirty="0"/>
-              <a:t> von Duplikaten</a:t>
-            </a:r>
-          </a:p>
-        </p:txBody>
-      </p:sp>
       <p:pic>
         <p:nvPicPr>
-          <p:cNvPr id="13" name="Grafik 12" descr="Ein Bild, das Fern, Monitor, Bedienung, sitzend enthält.&#10;&#10;Automatisch generierte Beschreibung">
-            <a:extLst>
-              <a:ext uri="{FF2B5EF4-FFF2-40B4-BE49-F238E27FC236}">
-                <a16:creationId xmlns:a16="http://schemas.microsoft.com/office/drawing/2014/main" id="{510F87E8-F869-694B-9557-B300585FF8DF}"/>
+          <p:cNvPr id="7" name="Inhaltsplatzhalter 6" descr="Ein Bild, das Screenshot enthält.&#10;&#10;Automatisch generierte Beschreibung">
+            <a:extLst>
+              <a:ext uri="{FF2B5EF4-FFF2-40B4-BE49-F238E27FC236}">
+                <a16:creationId xmlns:a16="http://schemas.microsoft.com/office/drawing/2014/main" id="{69BFE89E-4FB3-B845-BE66-7A1F3B0E16C1}"/>
               </a:ext>
             </a:extLst>
           </p:cNvPr>
           <p:cNvPicPr>
-            <a:picLocks noChangeAspect="1"/>
+            <a:picLocks noGrp="1" noChangeAspect="1"/>
           </p:cNvPicPr>
-          <p:nvPr/>
+          <p:nvPr>
+            <p:ph idx="1"/>
+          </p:nvPr>
         </p:nvPicPr>
         <p:blipFill>
-          <a:blip r:embed="rId3">
+          <a:blip r:embed="rId2">
             <a:extLst>
               <a:ext uri="{28A0092B-C50C-407E-A947-70E740481C1C}">
                 <a14:useLocalDpi xmlns:a14="http://schemas.microsoft.com/office/drawing/2010/main" val="0"/>
@@ -5784,18 +4799,72 @@
         </p:blipFill>
         <p:spPr>
           <a:xfrm>
-            <a:off x="176165" y="202268"/>
-            <a:ext cx="11839669" cy="3844215"/>
+            <a:off x="2144241" y="148877"/>
+            <a:ext cx="7765569" cy="6113320"/>
           </a:xfrm>
-          <a:prstGeom prst="rect">
-            <a:avLst/>
-          </a:prstGeom>
         </p:spPr>
       </p:pic>
+      <p:sp>
+        <p:nvSpPr>
+          <p:cNvPr id="4" name="Datumsplatzhalter 3">
+            <a:extLst>
+              <a:ext uri="{FF2B5EF4-FFF2-40B4-BE49-F238E27FC236}">
+                <a16:creationId xmlns:a16="http://schemas.microsoft.com/office/drawing/2014/main" id="{9CCAFD67-B02A-4CC5-A0AF-41ECCAE2B82F}"/>
+              </a:ext>
+            </a:extLst>
+          </p:cNvPr>
+          <p:cNvSpPr>
+            <a:spLocks noGrp="1"/>
+          </p:cNvSpPr>
+          <p:nvPr>
+            <p:ph type="dt" sz="half" idx="10"/>
+          </p:nvPr>
+        </p:nvSpPr>
+        <p:spPr/>
+        <p:txBody>
+          <a:bodyPr/>
+          <a:lstStyle/>
+          <a:p>
+            <a:r>
+              <a:rPr lang="de-DE"/>
+              <a:t>25.03.2020</a:t>
+            </a:r>
+          </a:p>
+        </p:txBody>
+      </p:sp>
+      <p:sp>
+        <p:nvSpPr>
+          <p:cNvPr id="6" name="Foliennummernplatzhalter 5">
+            <a:extLst>
+              <a:ext uri="{FF2B5EF4-FFF2-40B4-BE49-F238E27FC236}">
+                <a16:creationId xmlns:a16="http://schemas.microsoft.com/office/drawing/2014/main" id="{2014E5A3-BB19-4CC6-A059-F359A2A51340}"/>
+              </a:ext>
+            </a:extLst>
+          </p:cNvPr>
+          <p:cNvSpPr>
+            <a:spLocks noGrp="1"/>
+          </p:cNvSpPr>
+          <p:nvPr>
+            <p:ph type="sldNum" sz="quarter" idx="12"/>
+          </p:nvPr>
+        </p:nvSpPr>
+        <p:spPr/>
+        <p:txBody>
+          <a:bodyPr/>
+          <a:lstStyle/>
+          <a:p>
+            <a:fld id="{61696EC4-B4CF-4701-AD06-A8439D6D8E12}" type="slidenum">
+              <a:rPr lang="de-DE" smtClean="0"/>
+              <a:t>11</a:t>
+            </a:fld>
+            <a:endParaRPr lang="de-DE"/>
+          </a:p>
+        </p:txBody>
+      </p:sp>
     </p:spTree>
     <p:extLst>
       <p:ext uri="{BB962C8B-B14F-4D97-AF65-F5344CB8AC3E}">
-        <p14:creationId xmlns:p14="http://schemas.microsoft.com/office/powerpoint/2010/main" val="2101614505"/>
+        <p14:creationId xmlns:p14="http://schemas.microsoft.com/office/powerpoint/2010/main" val="2735828084"/>
       </p:ext>
     </p:extLst>
   </p:cSld>
@@ -5822,74 +4891,41 @@
           <a:chExt cx="0" cy="0"/>
         </a:xfrm>
       </p:grpSpPr>
-      <p:sp>
-        <p:nvSpPr>
-          <p:cNvPr id="2" name="Titel 1">
-            <a:extLst>
-              <a:ext uri="{FF2B5EF4-FFF2-40B4-BE49-F238E27FC236}">
-                <a16:creationId xmlns:a16="http://schemas.microsoft.com/office/drawing/2014/main" id="{4E4AE26E-BDAE-4262-A057-39AC2366A5F1}"/>
-              </a:ext>
-            </a:extLst>
-          </p:cNvPr>
-          <p:cNvSpPr>
-            <a:spLocks noGrp="1"/>
-          </p:cNvSpPr>
-          <p:nvPr>
-            <p:ph type="title"/>
-          </p:nvPr>
-        </p:nvSpPr>
+      <p:pic>
+        <p:nvPicPr>
+          <p:cNvPr id="7" name="Inhaltsplatzhalter 6" descr="Ein Bild, das Screenshot enthält.&#10;&#10;Automatisch generierte Beschreibung">
+            <a:extLst>
+              <a:ext uri="{FF2B5EF4-FFF2-40B4-BE49-F238E27FC236}">
+                <a16:creationId xmlns:a16="http://schemas.microsoft.com/office/drawing/2014/main" id="{62C7D3AB-7537-E546-BC76-8768A15A3C62}"/>
+              </a:ext>
+            </a:extLst>
+          </p:cNvPr>
+          <p:cNvPicPr>
+            <a:picLocks noGrp="1" noChangeAspect="1"/>
+          </p:cNvPicPr>
+          <p:nvPr>
+            <p:ph idx="1"/>
+          </p:nvPr>
+        </p:nvPicPr>
+        <p:blipFill>
+          <a:blip r:embed="rId2">
+            <a:extLst>
+              <a:ext uri="{28A0092B-C50C-407E-A947-70E740481C1C}">
+                <a14:useLocalDpi xmlns:a14="http://schemas.microsoft.com/office/drawing/2010/main" val="0"/>
+              </a:ext>
+            </a:extLst>
+          </a:blip>
+          <a:stretch>
+            <a:fillRect/>
+          </a:stretch>
+        </p:blipFill>
         <p:spPr>
           <a:xfrm>
-            <a:off x="524664" y="444005"/>
-            <a:ext cx="9178008" cy="627829"/>
+            <a:off x="2110434" y="117218"/>
+            <a:ext cx="8073695" cy="6168399"/>
           </a:xfrm>
         </p:spPr>
-        <p:txBody>
-          <a:bodyPr/>
-          <a:lstStyle/>
-          <a:p>
-            <a:r>
-              <a:rPr lang="en-US" noProof="0" dirty="0"/>
-              <a:t>Demo</a:t>
-            </a:r>
-          </a:p>
-        </p:txBody>
-      </p:sp>
-      <p:sp>
-        <p:nvSpPr>
-          <p:cNvPr id="3" name="Inhaltsplatzhalter 2">
-            <a:extLst>
-              <a:ext uri="{FF2B5EF4-FFF2-40B4-BE49-F238E27FC236}">
-                <a16:creationId xmlns:a16="http://schemas.microsoft.com/office/drawing/2014/main" id="{900E3307-8428-4C7A-A1DA-C96FE547A036}"/>
-              </a:ext>
-            </a:extLst>
-          </p:cNvPr>
-          <p:cNvSpPr>
-            <a:spLocks noGrp="1"/>
-          </p:cNvSpPr>
-          <p:nvPr>
-            <p:ph idx="1"/>
-          </p:nvPr>
-        </p:nvSpPr>
-        <p:spPr>
-          <a:xfrm>
-            <a:off x="524664" y="1269207"/>
-            <a:ext cx="11142672" cy="4502318"/>
-          </a:xfrm>
-        </p:spPr>
-        <p:txBody>
-          <a:bodyPr/>
-          <a:lstStyle/>
-          <a:p>
-            <a:pPr>
-              <a:lnSpc>
-                <a:spcPct val="100000"/>
-              </a:lnSpc>
-            </a:pPr>
-            <a:endParaRPr lang="de-DE" dirty="0"/>
-          </a:p>
-        </p:txBody>
-      </p:sp>
+      </p:pic>
       <p:sp>
         <p:nvSpPr>
           <p:cNvPr id="4" name="Datumsplatzhalter 3">
@@ -5950,7 +4986,7 @@
     </p:spTree>
     <p:extLst>
       <p:ext uri="{BB962C8B-B14F-4D97-AF65-F5344CB8AC3E}">
-        <p14:creationId xmlns:p14="http://schemas.microsoft.com/office/powerpoint/2010/main" val="1866389151"/>
+        <p14:creationId xmlns:p14="http://schemas.microsoft.com/office/powerpoint/2010/main" val="1226132527"/>
       </p:ext>
     </p:extLst>
   </p:cSld>
@@ -6005,784 +5041,16 @@
           <a:p>
             <a:r>
               <a:rPr lang="en-US" noProof="0" dirty="0"/>
-              <a:t>Meta-Modell (1)</a:t>
-            </a:r>
-          </a:p>
-        </p:txBody>
-      </p:sp>
-      <p:pic>
-        <p:nvPicPr>
-          <p:cNvPr id="7" name="Inhaltsplatzhalter 6">
-            <a:extLst>
-              <a:ext uri="{FF2B5EF4-FFF2-40B4-BE49-F238E27FC236}">
-                <a16:creationId xmlns:a16="http://schemas.microsoft.com/office/drawing/2014/main" id="{AAFBDB75-4142-7142-926F-5BA01FB0FEA5}"/>
-              </a:ext>
-            </a:extLst>
-          </p:cNvPr>
-          <p:cNvPicPr>
-            <a:picLocks noGrp="1" noChangeAspect="1"/>
-          </p:cNvPicPr>
-          <p:nvPr>
-            <p:ph idx="1"/>
-          </p:nvPr>
-        </p:nvPicPr>
-        <p:blipFill>
-          <a:blip r:embed="rId2">
-            <a:extLst>
-              <a:ext uri="{28A0092B-C50C-407E-A947-70E740481C1C}">
-                <a14:useLocalDpi xmlns:a14="http://schemas.microsoft.com/office/drawing/2010/main" val="0"/>
-              </a:ext>
-            </a:extLst>
-          </a:blip>
-          <a:stretch>
-            <a:fillRect/>
-          </a:stretch>
-        </p:blipFill>
-        <p:spPr>
-          <a:xfrm>
-            <a:off x="2899213" y="1261021"/>
-            <a:ext cx="5330387" cy="1819354"/>
-          </a:xfrm>
-        </p:spPr>
-      </p:pic>
-      <p:sp>
-        <p:nvSpPr>
-          <p:cNvPr id="4" name="Datumsplatzhalter 3">
-            <a:extLst>
-              <a:ext uri="{FF2B5EF4-FFF2-40B4-BE49-F238E27FC236}">
-                <a16:creationId xmlns:a16="http://schemas.microsoft.com/office/drawing/2014/main" id="{9CCAFD67-B02A-4CC5-A0AF-41ECCAE2B82F}"/>
-              </a:ext>
-            </a:extLst>
-          </p:cNvPr>
-          <p:cNvSpPr>
-            <a:spLocks noGrp="1"/>
-          </p:cNvSpPr>
-          <p:nvPr>
-            <p:ph type="dt" sz="half" idx="10"/>
-          </p:nvPr>
-        </p:nvSpPr>
-        <p:spPr/>
-        <p:txBody>
-          <a:bodyPr/>
-          <a:lstStyle/>
-          <a:p>
-            <a:r>
-              <a:rPr lang="de-DE"/>
-              <a:t>25.03.2020</a:t>
-            </a:r>
-          </a:p>
-        </p:txBody>
-      </p:sp>
-      <p:sp>
-        <p:nvSpPr>
-          <p:cNvPr id="6" name="Foliennummernplatzhalter 5">
-            <a:extLst>
-              <a:ext uri="{FF2B5EF4-FFF2-40B4-BE49-F238E27FC236}">
-                <a16:creationId xmlns:a16="http://schemas.microsoft.com/office/drawing/2014/main" id="{2014E5A3-BB19-4CC6-A059-F359A2A51340}"/>
-              </a:ext>
-            </a:extLst>
-          </p:cNvPr>
-          <p:cNvSpPr>
-            <a:spLocks noGrp="1"/>
-          </p:cNvSpPr>
-          <p:nvPr>
-            <p:ph type="sldNum" sz="quarter" idx="12"/>
-          </p:nvPr>
-        </p:nvSpPr>
-        <p:spPr/>
-        <p:txBody>
-          <a:bodyPr/>
-          <a:lstStyle/>
-          <a:p>
-            <a:fld id="{61696EC4-B4CF-4701-AD06-A8439D6D8E12}" type="slidenum">
-              <a:rPr lang="de-DE" smtClean="0"/>
-              <a:t>13</a:t>
-            </a:fld>
-            <a:endParaRPr lang="de-DE"/>
-          </a:p>
-        </p:txBody>
-      </p:sp>
-    </p:spTree>
-    <p:extLst>
-      <p:ext uri="{BB962C8B-B14F-4D97-AF65-F5344CB8AC3E}">
-        <p14:creationId xmlns:p14="http://schemas.microsoft.com/office/powerpoint/2010/main" val="2669224639"/>
-      </p:ext>
-    </p:extLst>
-  </p:cSld>
-  <p:clrMapOvr>
-    <a:masterClrMapping/>
-  </p:clrMapOvr>
-</p:sld>
-</file>
-
-<file path=ppt/slides/slide14.xml><?xml version="1.0" encoding="utf-8"?>
-<p:sld xmlns:a="http://schemas.openxmlformats.org/drawingml/2006/main" xmlns:r="http://schemas.openxmlformats.org/officeDocument/2006/relationships" xmlns:p="http://schemas.openxmlformats.org/presentationml/2006/main">
-  <p:cSld>
-    <p:spTree>
-      <p:nvGrpSpPr>
-        <p:cNvPr id="1" name=""/>
-        <p:cNvGrpSpPr/>
-        <p:nvPr/>
-      </p:nvGrpSpPr>
-      <p:grpSpPr>
-        <a:xfrm>
-          <a:off x="0" y="0"/>
-          <a:ext cx="0" cy="0"/>
-          <a:chOff x="0" y="0"/>
-          <a:chExt cx="0" cy="0"/>
-        </a:xfrm>
-      </p:grpSpPr>
-      <p:sp>
-        <p:nvSpPr>
-          <p:cNvPr id="2" name="Titel 1">
-            <a:extLst>
-              <a:ext uri="{FF2B5EF4-FFF2-40B4-BE49-F238E27FC236}">
-                <a16:creationId xmlns:a16="http://schemas.microsoft.com/office/drawing/2014/main" id="{4E4AE26E-BDAE-4262-A057-39AC2366A5F1}"/>
-              </a:ext>
-            </a:extLst>
-          </p:cNvPr>
-          <p:cNvSpPr>
-            <a:spLocks noGrp="1"/>
-          </p:cNvSpPr>
-          <p:nvPr>
-            <p:ph type="title"/>
-          </p:nvPr>
-        </p:nvSpPr>
-        <p:spPr>
-          <a:xfrm>
-            <a:off x="524664" y="444005"/>
-            <a:ext cx="9178008" cy="627829"/>
-          </a:xfrm>
-        </p:spPr>
-        <p:txBody>
-          <a:bodyPr/>
-          <a:lstStyle/>
-          <a:p>
+              <a:t>Eclipse –</a:t>
+            </a:r>
+            <a:r>
+              <a:rPr lang="en-US" dirty="0"/>
+              <a:t> </a:t>
+            </a:r>
             <a:r>
               <a:rPr lang="en-US" noProof="0" dirty="0"/>
-              <a:t>Meta-Modell (2)</a:t>
-            </a:r>
-          </a:p>
-        </p:txBody>
-      </p:sp>
-      <p:pic>
-        <p:nvPicPr>
-          <p:cNvPr id="7" name="Inhaltsplatzhalter 6">
-            <a:extLst>
-              <a:ext uri="{FF2B5EF4-FFF2-40B4-BE49-F238E27FC236}">
-                <a16:creationId xmlns:a16="http://schemas.microsoft.com/office/drawing/2014/main" id="{84EBC7FC-1EE8-0648-884C-272B49BEAE15}"/>
-              </a:ext>
-            </a:extLst>
-          </p:cNvPr>
-          <p:cNvPicPr>
-            <a:picLocks noGrp="1" noChangeAspect="1"/>
-          </p:cNvPicPr>
-          <p:nvPr>
-            <p:ph idx="1"/>
-          </p:nvPr>
-        </p:nvPicPr>
-        <p:blipFill>
-          <a:blip r:embed="rId2">
-            <a:extLst>
-              <a:ext uri="{28A0092B-C50C-407E-A947-70E740481C1C}">
-                <a14:useLocalDpi xmlns:a14="http://schemas.microsoft.com/office/drawing/2010/main" val="0"/>
-              </a:ext>
-            </a:extLst>
-          </a:blip>
-          <a:stretch>
-            <a:fillRect/>
-          </a:stretch>
-        </p:blipFill>
-        <p:spPr>
-          <a:xfrm>
-            <a:off x="2899592" y="1270000"/>
-            <a:ext cx="6392816" cy="4502150"/>
-          </a:xfrm>
-        </p:spPr>
-      </p:pic>
-      <p:sp>
-        <p:nvSpPr>
-          <p:cNvPr id="4" name="Datumsplatzhalter 3">
-            <a:extLst>
-              <a:ext uri="{FF2B5EF4-FFF2-40B4-BE49-F238E27FC236}">
-                <a16:creationId xmlns:a16="http://schemas.microsoft.com/office/drawing/2014/main" id="{9CCAFD67-B02A-4CC5-A0AF-41ECCAE2B82F}"/>
-              </a:ext>
-            </a:extLst>
-          </p:cNvPr>
-          <p:cNvSpPr>
-            <a:spLocks noGrp="1"/>
-          </p:cNvSpPr>
-          <p:nvPr>
-            <p:ph type="dt" sz="half" idx="10"/>
-          </p:nvPr>
-        </p:nvSpPr>
-        <p:spPr/>
-        <p:txBody>
-          <a:bodyPr/>
-          <a:lstStyle/>
-          <a:p>
-            <a:r>
-              <a:rPr lang="de-DE"/>
-              <a:t>25.03.2020</a:t>
-            </a:r>
-          </a:p>
-        </p:txBody>
-      </p:sp>
-      <p:sp>
-        <p:nvSpPr>
-          <p:cNvPr id="6" name="Foliennummernplatzhalter 5">
-            <a:extLst>
-              <a:ext uri="{FF2B5EF4-FFF2-40B4-BE49-F238E27FC236}">
-                <a16:creationId xmlns:a16="http://schemas.microsoft.com/office/drawing/2014/main" id="{2014E5A3-BB19-4CC6-A059-F359A2A51340}"/>
-              </a:ext>
-            </a:extLst>
-          </p:cNvPr>
-          <p:cNvSpPr>
-            <a:spLocks noGrp="1"/>
-          </p:cNvSpPr>
-          <p:nvPr>
-            <p:ph type="sldNum" sz="quarter" idx="12"/>
-          </p:nvPr>
-        </p:nvSpPr>
-        <p:spPr/>
-        <p:txBody>
-          <a:bodyPr/>
-          <a:lstStyle/>
-          <a:p>
-            <a:fld id="{61696EC4-B4CF-4701-AD06-A8439D6D8E12}" type="slidenum">
-              <a:rPr lang="de-DE" smtClean="0"/>
-              <a:t>14</a:t>
-            </a:fld>
-            <a:endParaRPr lang="de-DE"/>
-          </a:p>
-        </p:txBody>
-      </p:sp>
-    </p:spTree>
-    <p:extLst>
-      <p:ext uri="{BB962C8B-B14F-4D97-AF65-F5344CB8AC3E}">
-        <p14:creationId xmlns:p14="http://schemas.microsoft.com/office/powerpoint/2010/main" val="457514926"/>
-      </p:ext>
-    </p:extLst>
-  </p:cSld>
-  <p:clrMapOvr>
-    <a:masterClrMapping/>
-  </p:clrMapOvr>
-</p:sld>
-</file>
-
-<file path=ppt/slides/slide15.xml><?xml version="1.0" encoding="utf-8"?>
-<p:sld xmlns:a="http://schemas.openxmlformats.org/drawingml/2006/main" xmlns:r="http://schemas.openxmlformats.org/officeDocument/2006/relationships" xmlns:p="http://schemas.openxmlformats.org/presentationml/2006/main">
-  <p:cSld>
-    <p:spTree>
-      <p:nvGrpSpPr>
-        <p:cNvPr id="1" name=""/>
-        <p:cNvGrpSpPr/>
-        <p:nvPr/>
-      </p:nvGrpSpPr>
-      <p:grpSpPr>
-        <a:xfrm>
-          <a:off x="0" y="0"/>
-          <a:ext cx="0" cy="0"/>
-          <a:chOff x="0" y="0"/>
-          <a:chExt cx="0" cy="0"/>
-        </a:xfrm>
-      </p:grpSpPr>
-      <p:sp>
-        <p:nvSpPr>
-          <p:cNvPr id="2" name="Titel 1">
-            <a:extLst>
-              <a:ext uri="{FF2B5EF4-FFF2-40B4-BE49-F238E27FC236}">
-                <a16:creationId xmlns:a16="http://schemas.microsoft.com/office/drawing/2014/main" id="{4E4AE26E-BDAE-4262-A057-39AC2366A5F1}"/>
-              </a:ext>
-            </a:extLst>
-          </p:cNvPr>
-          <p:cNvSpPr>
-            <a:spLocks noGrp="1"/>
-          </p:cNvSpPr>
-          <p:nvPr>
-            <p:ph type="title"/>
-          </p:nvPr>
-        </p:nvSpPr>
-        <p:spPr>
-          <a:xfrm>
-            <a:off x="524664" y="444005"/>
-            <a:ext cx="9178008" cy="627829"/>
-          </a:xfrm>
-        </p:spPr>
-        <p:txBody>
-          <a:bodyPr/>
-          <a:lstStyle/>
-          <a:p>
-            <a:r>
-              <a:rPr lang="en-US" noProof="0" dirty="0"/>
-              <a:t>Meta-Modell (3)</a:t>
-            </a:r>
-          </a:p>
-        </p:txBody>
-      </p:sp>
-      <p:pic>
-        <p:nvPicPr>
-          <p:cNvPr id="7" name="Inhaltsplatzhalter 6">
-            <a:extLst>
-              <a:ext uri="{FF2B5EF4-FFF2-40B4-BE49-F238E27FC236}">
-                <a16:creationId xmlns:a16="http://schemas.microsoft.com/office/drawing/2014/main" id="{597271BE-975A-8448-8890-95AC9CA9A263}"/>
-              </a:ext>
-            </a:extLst>
-          </p:cNvPr>
-          <p:cNvPicPr>
-            <a:picLocks noGrp="1" noChangeAspect="1"/>
-          </p:cNvPicPr>
-          <p:nvPr>
-            <p:ph idx="1"/>
-          </p:nvPr>
-        </p:nvPicPr>
-        <p:blipFill>
-          <a:blip r:embed="rId2">
-            <a:extLst>
-              <a:ext uri="{28A0092B-C50C-407E-A947-70E740481C1C}">
-                <a14:useLocalDpi xmlns:a14="http://schemas.microsoft.com/office/drawing/2010/main" val="0"/>
-              </a:ext>
-            </a:extLst>
-          </a:blip>
-          <a:stretch>
-            <a:fillRect/>
-          </a:stretch>
-        </p:blipFill>
-        <p:spPr>
-          <a:xfrm>
-            <a:off x="3615691" y="1270000"/>
-            <a:ext cx="4960617" cy="4502150"/>
-          </a:xfrm>
-        </p:spPr>
-      </p:pic>
-      <p:sp>
-        <p:nvSpPr>
-          <p:cNvPr id="4" name="Datumsplatzhalter 3">
-            <a:extLst>
-              <a:ext uri="{FF2B5EF4-FFF2-40B4-BE49-F238E27FC236}">
-                <a16:creationId xmlns:a16="http://schemas.microsoft.com/office/drawing/2014/main" id="{9CCAFD67-B02A-4CC5-A0AF-41ECCAE2B82F}"/>
-              </a:ext>
-            </a:extLst>
-          </p:cNvPr>
-          <p:cNvSpPr>
-            <a:spLocks noGrp="1"/>
-          </p:cNvSpPr>
-          <p:nvPr>
-            <p:ph type="dt" sz="half" idx="10"/>
-          </p:nvPr>
-        </p:nvSpPr>
-        <p:spPr/>
-        <p:txBody>
-          <a:bodyPr/>
-          <a:lstStyle/>
-          <a:p>
-            <a:r>
-              <a:rPr lang="de-DE"/>
-              <a:t>25.03.2020</a:t>
-            </a:r>
-          </a:p>
-        </p:txBody>
-      </p:sp>
-      <p:sp>
-        <p:nvSpPr>
-          <p:cNvPr id="6" name="Foliennummernplatzhalter 5">
-            <a:extLst>
-              <a:ext uri="{FF2B5EF4-FFF2-40B4-BE49-F238E27FC236}">
-                <a16:creationId xmlns:a16="http://schemas.microsoft.com/office/drawing/2014/main" id="{2014E5A3-BB19-4CC6-A059-F359A2A51340}"/>
-              </a:ext>
-            </a:extLst>
-          </p:cNvPr>
-          <p:cNvSpPr>
-            <a:spLocks noGrp="1"/>
-          </p:cNvSpPr>
-          <p:nvPr>
-            <p:ph type="sldNum" sz="quarter" idx="12"/>
-          </p:nvPr>
-        </p:nvSpPr>
-        <p:spPr/>
-        <p:txBody>
-          <a:bodyPr/>
-          <a:lstStyle/>
-          <a:p>
-            <a:fld id="{61696EC4-B4CF-4701-AD06-A8439D6D8E12}" type="slidenum">
-              <a:rPr lang="de-DE" smtClean="0"/>
-              <a:t>15</a:t>
-            </a:fld>
-            <a:endParaRPr lang="de-DE"/>
-          </a:p>
-        </p:txBody>
-      </p:sp>
-    </p:spTree>
-    <p:extLst>
-      <p:ext uri="{BB962C8B-B14F-4D97-AF65-F5344CB8AC3E}">
-        <p14:creationId xmlns:p14="http://schemas.microsoft.com/office/powerpoint/2010/main" val="1840141399"/>
-      </p:ext>
-    </p:extLst>
-  </p:cSld>
-  <p:clrMapOvr>
-    <a:masterClrMapping/>
-  </p:clrMapOvr>
-</p:sld>
-</file>
-
-<file path=ppt/slides/slide16.xml><?xml version="1.0" encoding="utf-8"?>
-<p:sld xmlns:a="http://schemas.openxmlformats.org/drawingml/2006/main" xmlns:r="http://schemas.openxmlformats.org/officeDocument/2006/relationships" xmlns:p="http://schemas.openxmlformats.org/presentationml/2006/main">
-  <p:cSld>
-    <p:spTree>
-      <p:nvGrpSpPr>
-        <p:cNvPr id="1" name=""/>
-        <p:cNvGrpSpPr/>
-        <p:nvPr/>
-      </p:nvGrpSpPr>
-      <p:grpSpPr>
-        <a:xfrm>
-          <a:off x="0" y="0"/>
-          <a:ext cx="0" cy="0"/>
-          <a:chOff x="0" y="0"/>
-          <a:chExt cx="0" cy="0"/>
-        </a:xfrm>
-      </p:grpSpPr>
-      <p:sp>
-        <p:nvSpPr>
-          <p:cNvPr id="2" name="Titel 1">
-            <a:extLst>
-              <a:ext uri="{FF2B5EF4-FFF2-40B4-BE49-F238E27FC236}">
-                <a16:creationId xmlns:a16="http://schemas.microsoft.com/office/drawing/2014/main" id="{4E4AE26E-BDAE-4262-A057-39AC2366A5F1}"/>
-              </a:ext>
-            </a:extLst>
-          </p:cNvPr>
-          <p:cNvSpPr>
-            <a:spLocks noGrp="1"/>
-          </p:cNvSpPr>
-          <p:nvPr>
-            <p:ph type="title"/>
-          </p:nvPr>
-        </p:nvSpPr>
-        <p:spPr>
-          <a:xfrm>
-            <a:off x="524664" y="444005"/>
-            <a:ext cx="9178008" cy="627829"/>
-          </a:xfrm>
-        </p:spPr>
-        <p:txBody>
-          <a:bodyPr/>
-          <a:lstStyle/>
-          <a:p>
-            <a:r>
-              <a:rPr lang="en-US" noProof="0" dirty="0"/>
-              <a:t>Meta-Modell (4)</a:t>
-            </a:r>
-          </a:p>
-        </p:txBody>
-      </p:sp>
-      <p:pic>
-        <p:nvPicPr>
-          <p:cNvPr id="7" name="Inhaltsplatzhalter 6" descr="Ein Bild, das Screenshot enthält.&#10;&#10;Automatisch generierte Beschreibung">
-            <a:extLst>
-              <a:ext uri="{FF2B5EF4-FFF2-40B4-BE49-F238E27FC236}">
-                <a16:creationId xmlns:a16="http://schemas.microsoft.com/office/drawing/2014/main" id="{69BFE89E-4FB3-B845-BE66-7A1F3B0E16C1}"/>
-              </a:ext>
-            </a:extLst>
-          </p:cNvPr>
-          <p:cNvPicPr>
-            <a:picLocks noGrp="1" noChangeAspect="1"/>
-          </p:cNvPicPr>
-          <p:nvPr>
-            <p:ph idx="1"/>
-          </p:nvPr>
-        </p:nvPicPr>
-        <p:blipFill>
-          <a:blip r:embed="rId2">
-            <a:extLst>
-              <a:ext uri="{28A0092B-C50C-407E-A947-70E740481C1C}">
-                <a14:useLocalDpi xmlns:a14="http://schemas.microsoft.com/office/drawing/2010/main" val="0"/>
-              </a:ext>
-            </a:extLst>
-          </a:blip>
-          <a:stretch>
-            <a:fillRect/>
-          </a:stretch>
-        </p:blipFill>
-        <p:spPr>
-          <a:xfrm>
-            <a:off x="3236526" y="1270000"/>
-            <a:ext cx="5718947" cy="4502150"/>
-          </a:xfrm>
-        </p:spPr>
-      </p:pic>
-      <p:sp>
-        <p:nvSpPr>
-          <p:cNvPr id="4" name="Datumsplatzhalter 3">
-            <a:extLst>
-              <a:ext uri="{FF2B5EF4-FFF2-40B4-BE49-F238E27FC236}">
-                <a16:creationId xmlns:a16="http://schemas.microsoft.com/office/drawing/2014/main" id="{9CCAFD67-B02A-4CC5-A0AF-41ECCAE2B82F}"/>
-              </a:ext>
-            </a:extLst>
-          </p:cNvPr>
-          <p:cNvSpPr>
-            <a:spLocks noGrp="1"/>
-          </p:cNvSpPr>
-          <p:nvPr>
-            <p:ph type="dt" sz="half" idx="10"/>
-          </p:nvPr>
-        </p:nvSpPr>
-        <p:spPr/>
-        <p:txBody>
-          <a:bodyPr/>
-          <a:lstStyle/>
-          <a:p>
-            <a:r>
-              <a:rPr lang="de-DE"/>
-              <a:t>25.03.2020</a:t>
-            </a:r>
-          </a:p>
-        </p:txBody>
-      </p:sp>
-      <p:sp>
-        <p:nvSpPr>
-          <p:cNvPr id="6" name="Foliennummernplatzhalter 5">
-            <a:extLst>
-              <a:ext uri="{FF2B5EF4-FFF2-40B4-BE49-F238E27FC236}">
-                <a16:creationId xmlns:a16="http://schemas.microsoft.com/office/drawing/2014/main" id="{2014E5A3-BB19-4CC6-A059-F359A2A51340}"/>
-              </a:ext>
-            </a:extLst>
-          </p:cNvPr>
-          <p:cNvSpPr>
-            <a:spLocks noGrp="1"/>
-          </p:cNvSpPr>
-          <p:nvPr>
-            <p:ph type="sldNum" sz="quarter" idx="12"/>
-          </p:nvPr>
-        </p:nvSpPr>
-        <p:spPr/>
-        <p:txBody>
-          <a:bodyPr/>
-          <a:lstStyle/>
-          <a:p>
-            <a:fld id="{61696EC4-B4CF-4701-AD06-A8439D6D8E12}" type="slidenum">
-              <a:rPr lang="de-DE" smtClean="0"/>
-              <a:t>16</a:t>
-            </a:fld>
-            <a:endParaRPr lang="de-DE"/>
-          </a:p>
-        </p:txBody>
-      </p:sp>
-    </p:spTree>
-    <p:extLst>
-      <p:ext uri="{BB962C8B-B14F-4D97-AF65-F5344CB8AC3E}">
-        <p14:creationId xmlns:p14="http://schemas.microsoft.com/office/powerpoint/2010/main" val="2735828084"/>
-      </p:ext>
-    </p:extLst>
-  </p:cSld>
-  <p:clrMapOvr>
-    <a:masterClrMapping/>
-  </p:clrMapOvr>
-</p:sld>
-</file>
-
-<file path=ppt/slides/slide17.xml><?xml version="1.0" encoding="utf-8"?>
-<p:sld xmlns:a="http://schemas.openxmlformats.org/drawingml/2006/main" xmlns:r="http://schemas.openxmlformats.org/officeDocument/2006/relationships" xmlns:p="http://schemas.openxmlformats.org/presentationml/2006/main">
-  <p:cSld>
-    <p:spTree>
-      <p:nvGrpSpPr>
-        <p:cNvPr id="1" name=""/>
-        <p:cNvGrpSpPr/>
-        <p:nvPr/>
-      </p:nvGrpSpPr>
-      <p:grpSpPr>
-        <a:xfrm>
-          <a:off x="0" y="0"/>
-          <a:ext cx="0" cy="0"/>
-          <a:chOff x="0" y="0"/>
-          <a:chExt cx="0" cy="0"/>
-        </a:xfrm>
-      </p:grpSpPr>
-      <p:sp>
-        <p:nvSpPr>
-          <p:cNvPr id="2" name="Titel 1">
-            <a:extLst>
-              <a:ext uri="{FF2B5EF4-FFF2-40B4-BE49-F238E27FC236}">
-                <a16:creationId xmlns:a16="http://schemas.microsoft.com/office/drawing/2014/main" id="{4E4AE26E-BDAE-4262-A057-39AC2366A5F1}"/>
-              </a:ext>
-            </a:extLst>
-          </p:cNvPr>
-          <p:cNvSpPr>
-            <a:spLocks noGrp="1"/>
-          </p:cNvSpPr>
-          <p:nvPr>
-            <p:ph type="title"/>
-          </p:nvPr>
-        </p:nvSpPr>
-        <p:spPr>
-          <a:xfrm>
-            <a:off x="524664" y="444005"/>
-            <a:ext cx="9178008" cy="627829"/>
-          </a:xfrm>
-        </p:spPr>
-        <p:txBody>
-          <a:bodyPr/>
-          <a:lstStyle/>
-          <a:p>
-            <a:r>
-              <a:rPr lang="en-US" noProof="0" dirty="0"/>
-              <a:t>Meta-Modell (5)</a:t>
-            </a:r>
-          </a:p>
-        </p:txBody>
-      </p:sp>
-      <p:pic>
-        <p:nvPicPr>
-          <p:cNvPr id="7" name="Inhaltsplatzhalter 6" descr="Ein Bild, das Screenshot enthält.&#10;&#10;Automatisch generierte Beschreibung">
-            <a:extLst>
-              <a:ext uri="{FF2B5EF4-FFF2-40B4-BE49-F238E27FC236}">
-                <a16:creationId xmlns:a16="http://schemas.microsoft.com/office/drawing/2014/main" id="{62C7D3AB-7537-E546-BC76-8768A15A3C62}"/>
-              </a:ext>
-            </a:extLst>
-          </p:cNvPr>
-          <p:cNvPicPr>
-            <a:picLocks noGrp="1" noChangeAspect="1"/>
-          </p:cNvPicPr>
-          <p:nvPr>
-            <p:ph idx="1"/>
-          </p:nvPr>
-        </p:nvPicPr>
-        <p:blipFill>
-          <a:blip r:embed="rId2">
-            <a:extLst>
-              <a:ext uri="{28A0092B-C50C-407E-A947-70E740481C1C}">
-                <a14:useLocalDpi xmlns:a14="http://schemas.microsoft.com/office/drawing/2010/main" val="0"/>
-              </a:ext>
-            </a:extLst>
-          </a:blip>
-          <a:stretch>
-            <a:fillRect/>
-          </a:stretch>
-        </p:blipFill>
-        <p:spPr>
-          <a:xfrm>
-            <a:off x="3149612" y="1270000"/>
-            <a:ext cx="5892775" cy="4502150"/>
-          </a:xfrm>
-        </p:spPr>
-      </p:pic>
-      <p:sp>
-        <p:nvSpPr>
-          <p:cNvPr id="4" name="Datumsplatzhalter 3">
-            <a:extLst>
-              <a:ext uri="{FF2B5EF4-FFF2-40B4-BE49-F238E27FC236}">
-                <a16:creationId xmlns:a16="http://schemas.microsoft.com/office/drawing/2014/main" id="{9CCAFD67-B02A-4CC5-A0AF-41ECCAE2B82F}"/>
-              </a:ext>
-            </a:extLst>
-          </p:cNvPr>
-          <p:cNvSpPr>
-            <a:spLocks noGrp="1"/>
-          </p:cNvSpPr>
-          <p:nvPr>
-            <p:ph type="dt" sz="half" idx="10"/>
-          </p:nvPr>
-        </p:nvSpPr>
-        <p:spPr/>
-        <p:txBody>
-          <a:bodyPr/>
-          <a:lstStyle/>
-          <a:p>
-            <a:r>
-              <a:rPr lang="de-DE"/>
-              <a:t>25.03.2020</a:t>
-            </a:r>
-          </a:p>
-        </p:txBody>
-      </p:sp>
-      <p:sp>
-        <p:nvSpPr>
-          <p:cNvPr id="6" name="Foliennummernplatzhalter 5">
-            <a:extLst>
-              <a:ext uri="{FF2B5EF4-FFF2-40B4-BE49-F238E27FC236}">
-                <a16:creationId xmlns:a16="http://schemas.microsoft.com/office/drawing/2014/main" id="{2014E5A3-BB19-4CC6-A059-F359A2A51340}"/>
-              </a:ext>
-            </a:extLst>
-          </p:cNvPr>
-          <p:cNvSpPr>
-            <a:spLocks noGrp="1"/>
-          </p:cNvSpPr>
-          <p:nvPr>
-            <p:ph type="sldNum" sz="quarter" idx="12"/>
-          </p:nvPr>
-        </p:nvSpPr>
-        <p:spPr/>
-        <p:txBody>
-          <a:bodyPr/>
-          <a:lstStyle/>
-          <a:p>
-            <a:fld id="{61696EC4-B4CF-4701-AD06-A8439D6D8E12}" type="slidenum">
-              <a:rPr lang="de-DE" smtClean="0"/>
-              <a:t>17</a:t>
-            </a:fld>
-            <a:endParaRPr lang="de-DE"/>
-          </a:p>
-        </p:txBody>
-      </p:sp>
-    </p:spTree>
-    <p:extLst>
-      <p:ext uri="{BB962C8B-B14F-4D97-AF65-F5344CB8AC3E}">
-        <p14:creationId xmlns:p14="http://schemas.microsoft.com/office/powerpoint/2010/main" val="1226132527"/>
-      </p:ext>
-    </p:extLst>
-  </p:cSld>
-  <p:clrMapOvr>
-    <a:masterClrMapping/>
-  </p:clrMapOvr>
-</p:sld>
-</file>
-
-<file path=ppt/slides/slide18.xml><?xml version="1.0" encoding="utf-8"?>
-<p:sld xmlns:a="http://schemas.openxmlformats.org/drawingml/2006/main" xmlns:r="http://schemas.openxmlformats.org/officeDocument/2006/relationships" xmlns:p="http://schemas.openxmlformats.org/presentationml/2006/main">
-  <p:cSld>
-    <p:spTree>
-      <p:nvGrpSpPr>
-        <p:cNvPr id="1" name=""/>
-        <p:cNvGrpSpPr/>
-        <p:nvPr/>
-      </p:nvGrpSpPr>
-      <p:grpSpPr>
-        <a:xfrm>
-          <a:off x="0" y="0"/>
-          <a:ext cx="0" cy="0"/>
-          <a:chOff x="0" y="0"/>
-          <a:chExt cx="0" cy="0"/>
-        </a:xfrm>
-      </p:grpSpPr>
-      <p:sp>
-        <p:nvSpPr>
-          <p:cNvPr id="2" name="Titel 1">
-            <a:extLst>
-              <a:ext uri="{FF2B5EF4-FFF2-40B4-BE49-F238E27FC236}">
-                <a16:creationId xmlns:a16="http://schemas.microsoft.com/office/drawing/2014/main" id="{4E4AE26E-BDAE-4262-A057-39AC2366A5F1}"/>
-              </a:ext>
-            </a:extLst>
-          </p:cNvPr>
-          <p:cNvSpPr>
-            <a:spLocks noGrp="1"/>
-          </p:cNvSpPr>
-          <p:nvPr>
-            <p:ph type="title"/>
-          </p:nvPr>
-        </p:nvSpPr>
-        <p:spPr>
-          <a:xfrm>
-            <a:off x="524664" y="444005"/>
-            <a:ext cx="9178008" cy="627829"/>
-          </a:xfrm>
-        </p:spPr>
-        <p:txBody>
-          <a:bodyPr/>
-          <a:lstStyle/>
-          <a:p>
-            <a:r>
-              <a:rPr lang="en-US" noProof="0" dirty="0" err="1"/>
-              <a:t>Zusammenfassung</a:t>
-            </a:r>
-            <a:endParaRPr lang="en-US" noProof="0" dirty="0"/>
+              <a:t>Sirius (1)</a:t>
+            </a:r>
           </a:p>
         </p:txBody>
       </p:sp>
@@ -6817,155 +5085,22 @@
                 <a:spcPct val="100000"/>
               </a:lnSpc>
             </a:pPr>
-            <a:endParaRPr lang="de-DE" dirty="0"/>
-          </a:p>
-        </p:txBody>
-      </p:sp>
-      <p:sp>
-        <p:nvSpPr>
-          <p:cNvPr id="4" name="Datumsplatzhalter 3">
-            <a:extLst>
-              <a:ext uri="{FF2B5EF4-FFF2-40B4-BE49-F238E27FC236}">
-                <a16:creationId xmlns:a16="http://schemas.microsoft.com/office/drawing/2014/main" id="{9CCAFD67-B02A-4CC5-A0AF-41ECCAE2B82F}"/>
-              </a:ext>
-            </a:extLst>
-          </p:cNvPr>
-          <p:cNvSpPr>
-            <a:spLocks noGrp="1"/>
-          </p:cNvSpPr>
-          <p:nvPr>
-            <p:ph type="dt" sz="half" idx="10"/>
-          </p:nvPr>
-        </p:nvSpPr>
-        <p:spPr/>
-        <p:txBody>
-          <a:bodyPr/>
-          <a:lstStyle/>
-          <a:p>
-            <a:r>
-              <a:rPr lang="de-DE"/>
-              <a:t>25.03.2020</a:t>
-            </a:r>
-          </a:p>
-        </p:txBody>
-      </p:sp>
-      <p:sp>
-        <p:nvSpPr>
-          <p:cNvPr id="6" name="Foliennummernplatzhalter 5">
-            <a:extLst>
-              <a:ext uri="{FF2B5EF4-FFF2-40B4-BE49-F238E27FC236}">
-                <a16:creationId xmlns:a16="http://schemas.microsoft.com/office/drawing/2014/main" id="{2014E5A3-BB19-4CC6-A059-F359A2A51340}"/>
-              </a:ext>
-            </a:extLst>
-          </p:cNvPr>
-          <p:cNvSpPr>
-            <a:spLocks noGrp="1"/>
-          </p:cNvSpPr>
-          <p:nvPr>
-            <p:ph type="sldNum" sz="quarter" idx="12"/>
-          </p:nvPr>
-        </p:nvSpPr>
-        <p:spPr/>
-        <p:txBody>
-          <a:bodyPr/>
-          <a:lstStyle/>
-          <a:p>
-            <a:fld id="{61696EC4-B4CF-4701-AD06-A8439D6D8E12}" type="slidenum">
-              <a:rPr lang="de-DE" smtClean="0"/>
-              <a:t>18</a:t>
-            </a:fld>
-            <a:endParaRPr lang="de-DE"/>
-          </a:p>
-        </p:txBody>
-      </p:sp>
-    </p:spTree>
-    <p:extLst>
-      <p:ext uri="{BB962C8B-B14F-4D97-AF65-F5344CB8AC3E}">
-        <p14:creationId xmlns:p14="http://schemas.microsoft.com/office/powerpoint/2010/main" val="3562232681"/>
-      </p:ext>
-    </p:extLst>
-  </p:cSld>
-  <p:clrMapOvr>
-    <a:masterClrMapping/>
-  </p:clrMapOvr>
-</p:sld>
-</file>
-
-<file path=ppt/slides/slide2.xml><?xml version="1.0" encoding="utf-8"?>
-<p:sld xmlns:a="http://schemas.openxmlformats.org/drawingml/2006/main" xmlns:r="http://schemas.openxmlformats.org/officeDocument/2006/relationships" xmlns:p="http://schemas.openxmlformats.org/presentationml/2006/main">
-  <p:cSld>
-    <p:spTree>
-      <p:nvGrpSpPr>
-        <p:cNvPr id="1" name=""/>
-        <p:cNvGrpSpPr/>
-        <p:nvPr/>
-      </p:nvGrpSpPr>
-      <p:grpSpPr>
-        <a:xfrm>
-          <a:off x="0" y="0"/>
-          <a:ext cx="0" cy="0"/>
-          <a:chOff x="0" y="0"/>
-          <a:chExt cx="0" cy="0"/>
-        </a:xfrm>
-      </p:grpSpPr>
-      <p:sp>
-        <p:nvSpPr>
-          <p:cNvPr id="2" name="Titel 1">
-            <a:extLst>
-              <a:ext uri="{FF2B5EF4-FFF2-40B4-BE49-F238E27FC236}">
-                <a16:creationId xmlns:a16="http://schemas.microsoft.com/office/drawing/2014/main" id="{4E4AE26E-BDAE-4262-A057-39AC2366A5F1}"/>
-              </a:ext>
-            </a:extLst>
-          </p:cNvPr>
-          <p:cNvSpPr>
-            <a:spLocks noGrp="1"/>
-          </p:cNvSpPr>
-          <p:nvPr>
-            <p:ph type="title"/>
-          </p:nvPr>
-        </p:nvSpPr>
-        <p:spPr>
-          <a:xfrm>
-            <a:off x="524664" y="444005"/>
-            <a:ext cx="9178008" cy="627829"/>
-          </a:xfrm>
-        </p:spPr>
-        <p:txBody>
-          <a:bodyPr/>
-          <a:lstStyle/>
-          <a:p>
-            <a:r>
-              <a:rPr lang="en-US" noProof="0" dirty="0"/>
-              <a:t>Motivation</a:t>
-            </a:r>
-          </a:p>
-        </p:txBody>
-      </p:sp>
-      <p:sp>
-        <p:nvSpPr>
-          <p:cNvPr id="3" name="Inhaltsplatzhalter 2">
-            <a:extLst>
-              <a:ext uri="{FF2B5EF4-FFF2-40B4-BE49-F238E27FC236}">
-                <a16:creationId xmlns:a16="http://schemas.microsoft.com/office/drawing/2014/main" id="{900E3307-8428-4C7A-A1DA-C96FE547A036}"/>
-              </a:ext>
-            </a:extLst>
-          </p:cNvPr>
-          <p:cNvSpPr>
-            <a:spLocks noGrp="1"/>
-          </p:cNvSpPr>
-          <p:nvPr>
-            <p:ph idx="1"/>
-          </p:nvPr>
-        </p:nvSpPr>
-        <p:spPr>
-          <a:xfrm>
-            <a:off x="524664" y="1269207"/>
-            <a:ext cx="11142672" cy="4502318"/>
-          </a:xfrm>
-        </p:spPr>
-        <p:txBody>
-          <a:bodyPr/>
-          <a:lstStyle/>
+            <a:r>
+              <a:rPr lang="de-DE" dirty="0"/>
+              <a:t>Framework für Erstellung von Editoren</a:t>
+            </a:r>
+          </a:p>
+          <a:p>
+            <a:pPr lvl="1">
+              <a:lnSpc>
+                <a:spcPct val="100000"/>
+              </a:lnSpc>
+            </a:pPr>
+            <a:r>
+              <a:rPr lang="de-DE" dirty="0"/>
+              <a:t>Auf Basis von Meta-Modellen</a:t>
+            </a:r>
+          </a:p>
           <a:p>
             <a:pPr>
               <a:lnSpc>
@@ -6974,7 +5109,7 @@
             </a:pPr>
             <a:r>
               <a:rPr lang="de-DE" dirty="0"/>
-              <a:t>Datenflussdiagramme: Verwendung in vielen Szenarien</a:t>
+              <a:t>Logische Trennung von Modell und Editor</a:t>
             </a:r>
           </a:p>
           <a:p>
@@ -6985,7 +5120,15 @@
             </a:pPr>
             <a:r>
               <a:rPr lang="de-DE" dirty="0"/>
-              <a:t>Sicherheitsanalyse</a:t>
+              <a:t>Modell enthält Daten (in .</a:t>
+            </a:r>
+            <a:r>
+              <a:rPr lang="de-DE" dirty="0" err="1"/>
+              <a:t>xml</a:t>
+            </a:r>
+            <a:r>
+              <a:rPr lang="de-DE" dirty="0"/>
+              <a:t>-Datei)</a:t>
             </a:r>
           </a:p>
           <a:p>
@@ -6995,757 +5138,8 @@
               </a:lnSpc>
             </a:pPr>
             <a:r>
-              <a:rPr lang="de-DE" dirty="0" err="1"/>
-              <a:t>Requirements</a:t>
-            </a:r>
-            <a:r>
               <a:rPr lang="de-DE" dirty="0"/>
-              <a:t> Engineering</a:t>
-            </a:r>
-          </a:p>
-          <a:p>
-            <a:pPr>
-              <a:lnSpc>
-                <a:spcPct val="100000"/>
-              </a:lnSpc>
-            </a:pPr>
-            <a:r>
-              <a:rPr lang="de-DE" dirty="0"/>
-              <a:t>...</a:t>
-            </a:r>
-          </a:p>
-        </p:txBody>
-      </p:sp>
-      <p:sp>
-        <p:nvSpPr>
-          <p:cNvPr id="4" name="Datumsplatzhalter 3">
-            <a:extLst>
-              <a:ext uri="{FF2B5EF4-FFF2-40B4-BE49-F238E27FC236}">
-                <a16:creationId xmlns:a16="http://schemas.microsoft.com/office/drawing/2014/main" id="{9CCAFD67-B02A-4CC5-A0AF-41ECCAE2B82F}"/>
-              </a:ext>
-            </a:extLst>
-          </p:cNvPr>
-          <p:cNvSpPr>
-            <a:spLocks noGrp="1"/>
-          </p:cNvSpPr>
-          <p:nvPr>
-            <p:ph type="dt" sz="half" idx="10"/>
-          </p:nvPr>
-        </p:nvSpPr>
-        <p:spPr/>
-        <p:txBody>
-          <a:bodyPr/>
-          <a:lstStyle/>
-          <a:p>
-            <a:r>
-              <a:rPr lang="de-DE"/>
-              <a:t>25.03.2020</a:t>
-            </a:r>
-          </a:p>
-        </p:txBody>
-      </p:sp>
-      <p:sp>
-        <p:nvSpPr>
-          <p:cNvPr id="6" name="Foliennummernplatzhalter 5">
-            <a:extLst>
-              <a:ext uri="{FF2B5EF4-FFF2-40B4-BE49-F238E27FC236}">
-                <a16:creationId xmlns:a16="http://schemas.microsoft.com/office/drawing/2014/main" id="{2014E5A3-BB19-4CC6-A059-F359A2A51340}"/>
-              </a:ext>
-            </a:extLst>
-          </p:cNvPr>
-          <p:cNvSpPr>
-            <a:spLocks noGrp="1"/>
-          </p:cNvSpPr>
-          <p:nvPr>
-            <p:ph type="sldNum" sz="quarter" idx="12"/>
-          </p:nvPr>
-        </p:nvSpPr>
-        <p:spPr/>
-        <p:txBody>
-          <a:bodyPr/>
-          <a:lstStyle/>
-          <a:p>
-            <a:fld id="{61696EC4-B4CF-4701-AD06-A8439D6D8E12}" type="slidenum">
-              <a:rPr lang="de-DE" smtClean="0"/>
-              <a:t>2</a:t>
-            </a:fld>
-            <a:endParaRPr lang="de-DE"/>
-          </a:p>
-        </p:txBody>
-      </p:sp>
-    </p:spTree>
-    <p:extLst>
-      <p:ext uri="{BB962C8B-B14F-4D97-AF65-F5344CB8AC3E}">
-        <p14:creationId xmlns:p14="http://schemas.microsoft.com/office/powerpoint/2010/main" val="3570596655"/>
-      </p:ext>
-    </p:extLst>
-  </p:cSld>
-  <p:clrMapOvr>
-    <a:masterClrMapping/>
-  </p:clrMapOvr>
-</p:sld>
-</file>
-
-<file path=ppt/slides/slide3.xml><?xml version="1.0" encoding="utf-8"?>
-<p:sld xmlns:a="http://schemas.openxmlformats.org/drawingml/2006/main" xmlns:r="http://schemas.openxmlformats.org/officeDocument/2006/relationships" xmlns:p="http://schemas.openxmlformats.org/presentationml/2006/main">
-  <p:cSld>
-    <p:spTree>
-      <p:nvGrpSpPr>
-        <p:cNvPr id="1" name=""/>
-        <p:cNvGrpSpPr/>
-        <p:nvPr/>
-      </p:nvGrpSpPr>
-      <p:grpSpPr>
-        <a:xfrm>
-          <a:off x="0" y="0"/>
-          <a:ext cx="0" cy="0"/>
-          <a:chOff x="0" y="0"/>
-          <a:chExt cx="0" cy="0"/>
-        </a:xfrm>
-      </p:grpSpPr>
-      <p:sp>
-        <p:nvSpPr>
-          <p:cNvPr id="2" name="Titel 1">
-            <a:extLst>
-              <a:ext uri="{FF2B5EF4-FFF2-40B4-BE49-F238E27FC236}">
-                <a16:creationId xmlns:a16="http://schemas.microsoft.com/office/drawing/2014/main" id="{4E4AE26E-BDAE-4262-A057-39AC2366A5F1}"/>
-              </a:ext>
-            </a:extLst>
-          </p:cNvPr>
-          <p:cNvSpPr>
-            <a:spLocks noGrp="1"/>
-          </p:cNvSpPr>
-          <p:nvPr>
-            <p:ph type="title"/>
-          </p:nvPr>
-        </p:nvSpPr>
-        <p:spPr>
-          <a:xfrm>
-            <a:off x="524664" y="444005"/>
-            <a:ext cx="9178008" cy="627829"/>
-          </a:xfrm>
-        </p:spPr>
-        <p:txBody>
-          <a:bodyPr/>
-          <a:lstStyle/>
-          <a:p>
-            <a:r>
-              <a:rPr lang="en-US" noProof="0" dirty="0" err="1"/>
-              <a:t>Datenflussdiagramme</a:t>
-            </a:r>
-            <a:endParaRPr lang="en-US" noProof="0" dirty="0"/>
-          </a:p>
-        </p:txBody>
-      </p:sp>
-      <p:sp>
-        <p:nvSpPr>
-          <p:cNvPr id="3" name="Inhaltsplatzhalter 2">
-            <a:extLst>
-              <a:ext uri="{FF2B5EF4-FFF2-40B4-BE49-F238E27FC236}">
-                <a16:creationId xmlns:a16="http://schemas.microsoft.com/office/drawing/2014/main" id="{900E3307-8428-4C7A-A1DA-C96FE547A036}"/>
-              </a:ext>
-            </a:extLst>
-          </p:cNvPr>
-          <p:cNvSpPr>
-            <a:spLocks noGrp="1"/>
-          </p:cNvSpPr>
-          <p:nvPr>
-            <p:ph idx="1"/>
-          </p:nvPr>
-        </p:nvSpPr>
-        <p:spPr>
-          <a:xfrm>
-            <a:off x="524664" y="1269207"/>
-            <a:ext cx="11142672" cy="4502318"/>
-          </a:xfrm>
-        </p:spPr>
-        <p:txBody>
-          <a:bodyPr/>
-          <a:lstStyle/>
-          <a:p>
-            <a:pPr>
-              <a:lnSpc>
-                <a:spcPct val="100000"/>
-              </a:lnSpc>
-            </a:pPr>
-            <a:r>
-              <a:rPr lang="de-DE" dirty="0"/>
-              <a:t>Datenorientierte Darstellung von Systemen</a:t>
-            </a:r>
-          </a:p>
-          <a:p>
-            <a:pPr>
-              <a:lnSpc>
-                <a:spcPct val="100000"/>
-              </a:lnSpc>
-            </a:pPr>
-            <a:r>
-              <a:rPr lang="de-DE" dirty="0"/>
-              <a:t>4 Einheiten</a:t>
-            </a:r>
-          </a:p>
-          <a:p>
-            <a:pPr>
-              <a:lnSpc>
-                <a:spcPct val="100000"/>
-              </a:lnSpc>
-            </a:pPr>
-            <a:r>
-              <a:rPr lang="de-DE" dirty="0"/>
-              <a:t>Verfeinern in Subdiagramme möglich</a:t>
-            </a:r>
-          </a:p>
-        </p:txBody>
-      </p:sp>
-      <p:sp>
-        <p:nvSpPr>
-          <p:cNvPr id="4" name="Datumsplatzhalter 3">
-            <a:extLst>
-              <a:ext uri="{FF2B5EF4-FFF2-40B4-BE49-F238E27FC236}">
-                <a16:creationId xmlns:a16="http://schemas.microsoft.com/office/drawing/2014/main" id="{9CCAFD67-B02A-4CC5-A0AF-41ECCAE2B82F}"/>
-              </a:ext>
-            </a:extLst>
-          </p:cNvPr>
-          <p:cNvSpPr>
-            <a:spLocks noGrp="1"/>
-          </p:cNvSpPr>
-          <p:nvPr>
-            <p:ph type="dt" sz="half" idx="10"/>
-          </p:nvPr>
-        </p:nvSpPr>
-        <p:spPr/>
-        <p:txBody>
-          <a:bodyPr/>
-          <a:lstStyle/>
-          <a:p>
-            <a:r>
-              <a:rPr lang="de-DE"/>
-              <a:t>25.03.2020</a:t>
-            </a:r>
-          </a:p>
-        </p:txBody>
-      </p:sp>
-      <p:sp>
-        <p:nvSpPr>
-          <p:cNvPr id="6" name="Foliennummernplatzhalter 5">
-            <a:extLst>
-              <a:ext uri="{FF2B5EF4-FFF2-40B4-BE49-F238E27FC236}">
-                <a16:creationId xmlns:a16="http://schemas.microsoft.com/office/drawing/2014/main" id="{2014E5A3-BB19-4CC6-A059-F359A2A51340}"/>
-              </a:ext>
-            </a:extLst>
-          </p:cNvPr>
-          <p:cNvSpPr>
-            <a:spLocks noGrp="1"/>
-          </p:cNvSpPr>
-          <p:nvPr>
-            <p:ph type="sldNum" sz="quarter" idx="12"/>
-          </p:nvPr>
-        </p:nvSpPr>
-        <p:spPr/>
-        <p:txBody>
-          <a:bodyPr/>
-          <a:lstStyle/>
-          <a:p>
-            <a:fld id="{61696EC4-B4CF-4701-AD06-A8439D6D8E12}" type="slidenum">
-              <a:rPr lang="de-DE" smtClean="0"/>
-              <a:t>3</a:t>
-            </a:fld>
-            <a:endParaRPr lang="de-DE"/>
-          </a:p>
-        </p:txBody>
-      </p:sp>
-      <p:pic>
-        <p:nvPicPr>
-          <p:cNvPr id="7" name="Grafik 6">
-            <a:extLst>
-              <a:ext uri="{FF2B5EF4-FFF2-40B4-BE49-F238E27FC236}">
-                <a16:creationId xmlns:a16="http://schemas.microsoft.com/office/drawing/2014/main" id="{A73C25D4-379A-3A41-8F94-5BC91FF99D70}"/>
-              </a:ext>
-            </a:extLst>
-          </p:cNvPr>
-          <p:cNvPicPr>
-            <a:picLocks noChangeAspect="1"/>
-          </p:cNvPicPr>
-          <p:nvPr/>
-        </p:nvPicPr>
-        <p:blipFill>
-          <a:blip r:embed="rId2">
-            <a:extLst>
-              <a:ext uri="{28A0092B-C50C-407E-A947-70E740481C1C}">
-                <a14:useLocalDpi xmlns:a14="http://schemas.microsoft.com/office/drawing/2010/main" val="0"/>
-              </a:ext>
-              <a:ext uri="{96DAC541-7B7A-43D3-8B79-37D633B846F1}">
-                <asvg:svgBlip xmlns:asvg="http://schemas.microsoft.com/office/drawing/2016/SVG/main" r:embed="rId3"/>
-              </a:ext>
-            </a:extLst>
-          </a:blip>
-          <a:stretch>
-            <a:fillRect/>
-          </a:stretch>
-        </p:blipFill>
-        <p:spPr>
-          <a:xfrm>
-            <a:off x="8423254" y="3673619"/>
-            <a:ext cx="1943100" cy="800100"/>
-          </a:xfrm>
-          <a:prstGeom prst="rect">
-            <a:avLst/>
-          </a:prstGeom>
-        </p:spPr>
-      </p:pic>
-      <p:pic>
-        <p:nvPicPr>
-          <p:cNvPr id="8" name="Grafik 7">
-            <a:extLst>
-              <a:ext uri="{FF2B5EF4-FFF2-40B4-BE49-F238E27FC236}">
-                <a16:creationId xmlns:a16="http://schemas.microsoft.com/office/drawing/2014/main" id="{50543119-C266-CC4C-A29D-B47CF5E9614A}"/>
-              </a:ext>
-            </a:extLst>
-          </p:cNvPr>
-          <p:cNvPicPr>
-            <a:picLocks noChangeAspect="1"/>
-          </p:cNvPicPr>
-          <p:nvPr/>
-        </p:nvPicPr>
-        <p:blipFill>
-          <a:blip r:embed="rId4">
-            <a:extLst>
-              <a:ext uri="{28A0092B-C50C-407E-A947-70E740481C1C}">
-                <a14:useLocalDpi xmlns:a14="http://schemas.microsoft.com/office/drawing/2010/main" val="0"/>
-              </a:ext>
-              <a:ext uri="{96DAC541-7B7A-43D3-8B79-37D633B846F1}">
-                <asvg:svgBlip xmlns:asvg="http://schemas.microsoft.com/office/drawing/2016/SVG/main" r:embed="rId5"/>
-              </a:ext>
-            </a:extLst>
-          </a:blip>
-          <a:stretch>
-            <a:fillRect/>
-          </a:stretch>
-        </p:blipFill>
-        <p:spPr>
-          <a:xfrm>
-            <a:off x="1839288" y="3673619"/>
-            <a:ext cx="1943100" cy="800100"/>
-          </a:xfrm>
-          <a:prstGeom prst="rect">
-            <a:avLst/>
-          </a:prstGeom>
-        </p:spPr>
-      </p:pic>
-      <p:cxnSp>
-        <p:nvCxnSpPr>
-          <p:cNvPr id="9" name="Gerade Verbindung mit Pfeil 8">
-            <a:extLst>
-              <a:ext uri="{FF2B5EF4-FFF2-40B4-BE49-F238E27FC236}">
-                <a16:creationId xmlns:a16="http://schemas.microsoft.com/office/drawing/2014/main" id="{4238EEC0-315F-BB4B-B529-0BA64945EC2F}"/>
-              </a:ext>
-            </a:extLst>
-          </p:cNvPr>
-          <p:cNvCxnSpPr>
-            <a:cxnSpLocks/>
-          </p:cNvCxnSpPr>
-          <p:nvPr/>
-        </p:nvCxnSpPr>
-        <p:spPr>
-          <a:xfrm>
-            <a:off x="3791442" y="4091306"/>
-            <a:ext cx="1598356" cy="7468"/>
-          </a:xfrm>
-          <a:prstGeom prst="straightConnector1">
-            <a:avLst/>
-          </a:prstGeom>
-          <a:ln w="38100">
-            <a:solidFill>
-              <a:schemeClr val="tx1"/>
-            </a:solidFill>
-            <a:headEnd w="lg" len="med"/>
-            <a:tailEnd type="triangle" w="lg" len="med"/>
-          </a:ln>
-        </p:spPr>
-        <p:style>
-          <a:lnRef idx="1">
-            <a:schemeClr val="accent1"/>
-          </a:lnRef>
-          <a:fillRef idx="0">
-            <a:schemeClr val="accent1"/>
-          </a:fillRef>
-          <a:effectRef idx="0">
-            <a:schemeClr val="accent1"/>
-          </a:effectRef>
-          <a:fontRef idx="minor">
-            <a:schemeClr val="tx1"/>
-          </a:fontRef>
-        </p:style>
-      </p:cxnSp>
-      <p:sp>
-        <p:nvSpPr>
-          <p:cNvPr id="10" name="Textfeld 9">
-            <a:extLst>
-              <a:ext uri="{FF2B5EF4-FFF2-40B4-BE49-F238E27FC236}">
-                <a16:creationId xmlns:a16="http://schemas.microsoft.com/office/drawing/2014/main" id="{63DA3476-DBFB-664E-B714-A82273E77596}"/>
-              </a:ext>
-            </a:extLst>
-          </p:cNvPr>
-          <p:cNvSpPr txBox="1"/>
-          <p:nvPr/>
-        </p:nvSpPr>
-        <p:spPr>
-          <a:xfrm>
-            <a:off x="1988717" y="3886490"/>
-            <a:ext cx="1646669" cy="369332"/>
-          </a:xfrm>
-          <a:prstGeom prst="rect">
-            <a:avLst/>
-          </a:prstGeom>
-          <a:noFill/>
-        </p:spPr>
-        <p:txBody>
-          <a:bodyPr wrap="none" rtlCol="0">
-            <a:spAutoFit/>
-          </a:bodyPr>
-          <a:lstStyle/>
-          <a:p>
-            <a:pPr algn="ctr"/>
-            <a:r>
-              <a:rPr lang="en-US" dirty="0" err="1"/>
-              <a:t>Externer</a:t>
-            </a:r>
-            <a:r>
-              <a:rPr lang="en-US" dirty="0"/>
-              <a:t> </a:t>
-            </a:r>
-            <a:r>
-              <a:rPr lang="en-US" dirty="0" err="1"/>
-              <a:t>Aktor</a:t>
-            </a:r>
-            <a:endParaRPr lang="en-US" dirty="0"/>
-          </a:p>
-        </p:txBody>
-      </p:sp>
-      <p:sp>
-        <p:nvSpPr>
-          <p:cNvPr id="11" name="Textfeld 10">
-            <a:extLst>
-              <a:ext uri="{FF2B5EF4-FFF2-40B4-BE49-F238E27FC236}">
-                <a16:creationId xmlns:a16="http://schemas.microsoft.com/office/drawing/2014/main" id="{5630C8F0-28ED-BA44-B843-8DDA3D8B267F}"/>
-              </a:ext>
-            </a:extLst>
-          </p:cNvPr>
-          <p:cNvSpPr txBox="1"/>
-          <p:nvPr/>
-        </p:nvSpPr>
-        <p:spPr>
-          <a:xfrm>
-            <a:off x="5626651" y="3886490"/>
-            <a:ext cx="1018227" cy="369332"/>
-          </a:xfrm>
-          <a:prstGeom prst="rect">
-            <a:avLst/>
-          </a:prstGeom>
-          <a:noFill/>
-        </p:spPr>
-        <p:txBody>
-          <a:bodyPr wrap="none" rtlCol="0">
-            <a:spAutoFit/>
-          </a:bodyPr>
-          <a:lstStyle/>
-          <a:p>
-            <a:r>
-              <a:rPr lang="en-US" dirty="0" err="1"/>
-              <a:t>Prozess</a:t>
-            </a:r>
-            <a:endParaRPr lang="en-US" dirty="0"/>
-          </a:p>
-        </p:txBody>
-      </p:sp>
-      <p:sp>
-        <p:nvSpPr>
-          <p:cNvPr id="12" name="Textfeld 11">
-            <a:extLst>
-              <a:ext uri="{FF2B5EF4-FFF2-40B4-BE49-F238E27FC236}">
-                <a16:creationId xmlns:a16="http://schemas.microsoft.com/office/drawing/2014/main" id="{AF62FDD6-30A1-C349-8806-D990480B6C8B}"/>
-              </a:ext>
-            </a:extLst>
-          </p:cNvPr>
-          <p:cNvSpPr txBox="1"/>
-          <p:nvPr/>
-        </p:nvSpPr>
-        <p:spPr>
-          <a:xfrm>
-            <a:off x="9026755" y="3897122"/>
-            <a:ext cx="736099" cy="369332"/>
-          </a:xfrm>
-          <a:prstGeom prst="rect">
-            <a:avLst/>
-          </a:prstGeom>
-          <a:noFill/>
-        </p:spPr>
-        <p:txBody>
-          <a:bodyPr wrap="none" rtlCol="0">
-            <a:spAutoFit/>
-          </a:bodyPr>
-          <a:lstStyle/>
-          <a:p>
-            <a:r>
-              <a:rPr lang="en-US" dirty="0"/>
-              <a:t>Store</a:t>
-            </a:r>
-          </a:p>
-        </p:txBody>
-      </p:sp>
-      <p:sp>
-        <p:nvSpPr>
-          <p:cNvPr id="13" name="Textfeld 12">
-            <a:extLst>
-              <a:ext uri="{FF2B5EF4-FFF2-40B4-BE49-F238E27FC236}">
-                <a16:creationId xmlns:a16="http://schemas.microsoft.com/office/drawing/2014/main" id="{13548C0F-E196-1C43-B5BA-CD4F708A1E63}"/>
-              </a:ext>
-            </a:extLst>
-          </p:cNvPr>
-          <p:cNvSpPr txBox="1"/>
-          <p:nvPr/>
-        </p:nvSpPr>
-        <p:spPr>
-          <a:xfrm>
-            <a:off x="3955351" y="3652767"/>
-            <a:ext cx="1274708" cy="369332"/>
-          </a:xfrm>
-          <a:prstGeom prst="rect">
-            <a:avLst/>
-          </a:prstGeom>
-          <a:noFill/>
-        </p:spPr>
-        <p:txBody>
-          <a:bodyPr wrap="none" rtlCol="0">
-            <a:spAutoFit/>
-          </a:bodyPr>
-          <a:lstStyle/>
-          <a:p>
-            <a:r>
-              <a:rPr lang="en-US" dirty="0" err="1"/>
-              <a:t>Datenfluss</a:t>
-            </a:r>
-            <a:endParaRPr lang="en-US" dirty="0"/>
-          </a:p>
-        </p:txBody>
-      </p:sp>
-      <p:sp>
-        <p:nvSpPr>
-          <p:cNvPr id="14" name="Textfeld 13">
-            <a:extLst>
-              <a:ext uri="{FF2B5EF4-FFF2-40B4-BE49-F238E27FC236}">
-                <a16:creationId xmlns:a16="http://schemas.microsoft.com/office/drawing/2014/main" id="{326B94E1-A23E-2F48-8E92-032D9443769A}"/>
-              </a:ext>
-            </a:extLst>
-          </p:cNvPr>
-          <p:cNvSpPr txBox="1"/>
-          <p:nvPr/>
-        </p:nvSpPr>
-        <p:spPr>
-          <a:xfrm>
-            <a:off x="6917597" y="4146437"/>
-            <a:ext cx="1274708" cy="369332"/>
-          </a:xfrm>
-          <a:prstGeom prst="rect">
-            <a:avLst/>
-          </a:prstGeom>
-          <a:noFill/>
-        </p:spPr>
-        <p:txBody>
-          <a:bodyPr wrap="none" rtlCol="0">
-            <a:spAutoFit/>
-          </a:bodyPr>
-          <a:lstStyle/>
-          <a:p>
-            <a:r>
-              <a:rPr lang="en-US" dirty="0" err="1"/>
-              <a:t>Datenfluss</a:t>
-            </a:r>
-            <a:endParaRPr lang="en-US" dirty="0"/>
-          </a:p>
-        </p:txBody>
-      </p:sp>
-      <p:cxnSp>
-        <p:nvCxnSpPr>
-          <p:cNvPr id="15" name="Gerade Verbindung mit Pfeil 14">
-            <a:extLst>
-              <a:ext uri="{FF2B5EF4-FFF2-40B4-BE49-F238E27FC236}">
-                <a16:creationId xmlns:a16="http://schemas.microsoft.com/office/drawing/2014/main" id="{AA2DCF34-C671-A941-AA9A-A4BE54156BAC}"/>
-              </a:ext>
-            </a:extLst>
-          </p:cNvPr>
-          <p:cNvCxnSpPr>
-            <a:cxnSpLocks/>
-          </p:cNvCxnSpPr>
-          <p:nvPr/>
-        </p:nvCxnSpPr>
-        <p:spPr>
-          <a:xfrm>
-            <a:off x="6824898" y="4095040"/>
-            <a:ext cx="1598356" cy="7468"/>
-          </a:xfrm>
-          <a:prstGeom prst="straightConnector1">
-            <a:avLst/>
-          </a:prstGeom>
-          <a:ln w="38100">
-            <a:solidFill>
-              <a:schemeClr val="tx1"/>
-            </a:solidFill>
-            <a:headEnd w="lg" len="med"/>
-            <a:tailEnd type="triangle" w="lg" len="med"/>
-          </a:ln>
-        </p:spPr>
-        <p:style>
-          <a:lnRef idx="1">
-            <a:schemeClr val="accent1"/>
-          </a:lnRef>
-          <a:fillRef idx="0">
-            <a:schemeClr val="accent1"/>
-          </a:fillRef>
-          <a:effectRef idx="0">
-            <a:schemeClr val="accent1"/>
-          </a:effectRef>
-          <a:fontRef idx="minor">
-            <a:schemeClr val="tx1"/>
-          </a:fontRef>
-        </p:style>
-      </p:cxnSp>
-      <p:pic>
-        <p:nvPicPr>
-          <p:cNvPr id="16" name="Grafik 15">
-            <a:extLst>
-              <a:ext uri="{FF2B5EF4-FFF2-40B4-BE49-F238E27FC236}">
-                <a16:creationId xmlns:a16="http://schemas.microsoft.com/office/drawing/2014/main" id="{86FE47F8-13CE-814C-B74E-181A9DE2B4A1}"/>
-              </a:ext>
-            </a:extLst>
-          </p:cNvPr>
-          <p:cNvPicPr>
-            <a:picLocks noChangeAspect="1"/>
-          </p:cNvPicPr>
-          <p:nvPr/>
-        </p:nvPicPr>
-        <p:blipFill>
-          <a:blip r:embed="rId6">
-            <a:extLst>
-              <a:ext uri="{28A0092B-C50C-407E-A947-70E740481C1C}">
-                <a14:useLocalDpi xmlns:a14="http://schemas.microsoft.com/office/drawing/2010/main" val="0"/>
-              </a:ext>
-              <a:ext uri="{96DAC541-7B7A-43D3-8B79-37D633B846F1}">
-                <asvg:svgBlip xmlns:asvg="http://schemas.microsoft.com/office/drawing/2016/SVG/main" r:embed="rId7"/>
-              </a:ext>
-            </a:extLst>
-          </a:blip>
-          <a:stretch>
-            <a:fillRect/>
-          </a:stretch>
-        </p:blipFill>
-        <p:spPr>
-          <a:xfrm>
-            <a:off x="5389798" y="3381224"/>
-            <a:ext cx="1435100" cy="1435100"/>
-          </a:xfrm>
-          <a:prstGeom prst="rect">
-            <a:avLst/>
-          </a:prstGeom>
-        </p:spPr>
-      </p:pic>
-    </p:spTree>
-    <p:extLst>
-      <p:ext uri="{BB962C8B-B14F-4D97-AF65-F5344CB8AC3E}">
-        <p14:creationId xmlns:p14="http://schemas.microsoft.com/office/powerpoint/2010/main" val="1916645623"/>
-      </p:ext>
-    </p:extLst>
-  </p:cSld>
-  <p:clrMapOvr>
-    <a:masterClrMapping/>
-  </p:clrMapOvr>
-</p:sld>
-</file>
-
-<file path=ppt/slides/slide4.xml><?xml version="1.0" encoding="utf-8"?>
-<p:sld xmlns:a="http://schemas.openxmlformats.org/drawingml/2006/main" xmlns:r="http://schemas.openxmlformats.org/officeDocument/2006/relationships" xmlns:p="http://schemas.openxmlformats.org/presentationml/2006/main">
-  <p:cSld>
-    <p:spTree>
-      <p:nvGrpSpPr>
-        <p:cNvPr id="1" name=""/>
-        <p:cNvGrpSpPr/>
-        <p:nvPr/>
-      </p:nvGrpSpPr>
-      <p:grpSpPr>
-        <a:xfrm>
-          <a:off x="0" y="0"/>
-          <a:ext cx="0" cy="0"/>
-          <a:chOff x="0" y="0"/>
-          <a:chExt cx="0" cy="0"/>
-        </a:xfrm>
-      </p:grpSpPr>
-      <p:sp>
-        <p:nvSpPr>
-          <p:cNvPr id="2" name="Titel 1">
-            <a:extLst>
-              <a:ext uri="{FF2B5EF4-FFF2-40B4-BE49-F238E27FC236}">
-                <a16:creationId xmlns:a16="http://schemas.microsoft.com/office/drawing/2014/main" id="{4E4AE26E-BDAE-4262-A057-39AC2366A5F1}"/>
-              </a:ext>
-            </a:extLst>
-          </p:cNvPr>
-          <p:cNvSpPr>
-            <a:spLocks noGrp="1"/>
-          </p:cNvSpPr>
-          <p:nvPr>
-            <p:ph type="title"/>
-          </p:nvPr>
-        </p:nvSpPr>
-        <p:spPr>
-          <a:xfrm>
-            <a:off x="524664" y="444005"/>
-            <a:ext cx="9178008" cy="627829"/>
-          </a:xfrm>
-        </p:spPr>
-        <p:txBody>
-          <a:bodyPr/>
-          <a:lstStyle/>
-          <a:p>
-            <a:r>
-              <a:rPr lang="en-US" noProof="0" dirty="0"/>
-              <a:t>Data Dictionary</a:t>
-            </a:r>
-          </a:p>
-        </p:txBody>
-      </p:sp>
-      <p:sp>
-        <p:nvSpPr>
-          <p:cNvPr id="3" name="Inhaltsplatzhalter 2">
-            <a:extLst>
-              <a:ext uri="{FF2B5EF4-FFF2-40B4-BE49-F238E27FC236}">
-                <a16:creationId xmlns:a16="http://schemas.microsoft.com/office/drawing/2014/main" id="{900E3307-8428-4C7A-A1DA-C96FE547A036}"/>
-              </a:ext>
-            </a:extLst>
-          </p:cNvPr>
-          <p:cNvSpPr>
-            <a:spLocks noGrp="1"/>
-          </p:cNvSpPr>
-          <p:nvPr>
-            <p:ph idx="1"/>
-          </p:nvPr>
-        </p:nvSpPr>
-        <p:spPr>
-          <a:xfrm>
-            <a:off x="524664" y="1269207"/>
-            <a:ext cx="11142672" cy="4502318"/>
-          </a:xfrm>
-        </p:spPr>
-        <p:txBody>
-          <a:bodyPr/>
-          <a:lstStyle/>
-          <a:p>
-            <a:pPr>
-              <a:lnSpc>
-                <a:spcPct val="100000"/>
-              </a:lnSpc>
-            </a:pPr>
-            <a:r>
-              <a:rPr lang="de-DE" dirty="0"/>
-              <a:t>Definition von Typkontext</a:t>
+              <a:t>Editor als GUI für dessen Modifizierung</a:t>
             </a:r>
           </a:p>
           <a:p>
@@ -7756,52 +5150,15 @@
             </a:pPr>
             <a:r>
               <a:rPr lang="de-DE" dirty="0"/>
-              <a:t>d.h. Menge von Datentypen, die Datenflussdiagramm vorkommen können</a:t>
-            </a:r>
-          </a:p>
-          <a:p>
-            <a:pPr>
-              <a:lnSpc>
-                <a:spcPct val="100000"/>
-              </a:lnSpc>
-            </a:pPr>
+              <a:t>Versch. Instanzen und Typen für </a:t>
+            </a:r>
+            <a:r>
+              <a:rPr lang="de-DE" i="1" dirty="0" err="1"/>
+              <a:t>selbes</a:t>
+            </a:r>
             <a:r>
               <a:rPr lang="de-DE" dirty="0"/>
-              <a:t>3 Einheiten  </a:t>
-            </a:r>
-          </a:p>
-          <a:p>
-            <a:pPr>
-              <a:lnSpc>
-                <a:spcPct val="100000"/>
-              </a:lnSpc>
-            </a:pPr>
-            <a:r>
-              <a:rPr lang="de-DE" dirty="0"/>
-              <a:t>Grundlage für </a:t>
-            </a:r>
-          </a:p>
-          <a:p>
-            <a:pPr lvl="1">
-              <a:lnSpc>
-                <a:spcPct val="100000"/>
-              </a:lnSpc>
-            </a:pPr>
-            <a:r>
-              <a:rPr lang="de-DE" dirty="0" err="1"/>
-              <a:t>Leveling</a:t>
-            </a:r>
-            <a:endParaRPr lang="de-DE" dirty="0"/>
-          </a:p>
-          <a:p>
-            <a:pPr lvl="1">
-              <a:lnSpc>
-                <a:spcPct val="100000"/>
-              </a:lnSpc>
-            </a:pPr>
-            <a:r>
-              <a:rPr lang="de-DE" dirty="0"/>
-              <a:t>Konsistenzbedingungen</a:t>
+              <a:t> Modell </a:t>
             </a:r>
           </a:p>
         </p:txBody>
@@ -7857,7 +5214,7 @@
           <a:p>
             <a:fld id="{61696EC4-B4CF-4701-AD06-A8439D6D8E12}" type="slidenum">
               <a:rPr lang="de-DE" smtClean="0"/>
-              <a:t>4</a:t>
+              <a:t>13</a:t>
             </a:fld>
             <a:endParaRPr lang="de-DE"/>
           </a:p>
@@ -7865,10 +5222,10 @@
       </p:sp>
       <p:grpSp>
         <p:nvGrpSpPr>
-          <p:cNvPr id="8" name="Gruppieren 7">
-            <a:extLst>
-              <a:ext uri="{FF2B5EF4-FFF2-40B4-BE49-F238E27FC236}">
-                <a16:creationId xmlns:a16="http://schemas.microsoft.com/office/drawing/2014/main" id="{6B1A7030-2A70-E848-860D-F66231078F88}"/>
+          <p:cNvPr id="15" name="Gruppieren 14">
+            <a:extLst>
+              <a:ext uri="{FF2B5EF4-FFF2-40B4-BE49-F238E27FC236}">
+                <a16:creationId xmlns:a16="http://schemas.microsoft.com/office/drawing/2014/main" id="{51DCBB4E-CCC1-6B4D-BCEA-0F137673D4D3}"/>
               </a:ext>
             </a:extLst>
           </p:cNvPr>
@@ -7877,1154 +5234,7 @@
         </p:nvGrpSpPr>
         <p:grpSpPr>
           <a:xfrm>
-            <a:off x="7265178" y="4739996"/>
-            <a:ext cx="1524000" cy="1028700"/>
-            <a:chOff x="2590800" y="4747600"/>
-            <a:chExt cx="1524000" cy="1028700"/>
-          </a:xfrm>
-        </p:grpSpPr>
-        <p:pic>
-          <p:nvPicPr>
-            <p:cNvPr id="9" name="Grafik 8">
-              <a:extLst>
-                <a:ext uri="{FF2B5EF4-FFF2-40B4-BE49-F238E27FC236}">
-                  <a16:creationId xmlns:a16="http://schemas.microsoft.com/office/drawing/2014/main" id="{B9BB8867-472B-4647-A2EC-0B8467E7F612}"/>
-                </a:ext>
-              </a:extLst>
-            </p:cNvPr>
-            <p:cNvPicPr>
-              <a:picLocks noChangeAspect="1"/>
-            </p:cNvPicPr>
-            <p:nvPr/>
-          </p:nvPicPr>
-          <p:blipFill>
-            <a:blip r:embed="rId2">
-              <a:extLst>
-                <a:ext uri="{28A0092B-C50C-407E-A947-70E740481C1C}">
-                  <a14:useLocalDpi xmlns:a14="http://schemas.microsoft.com/office/drawing/2010/main" val="0"/>
-                </a:ext>
-                <a:ext uri="{96DAC541-7B7A-43D3-8B79-37D633B846F1}">
-                  <asvg:svgBlip xmlns:asvg="http://schemas.microsoft.com/office/drawing/2016/SVG/main" r:embed="rId3"/>
-                </a:ext>
-              </a:extLst>
-            </a:blip>
-            <a:stretch>
-              <a:fillRect/>
-            </a:stretch>
-          </p:blipFill>
-          <p:spPr>
-            <a:xfrm>
-              <a:off x="2590800" y="4747600"/>
-              <a:ext cx="1524000" cy="1028700"/>
-            </a:xfrm>
-            <a:prstGeom prst="rect">
-              <a:avLst/>
-            </a:prstGeom>
-          </p:spPr>
-        </p:pic>
-        <p:sp>
-          <p:nvSpPr>
-            <p:cNvPr id="10" name="Textfeld 9">
-              <a:extLst>
-                <a:ext uri="{FF2B5EF4-FFF2-40B4-BE49-F238E27FC236}">
-                  <a16:creationId xmlns:a16="http://schemas.microsoft.com/office/drawing/2014/main" id="{ABA71799-FD61-F747-89AB-9FF65A7EE096}"/>
-                </a:ext>
-              </a:extLst>
-            </p:cNvPr>
-            <p:cNvSpPr txBox="1"/>
-            <p:nvPr/>
-          </p:nvSpPr>
-          <p:spPr>
-            <a:xfrm>
-              <a:off x="2709034" y="5077284"/>
-              <a:ext cx="1287532" cy="369332"/>
-            </a:xfrm>
-            <a:prstGeom prst="rect">
-              <a:avLst/>
-            </a:prstGeom>
-            <a:noFill/>
-          </p:spPr>
-          <p:txBody>
-            <a:bodyPr wrap="none" rtlCol="0">
-              <a:spAutoFit/>
-            </a:bodyPr>
-            <a:lstStyle/>
-            <a:p>
-              <a:r>
-                <a:rPr lang="en-US" dirty="0"/>
-                <a:t>Composite</a:t>
-              </a:r>
-            </a:p>
-          </p:txBody>
-        </p:sp>
-      </p:grpSp>
-      <p:grpSp>
-        <p:nvGrpSpPr>
-          <p:cNvPr id="11" name="Gruppieren 10">
-            <a:extLst>
-              <a:ext uri="{FF2B5EF4-FFF2-40B4-BE49-F238E27FC236}">
-                <a16:creationId xmlns:a16="http://schemas.microsoft.com/office/drawing/2014/main" id="{1522463D-5D26-FF40-88C6-54DF347617E3}"/>
-              </a:ext>
-            </a:extLst>
-          </p:cNvPr>
-          <p:cNvGrpSpPr/>
-          <p:nvPr/>
-        </p:nvGrpSpPr>
-        <p:grpSpPr>
-          <a:xfrm>
-            <a:off x="6217422" y="3361788"/>
-            <a:ext cx="1524000" cy="1028700"/>
-            <a:chOff x="1066800" y="3034517"/>
-            <a:chExt cx="1524000" cy="1028700"/>
-          </a:xfrm>
-        </p:grpSpPr>
-        <p:pic>
-          <p:nvPicPr>
-            <p:cNvPr id="12" name="Grafik 11">
-              <a:extLst>
-                <a:ext uri="{FF2B5EF4-FFF2-40B4-BE49-F238E27FC236}">
-                  <a16:creationId xmlns:a16="http://schemas.microsoft.com/office/drawing/2014/main" id="{B3B6DE2A-7763-4D40-9064-7495CCF0D4D0}"/>
-                </a:ext>
-              </a:extLst>
-            </p:cNvPr>
-            <p:cNvPicPr>
-              <a:picLocks noChangeAspect="1"/>
-            </p:cNvPicPr>
-            <p:nvPr/>
-          </p:nvPicPr>
-          <p:blipFill>
-            <a:blip r:embed="rId4">
-              <a:extLst>
-                <a:ext uri="{28A0092B-C50C-407E-A947-70E740481C1C}">
-                  <a14:useLocalDpi xmlns:a14="http://schemas.microsoft.com/office/drawing/2010/main" val="0"/>
-                </a:ext>
-                <a:ext uri="{96DAC541-7B7A-43D3-8B79-37D633B846F1}">
-                  <asvg:svgBlip xmlns:asvg="http://schemas.microsoft.com/office/drawing/2016/SVG/main" r:embed="rId5"/>
-                </a:ext>
-              </a:extLst>
-            </a:blip>
-            <a:stretch>
-              <a:fillRect/>
-            </a:stretch>
-          </p:blipFill>
-          <p:spPr>
-            <a:xfrm>
-              <a:off x="1066800" y="3034517"/>
-              <a:ext cx="1524000" cy="1028700"/>
-            </a:xfrm>
-            <a:prstGeom prst="rect">
-              <a:avLst/>
-            </a:prstGeom>
-          </p:spPr>
-        </p:pic>
-        <p:sp>
-          <p:nvSpPr>
-            <p:cNvPr id="13" name="Textfeld 12">
-              <a:extLst>
-                <a:ext uri="{FF2B5EF4-FFF2-40B4-BE49-F238E27FC236}">
-                  <a16:creationId xmlns:a16="http://schemas.microsoft.com/office/drawing/2014/main" id="{ABC878E1-E72F-C940-889D-69A38F3A616F}"/>
-                </a:ext>
-              </a:extLst>
-            </p:cNvPr>
-            <p:cNvSpPr txBox="1"/>
-            <p:nvPr/>
-          </p:nvSpPr>
-          <p:spPr>
-            <a:xfrm>
-              <a:off x="1229918" y="3244334"/>
-              <a:ext cx="1197764" cy="369332"/>
-            </a:xfrm>
-            <a:prstGeom prst="rect">
-              <a:avLst/>
-            </a:prstGeom>
-            <a:noFill/>
-          </p:spPr>
-          <p:txBody>
-            <a:bodyPr wrap="none" rtlCol="0">
-              <a:spAutoFit/>
-            </a:bodyPr>
-            <a:lstStyle/>
-            <a:p>
-              <a:r>
-                <a:rPr lang="en-US" dirty="0"/>
-                <a:t>Collection</a:t>
-              </a:r>
-            </a:p>
-          </p:txBody>
-        </p:sp>
-      </p:grpSp>
-      <p:grpSp>
-        <p:nvGrpSpPr>
-          <p:cNvPr id="14" name="Gruppieren 13">
-            <a:extLst>
-              <a:ext uri="{FF2B5EF4-FFF2-40B4-BE49-F238E27FC236}">
-                <a16:creationId xmlns:a16="http://schemas.microsoft.com/office/drawing/2014/main" id="{438FF043-3499-4741-A341-42C0CCC95874}"/>
-              </a:ext>
-            </a:extLst>
-          </p:cNvPr>
-          <p:cNvGrpSpPr/>
-          <p:nvPr/>
-        </p:nvGrpSpPr>
-        <p:grpSpPr>
-          <a:xfrm>
-            <a:off x="8393943" y="3057255"/>
-            <a:ext cx="1524000" cy="1028700"/>
-            <a:chOff x="3810000" y="2914650"/>
-            <a:chExt cx="1524000" cy="1028700"/>
-          </a:xfrm>
-        </p:grpSpPr>
-        <p:pic>
-          <p:nvPicPr>
-            <p:cNvPr id="15" name="Grafik 14">
-              <a:extLst>
-                <a:ext uri="{FF2B5EF4-FFF2-40B4-BE49-F238E27FC236}">
-                  <a16:creationId xmlns:a16="http://schemas.microsoft.com/office/drawing/2014/main" id="{E569351E-B4D9-1742-8D5F-AD0D2AD92CE0}"/>
-                </a:ext>
-              </a:extLst>
-            </p:cNvPr>
-            <p:cNvPicPr>
-              <a:picLocks noChangeAspect="1"/>
-            </p:cNvPicPr>
-            <p:nvPr/>
-          </p:nvPicPr>
-          <p:blipFill>
-            <a:blip r:embed="rId6">
-              <a:extLst>
-                <a:ext uri="{28A0092B-C50C-407E-A947-70E740481C1C}">
-                  <a14:useLocalDpi xmlns:a14="http://schemas.microsoft.com/office/drawing/2010/main" val="0"/>
-                </a:ext>
-                <a:ext uri="{96DAC541-7B7A-43D3-8B79-37D633B846F1}">
-                  <asvg:svgBlip xmlns:asvg="http://schemas.microsoft.com/office/drawing/2016/SVG/main" r:embed="rId7"/>
-                </a:ext>
-              </a:extLst>
-            </a:blip>
-            <a:stretch>
-              <a:fillRect/>
-            </a:stretch>
-          </p:blipFill>
-          <p:spPr>
-            <a:xfrm>
-              <a:off x="3810000" y="2914650"/>
-              <a:ext cx="1524000" cy="1028700"/>
-            </a:xfrm>
-            <a:prstGeom prst="rect">
-              <a:avLst/>
-            </a:prstGeom>
-          </p:spPr>
-        </p:pic>
-        <p:sp>
-          <p:nvSpPr>
-            <p:cNvPr id="16" name="Textfeld 15">
-              <a:extLst>
-                <a:ext uri="{FF2B5EF4-FFF2-40B4-BE49-F238E27FC236}">
-                  <a16:creationId xmlns:a16="http://schemas.microsoft.com/office/drawing/2014/main" id="{E8C6C50A-939C-E746-A72D-BF054E3D5D2A}"/>
-                </a:ext>
-              </a:extLst>
-            </p:cNvPr>
-            <p:cNvSpPr txBox="1"/>
-            <p:nvPr/>
-          </p:nvSpPr>
-          <p:spPr>
-            <a:xfrm>
-              <a:off x="4063089" y="3244334"/>
-              <a:ext cx="1069524" cy="369332"/>
-            </a:xfrm>
-            <a:prstGeom prst="rect">
-              <a:avLst/>
-            </a:prstGeom>
-            <a:noFill/>
-          </p:spPr>
-          <p:txBody>
-            <a:bodyPr wrap="none" rtlCol="0">
-              <a:spAutoFit/>
-            </a:bodyPr>
-            <a:lstStyle/>
-            <a:p>
-              <a:r>
-                <a:rPr lang="en-US" dirty="0"/>
-                <a:t>Primitive</a:t>
-              </a:r>
-            </a:p>
-          </p:txBody>
-        </p:sp>
-      </p:grpSp>
-    </p:spTree>
-    <p:extLst>
-      <p:ext uri="{BB962C8B-B14F-4D97-AF65-F5344CB8AC3E}">
-        <p14:creationId xmlns:p14="http://schemas.microsoft.com/office/powerpoint/2010/main" val="3449464428"/>
-      </p:ext>
-    </p:extLst>
-  </p:cSld>
-  <p:clrMapOvr>
-    <a:masterClrMapping/>
-  </p:clrMapOvr>
-</p:sld>
-</file>
-
-<file path=ppt/slides/slide5.xml><?xml version="1.0" encoding="utf-8"?>
-<p:sld xmlns:a="http://schemas.openxmlformats.org/drawingml/2006/main" xmlns:r="http://schemas.openxmlformats.org/officeDocument/2006/relationships" xmlns:p="http://schemas.openxmlformats.org/presentationml/2006/main">
-  <p:cSld>
-    <p:spTree>
-      <p:nvGrpSpPr>
-        <p:cNvPr id="1" name=""/>
-        <p:cNvGrpSpPr/>
-        <p:nvPr/>
-      </p:nvGrpSpPr>
-      <p:grpSpPr>
-        <a:xfrm>
-          <a:off x="0" y="0"/>
-          <a:ext cx="0" cy="0"/>
-          <a:chOff x="0" y="0"/>
-          <a:chExt cx="0" cy="0"/>
-        </a:xfrm>
-      </p:grpSpPr>
-      <p:sp>
-        <p:nvSpPr>
-          <p:cNvPr id="2" name="Titel 1">
-            <a:extLst>
-              <a:ext uri="{FF2B5EF4-FFF2-40B4-BE49-F238E27FC236}">
-                <a16:creationId xmlns:a16="http://schemas.microsoft.com/office/drawing/2014/main" id="{4E4AE26E-BDAE-4262-A057-39AC2366A5F1}"/>
-              </a:ext>
-            </a:extLst>
-          </p:cNvPr>
-          <p:cNvSpPr>
-            <a:spLocks noGrp="1"/>
-          </p:cNvSpPr>
-          <p:nvPr>
-            <p:ph type="title"/>
-          </p:nvPr>
-        </p:nvSpPr>
-        <p:spPr>
-          <a:xfrm>
-            <a:off x="524664" y="444005"/>
-            <a:ext cx="9178008" cy="627829"/>
-          </a:xfrm>
-        </p:spPr>
-        <p:txBody>
-          <a:bodyPr/>
-          <a:lstStyle/>
-          <a:p>
-            <a:r>
-              <a:rPr lang="en-US" noProof="0" dirty="0" err="1"/>
-              <a:t>Erstellung</a:t>
-            </a:r>
-            <a:r>
-              <a:rPr lang="en-US" noProof="0" dirty="0"/>
-              <a:t> von DFDs</a:t>
-            </a:r>
-          </a:p>
-        </p:txBody>
-      </p:sp>
-      <p:sp>
-        <p:nvSpPr>
-          <p:cNvPr id="3" name="Inhaltsplatzhalter 2">
-            <a:extLst>
-              <a:ext uri="{FF2B5EF4-FFF2-40B4-BE49-F238E27FC236}">
-                <a16:creationId xmlns:a16="http://schemas.microsoft.com/office/drawing/2014/main" id="{900E3307-8428-4C7A-A1DA-C96FE547A036}"/>
-              </a:ext>
-            </a:extLst>
-          </p:cNvPr>
-          <p:cNvSpPr>
-            <a:spLocks noGrp="1"/>
-          </p:cNvSpPr>
-          <p:nvPr>
-            <p:ph idx="1"/>
-          </p:nvPr>
-        </p:nvSpPr>
-        <p:spPr>
-          <a:xfrm>
-            <a:off x="524664" y="1269207"/>
-            <a:ext cx="11142672" cy="4502318"/>
-          </a:xfrm>
-        </p:spPr>
-        <p:txBody>
-          <a:bodyPr/>
-          <a:lstStyle/>
-          <a:p>
-            <a:pPr>
-              <a:lnSpc>
-                <a:spcPct val="100000"/>
-              </a:lnSpc>
-            </a:pPr>
-            <a:r>
-              <a:rPr lang="de-DE" dirty="0"/>
-              <a:t>Kein Editor ist Industriestandard</a:t>
-            </a:r>
-          </a:p>
-          <a:p>
-            <a:pPr>
-              <a:lnSpc>
-                <a:spcPct val="100000"/>
-              </a:lnSpc>
-            </a:pPr>
-            <a:r>
-              <a:rPr lang="de-DE" dirty="0"/>
-              <a:t>Keine Open-Source-Editoren</a:t>
-            </a:r>
-          </a:p>
-          <a:p>
-            <a:pPr lvl="1">
-              <a:lnSpc>
-                <a:spcPct val="100000"/>
-              </a:lnSpc>
-            </a:pPr>
-            <a:r>
-              <a:rPr lang="de-DE" dirty="0"/>
-              <a:t>... die </a:t>
-            </a:r>
-            <a:r>
-              <a:rPr lang="de-DE" dirty="0" err="1"/>
-              <a:t>Leveling</a:t>
-            </a:r>
-            <a:r>
-              <a:rPr lang="de-DE" dirty="0"/>
-              <a:t> unterstützen</a:t>
-            </a:r>
-          </a:p>
-          <a:p>
-            <a:pPr>
-              <a:lnSpc>
-                <a:spcPct val="100000"/>
-              </a:lnSpc>
-            </a:pPr>
-            <a:r>
-              <a:rPr lang="de-DE" dirty="0"/>
-              <a:t>Einfach: Verwendung von Zeichen-Programmen</a:t>
-            </a:r>
-          </a:p>
-          <a:p>
-            <a:pPr lvl="1">
-              <a:lnSpc>
-                <a:spcPct val="100000"/>
-              </a:lnSpc>
-            </a:pPr>
-            <a:r>
-              <a:rPr lang="de-DE" dirty="0"/>
-              <a:t>Aber: Semantik geht verloren</a:t>
-            </a:r>
-          </a:p>
-          <a:p>
-            <a:pPr lvl="1">
-              <a:lnSpc>
-                <a:spcPct val="100000"/>
-              </a:lnSpc>
-            </a:pPr>
-            <a:r>
-              <a:rPr lang="de-DE" dirty="0"/>
-              <a:t>Keine Unterstützung bei Erstellung und Verfeinerung</a:t>
-            </a:r>
-          </a:p>
-        </p:txBody>
-      </p:sp>
-      <p:sp>
-        <p:nvSpPr>
-          <p:cNvPr id="4" name="Datumsplatzhalter 3">
-            <a:extLst>
-              <a:ext uri="{FF2B5EF4-FFF2-40B4-BE49-F238E27FC236}">
-                <a16:creationId xmlns:a16="http://schemas.microsoft.com/office/drawing/2014/main" id="{9CCAFD67-B02A-4CC5-A0AF-41ECCAE2B82F}"/>
-              </a:ext>
-            </a:extLst>
-          </p:cNvPr>
-          <p:cNvSpPr>
-            <a:spLocks noGrp="1"/>
-          </p:cNvSpPr>
-          <p:nvPr>
-            <p:ph type="dt" sz="half" idx="10"/>
-          </p:nvPr>
-        </p:nvSpPr>
-        <p:spPr/>
-        <p:txBody>
-          <a:bodyPr/>
-          <a:lstStyle/>
-          <a:p>
-            <a:r>
-              <a:rPr lang="de-DE"/>
-              <a:t>25.03.2020</a:t>
-            </a:r>
-          </a:p>
-        </p:txBody>
-      </p:sp>
-      <p:sp>
-        <p:nvSpPr>
-          <p:cNvPr id="6" name="Foliennummernplatzhalter 5">
-            <a:extLst>
-              <a:ext uri="{FF2B5EF4-FFF2-40B4-BE49-F238E27FC236}">
-                <a16:creationId xmlns:a16="http://schemas.microsoft.com/office/drawing/2014/main" id="{2014E5A3-BB19-4CC6-A059-F359A2A51340}"/>
-              </a:ext>
-            </a:extLst>
-          </p:cNvPr>
-          <p:cNvSpPr>
-            <a:spLocks noGrp="1"/>
-          </p:cNvSpPr>
-          <p:nvPr>
-            <p:ph type="sldNum" sz="quarter" idx="12"/>
-          </p:nvPr>
-        </p:nvSpPr>
-        <p:spPr/>
-        <p:txBody>
-          <a:bodyPr/>
-          <a:lstStyle/>
-          <a:p>
-            <a:fld id="{61696EC4-B4CF-4701-AD06-A8439D6D8E12}" type="slidenum">
-              <a:rPr lang="de-DE" smtClean="0"/>
-              <a:t>5</a:t>
-            </a:fld>
-            <a:endParaRPr lang="de-DE"/>
-          </a:p>
-        </p:txBody>
-      </p:sp>
-      <p:sp>
-        <p:nvSpPr>
-          <p:cNvPr id="7" name="Pfeil nach rechts 6">
-            <a:extLst>
-              <a:ext uri="{FF2B5EF4-FFF2-40B4-BE49-F238E27FC236}">
-                <a16:creationId xmlns:a16="http://schemas.microsoft.com/office/drawing/2014/main" id="{FE0D2323-B189-0042-81EA-4AA79A0FFAC6}"/>
-              </a:ext>
-            </a:extLst>
-          </p:cNvPr>
-          <p:cNvSpPr/>
-          <p:nvPr/>
-        </p:nvSpPr>
-        <p:spPr>
-          <a:xfrm>
-            <a:off x="524664" y="4870645"/>
-            <a:ext cx="821256" cy="417360"/>
-          </a:xfrm>
-          <a:prstGeom prst="rightArrow">
-            <a:avLst/>
-          </a:prstGeom>
-        </p:spPr>
-        <p:style>
-          <a:lnRef idx="2">
-            <a:schemeClr val="accent1">
-              <a:shade val="50000"/>
-            </a:schemeClr>
-          </a:lnRef>
-          <a:fillRef idx="1">
-            <a:schemeClr val="accent1"/>
-          </a:fillRef>
-          <a:effectRef idx="0">
-            <a:schemeClr val="accent1"/>
-          </a:effectRef>
-          <a:fontRef idx="minor">
-            <a:schemeClr val="lt1"/>
-          </a:fontRef>
-        </p:style>
-        <p:txBody>
-          <a:bodyPr rtlCol="0" anchor="ctr"/>
-          <a:lstStyle/>
-          <a:p>
-            <a:pPr algn="ctr"/>
-            <a:endParaRPr lang="en-US"/>
-          </a:p>
-        </p:txBody>
-      </p:sp>
-      <p:sp>
-        <p:nvSpPr>
-          <p:cNvPr id="8" name="Textfeld 7">
-            <a:extLst>
-              <a:ext uri="{FF2B5EF4-FFF2-40B4-BE49-F238E27FC236}">
-                <a16:creationId xmlns:a16="http://schemas.microsoft.com/office/drawing/2014/main" id="{B700A784-1431-FB4A-A993-296629EB4028}"/>
-              </a:ext>
-            </a:extLst>
-          </p:cNvPr>
-          <p:cNvSpPr txBox="1"/>
-          <p:nvPr/>
-        </p:nvSpPr>
-        <p:spPr>
-          <a:xfrm>
-            <a:off x="1345920" y="4817715"/>
-            <a:ext cx="6484467" cy="523220"/>
-          </a:xfrm>
-          <a:prstGeom prst="rect">
-            <a:avLst/>
-          </a:prstGeom>
-          <a:noFill/>
-        </p:spPr>
-        <p:txBody>
-          <a:bodyPr wrap="none" rtlCol="0">
-            <a:spAutoFit/>
-          </a:bodyPr>
-          <a:lstStyle/>
-          <a:p>
-            <a:r>
-              <a:rPr lang="en-US" sz="2800" dirty="0" err="1"/>
-              <a:t>Implementierung</a:t>
-            </a:r>
-            <a:r>
-              <a:rPr lang="en-US" sz="2800" dirty="0"/>
-              <a:t> </a:t>
-            </a:r>
-            <a:r>
-              <a:rPr lang="en-US" sz="2800" dirty="0" err="1"/>
-              <a:t>eines</a:t>
-            </a:r>
-            <a:r>
-              <a:rPr lang="en-US" sz="2800" dirty="0"/>
-              <a:t> </a:t>
-            </a:r>
-            <a:r>
-              <a:rPr lang="en-US" sz="2800" dirty="0" err="1"/>
-              <a:t>solchen</a:t>
-            </a:r>
-            <a:r>
-              <a:rPr lang="en-US" sz="2800" dirty="0"/>
-              <a:t> Editors </a:t>
-            </a:r>
-          </a:p>
-        </p:txBody>
-      </p:sp>
-    </p:spTree>
-    <p:extLst>
-      <p:ext uri="{BB962C8B-B14F-4D97-AF65-F5344CB8AC3E}">
-        <p14:creationId xmlns:p14="http://schemas.microsoft.com/office/powerpoint/2010/main" val="2766570188"/>
-      </p:ext>
-    </p:extLst>
-  </p:cSld>
-  <p:clrMapOvr>
-    <a:masterClrMapping/>
-  </p:clrMapOvr>
-</p:sld>
-</file>
-
-<file path=ppt/slides/slide6.xml><?xml version="1.0" encoding="utf-8"?>
-<p:sld xmlns:a="http://schemas.openxmlformats.org/drawingml/2006/main" xmlns:r="http://schemas.openxmlformats.org/officeDocument/2006/relationships" xmlns:p="http://schemas.openxmlformats.org/presentationml/2006/main">
-  <p:cSld>
-    <p:spTree>
-      <p:nvGrpSpPr>
-        <p:cNvPr id="1" name=""/>
-        <p:cNvGrpSpPr/>
-        <p:nvPr/>
-      </p:nvGrpSpPr>
-      <p:grpSpPr>
-        <a:xfrm>
-          <a:off x="0" y="0"/>
-          <a:ext cx="0" cy="0"/>
-          <a:chOff x="0" y="0"/>
-          <a:chExt cx="0" cy="0"/>
-        </a:xfrm>
-      </p:grpSpPr>
-      <p:sp>
-        <p:nvSpPr>
-          <p:cNvPr id="2" name="Titel 1">
-            <a:extLst>
-              <a:ext uri="{FF2B5EF4-FFF2-40B4-BE49-F238E27FC236}">
-                <a16:creationId xmlns:a16="http://schemas.microsoft.com/office/drawing/2014/main" id="{4E4AE26E-BDAE-4262-A057-39AC2366A5F1}"/>
-              </a:ext>
-            </a:extLst>
-          </p:cNvPr>
-          <p:cNvSpPr>
-            <a:spLocks noGrp="1"/>
-          </p:cNvSpPr>
-          <p:nvPr>
-            <p:ph type="title"/>
-          </p:nvPr>
-        </p:nvSpPr>
-        <p:spPr>
-          <a:xfrm>
-            <a:off x="524664" y="444005"/>
-            <a:ext cx="9178008" cy="627829"/>
-          </a:xfrm>
-        </p:spPr>
-        <p:txBody>
-          <a:bodyPr/>
-          <a:lstStyle/>
-          <a:p>
-            <a:r>
-              <a:rPr lang="en-US" noProof="0" dirty="0"/>
-              <a:t>Eclipse -</a:t>
-            </a:r>
-            <a:r>
-              <a:rPr lang="en-US" dirty="0"/>
-              <a:t> </a:t>
-            </a:r>
-            <a:r>
-              <a:rPr lang="en-US" noProof="0" dirty="0"/>
-              <a:t>Sirius</a:t>
-            </a:r>
-          </a:p>
-        </p:txBody>
-      </p:sp>
-      <p:sp>
-        <p:nvSpPr>
-          <p:cNvPr id="3" name="Inhaltsplatzhalter 2">
-            <a:extLst>
-              <a:ext uri="{FF2B5EF4-FFF2-40B4-BE49-F238E27FC236}">
-                <a16:creationId xmlns:a16="http://schemas.microsoft.com/office/drawing/2014/main" id="{900E3307-8428-4C7A-A1DA-C96FE547A036}"/>
-              </a:ext>
-            </a:extLst>
-          </p:cNvPr>
-          <p:cNvSpPr>
-            <a:spLocks noGrp="1"/>
-          </p:cNvSpPr>
-          <p:nvPr>
-            <p:ph idx="1"/>
-          </p:nvPr>
-        </p:nvSpPr>
-        <p:spPr>
-          <a:xfrm>
-            <a:off x="524664" y="1269207"/>
-            <a:ext cx="11142672" cy="4502318"/>
-          </a:xfrm>
-        </p:spPr>
-        <p:txBody>
-          <a:bodyPr/>
-          <a:lstStyle/>
-          <a:p>
-            <a:pPr>
-              <a:lnSpc>
-                <a:spcPct val="100000"/>
-              </a:lnSpc>
-            </a:pPr>
-            <a:endParaRPr lang="de-DE" dirty="0"/>
-          </a:p>
-        </p:txBody>
-      </p:sp>
-      <p:sp>
-        <p:nvSpPr>
-          <p:cNvPr id="4" name="Datumsplatzhalter 3">
-            <a:extLst>
-              <a:ext uri="{FF2B5EF4-FFF2-40B4-BE49-F238E27FC236}">
-                <a16:creationId xmlns:a16="http://schemas.microsoft.com/office/drawing/2014/main" id="{9CCAFD67-B02A-4CC5-A0AF-41ECCAE2B82F}"/>
-              </a:ext>
-            </a:extLst>
-          </p:cNvPr>
-          <p:cNvSpPr>
-            <a:spLocks noGrp="1"/>
-          </p:cNvSpPr>
-          <p:nvPr>
-            <p:ph type="dt" sz="half" idx="10"/>
-          </p:nvPr>
-        </p:nvSpPr>
-        <p:spPr/>
-        <p:txBody>
-          <a:bodyPr/>
-          <a:lstStyle/>
-          <a:p>
-            <a:r>
-              <a:rPr lang="de-DE"/>
-              <a:t>25.03.2020</a:t>
-            </a:r>
-          </a:p>
-        </p:txBody>
-      </p:sp>
-      <p:sp>
-        <p:nvSpPr>
-          <p:cNvPr id="6" name="Foliennummernplatzhalter 5">
-            <a:extLst>
-              <a:ext uri="{FF2B5EF4-FFF2-40B4-BE49-F238E27FC236}">
-                <a16:creationId xmlns:a16="http://schemas.microsoft.com/office/drawing/2014/main" id="{2014E5A3-BB19-4CC6-A059-F359A2A51340}"/>
-              </a:ext>
-            </a:extLst>
-          </p:cNvPr>
-          <p:cNvSpPr>
-            <a:spLocks noGrp="1"/>
-          </p:cNvSpPr>
-          <p:nvPr>
-            <p:ph type="sldNum" sz="quarter" idx="12"/>
-          </p:nvPr>
-        </p:nvSpPr>
-        <p:spPr/>
-        <p:txBody>
-          <a:bodyPr/>
-          <a:lstStyle/>
-          <a:p>
-            <a:fld id="{61696EC4-B4CF-4701-AD06-A8439D6D8E12}" type="slidenum">
-              <a:rPr lang="de-DE" smtClean="0"/>
-              <a:t>6</a:t>
-            </a:fld>
-            <a:endParaRPr lang="de-DE"/>
-          </a:p>
-        </p:txBody>
-      </p:sp>
-    </p:spTree>
-    <p:extLst>
-      <p:ext uri="{BB962C8B-B14F-4D97-AF65-F5344CB8AC3E}">
-        <p14:creationId xmlns:p14="http://schemas.microsoft.com/office/powerpoint/2010/main" val="2434512201"/>
-      </p:ext>
-    </p:extLst>
-  </p:cSld>
-  <p:clrMapOvr>
-    <a:masterClrMapping/>
-  </p:clrMapOvr>
-</p:sld>
-</file>
-
-<file path=ppt/slides/slide7.xml><?xml version="1.0" encoding="utf-8"?>
-<p:sld xmlns:a="http://schemas.openxmlformats.org/drawingml/2006/main" xmlns:r="http://schemas.openxmlformats.org/officeDocument/2006/relationships" xmlns:p="http://schemas.openxmlformats.org/presentationml/2006/main">
-  <p:cSld>
-    <p:spTree>
-      <p:nvGrpSpPr>
-        <p:cNvPr id="1" name=""/>
-        <p:cNvGrpSpPr/>
-        <p:nvPr/>
-      </p:nvGrpSpPr>
-      <p:grpSpPr>
-        <a:xfrm>
-          <a:off x="0" y="0"/>
-          <a:ext cx="0" cy="0"/>
-          <a:chOff x="0" y="0"/>
-          <a:chExt cx="0" cy="0"/>
-        </a:xfrm>
-      </p:grpSpPr>
-      <p:sp>
-        <p:nvSpPr>
-          <p:cNvPr id="2" name="Titel 1">
-            <a:extLst>
-              <a:ext uri="{FF2B5EF4-FFF2-40B4-BE49-F238E27FC236}">
-                <a16:creationId xmlns:a16="http://schemas.microsoft.com/office/drawing/2014/main" id="{4E4AE26E-BDAE-4262-A057-39AC2366A5F1}"/>
-              </a:ext>
-            </a:extLst>
-          </p:cNvPr>
-          <p:cNvSpPr>
-            <a:spLocks noGrp="1"/>
-          </p:cNvSpPr>
-          <p:nvPr>
-            <p:ph type="title"/>
-          </p:nvPr>
-        </p:nvSpPr>
-        <p:spPr>
-          <a:xfrm>
-            <a:off x="524664" y="444005"/>
-            <a:ext cx="9178008" cy="627829"/>
-          </a:xfrm>
-        </p:spPr>
-        <p:txBody>
-          <a:bodyPr/>
-          <a:lstStyle/>
-          <a:p>
-            <a:r>
-              <a:rPr lang="en-US" noProof="0" dirty="0"/>
-              <a:t>Leveling</a:t>
-            </a:r>
-          </a:p>
-        </p:txBody>
-      </p:sp>
-      <p:sp>
-        <p:nvSpPr>
-          <p:cNvPr id="3" name="Inhaltsplatzhalter 2">
-            <a:extLst>
-              <a:ext uri="{FF2B5EF4-FFF2-40B4-BE49-F238E27FC236}">
-                <a16:creationId xmlns:a16="http://schemas.microsoft.com/office/drawing/2014/main" id="{900E3307-8428-4C7A-A1DA-C96FE547A036}"/>
-              </a:ext>
-            </a:extLst>
-          </p:cNvPr>
-          <p:cNvSpPr>
-            <a:spLocks noGrp="1"/>
-          </p:cNvSpPr>
-          <p:nvPr>
-            <p:ph idx="1"/>
-          </p:nvPr>
-        </p:nvSpPr>
-        <p:spPr>
-          <a:xfrm>
-            <a:off x="524664" y="1269207"/>
-            <a:ext cx="11142672" cy="4502318"/>
-          </a:xfrm>
-        </p:spPr>
-        <p:txBody>
-          <a:bodyPr/>
-          <a:lstStyle/>
-          <a:p>
-            <a:pPr>
-              <a:lnSpc>
-                <a:spcPct val="100000"/>
-              </a:lnSpc>
-            </a:pPr>
-            <a:r>
-              <a:rPr lang="de-DE" dirty="0"/>
-              <a:t>Unterteilung: </a:t>
-            </a:r>
-            <a:r>
-              <a:rPr lang="de-DE" dirty="0" err="1"/>
-              <a:t>Border</a:t>
-            </a:r>
-            <a:r>
-              <a:rPr lang="de-DE" dirty="0"/>
-              <a:t> vs. </a:t>
-            </a:r>
-            <a:r>
-              <a:rPr lang="de-DE" dirty="0" err="1"/>
-              <a:t>Inner</a:t>
-            </a:r>
-            <a:r>
-              <a:rPr lang="de-DE" dirty="0"/>
-              <a:t> Nodes</a:t>
-            </a:r>
-          </a:p>
-        </p:txBody>
-      </p:sp>
-      <p:sp>
-        <p:nvSpPr>
-          <p:cNvPr id="4" name="Datumsplatzhalter 3">
-            <a:extLst>
-              <a:ext uri="{FF2B5EF4-FFF2-40B4-BE49-F238E27FC236}">
-                <a16:creationId xmlns:a16="http://schemas.microsoft.com/office/drawing/2014/main" id="{9CCAFD67-B02A-4CC5-A0AF-41ECCAE2B82F}"/>
-              </a:ext>
-            </a:extLst>
-          </p:cNvPr>
-          <p:cNvSpPr>
-            <a:spLocks noGrp="1"/>
-          </p:cNvSpPr>
-          <p:nvPr>
-            <p:ph type="dt" sz="half" idx="10"/>
-          </p:nvPr>
-        </p:nvSpPr>
-        <p:spPr/>
-        <p:txBody>
-          <a:bodyPr/>
-          <a:lstStyle/>
-          <a:p>
-            <a:r>
-              <a:rPr lang="de-DE"/>
-              <a:t>25.03.2020</a:t>
-            </a:r>
-          </a:p>
-        </p:txBody>
-      </p:sp>
-      <p:sp>
-        <p:nvSpPr>
-          <p:cNvPr id="6" name="Foliennummernplatzhalter 5">
-            <a:extLst>
-              <a:ext uri="{FF2B5EF4-FFF2-40B4-BE49-F238E27FC236}">
-                <a16:creationId xmlns:a16="http://schemas.microsoft.com/office/drawing/2014/main" id="{2014E5A3-BB19-4CC6-A059-F359A2A51340}"/>
-              </a:ext>
-            </a:extLst>
-          </p:cNvPr>
-          <p:cNvSpPr>
-            <a:spLocks noGrp="1"/>
-          </p:cNvSpPr>
-          <p:nvPr>
-            <p:ph type="sldNum" sz="quarter" idx="12"/>
-          </p:nvPr>
-        </p:nvSpPr>
-        <p:spPr/>
-        <p:txBody>
-          <a:bodyPr/>
-          <a:lstStyle/>
-          <a:p>
-            <a:fld id="{61696EC4-B4CF-4701-AD06-A8439D6D8E12}" type="slidenum">
-              <a:rPr lang="de-DE" smtClean="0"/>
-              <a:t>7</a:t>
-            </a:fld>
-            <a:endParaRPr lang="de-DE"/>
-          </a:p>
-        </p:txBody>
-      </p:sp>
-    </p:spTree>
-    <p:extLst>
-      <p:ext uri="{BB962C8B-B14F-4D97-AF65-F5344CB8AC3E}">
-        <p14:creationId xmlns:p14="http://schemas.microsoft.com/office/powerpoint/2010/main" val="959445506"/>
-      </p:ext>
-    </p:extLst>
-  </p:cSld>
-  <p:clrMapOvr>
-    <a:masterClrMapping/>
-  </p:clrMapOvr>
-</p:sld>
-</file>
-
-<file path=ppt/slides/slide8.xml><?xml version="1.0" encoding="utf-8"?>
-<p:sld xmlns:a="http://schemas.openxmlformats.org/drawingml/2006/main" xmlns:r="http://schemas.openxmlformats.org/officeDocument/2006/relationships" xmlns:p="http://schemas.openxmlformats.org/presentationml/2006/main">
-  <p:cSld>
-    <p:spTree>
-      <p:nvGrpSpPr>
-        <p:cNvPr id="1" name=""/>
-        <p:cNvGrpSpPr/>
-        <p:nvPr/>
-      </p:nvGrpSpPr>
-      <p:grpSpPr>
-        <a:xfrm>
-          <a:off x="0" y="0"/>
-          <a:ext cx="0" cy="0"/>
-          <a:chOff x="0" y="0"/>
-          <a:chExt cx="0" cy="0"/>
-        </a:xfrm>
-      </p:grpSpPr>
-      <p:sp>
-        <p:nvSpPr>
-          <p:cNvPr id="2" name="Titel 1">
-            <a:extLst>
-              <a:ext uri="{FF2B5EF4-FFF2-40B4-BE49-F238E27FC236}">
-                <a16:creationId xmlns:a16="http://schemas.microsoft.com/office/drawing/2014/main" id="{4E4AE26E-BDAE-4262-A057-39AC2366A5F1}"/>
-              </a:ext>
-            </a:extLst>
-          </p:cNvPr>
-          <p:cNvSpPr>
-            <a:spLocks noGrp="1"/>
-          </p:cNvSpPr>
-          <p:nvPr>
-            <p:ph type="title"/>
-          </p:nvPr>
-        </p:nvSpPr>
-        <p:spPr>
-          <a:xfrm>
-            <a:off x="524664" y="444005"/>
-            <a:ext cx="9178008" cy="627829"/>
-          </a:xfrm>
-        </p:spPr>
-        <p:txBody>
-          <a:bodyPr/>
-          <a:lstStyle/>
-          <a:p>
-            <a:r>
-              <a:rPr lang="en-US" noProof="0" dirty="0"/>
-              <a:t>Eclipse -</a:t>
-            </a:r>
-            <a:r>
-              <a:rPr lang="en-US" dirty="0"/>
-              <a:t> </a:t>
-            </a:r>
-            <a:r>
-              <a:rPr lang="en-US" noProof="0" dirty="0"/>
-              <a:t>Sirius</a:t>
-            </a:r>
-          </a:p>
-        </p:txBody>
-      </p:sp>
-      <p:sp>
-        <p:nvSpPr>
-          <p:cNvPr id="3" name="Inhaltsplatzhalter 2">
-            <a:extLst>
-              <a:ext uri="{FF2B5EF4-FFF2-40B4-BE49-F238E27FC236}">
-                <a16:creationId xmlns:a16="http://schemas.microsoft.com/office/drawing/2014/main" id="{900E3307-8428-4C7A-A1DA-C96FE547A036}"/>
-              </a:ext>
-            </a:extLst>
-          </p:cNvPr>
-          <p:cNvSpPr>
-            <a:spLocks noGrp="1"/>
-          </p:cNvSpPr>
-          <p:nvPr>
-            <p:ph idx="1"/>
-          </p:nvPr>
-        </p:nvSpPr>
-        <p:spPr>
-          <a:xfrm>
-            <a:off x="524664" y="1269207"/>
-            <a:ext cx="11142672" cy="4502318"/>
-          </a:xfrm>
-        </p:spPr>
-        <p:txBody>
-          <a:bodyPr/>
-          <a:lstStyle/>
-          <a:p>
-            <a:pPr>
-              <a:lnSpc>
-                <a:spcPct val="100000"/>
-              </a:lnSpc>
-            </a:pPr>
-            <a:r>
-              <a:rPr lang="de-DE" dirty="0"/>
-              <a:t>Framework für Erstellung von Editoren</a:t>
-            </a:r>
-          </a:p>
-          <a:p>
-            <a:pPr lvl="1">
-              <a:lnSpc>
-                <a:spcPct val="100000"/>
-              </a:lnSpc>
-            </a:pPr>
-            <a:r>
-              <a:rPr lang="de-DE" dirty="0"/>
-              <a:t>Auf Basis von Meta-Modellen</a:t>
-            </a:r>
-          </a:p>
-          <a:p>
-            <a:pPr>
-              <a:lnSpc>
-                <a:spcPct val="100000"/>
-              </a:lnSpc>
-            </a:pPr>
-            <a:r>
-              <a:rPr lang="de-DE" dirty="0"/>
-              <a:t>...</a:t>
-            </a:r>
-          </a:p>
-          <a:p>
-            <a:pPr>
-              <a:lnSpc>
-                <a:spcPct val="100000"/>
-              </a:lnSpc>
-            </a:pPr>
-            <a:r>
-              <a:rPr lang="de-DE" dirty="0"/>
-              <a:t>Logische Trennung von Modell und Editor</a:t>
-            </a:r>
-          </a:p>
-        </p:txBody>
-      </p:sp>
-      <p:sp>
-        <p:nvSpPr>
-          <p:cNvPr id="4" name="Datumsplatzhalter 3">
-            <a:extLst>
-              <a:ext uri="{FF2B5EF4-FFF2-40B4-BE49-F238E27FC236}">
-                <a16:creationId xmlns:a16="http://schemas.microsoft.com/office/drawing/2014/main" id="{9CCAFD67-B02A-4CC5-A0AF-41ECCAE2B82F}"/>
-              </a:ext>
-            </a:extLst>
-          </p:cNvPr>
-          <p:cNvSpPr>
-            <a:spLocks noGrp="1"/>
-          </p:cNvSpPr>
-          <p:nvPr>
-            <p:ph type="dt" sz="half" idx="10"/>
-          </p:nvPr>
-        </p:nvSpPr>
-        <p:spPr/>
-        <p:txBody>
-          <a:bodyPr/>
-          <a:lstStyle/>
-          <a:p>
-            <a:r>
-              <a:rPr lang="de-DE"/>
-              <a:t>25.03.2020</a:t>
-            </a:r>
-          </a:p>
-        </p:txBody>
-      </p:sp>
-      <p:sp>
-        <p:nvSpPr>
-          <p:cNvPr id="6" name="Foliennummernplatzhalter 5">
-            <a:extLst>
-              <a:ext uri="{FF2B5EF4-FFF2-40B4-BE49-F238E27FC236}">
-                <a16:creationId xmlns:a16="http://schemas.microsoft.com/office/drawing/2014/main" id="{2014E5A3-BB19-4CC6-A059-F359A2A51340}"/>
-              </a:ext>
-            </a:extLst>
-          </p:cNvPr>
-          <p:cNvSpPr>
-            <a:spLocks noGrp="1"/>
-          </p:cNvSpPr>
-          <p:nvPr>
-            <p:ph type="sldNum" sz="quarter" idx="12"/>
-          </p:nvPr>
-        </p:nvSpPr>
-        <p:spPr/>
-        <p:txBody>
-          <a:bodyPr/>
-          <a:lstStyle/>
-          <a:p>
-            <a:fld id="{61696EC4-B4CF-4701-AD06-A8439D6D8E12}" type="slidenum">
-              <a:rPr lang="de-DE" smtClean="0"/>
-              <a:t>8</a:t>
-            </a:fld>
-            <a:endParaRPr lang="de-DE"/>
-          </a:p>
-        </p:txBody>
-      </p:sp>
-      <p:grpSp>
-        <p:nvGrpSpPr>
-          <p:cNvPr id="15" name="Gruppieren 14">
-            <a:extLst>
-              <a:ext uri="{FF2B5EF4-FFF2-40B4-BE49-F238E27FC236}">
-                <a16:creationId xmlns:a16="http://schemas.microsoft.com/office/drawing/2014/main" id="{51DCBB4E-CCC1-6B4D-BCEA-0F137673D4D3}"/>
-              </a:ext>
-            </a:extLst>
-          </p:cNvPr>
-          <p:cNvGrpSpPr/>
-          <p:nvPr/>
-        </p:nvGrpSpPr>
-        <p:grpSpPr>
-          <a:xfrm>
-            <a:off x="3706431" y="3220347"/>
+            <a:off x="6655965" y="3005533"/>
             <a:ext cx="5011371" cy="2963365"/>
             <a:chOff x="3706431" y="3220347"/>
             <a:chExt cx="5011371" cy="2963365"/>
@@ -9263,7 +5473,7 @@
 </p:sld>
 </file>
 
-<file path=ppt/slides/slide9.xml><?xml version="1.0" encoding="utf-8"?>
+<file path=ppt/slides/slide14.xml><?xml version="1.0" encoding="utf-8"?>
 <p:sld xmlns:a="http://schemas.openxmlformats.org/drawingml/2006/main" xmlns:r="http://schemas.openxmlformats.org/officeDocument/2006/relationships" xmlns:p="http://schemas.openxmlformats.org/presentationml/2006/main">
   <p:cSld>
     <p:spTree>
@@ -9308,7 +5518,7 @@
           <a:p>
             <a:r>
               <a:rPr lang="en-US" noProof="0" dirty="0"/>
-              <a:t>Eclipse -</a:t>
+              <a:t>Eclipse –</a:t>
             </a:r>
             <a:r>
               <a:rPr lang="en-US" dirty="0"/>
@@ -9316,7 +5526,7 @@
             </a:r>
             <a:r>
               <a:rPr lang="en-US" noProof="0" dirty="0"/>
-              <a:t>Sirius</a:t>
+              <a:t>Sirius (2)</a:t>
             </a:r>
           </a:p>
         </p:txBody>
@@ -9354,7 +5564,7 @@
             </a:pPr>
             <a:r>
               <a:rPr lang="de-DE" dirty="0"/>
-              <a:t>Framework für Erstellung von Editoren</a:t>
+              <a:t>Java-Services</a:t>
             </a:r>
           </a:p>
           <a:p>
@@ -9364,8 +5574,12 @@
               </a:lnSpc>
             </a:pPr>
             <a:r>
+              <a:rPr lang="de-DE" dirty="0" err="1"/>
+              <a:t>Lifecycle</a:t>
+            </a:r>
+            <a:r>
               <a:rPr lang="de-DE" dirty="0"/>
-              <a:t>Auf Basis von Meta-Modellen</a:t>
+              <a:t>-Hooks</a:t>
             </a:r>
           </a:p>
           <a:p>
@@ -9376,8 +5590,20 @@
             </a:pPr>
             <a:r>
               <a:rPr lang="de-DE" dirty="0"/>
-              <a:t>...</a:t>
-            </a:r>
+              <a:t>AQL</a:t>
+            </a:r>
+          </a:p>
+          <a:p>
+            <a:pPr lvl="1">
+              <a:lnSpc>
+                <a:spcPct val="100000"/>
+              </a:lnSpc>
+            </a:pPr>
+            <a:r>
+              <a:rPr lang="de-DE"/>
+              <a:t>OCL-ähnliche Ausdrücke</a:t>
+            </a:r>
+            <a:endParaRPr lang="de-DE" dirty="0"/>
           </a:p>
           <a:p>
             <a:pPr>
@@ -9387,7 +5613,182 @@
             </a:pPr>
             <a:r>
               <a:rPr lang="de-DE" dirty="0"/>
-              <a:t>Logische Trennung von </a:t>
+              <a:t>Sirius-Level-Operationen</a:t>
+            </a:r>
+          </a:p>
+        </p:txBody>
+      </p:sp>
+      <p:sp>
+        <p:nvSpPr>
+          <p:cNvPr id="4" name="Datumsplatzhalter 3">
+            <a:extLst>
+              <a:ext uri="{FF2B5EF4-FFF2-40B4-BE49-F238E27FC236}">
+                <a16:creationId xmlns:a16="http://schemas.microsoft.com/office/drawing/2014/main" id="{9CCAFD67-B02A-4CC5-A0AF-41ECCAE2B82F}"/>
+              </a:ext>
+            </a:extLst>
+          </p:cNvPr>
+          <p:cNvSpPr>
+            <a:spLocks noGrp="1"/>
+          </p:cNvSpPr>
+          <p:nvPr>
+            <p:ph type="dt" sz="half" idx="10"/>
+          </p:nvPr>
+        </p:nvSpPr>
+        <p:spPr/>
+        <p:txBody>
+          <a:bodyPr/>
+          <a:lstStyle/>
+          <a:p>
+            <a:r>
+              <a:rPr lang="de-DE"/>
+              <a:t>25.03.2020</a:t>
+            </a:r>
+          </a:p>
+        </p:txBody>
+      </p:sp>
+      <p:sp>
+        <p:nvSpPr>
+          <p:cNvPr id="6" name="Foliennummernplatzhalter 5">
+            <a:extLst>
+              <a:ext uri="{FF2B5EF4-FFF2-40B4-BE49-F238E27FC236}">
+                <a16:creationId xmlns:a16="http://schemas.microsoft.com/office/drawing/2014/main" id="{2014E5A3-BB19-4CC6-A059-F359A2A51340}"/>
+              </a:ext>
+            </a:extLst>
+          </p:cNvPr>
+          <p:cNvSpPr>
+            <a:spLocks noGrp="1"/>
+          </p:cNvSpPr>
+          <p:nvPr>
+            <p:ph type="sldNum" sz="quarter" idx="12"/>
+          </p:nvPr>
+        </p:nvSpPr>
+        <p:spPr/>
+        <p:txBody>
+          <a:bodyPr/>
+          <a:lstStyle/>
+          <a:p>
+            <a:fld id="{61696EC4-B4CF-4701-AD06-A8439D6D8E12}" type="slidenum">
+              <a:rPr lang="de-DE" smtClean="0"/>
+              <a:t>14</a:t>
+            </a:fld>
+            <a:endParaRPr lang="de-DE"/>
+          </a:p>
+        </p:txBody>
+      </p:sp>
+    </p:spTree>
+    <p:extLst>
+      <p:ext uri="{BB962C8B-B14F-4D97-AF65-F5344CB8AC3E}">
+        <p14:creationId xmlns:p14="http://schemas.microsoft.com/office/powerpoint/2010/main" val="1522940452"/>
+      </p:ext>
+    </p:extLst>
+  </p:cSld>
+  <p:clrMapOvr>
+    <a:masterClrMapping/>
+  </p:clrMapOvr>
+</p:sld>
+</file>
+
+<file path=ppt/slides/slide15.xml><?xml version="1.0" encoding="utf-8"?>
+<p:sld xmlns:a="http://schemas.openxmlformats.org/drawingml/2006/main" xmlns:r="http://schemas.openxmlformats.org/officeDocument/2006/relationships" xmlns:p="http://schemas.openxmlformats.org/presentationml/2006/main">
+  <p:cSld>
+    <p:spTree>
+      <p:nvGrpSpPr>
+        <p:cNvPr id="1" name=""/>
+        <p:cNvGrpSpPr/>
+        <p:nvPr/>
+      </p:nvGrpSpPr>
+      <p:grpSpPr>
+        <a:xfrm>
+          <a:off x="0" y="0"/>
+          <a:ext cx="0" cy="0"/>
+          <a:chOff x="0" y="0"/>
+          <a:chExt cx="0" cy="0"/>
+        </a:xfrm>
+      </p:grpSpPr>
+      <p:sp>
+        <p:nvSpPr>
+          <p:cNvPr id="2" name="Titel 1">
+            <a:extLst>
+              <a:ext uri="{FF2B5EF4-FFF2-40B4-BE49-F238E27FC236}">
+                <a16:creationId xmlns:a16="http://schemas.microsoft.com/office/drawing/2014/main" id="{4E4AE26E-BDAE-4262-A057-39AC2366A5F1}"/>
+              </a:ext>
+            </a:extLst>
+          </p:cNvPr>
+          <p:cNvSpPr>
+            <a:spLocks noGrp="1"/>
+          </p:cNvSpPr>
+          <p:nvPr>
+            <p:ph type="title"/>
+          </p:nvPr>
+        </p:nvSpPr>
+        <p:spPr>
+          <a:xfrm>
+            <a:off x="524664" y="444005"/>
+            <a:ext cx="9178008" cy="627829"/>
+          </a:xfrm>
+        </p:spPr>
+        <p:txBody>
+          <a:bodyPr/>
+          <a:lstStyle/>
+          <a:p>
+            <a:r>
+              <a:rPr lang="en-US" noProof="0" dirty="0" err="1"/>
+              <a:t>Validierung</a:t>
+            </a:r>
+            <a:r>
+              <a:rPr lang="en-US" noProof="0" dirty="0"/>
+              <a:t> (1)</a:t>
+            </a:r>
+          </a:p>
+        </p:txBody>
+      </p:sp>
+      <p:sp>
+        <p:nvSpPr>
+          <p:cNvPr id="3" name="Inhaltsplatzhalter 2">
+            <a:extLst>
+              <a:ext uri="{FF2B5EF4-FFF2-40B4-BE49-F238E27FC236}">
+                <a16:creationId xmlns:a16="http://schemas.microsoft.com/office/drawing/2014/main" id="{900E3307-8428-4C7A-A1DA-C96FE547A036}"/>
+              </a:ext>
+            </a:extLst>
+          </p:cNvPr>
+          <p:cNvSpPr>
+            <a:spLocks noGrp="1"/>
+          </p:cNvSpPr>
+          <p:nvPr>
+            <p:ph idx="1"/>
+          </p:nvPr>
+        </p:nvSpPr>
+        <p:spPr>
+          <a:xfrm>
+            <a:off x="524664" y="1269207"/>
+            <a:ext cx="11142672" cy="4502318"/>
+          </a:xfrm>
+        </p:spPr>
+        <p:txBody>
+          <a:bodyPr>
+            <a:normAutofit/>
+          </a:bodyPr>
+          <a:lstStyle/>
+          <a:p>
+            <a:pPr>
+              <a:lnSpc>
+                <a:spcPct val="100000"/>
+              </a:lnSpc>
+            </a:pPr>
+            <a:r>
+              <a:rPr lang="de-DE" dirty="0"/>
+              <a:t>Frage: „Ist aktueller Zustand konsistent?“</a:t>
+            </a:r>
+          </a:p>
+          <a:p>
+            <a:pPr>
+              <a:lnSpc>
+                <a:spcPct val="100000"/>
+              </a:lnSpc>
+            </a:pPr>
+            <a:r>
+              <a:rPr lang="de-DE" dirty="0"/>
+              <a:t>Probleme:</a:t>
             </a:r>
           </a:p>
           <a:p>
@@ -9398,8 +5799,13 @@
             </a:pPr>
             <a:r>
               <a:rPr lang="de-DE" dirty="0"/>
-              <a:t>Modell </a:t>
-            </a:r>
+              <a:t>Automatisches </a:t>
+            </a:r>
+            <a:r>
+              <a:rPr lang="de-DE" dirty="0" err="1"/>
+              <a:t>Leveling</a:t>
+            </a:r>
+            <a:endParaRPr lang="de-DE" dirty="0"/>
           </a:p>
           <a:p>
             <a:pPr lvl="1">
@@ -9409,7 +5815,7 @@
             </a:pPr>
             <a:r>
               <a:rPr lang="de-DE" dirty="0"/>
-              <a:t>Repräsentation</a:t>
+              <a:t>Mapping der Datenflüsse</a:t>
             </a:r>
           </a:p>
           <a:p>
@@ -9420,8 +5826,25 @@
             </a:pPr>
             <a:r>
               <a:rPr lang="de-DE" dirty="0"/>
-              <a:t>Editor</a:t>
-            </a:r>
+              <a:t>Nutzereingabe</a:t>
+            </a:r>
+          </a:p>
+          <a:p>
+            <a:pPr lvl="1">
+              <a:lnSpc>
+                <a:spcPct val="100000"/>
+              </a:lnSpc>
+            </a:pPr>
+            <a:endParaRPr lang="de-DE" dirty="0"/>
+          </a:p>
+          <a:p>
+            <a:pPr marL="0" indent="0">
+              <a:lnSpc>
+                <a:spcPct val="100000"/>
+              </a:lnSpc>
+              <a:buNone/>
+            </a:pPr>
+            <a:endParaRPr lang="de-DE" dirty="0"/>
           </a:p>
         </p:txBody>
       </p:sp>
@@ -9476,18 +5899,1949 @@
           <a:p>
             <a:fld id="{61696EC4-B4CF-4701-AD06-A8439D6D8E12}" type="slidenum">
               <a:rPr lang="de-DE" smtClean="0"/>
-              <a:t>9</a:t>
+              <a:t>15</a:t>
             </a:fld>
             <a:endParaRPr lang="de-DE"/>
           </a:p>
         </p:txBody>
       </p:sp>
+      <p:pic>
+        <p:nvPicPr>
+          <p:cNvPr id="9" name="Grafik 8" descr="Ein Bild, das Uhr enthält.&#10;&#10;Automatisch generierte Beschreibung">
+            <a:extLst>
+              <a:ext uri="{FF2B5EF4-FFF2-40B4-BE49-F238E27FC236}">
+                <a16:creationId xmlns:a16="http://schemas.microsoft.com/office/drawing/2014/main" id="{476CFC1E-CE1E-7D40-813A-9166032528B2}"/>
+              </a:ext>
+            </a:extLst>
+          </p:cNvPr>
+          <p:cNvPicPr>
+            <a:picLocks noChangeAspect="1"/>
+          </p:cNvPicPr>
+          <p:nvPr/>
+        </p:nvPicPr>
+        <p:blipFill>
+          <a:blip r:embed="rId2">
+            <a:extLst>
+              <a:ext uri="{28A0092B-C50C-407E-A947-70E740481C1C}">
+                <a14:useLocalDpi xmlns:a14="http://schemas.microsoft.com/office/drawing/2010/main" val="0"/>
+              </a:ext>
+            </a:extLst>
+          </a:blip>
+          <a:stretch>
+            <a:fillRect/>
+          </a:stretch>
+        </p:blipFill>
+        <p:spPr>
+          <a:xfrm>
+            <a:off x="6096000" y="2065901"/>
+            <a:ext cx="5428767" cy="3319617"/>
+          </a:xfrm>
+          <a:prstGeom prst="rect">
+            <a:avLst/>
+          </a:prstGeom>
+        </p:spPr>
+      </p:pic>
+    </p:spTree>
+    <p:extLst>
+      <p:ext uri="{BB962C8B-B14F-4D97-AF65-F5344CB8AC3E}">
+        <p14:creationId xmlns:p14="http://schemas.microsoft.com/office/powerpoint/2010/main" val="3528647106"/>
+      </p:ext>
+    </p:extLst>
+  </p:cSld>
+  <p:clrMapOvr>
+    <a:masterClrMapping/>
+  </p:clrMapOvr>
+</p:sld>
+</file>
+
+<file path=ppt/slides/slide16.xml><?xml version="1.0" encoding="utf-8"?>
+<p:sld xmlns:a="http://schemas.openxmlformats.org/drawingml/2006/main" xmlns:r="http://schemas.openxmlformats.org/officeDocument/2006/relationships" xmlns:p="http://schemas.openxmlformats.org/presentationml/2006/main">
+  <p:cSld>
+    <p:spTree>
+      <p:nvGrpSpPr>
+        <p:cNvPr id="1" name=""/>
+        <p:cNvGrpSpPr/>
+        <p:nvPr/>
+      </p:nvGrpSpPr>
+      <p:grpSpPr>
+        <a:xfrm>
+          <a:off x="0" y="0"/>
+          <a:ext cx="0" cy="0"/>
+          <a:chOff x="0" y="0"/>
+          <a:chExt cx="0" cy="0"/>
+        </a:xfrm>
+      </p:grpSpPr>
+      <p:pic>
+        <p:nvPicPr>
+          <p:cNvPr id="13" name="Grafik 12" descr="Ein Bild, das Fern, Monitor, Bedienung, sitzend enthält.&#10;&#10;Automatisch generierte Beschreibung">
+            <a:extLst>
+              <a:ext uri="{FF2B5EF4-FFF2-40B4-BE49-F238E27FC236}">
+                <a16:creationId xmlns:a16="http://schemas.microsoft.com/office/drawing/2014/main" id="{510F87E8-F869-694B-9557-B300585FF8DF}"/>
+              </a:ext>
+            </a:extLst>
+          </p:cNvPr>
+          <p:cNvPicPr>
+            <a:picLocks noChangeAspect="1"/>
+          </p:cNvPicPr>
+          <p:nvPr/>
+        </p:nvPicPr>
+        <p:blipFill>
+          <a:blip r:embed="rId2">
+            <a:extLst>
+              <a:ext uri="{28A0092B-C50C-407E-A947-70E740481C1C}">
+                <a14:useLocalDpi xmlns:a14="http://schemas.microsoft.com/office/drawing/2010/main" val="0"/>
+              </a:ext>
+            </a:extLst>
+          </a:blip>
+          <a:stretch>
+            <a:fillRect/>
+          </a:stretch>
+        </p:blipFill>
+        <p:spPr>
+          <a:xfrm>
+            <a:off x="176165" y="202268"/>
+            <a:ext cx="11830383" cy="3841200"/>
+          </a:xfrm>
+          <a:prstGeom prst="rect">
+            <a:avLst/>
+          </a:prstGeom>
+        </p:spPr>
+      </p:pic>
+      <p:sp>
+        <p:nvSpPr>
+          <p:cNvPr id="2" name="Titel 1">
+            <a:extLst>
+              <a:ext uri="{FF2B5EF4-FFF2-40B4-BE49-F238E27FC236}">
+                <a16:creationId xmlns:a16="http://schemas.microsoft.com/office/drawing/2014/main" id="{4E4AE26E-BDAE-4262-A057-39AC2366A5F1}"/>
+              </a:ext>
+            </a:extLst>
+          </p:cNvPr>
+          <p:cNvSpPr>
+            <a:spLocks noGrp="1"/>
+          </p:cNvSpPr>
+          <p:nvPr>
+            <p:ph type="title"/>
+          </p:nvPr>
+        </p:nvSpPr>
+        <p:spPr>
+          <a:xfrm>
+            <a:off x="524664" y="444005"/>
+            <a:ext cx="9178008" cy="627829"/>
+          </a:xfrm>
+        </p:spPr>
+        <p:txBody>
+          <a:bodyPr/>
+          <a:lstStyle/>
+          <a:p>
+            <a:r>
+              <a:rPr lang="en-US" noProof="0" dirty="0" err="1"/>
+              <a:t>Validierung</a:t>
+            </a:r>
+            <a:r>
+              <a:rPr lang="en-US" noProof="0" dirty="0"/>
+              <a:t> (2)</a:t>
+            </a:r>
+          </a:p>
+        </p:txBody>
+      </p:sp>
+      <p:sp>
+        <p:nvSpPr>
+          <p:cNvPr id="4" name="Datumsplatzhalter 3">
+            <a:extLst>
+              <a:ext uri="{FF2B5EF4-FFF2-40B4-BE49-F238E27FC236}">
+                <a16:creationId xmlns:a16="http://schemas.microsoft.com/office/drawing/2014/main" id="{9CCAFD67-B02A-4CC5-A0AF-41ECCAE2B82F}"/>
+              </a:ext>
+            </a:extLst>
+          </p:cNvPr>
+          <p:cNvSpPr>
+            <a:spLocks noGrp="1"/>
+          </p:cNvSpPr>
+          <p:nvPr>
+            <p:ph type="dt" sz="half" idx="10"/>
+          </p:nvPr>
+        </p:nvSpPr>
+        <p:spPr/>
+        <p:txBody>
+          <a:bodyPr/>
+          <a:lstStyle/>
+          <a:p>
+            <a:r>
+              <a:rPr lang="de-DE"/>
+              <a:t>25.03.2020</a:t>
+            </a:r>
+          </a:p>
+        </p:txBody>
+      </p:sp>
+      <p:sp>
+        <p:nvSpPr>
+          <p:cNvPr id="6" name="Foliennummernplatzhalter 5">
+            <a:extLst>
+              <a:ext uri="{FF2B5EF4-FFF2-40B4-BE49-F238E27FC236}">
+                <a16:creationId xmlns:a16="http://schemas.microsoft.com/office/drawing/2014/main" id="{2014E5A3-BB19-4CC6-A059-F359A2A51340}"/>
+              </a:ext>
+            </a:extLst>
+          </p:cNvPr>
+          <p:cNvSpPr>
+            <a:spLocks noGrp="1"/>
+          </p:cNvSpPr>
+          <p:nvPr>
+            <p:ph type="sldNum" sz="quarter" idx="12"/>
+          </p:nvPr>
+        </p:nvSpPr>
+        <p:spPr/>
+        <p:txBody>
+          <a:bodyPr/>
+          <a:lstStyle/>
+          <a:p>
+            <a:fld id="{61696EC4-B4CF-4701-AD06-A8439D6D8E12}" type="slidenum">
+              <a:rPr lang="de-DE" smtClean="0"/>
+              <a:t>16</a:t>
+            </a:fld>
+            <a:endParaRPr lang="de-DE"/>
+          </a:p>
+        </p:txBody>
+      </p:sp>
+      <p:sp>
+        <p:nvSpPr>
+          <p:cNvPr id="7" name="Inhaltsplatzhalter 2">
+            <a:extLst>
+              <a:ext uri="{FF2B5EF4-FFF2-40B4-BE49-F238E27FC236}">
+                <a16:creationId xmlns:a16="http://schemas.microsoft.com/office/drawing/2014/main" id="{8AAF696D-35E6-C94A-816B-16AC4067B035}"/>
+              </a:ext>
+            </a:extLst>
+          </p:cNvPr>
+          <p:cNvSpPr txBox="1">
+            <a:spLocks/>
+          </p:cNvSpPr>
+          <p:nvPr/>
+        </p:nvSpPr>
+        <p:spPr>
+          <a:xfrm>
+            <a:off x="279993" y="4338424"/>
+            <a:ext cx="3531477" cy="1407920"/>
+          </a:xfrm>
+          <a:prstGeom prst="rect">
+            <a:avLst/>
+          </a:prstGeom>
+        </p:spPr>
+        <p:txBody>
+          <a:bodyPr vert="horz" lIns="0" tIns="0" rIns="0" bIns="0" rtlCol="0">
+            <a:normAutofit/>
+          </a:bodyPr>
+          <a:lstStyle>
+            <a:lvl1pPr marL="361950" indent="-361950" algn="l" defTabSz="914400" rtl="0" eaLnBrk="1" latinLnBrk="0" hangingPunct="1">
+              <a:lnSpc>
+                <a:spcPct val="90000"/>
+              </a:lnSpc>
+              <a:spcBef>
+                <a:spcPts val="600"/>
+              </a:spcBef>
+              <a:buSzPct val="88000"/>
+              <a:buFontTx/>
+              <a:buBlip>
+                <a:blip r:embed="rId3"/>
+              </a:buBlip>
+              <a:defRPr sz="2800" kern="1200">
+                <a:solidFill>
+                  <a:schemeClr val="tx1"/>
+                </a:solidFill>
+                <a:latin typeface="+mn-lt"/>
+                <a:ea typeface="+mn-ea"/>
+                <a:cs typeface="+mn-cs"/>
+              </a:defRPr>
+            </a:lvl1pPr>
+            <a:lvl2pPr marL="809625" indent="-361950" algn="l" defTabSz="914400" rtl="0" eaLnBrk="1" latinLnBrk="0" hangingPunct="1">
+              <a:lnSpc>
+                <a:spcPct val="90000"/>
+              </a:lnSpc>
+              <a:spcBef>
+                <a:spcPts val="600"/>
+              </a:spcBef>
+              <a:buSzPct val="88000"/>
+              <a:buFontTx/>
+              <a:buBlip>
+                <a:blip r:embed="rId3"/>
+              </a:buBlip>
+              <a:defRPr sz="2400" kern="1200">
+                <a:solidFill>
+                  <a:schemeClr val="tx1"/>
+                </a:solidFill>
+                <a:latin typeface="+mn-lt"/>
+                <a:ea typeface="+mn-ea"/>
+                <a:cs typeface="+mn-cs"/>
+              </a:defRPr>
+            </a:lvl2pPr>
+            <a:lvl3pPr marL="1257300" indent="-361950" algn="l" defTabSz="914400" rtl="0" eaLnBrk="1" latinLnBrk="0" hangingPunct="1">
+              <a:lnSpc>
+                <a:spcPct val="90000"/>
+              </a:lnSpc>
+              <a:spcBef>
+                <a:spcPts val="600"/>
+              </a:spcBef>
+              <a:buSzPct val="88000"/>
+              <a:buFontTx/>
+              <a:buBlip>
+                <a:blip r:embed="rId3"/>
+              </a:buBlip>
+              <a:defRPr sz="2000" kern="1200">
+                <a:solidFill>
+                  <a:schemeClr val="tx1"/>
+                </a:solidFill>
+                <a:latin typeface="+mn-lt"/>
+                <a:ea typeface="+mn-ea"/>
+                <a:cs typeface="+mn-cs"/>
+              </a:defRPr>
+            </a:lvl3pPr>
+            <a:lvl4pPr marL="1704975" indent="-361950" algn="l" defTabSz="914400" rtl="0" eaLnBrk="1" latinLnBrk="0" hangingPunct="1">
+              <a:lnSpc>
+                <a:spcPct val="90000"/>
+              </a:lnSpc>
+              <a:spcBef>
+                <a:spcPts val="600"/>
+              </a:spcBef>
+              <a:buSzPct val="88000"/>
+              <a:buFontTx/>
+              <a:buBlip>
+                <a:blip r:embed="rId3"/>
+              </a:buBlip>
+              <a:defRPr sz="2000" kern="1200">
+                <a:solidFill>
+                  <a:schemeClr val="tx1"/>
+                </a:solidFill>
+                <a:latin typeface="+mn-lt"/>
+                <a:ea typeface="+mn-ea"/>
+                <a:cs typeface="+mn-cs"/>
+              </a:defRPr>
+            </a:lvl4pPr>
+            <a:lvl5pPr marL="2152650" indent="-361950" algn="l" defTabSz="914400" rtl="0" eaLnBrk="1" latinLnBrk="0" hangingPunct="1">
+              <a:lnSpc>
+                <a:spcPct val="90000"/>
+              </a:lnSpc>
+              <a:spcBef>
+                <a:spcPts val="600"/>
+              </a:spcBef>
+              <a:buSzPct val="88000"/>
+              <a:buFontTx/>
+              <a:buBlip>
+                <a:blip r:embed="rId3"/>
+              </a:buBlip>
+              <a:defRPr sz="2000" kern="1200">
+                <a:solidFill>
+                  <a:schemeClr val="tx1"/>
+                </a:solidFill>
+                <a:latin typeface="+mn-lt"/>
+                <a:ea typeface="+mn-ea"/>
+                <a:cs typeface="+mn-cs"/>
+              </a:defRPr>
+            </a:lvl5pPr>
+            <a:lvl6pPr marL="2514600" indent="-228600" algn="l" defTabSz="914400" rtl="0" eaLnBrk="1" latinLnBrk="0" hangingPunct="1">
+              <a:lnSpc>
+                <a:spcPct val="90000"/>
+              </a:lnSpc>
+              <a:spcBef>
+                <a:spcPts val="500"/>
+              </a:spcBef>
+              <a:buFont typeface="Arial" panose="020B0604020202020204" pitchFamily="34" charset="0"/>
+              <a:buChar char="•"/>
+              <a:defRPr sz="1800" kern="1200">
+                <a:solidFill>
+                  <a:schemeClr val="tx1"/>
+                </a:solidFill>
+                <a:latin typeface="+mn-lt"/>
+                <a:ea typeface="+mn-ea"/>
+                <a:cs typeface="+mn-cs"/>
+              </a:defRPr>
+            </a:lvl6pPr>
+            <a:lvl7pPr marL="2971800" indent="-228600" algn="l" defTabSz="914400" rtl="0" eaLnBrk="1" latinLnBrk="0" hangingPunct="1">
+              <a:lnSpc>
+                <a:spcPct val="90000"/>
+              </a:lnSpc>
+              <a:spcBef>
+                <a:spcPts val="500"/>
+              </a:spcBef>
+              <a:buFont typeface="Arial" panose="020B0604020202020204" pitchFamily="34" charset="0"/>
+              <a:buChar char="•"/>
+              <a:defRPr sz="1800" kern="1200">
+                <a:solidFill>
+                  <a:schemeClr val="tx1"/>
+                </a:solidFill>
+                <a:latin typeface="+mn-lt"/>
+                <a:ea typeface="+mn-ea"/>
+                <a:cs typeface="+mn-cs"/>
+              </a:defRPr>
+            </a:lvl7pPr>
+            <a:lvl8pPr marL="3429000" indent="-228600" algn="l" defTabSz="914400" rtl="0" eaLnBrk="1" latinLnBrk="0" hangingPunct="1">
+              <a:lnSpc>
+                <a:spcPct val="90000"/>
+              </a:lnSpc>
+              <a:spcBef>
+                <a:spcPts val="500"/>
+              </a:spcBef>
+              <a:buFont typeface="Arial" panose="020B0604020202020204" pitchFamily="34" charset="0"/>
+              <a:buChar char="•"/>
+              <a:defRPr sz="1800" kern="1200">
+                <a:solidFill>
+                  <a:schemeClr val="tx1"/>
+                </a:solidFill>
+                <a:latin typeface="+mn-lt"/>
+                <a:ea typeface="+mn-ea"/>
+                <a:cs typeface="+mn-cs"/>
+              </a:defRPr>
+            </a:lvl8pPr>
+            <a:lvl9pPr marL="3886200" indent="-228600" algn="l" defTabSz="914400" rtl="0" eaLnBrk="1" latinLnBrk="0" hangingPunct="1">
+              <a:lnSpc>
+                <a:spcPct val="90000"/>
+              </a:lnSpc>
+              <a:spcBef>
+                <a:spcPts val="500"/>
+              </a:spcBef>
+              <a:buFont typeface="Arial" panose="020B0604020202020204" pitchFamily="34" charset="0"/>
+              <a:buChar char="•"/>
+              <a:defRPr sz="1800" kern="1200">
+                <a:solidFill>
+                  <a:schemeClr val="tx1"/>
+                </a:solidFill>
+                <a:latin typeface="+mn-lt"/>
+                <a:ea typeface="+mn-ea"/>
+                <a:cs typeface="+mn-cs"/>
+              </a:defRPr>
+            </a:lvl9pPr>
+          </a:lstStyle>
+          <a:p>
+            <a:pPr>
+              <a:lnSpc>
+                <a:spcPct val="100000"/>
+              </a:lnSpc>
+            </a:pPr>
+            <a:r>
+              <a:rPr lang="de-DE" sz="2000" dirty="0">
+                <a:latin typeface="Cambria Math" panose="02040503050406030204" pitchFamily="18" charset="0"/>
+                <a:ea typeface="Cambria Math" panose="02040503050406030204" pitchFamily="18" charset="0"/>
+              </a:rPr>
+              <a:t>{A.1, A.2, B} </a:t>
+            </a:r>
+            <a:r>
+              <a:rPr lang="de-DE" sz="2000" dirty="0"/>
+              <a:t>ist erlaubt</a:t>
+            </a:r>
+          </a:p>
+          <a:p>
+            <a:pPr lvl="1">
+              <a:lnSpc>
+                <a:spcPct val="100000"/>
+              </a:lnSpc>
+            </a:pPr>
+            <a:r>
+              <a:rPr lang="de-DE" sz="1800" dirty="0">
+                <a:latin typeface="Cambria Math" panose="02040503050406030204" pitchFamily="18" charset="0"/>
+                <a:ea typeface="Cambria Math" panose="02040503050406030204" pitchFamily="18" charset="0"/>
+              </a:rPr>
+              <a:t>{A.1, B} </a:t>
+            </a:r>
+            <a:r>
+              <a:rPr lang="de-DE" sz="1800" dirty="0"/>
+              <a:t>nicht</a:t>
+            </a:r>
+          </a:p>
+          <a:p>
+            <a:pPr lvl="1">
+              <a:lnSpc>
+                <a:spcPct val="100000"/>
+              </a:lnSpc>
+            </a:pPr>
+            <a:r>
+              <a:rPr lang="de-DE" sz="1800" dirty="0">
+                <a:latin typeface="Cambria Math" panose="02040503050406030204" pitchFamily="18" charset="0"/>
+                <a:ea typeface="Cambria Math" panose="02040503050406030204" pitchFamily="18" charset="0"/>
+              </a:rPr>
+              <a:t>{A.1, A.2, B.1} </a:t>
+            </a:r>
+            <a:r>
+              <a:rPr lang="de-DE" sz="1800" dirty="0"/>
+              <a:t>auch nicht</a:t>
+            </a:r>
+          </a:p>
+          <a:p>
+            <a:pPr>
+              <a:lnSpc>
+                <a:spcPct val="100000"/>
+              </a:lnSpc>
+            </a:pPr>
+            <a:r>
+              <a:rPr lang="de-DE" sz="2000" dirty="0"/>
+              <a:t>Knoten ist Multi-Menge</a:t>
+            </a:r>
+          </a:p>
+          <a:p>
+            <a:pPr lvl="1">
+              <a:lnSpc>
+                <a:spcPct val="100000"/>
+              </a:lnSpc>
+            </a:pPr>
+            <a:endParaRPr lang="de-DE" dirty="0"/>
+          </a:p>
+        </p:txBody>
+      </p:sp>
+      <p:sp>
+        <p:nvSpPr>
+          <p:cNvPr id="11" name="Inhaltsplatzhalter 2">
+            <a:extLst>
+              <a:ext uri="{FF2B5EF4-FFF2-40B4-BE49-F238E27FC236}">
+                <a16:creationId xmlns:a16="http://schemas.microsoft.com/office/drawing/2014/main" id="{5369B94C-4C74-434B-8917-6AB66EF8A3B5}"/>
+              </a:ext>
+            </a:extLst>
+          </p:cNvPr>
+          <p:cNvSpPr txBox="1">
+            <a:spLocks/>
+          </p:cNvSpPr>
+          <p:nvPr/>
+        </p:nvSpPr>
+        <p:spPr>
+          <a:xfrm>
+            <a:off x="3942174" y="4332318"/>
+            <a:ext cx="3531477" cy="1407920"/>
+          </a:xfrm>
+          <a:prstGeom prst="rect">
+            <a:avLst/>
+          </a:prstGeom>
+        </p:spPr>
+        <p:txBody>
+          <a:bodyPr vert="horz" lIns="0" tIns="0" rIns="0" bIns="0" rtlCol="0">
+            <a:normAutofit/>
+          </a:bodyPr>
+          <a:lstStyle>
+            <a:lvl1pPr marL="361950" indent="-361950" algn="l" defTabSz="914400" rtl="0" eaLnBrk="1" latinLnBrk="0" hangingPunct="1">
+              <a:lnSpc>
+                <a:spcPct val="90000"/>
+              </a:lnSpc>
+              <a:spcBef>
+                <a:spcPts val="600"/>
+              </a:spcBef>
+              <a:buSzPct val="88000"/>
+              <a:buFontTx/>
+              <a:buBlip>
+                <a:blip r:embed="rId3"/>
+              </a:buBlip>
+              <a:defRPr sz="2800" kern="1200">
+                <a:solidFill>
+                  <a:schemeClr val="tx1"/>
+                </a:solidFill>
+                <a:latin typeface="+mn-lt"/>
+                <a:ea typeface="+mn-ea"/>
+                <a:cs typeface="+mn-cs"/>
+              </a:defRPr>
+            </a:lvl1pPr>
+            <a:lvl2pPr marL="809625" indent="-361950" algn="l" defTabSz="914400" rtl="0" eaLnBrk="1" latinLnBrk="0" hangingPunct="1">
+              <a:lnSpc>
+                <a:spcPct val="90000"/>
+              </a:lnSpc>
+              <a:spcBef>
+                <a:spcPts val="600"/>
+              </a:spcBef>
+              <a:buSzPct val="88000"/>
+              <a:buFontTx/>
+              <a:buBlip>
+                <a:blip r:embed="rId3"/>
+              </a:buBlip>
+              <a:defRPr sz="2400" kern="1200">
+                <a:solidFill>
+                  <a:schemeClr val="tx1"/>
+                </a:solidFill>
+                <a:latin typeface="+mn-lt"/>
+                <a:ea typeface="+mn-ea"/>
+                <a:cs typeface="+mn-cs"/>
+              </a:defRPr>
+            </a:lvl2pPr>
+            <a:lvl3pPr marL="1257300" indent="-361950" algn="l" defTabSz="914400" rtl="0" eaLnBrk="1" latinLnBrk="0" hangingPunct="1">
+              <a:lnSpc>
+                <a:spcPct val="90000"/>
+              </a:lnSpc>
+              <a:spcBef>
+                <a:spcPts val="600"/>
+              </a:spcBef>
+              <a:buSzPct val="88000"/>
+              <a:buFontTx/>
+              <a:buBlip>
+                <a:blip r:embed="rId3"/>
+              </a:buBlip>
+              <a:defRPr sz="2000" kern="1200">
+                <a:solidFill>
+                  <a:schemeClr val="tx1"/>
+                </a:solidFill>
+                <a:latin typeface="+mn-lt"/>
+                <a:ea typeface="+mn-ea"/>
+                <a:cs typeface="+mn-cs"/>
+              </a:defRPr>
+            </a:lvl3pPr>
+            <a:lvl4pPr marL="1704975" indent="-361950" algn="l" defTabSz="914400" rtl="0" eaLnBrk="1" latinLnBrk="0" hangingPunct="1">
+              <a:lnSpc>
+                <a:spcPct val="90000"/>
+              </a:lnSpc>
+              <a:spcBef>
+                <a:spcPts val="600"/>
+              </a:spcBef>
+              <a:buSzPct val="88000"/>
+              <a:buFontTx/>
+              <a:buBlip>
+                <a:blip r:embed="rId3"/>
+              </a:buBlip>
+              <a:defRPr sz="2000" kern="1200">
+                <a:solidFill>
+                  <a:schemeClr val="tx1"/>
+                </a:solidFill>
+                <a:latin typeface="+mn-lt"/>
+                <a:ea typeface="+mn-ea"/>
+                <a:cs typeface="+mn-cs"/>
+              </a:defRPr>
+            </a:lvl4pPr>
+            <a:lvl5pPr marL="2152650" indent="-361950" algn="l" defTabSz="914400" rtl="0" eaLnBrk="1" latinLnBrk="0" hangingPunct="1">
+              <a:lnSpc>
+                <a:spcPct val="90000"/>
+              </a:lnSpc>
+              <a:spcBef>
+                <a:spcPts val="600"/>
+              </a:spcBef>
+              <a:buSzPct val="88000"/>
+              <a:buFontTx/>
+              <a:buBlip>
+                <a:blip r:embed="rId3"/>
+              </a:buBlip>
+              <a:defRPr sz="2000" kern="1200">
+                <a:solidFill>
+                  <a:schemeClr val="tx1"/>
+                </a:solidFill>
+                <a:latin typeface="+mn-lt"/>
+                <a:ea typeface="+mn-ea"/>
+                <a:cs typeface="+mn-cs"/>
+              </a:defRPr>
+            </a:lvl5pPr>
+            <a:lvl6pPr marL="2514600" indent="-228600" algn="l" defTabSz="914400" rtl="0" eaLnBrk="1" latinLnBrk="0" hangingPunct="1">
+              <a:lnSpc>
+                <a:spcPct val="90000"/>
+              </a:lnSpc>
+              <a:spcBef>
+                <a:spcPts val="500"/>
+              </a:spcBef>
+              <a:buFont typeface="Arial" panose="020B0604020202020204" pitchFamily="34" charset="0"/>
+              <a:buChar char="•"/>
+              <a:defRPr sz="1800" kern="1200">
+                <a:solidFill>
+                  <a:schemeClr val="tx1"/>
+                </a:solidFill>
+                <a:latin typeface="+mn-lt"/>
+                <a:ea typeface="+mn-ea"/>
+                <a:cs typeface="+mn-cs"/>
+              </a:defRPr>
+            </a:lvl6pPr>
+            <a:lvl7pPr marL="2971800" indent="-228600" algn="l" defTabSz="914400" rtl="0" eaLnBrk="1" latinLnBrk="0" hangingPunct="1">
+              <a:lnSpc>
+                <a:spcPct val="90000"/>
+              </a:lnSpc>
+              <a:spcBef>
+                <a:spcPts val="500"/>
+              </a:spcBef>
+              <a:buFont typeface="Arial" panose="020B0604020202020204" pitchFamily="34" charset="0"/>
+              <a:buChar char="•"/>
+              <a:defRPr sz="1800" kern="1200">
+                <a:solidFill>
+                  <a:schemeClr val="tx1"/>
+                </a:solidFill>
+                <a:latin typeface="+mn-lt"/>
+                <a:ea typeface="+mn-ea"/>
+                <a:cs typeface="+mn-cs"/>
+              </a:defRPr>
+            </a:lvl7pPr>
+            <a:lvl8pPr marL="3429000" indent="-228600" algn="l" defTabSz="914400" rtl="0" eaLnBrk="1" latinLnBrk="0" hangingPunct="1">
+              <a:lnSpc>
+                <a:spcPct val="90000"/>
+              </a:lnSpc>
+              <a:spcBef>
+                <a:spcPts val="500"/>
+              </a:spcBef>
+              <a:buFont typeface="Arial" panose="020B0604020202020204" pitchFamily="34" charset="0"/>
+              <a:buChar char="•"/>
+              <a:defRPr sz="1800" kern="1200">
+                <a:solidFill>
+                  <a:schemeClr val="tx1"/>
+                </a:solidFill>
+                <a:latin typeface="+mn-lt"/>
+                <a:ea typeface="+mn-ea"/>
+                <a:cs typeface="+mn-cs"/>
+              </a:defRPr>
+            </a:lvl8pPr>
+            <a:lvl9pPr marL="3886200" indent="-228600" algn="l" defTabSz="914400" rtl="0" eaLnBrk="1" latinLnBrk="0" hangingPunct="1">
+              <a:lnSpc>
+                <a:spcPct val="90000"/>
+              </a:lnSpc>
+              <a:spcBef>
+                <a:spcPts val="500"/>
+              </a:spcBef>
+              <a:buFont typeface="Arial" panose="020B0604020202020204" pitchFamily="34" charset="0"/>
+              <a:buChar char="•"/>
+              <a:defRPr sz="1800" kern="1200">
+                <a:solidFill>
+                  <a:schemeClr val="tx1"/>
+                </a:solidFill>
+                <a:latin typeface="+mn-lt"/>
+                <a:ea typeface="+mn-ea"/>
+                <a:cs typeface="+mn-cs"/>
+              </a:defRPr>
+            </a:lvl9pPr>
+          </a:lstStyle>
+          <a:p>
+            <a:pPr>
+              <a:lnSpc>
+                <a:spcPct val="100000"/>
+              </a:lnSpc>
+            </a:pPr>
+            <a:r>
+              <a:rPr lang="de-DE" sz="2000" dirty="0"/>
+              <a:t>„Ausnahmen“ generieren alle Kandidaten</a:t>
+            </a:r>
+          </a:p>
+          <a:p>
+            <a:pPr>
+              <a:lnSpc>
+                <a:spcPct val="100000"/>
+              </a:lnSpc>
+            </a:pPr>
+            <a:r>
+              <a:rPr lang="de-DE" sz="2000" dirty="0" err="1"/>
+              <a:t>Pruning</a:t>
+            </a:r>
+            <a:r>
+              <a:rPr lang="de-DE" sz="2000" dirty="0"/>
+              <a:t> von Duplikaten</a:t>
+            </a:r>
+          </a:p>
+        </p:txBody>
+      </p:sp>
+    </p:spTree>
+    <p:extLst>
+      <p:ext uri="{BB962C8B-B14F-4D97-AF65-F5344CB8AC3E}">
+        <p14:creationId xmlns:p14="http://schemas.microsoft.com/office/powerpoint/2010/main" val="2101614505"/>
+      </p:ext>
+    </p:extLst>
+  </p:cSld>
+  <p:clrMapOvr>
+    <a:masterClrMapping/>
+  </p:clrMapOvr>
+</p:sld>
+</file>
+
+<file path=ppt/slides/slide17.xml><?xml version="1.0" encoding="utf-8"?>
+<p:sld xmlns:a="http://schemas.openxmlformats.org/drawingml/2006/main" xmlns:r="http://schemas.openxmlformats.org/officeDocument/2006/relationships" xmlns:p="http://schemas.openxmlformats.org/presentationml/2006/main">
+  <p:cSld>
+    <p:spTree>
+      <p:nvGrpSpPr>
+        <p:cNvPr id="1" name=""/>
+        <p:cNvGrpSpPr/>
+        <p:nvPr/>
+      </p:nvGrpSpPr>
+      <p:grpSpPr>
+        <a:xfrm>
+          <a:off x="0" y="0"/>
+          <a:ext cx="0" cy="0"/>
+          <a:chOff x="0" y="0"/>
+          <a:chExt cx="0" cy="0"/>
+        </a:xfrm>
+      </p:grpSpPr>
+      <p:sp>
+        <p:nvSpPr>
+          <p:cNvPr id="2" name="Titel 1">
+            <a:extLst>
+              <a:ext uri="{FF2B5EF4-FFF2-40B4-BE49-F238E27FC236}">
+                <a16:creationId xmlns:a16="http://schemas.microsoft.com/office/drawing/2014/main" id="{4E4AE26E-BDAE-4262-A057-39AC2366A5F1}"/>
+              </a:ext>
+            </a:extLst>
+          </p:cNvPr>
+          <p:cNvSpPr>
+            <a:spLocks noGrp="1"/>
+          </p:cNvSpPr>
+          <p:nvPr>
+            <p:ph type="title"/>
+          </p:nvPr>
+        </p:nvSpPr>
+        <p:spPr>
+          <a:xfrm>
+            <a:off x="524664" y="444005"/>
+            <a:ext cx="9178008" cy="627829"/>
+          </a:xfrm>
+        </p:spPr>
+        <p:txBody>
+          <a:bodyPr/>
+          <a:lstStyle/>
+          <a:p>
+            <a:r>
+              <a:rPr lang="en-US" noProof="0" dirty="0" err="1"/>
+              <a:t>Validierung</a:t>
+            </a:r>
+            <a:r>
+              <a:rPr lang="en-US" noProof="0" dirty="0"/>
+              <a:t> (3)</a:t>
+            </a:r>
+          </a:p>
+        </p:txBody>
+      </p:sp>
+      <p:sp>
+        <p:nvSpPr>
+          <p:cNvPr id="3" name="Inhaltsplatzhalter 2">
+            <a:extLst>
+              <a:ext uri="{FF2B5EF4-FFF2-40B4-BE49-F238E27FC236}">
+                <a16:creationId xmlns:a16="http://schemas.microsoft.com/office/drawing/2014/main" id="{900E3307-8428-4C7A-A1DA-C96FE547A036}"/>
+              </a:ext>
+            </a:extLst>
+          </p:cNvPr>
+          <p:cNvSpPr>
+            <a:spLocks noGrp="1"/>
+          </p:cNvSpPr>
+          <p:nvPr>
+            <p:ph idx="1"/>
+          </p:nvPr>
+        </p:nvSpPr>
+        <p:spPr>
+          <a:xfrm>
+            <a:off x="524664" y="1269207"/>
+            <a:ext cx="11142672" cy="4502318"/>
+          </a:xfrm>
+        </p:spPr>
+        <p:txBody>
+          <a:bodyPr>
+            <a:normAutofit/>
+          </a:bodyPr>
+          <a:lstStyle/>
+          <a:p>
+            <a:pPr>
+              <a:lnSpc>
+                <a:spcPct val="100000"/>
+              </a:lnSpc>
+            </a:pPr>
+            <a:r>
+              <a:rPr lang="de-DE" dirty="0"/>
+              <a:t>Future Work:</a:t>
+            </a:r>
+          </a:p>
+          <a:p>
+            <a:pPr lvl="1">
+              <a:lnSpc>
+                <a:spcPct val="100000"/>
+              </a:lnSpc>
+            </a:pPr>
+            <a:r>
+              <a:rPr lang="de-DE" dirty="0"/>
+              <a:t>Early </a:t>
+            </a:r>
+            <a:r>
+              <a:rPr lang="de-DE" dirty="0" err="1"/>
+              <a:t>Pruning</a:t>
+            </a:r>
+            <a:endParaRPr lang="de-DE" dirty="0"/>
+          </a:p>
+          <a:p>
+            <a:pPr lvl="1">
+              <a:lnSpc>
+                <a:spcPct val="100000"/>
+              </a:lnSpc>
+            </a:pPr>
+            <a:r>
+              <a:rPr lang="de-DE" dirty="0"/>
+              <a:t>Schrittweite</a:t>
+            </a:r>
+          </a:p>
+          <a:p>
+            <a:pPr lvl="1">
+              <a:lnSpc>
+                <a:spcPct val="100000"/>
+              </a:lnSpc>
+            </a:pPr>
+            <a:r>
+              <a:rPr lang="de-DE" dirty="0"/>
+              <a:t>Vorberechnung</a:t>
+            </a:r>
+          </a:p>
+          <a:p>
+            <a:pPr lvl="1">
+              <a:lnSpc>
+                <a:spcPct val="100000"/>
+              </a:lnSpc>
+            </a:pPr>
+            <a:r>
+              <a:rPr lang="de-DE" dirty="0"/>
+              <a:t>Notwendige vs. hinreichende Kriterien</a:t>
+            </a:r>
+          </a:p>
+          <a:p>
+            <a:pPr lvl="1">
+              <a:lnSpc>
+                <a:spcPct val="100000"/>
+              </a:lnSpc>
+            </a:pPr>
+            <a:r>
+              <a:rPr lang="de-DE" dirty="0"/>
+              <a:t>„</a:t>
+            </a:r>
+            <a:r>
+              <a:rPr lang="de-DE" dirty="0" err="1"/>
+              <a:t>Greedy</a:t>
+            </a:r>
+            <a:r>
+              <a:rPr lang="de-DE" dirty="0"/>
+              <a:t>“-Strategie möglich?</a:t>
+            </a:r>
+          </a:p>
+          <a:p>
+            <a:pPr lvl="1">
+              <a:lnSpc>
+                <a:spcPct val="100000"/>
+              </a:lnSpc>
+            </a:pPr>
+            <a:r>
+              <a:rPr lang="de-DE" dirty="0"/>
+              <a:t>Erklärbarkeit</a:t>
+            </a:r>
+          </a:p>
+          <a:p>
+            <a:pPr lvl="1">
+              <a:lnSpc>
+                <a:spcPct val="100000"/>
+              </a:lnSpc>
+            </a:pPr>
+            <a:endParaRPr lang="de-DE" dirty="0"/>
+          </a:p>
+        </p:txBody>
+      </p:sp>
+      <p:sp>
+        <p:nvSpPr>
+          <p:cNvPr id="4" name="Datumsplatzhalter 3">
+            <a:extLst>
+              <a:ext uri="{FF2B5EF4-FFF2-40B4-BE49-F238E27FC236}">
+                <a16:creationId xmlns:a16="http://schemas.microsoft.com/office/drawing/2014/main" id="{9CCAFD67-B02A-4CC5-A0AF-41ECCAE2B82F}"/>
+              </a:ext>
+            </a:extLst>
+          </p:cNvPr>
+          <p:cNvSpPr>
+            <a:spLocks noGrp="1"/>
+          </p:cNvSpPr>
+          <p:nvPr>
+            <p:ph type="dt" sz="half" idx="10"/>
+          </p:nvPr>
+        </p:nvSpPr>
+        <p:spPr/>
+        <p:txBody>
+          <a:bodyPr/>
+          <a:lstStyle/>
+          <a:p>
+            <a:r>
+              <a:rPr lang="de-DE"/>
+              <a:t>25.03.2020</a:t>
+            </a:r>
+          </a:p>
+        </p:txBody>
+      </p:sp>
+      <p:sp>
+        <p:nvSpPr>
+          <p:cNvPr id="6" name="Foliennummernplatzhalter 5">
+            <a:extLst>
+              <a:ext uri="{FF2B5EF4-FFF2-40B4-BE49-F238E27FC236}">
+                <a16:creationId xmlns:a16="http://schemas.microsoft.com/office/drawing/2014/main" id="{2014E5A3-BB19-4CC6-A059-F359A2A51340}"/>
+              </a:ext>
+            </a:extLst>
+          </p:cNvPr>
+          <p:cNvSpPr>
+            <a:spLocks noGrp="1"/>
+          </p:cNvSpPr>
+          <p:nvPr>
+            <p:ph type="sldNum" sz="quarter" idx="12"/>
+          </p:nvPr>
+        </p:nvSpPr>
+        <p:spPr/>
+        <p:txBody>
+          <a:bodyPr/>
+          <a:lstStyle/>
+          <a:p>
+            <a:fld id="{61696EC4-B4CF-4701-AD06-A8439D6D8E12}" type="slidenum">
+              <a:rPr lang="de-DE" smtClean="0"/>
+              <a:t>17</a:t>
+            </a:fld>
+            <a:endParaRPr lang="de-DE"/>
+          </a:p>
+        </p:txBody>
+      </p:sp>
+      <p:pic>
+        <p:nvPicPr>
+          <p:cNvPr id="8" name="Grafik 7" descr="Ein Bild, das Fern, Monitor, Bedienung, sitzend enthält.&#10;&#10;Automatisch generierte Beschreibung">
+            <a:extLst>
+              <a:ext uri="{FF2B5EF4-FFF2-40B4-BE49-F238E27FC236}">
+                <a16:creationId xmlns:a16="http://schemas.microsoft.com/office/drawing/2014/main" id="{0EE463E2-C29B-0140-A8D1-089F71690D79}"/>
+              </a:ext>
+            </a:extLst>
+          </p:cNvPr>
+          <p:cNvPicPr>
+            <a:picLocks noChangeAspect="1"/>
+          </p:cNvPicPr>
+          <p:nvPr/>
+        </p:nvPicPr>
+        <p:blipFill>
+          <a:blip r:embed="rId2">
+            <a:extLst>
+              <a:ext uri="{28A0092B-C50C-407E-A947-70E740481C1C}">
+                <a14:useLocalDpi xmlns:a14="http://schemas.microsoft.com/office/drawing/2010/main" val="0"/>
+              </a:ext>
+            </a:extLst>
+          </a:blip>
+          <a:stretch>
+            <a:fillRect/>
+          </a:stretch>
+        </p:blipFill>
+        <p:spPr>
+          <a:xfrm>
+            <a:off x="4771499" y="444005"/>
+            <a:ext cx="6983674" cy="2267525"/>
+          </a:xfrm>
+          <a:prstGeom prst="rect">
+            <a:avLst/>
+          </a:prstGeom>
+        </p:spPr>
+      </p:pic>
+    </p:spTree>
+    <p:extLst>
+      <p:ext uri="{BB962C8B-B14F-4D97-AF65-F5344CB8AC3E}">
+        <p14:creationId xmlns:p14="http://schemas.microsoft.com/office/powerpoint/2010/main" val="818764816"/>
+      </p:ext>
+    </p:extLst>
+  </p:cSld>
+  <p:clrMapOvr>
+    <a:masterClrMapping/>
+  </p:clrMapOvr>
+</p:sld>
+</file>
+
+<file path=ppt/slides/slide18.xml><?xml version="1.0" encoding="utf-8"?>
+<p:sld xmlns:a="http://schemas.openxmlformats.org/drawingml/2006/main" xmlns:r="http://schemas.openxmlformats.org/officeDocument/2006/relationships" xmlns:p="http://schemas.openxmlformats.org/presentationml/2006/main">
+  <p:cSld>
+    <p:spTree>
+      <p:nvGrpSpPr>
+        <p:cNvPr id="1" name=""/>
+        <p:cNvGrpSpPr/>
+        <p:nvPr/>
+      </p:nvGrpSpPr>
+      <p:grpSpPr>
+        <a:xfrm>
+          <a:off x="0" y="0"/>
+          <a:ext cx="0" cy="0"/>
+          <a:chOff x="0" y="0"/>
+          <a:chExt cx="0" cy="0"/>
+        </a:xfrm>
+      </p:grpSpPr>
+      <p:sp>
+        <p:nvSpPr>
+          <p:cNvPr id="2" name="Titel 1">
+            <a:extLst>
+              <a:ext uri="{FF2B5EF4-FFF2-40B4-BE49-F238E27FC236}">
+                <a16:creationId xmlns:a16="http://schemas.microsoft.com/office/drawing/2014/main" id="{4E4AE26E-BDAE-4262-A057-39AC2366A5F1}"/>
+              </a:ext>
+            </a:extLst>
+          </p:cNvPr>
+          <p:cNvSpPr>
+            <a:spLocks noGrp="1"/>
+          </p:cNvSpPr>
+          <p:nvPr>
+            <p:ph type="title"/>
+          </p:nvPr>
+        </p:nvSpPr>
+        <p:spPr>
+          <a:xfrm>
+            <a:off x="524664" y="444005"/>
+            <a:ext cx="9178008" cy="627829"/>
+          </a:xfrm>
+        </p:spPr>
+        <p:txBody>
+          <a:bodyPr/>
+          <a:lstStyle/>
+          <a:p>
+            <a:r>
+              <a:rPr lang="en-US" noProof="0" dirty="0"/>
+              <a:t>Demo</a:t>
+            </a:r>
+          </a:p>
+        </p:txBody>
+      </p:sp>
+      <p:sp>
+        <p:nvSpPr>
+          <p:cNvPr id="3" name="Inhaltsplatzhalter 2">
+            <a:extLst>
+              <a:ext uri="{FF2B5EF4-FFF2-40B4-BE49-F238E27FC236}">
+                <a16:creationId xmlns:a16="http://schemas.microsoft.com/office/drawing/2014/main" id="{900E3307-8428-4C7A-A1DA-C96FE547A036}"/>
+              </a:ext>
+            </a:extLst>
+          </p:cNvPr>
+          <p:cNvSpPr>
+            <a:spLocks noGrp="1"/>
+          </p:cNvSpPr>
+          <p:nvPr>
+            <p:ph idx="1"/>
+          </p:nvPr>
+        </p:nvSpPr>
+        <p:spPr>
+          <a:xfrm>
+            <a:off x="524664" y="1269207"/>
+            <a:ext cx="11142672" cy="4502318"/>
+          </a:xfrm>
+        </p:spPr>
+        <p:txBody>
+          <a:bodyPr/>
+          <a:lstStyle/>
+          <a:p>
+            <a:pPr>
+              <a:lnSpc>
+                <a:spcPct val="100000"/>
+              </a:lnSpc>
+            </a:pPr>
+            <a:r>
+              <a:rPr lang="de-DE" dirty="0"/>
+              <a:t>Szenario: Teilnahme an Lehrveranstaltung</a:t>
+            </a:r>
+          </a:p>
+        </p:txBody>
+      </p:sp>
+      <p:sp>
+        <p:nvSpPr>
+          <p:cNvPr id="4" name="Datumsplatzhalter 3">
+            <a:extLst>
+              <a:ext uri="{FF2B5EF4-FFF2-40B4-BE49-F238E27FC236}">
+                <a16:creationId xmlns:a16="http://schemas.microsoft.com/office/drawing/2014/main" id="{9CCAFD67-B02A-4CC5-A0AF-41ECCAE2B82F}"/>
+              </a:ext>
+            </a:extLst>
+          </p:cNvPr>
+          <p:cNvSpPr>
+            <a:spLocks noGrp="1"/>
+          </p:cNvSpPr>
+          <p:nvPr>
+            <p:ph type="dt" sz="half" idx="10"/>
+          </p:nvPr>
+        </p:nvSpPr>
+        <p:spPr/>
+        <p:txBody>
+          <a:bodyPr/>
+          <a:lstStyle/>
+          <a:p>
+            <a:r>
+              <a:rPr lang="de-DE"/>
+              <a:t>25.03.2020</a:t>
+            </a:r>
+          </a:p>
+        </p:txBody>
+      </p:sp>
+      <p:sp>
+        <p:nvSpPr>
+          <p:cNvPr id="6" name="Foliennummernplatzhalter 5">
+            <a:extLst>
+              <a:ext uri="{FF2B5EF4-FFF2-40B4-BE49-F238E27FC236}">
+                <a16:creationId xmlns:a16="http://schemas.microsoft.com/office/drawing/2014/main" id="{2014E5A3-BB19-4CC6-A059-F359A2A51340}"/>
+              </a:ext>
+            </a:extLst>
+          </p:cNvPr>
+          <p:cNvSpPr>
+            <a:spLocks noGrp="1"/>
+          </p:cNvSpPr>
+          <p:nvPr>
+            <p:ph type="sldNum" sz="quarter" idx="12"/>
+          </p:nvPr>
+        </p:nvSpPr>
+        <p:spPr/>
+        <p:txBody>
+          <a:bodyPr/>
+          <a:lstStyle/>
+          <a:p>
+            <a:fld id="{61696EC4-B4CF-4701-AD06-A8439D6D8E12}" type="slidenum">
+              <a:rPr lang="de-DE" smtClean="0"/>
+              <a:t>18</a:t>
+            </a:fld>
+            <a:endParaRPr lang="de-DE"/>
+          </a:p>
+        </p:txBody>
+      </p:sp>
+    </p:spTree>
+    <p:extLst>
+      <p:ext uri="{BB962C8B-B14F-4D97-AF65-F5344CB8AC3E}">
+        <p14:creationId xmlns:p14="http://schemas.microsoft.com/office/powerpoint/2010/main" val="1866389151"/>
+      </p:ext>
+    </p:extLst>
+  </p:cSld>
+  <p:clrMapOvr>
+    <a:masterClrMapping/>
+  </p:clrMapOvr>
+</p:sld>
+</file>
+
+<file path=ppt/slides/slide19.xml><?xml version="1.0" encoding="utf-8"?>
+<p:sld xmlns:a="http://schemas.openxmlformats.org/drawingml/2006/main" xmlns:r="http://schemas.openxmlformats.org/officeDocument/2006/relationships" xmlns:p="http://schemas.openxmlformats.org/presentationml/2006/main">
+  <p:cSld>
+    <p:spTree>
+      <p:nvGrpSpPr>
+        <p:cNvPr id="1" name=""/>
+        <p:cNvGrpSpPr/>
+        <p:nvPr/>
+      </p:nvGrpSpPr>
+      <p:grpSpPr>
+        <a:xfrm>
+          <a:off x="0" y="0"/>
+          <a:ext cx="0" cy="0"/>
+          <a:chOff x="0" y="0"/>
+          <a:chExt cx="0" cy="0"/>
+        </a:xfrm>
+      </p:grpSpPr>
+      <p:sp>
+        <p:nvSpPr>
+          <p:cNvPr id="2" name="Titel 1">
+            <a:extLst>
+              <a:ext uri="{FF2B5EF4-FFF2-40B4-BE49-F238E27FC236}">
+                <a16:creationId xmlns:a16="http://schemas.microsoft.com/office/drawing/2014/main" id="{4E4AE26E-BDAE-4262-A057-39AC2366A5F1}"/>
+              </a:ext>
+            </a:extLst>
+          </p:cNvPr>
+          <p:cNvSpPr>
+            <a:spLocks noGrp="1"/>
+          </p:cNvSpPr>
+          <p:nvPr>
+            <p:ph type="title"/>
+          </p:nvPr>
+        </p:nvSpPr>
+        <p:spPr>
+          <a:xfrm>
+            <a:off x="524664" y="444005"/>
+            <a:ext cx="9178008" cy="627829"/>
+          </a:xfrm>
+        </p:spPr>
+        <p:txBody>
+          <a:bodyPr/>
+          <a:lstStyle/>
+          <a:p>
+            <a:r>
+              <a:rPr lang="en-US" noProof="0" dirty="0" err="1"/>
+              <a:t>Zusammenfassung</a:t>
+            </a:r>
+            <a:endParaRPr lang="en-US" noProof="0" dirty="0"/>
+          </a:p>
+        </p:txBody>
+      </p:sp>
+      <p:sp>
+        <p:nvSpPr>
+          <p:cNvPr id="3" name="Inhaltsplatzhalter 2">
+            <a:extLst>
+              <a:ext uri="{FF2B5EF4-FFF2-40B4-BE49-F238E27FC236}">
+                <a16:creationId xmlns:a16="http://schemas.microsoft.com/office/drawing/2014/main" id="{900E3307-8428-4C7A-A1DA-C96FE547A036}"/>
+              </a:ext>
+            </a:extLst>
+          </p:cNvPr>
+          <p:cNvSpPr>
+            <a:spLocks noGrp="1"/>
+          </p:cNvSpPr>
+          <p:nvPr>
+            <p:ph idx="1"/>
+          </p:nvPr>
+        </p:nvSpPr>
+        <p:spPr>
+          <a:xfrm>
+            <a:off x="524664" y="1269207"/>
+            <a:ext cx="11142672" cy="4502318"/>
+          </a:xfrm>
+        </p:spPr>
+        <p:txBody>
+          <a:bodyPr/>
+          <a:lstStyle/>
+          <a:p>
+            <a:pPr>
+              <a:lnSpc>
+                <a:spcPct val="100000"/>
+              </a:lnSpc>
+            </a:pPr>
+            <a:r>
+              <a:rPr lang="de-DE" dirty="0"/>
+              <a:t>Datenflussdiagramme: Verwendung in vielen Teilbereichen</a:t>
+            </a:r>
+          </a:p>
+          <a:p>
+            <a:pPr lvl="1">
+              <a:lnSpc>
+                <a:spcPct val="100000"/>
+              </a:lnSpc>
+            </a:pPr>
+            <a:r>
+              <a:rPr lang="de-DE" dirty="0"/>
+              <a:t>Datenorientierte Sicht</a:t>
+            </a:r>
+          </a:p>
+          <a:p>
+            <a:pPr lvl="1">
+              <a:lnSpc>
+                <a:spcPct val="100000"/>
+              </a:lnSpc>
+            </a:pPr>
+            <a:r>
+              <a:rPr lang="de-DE" dirty="0"/>
+              <a:t>Versch. Abstraktionsebenen</a:t>
+            </a:r>
+          </a:p>
+          <a:p>
+            <a:pPr>
+              <a:lnSpc>
+                <a:spcPct val="100000"/>
+              </a:lnSpc>
+            </a:pPr>
+            <a:r>
+              <a:rPr lang="de-DE" dirty="0"/>
+              <a:t>Bislang existierte kein geeigneter Editor</a:t>
+            </a:r>
+          </a:p>
+          <a:p>
+            <a:pPr>
+              <a:lnSpc>
+                <a:spcPct val="100000"/>
+              </a:lnSpc>
+            </a:pPr>
+            <a:r>
+              <a:rPr lang="de-DE" dirty="0" err="1"/>
+              <a:t>Leveling</a:t>
+            </a:r>
+            <a:r>
+              <a:rPr lang="de-DE" dirty="0"/>
+              <a:t> konzeptionell schwerster Aspekt</a:t>
+            </a:r>
+          </a:p>
+          <a:p>
+            <a:pPr lvl="1">
+              <a:lnSpc>
+                <a:spcPct val="100000"/>
+              </a:lnSpc>
+            </a:pPr>
+            <a:r>
+              <a:rPr lang="de-DE" dirty="0"/>
+              <a:t>Genau zu definierende Semantik</a:t>
+            </a:r>
+          </a:p>
+          <a:p>
+            <a:pPr lvl="1">
+              <a:lnSpc>
+                <a:spcPct val="100000"/>
+              </a:lnSpc>
+            </a:pPr>
+            <a:r>
+              <a:rPr lang="de-DE" dirty="0"/>
+              <a:t>Validierung der Konsistenz</a:t>
+            </a:r>
+          </a:p>
+          <a:p>
+            <a:pPr>
+              <a:lnSpc>
+                <a:spcPct val="100000"/>
+              </a:lnSpc>
+            </a:pPr>
+            <a:r>
+              <a:rPr lang="de-DE" dirty="0"/>
+              <a:t>Mithilfe von </a:t>
+            </a:r>
+            <a:r>
+              <a:rPr lang="de-DE" dirty="0" err="1"/>
+              <a:t>Eclipse</a:t>
+            </a:r>
+            <a:r>
+              <a:rPr lang="de-DE" dirty="0"/>
+              <a:t> Sirius: Modellorientierte Entwicklung</a:t>
+            </a:r>
+          </a:p>
+          <a:p>
+            <a:pPr lvl="1">
+              <a:lnSpc>
+                <a:spcPct val="100000"/>
+              </a:lnSpc>
+            </a:pPr>
+            <a:endParaRPr lang="de-DE" dirty="0"/>
+          </a:p>
+          <a:p>
+            <a:pPr>
+              <a:lnSpc>
+                <a:spcPct val="100000"/>
+              </a:lnSpc>
+            </a:pPr>
+            <a:endParaRPr lang="de-DE" dirty="0"/>
+          </a:p>
+          <a:p>
+            <a:pPr>
+              <a:lnSpc>
+                <a:spcPct val="100000"/>
+              </a:lnSpc>
+            </a:pPr>
+            <a:endParaRPr lang="de-DE" dirty="0"/>
+          </a:p>
+        </p:txBody>
+      </p:sp>
+      <p:sp>
+        <p:nvSpPr>
+          <p:cNvPr id="4" name="Datumsplatzhalter 3">
+            <a:extLst>
+              <a:ext uri="{FF2B5EF4-FFF2-40B4-BE49-F238E27FC236}">
+                <a16:creationId xmlns:a16="http://schemas.microsoft.com/office/drawing/2014/main" id="{9CCAFD67-B02A-4CC5-A0AF-41ECCAE2B82F}"/>
+              </a:ext>
+            </a:extLst>
+          </p:cNvPr>
+          <p:cNvSpPr>
+            <a:spLocks noGrp="1"/>
+          </p:cNvSpPr>
+          <p:nvPr>
+            <p:ph type="dt" sz="half" idx="10"/>
+          </p:nvPr>
+        </p:nvSpPr>
+        <p:spPr/>
+        <p:txBody>
+          <a:bodyPr/>
+          <a:lstStyle/>
+          <a:p>
+            <a:r>
+              <a:rPr lang="de-DE"/>
+              <a:t>25.03.2020</a:t>
+            </a:r>
+          </a:p>
+        </p:txBody>
+      </p:sp>
+      <p:sp>
+        <p:nvSpPr>
+          <p:cNvPr id="6" name="Foliennummernplatzhalter 5">
+            <a:extLst>
+              <a:ext uri="{FF2B5EF4-FFF2-40B4-BE49-F238E27FC236}">
+                <a16:creationId xmlns:a16="http://schemas.microsoft.com/office/drawing/2014/main" id="{2014E5A3-BB19-4CC6-A059-F359A2A51340}"/>
+              </a:ext>
+            </a:extLst>
+          </p:cNvPr>
+          <p:cNvSpPr>
+            <a:spLocks noGrp="1"/>
+          </p:cNvSpPr>
+          <p:nvPr>
+            <p:ph type="sldNum" sz="quarter" idx="12"/>
+          </p:nvPr>
+        </p:nvSpPr>
+        <p:spPr/>
+        <p:txBody>
+          <a:bodyPr/>
+          <a:lstStyle/>
+          <a:p>
+            <a:fld id="{61696EC4-B4CF-4701-AD06-A8439D6D8E12}" type="slidenum">
+              <a:rPr lang="de-DE" smtClean="0"/>
+              <a:t>19</a:t>
+            </a:fld>
+            <a:endParaRPr lang="de-DE"/>
+          </a:p>
+        </p:txBody>
+      </p:sp>
+    </p:spTree>
+    <p:extLst>
+      <p:ext uri="{BB962C8B-B14F-4D97-AF65-F5344CB8AC3E}">
+        <p14:creationId xmlns:p14="http://schemas.microsoft.com/office/powerpoint/2010/main" val="3562232681"/>
+      </p:ext>
+    </p:extLst>
+  </p:cSld>
+  <p:clrMapOvr>
+    <a:masterClrMapping/>
+  </p:clrMapOvr>
+</p:sld>
+</file>
+
+<file path=ppt/slides/slide2.xml><?xml version="1.0" encoding="utf-8"?>
+<p:sld xmlns:a="http://schemas.openxmlformats.org/drawingml/2006/main" xmlns:r="http://schemas.openxmlformats.org/officeDocument/2006/relationships" xmlns:p="http://schemas.openxmlformats.org/presentationml/2006/main">
+  <p:cSld>
+    <p:spTree>
+      <p:nvGrpSpPr>
+        <p:cNvPr id="1" name=""/>
+        <p:cNvGrpSpPr/>
+        <p:nvPr/>
+      </p:nvGrpSpPr>
+      <p:grpSpPr>
+        <a:xfrm>
+          <a:off x="0" y="0"/>
+          <a:ext cx="0" cy="0"/>
+          <a:chOff x="0" y="0"/>
+          <a:chExt cx="0" cy="0"/>
+        </a:xfrm>
+      </p:grpSpPr>
+      <p:sp>
+        <p:nvSpPr>
+          <p:cNvPr id="2" name="Titel 1">
+            <a:extLst>
+              <a:ext uri="{FF2B5EF4-FFF2-40B4-BE49-F238E27FC236}">
+                <a16:creationId xmlns:a16="http://schemas.microsoft.com/office/drawing/2014/main" id="{4E4AE26E-BDAE-4262-A057-39AC2366A5F1}"/>
+              </a:ext>
+            </a:extLst>
+          </p:cNvPr>
+          <p:cNvSpPr>
+            <a:spLocks noGrp="1"/>
+          </p:cNvSpPr>
+          <p:nvPr>
+            <p:ph type="title"/>
+          </p:nvPr>
+        </p:nvSpPr>
+        <p:spPr>
+          <a:xfrm>
+            <a:off x="524664" y="444005"/>
+            <a:ext cx="9178008" cy="627829"/>
+          </a:xfrm>
+        </p:spPr>
+        <p:txBody>
+          <a:bodyPr/>
+          <a:lstStyle/>
+          <a:p>
+            <a:r>
+              <a:rPr lang="en-US" noProof="0" dirty="0"/>
+              <a:t>Motivation (1)</a:t>
+            </a:r>
+          </a:p>
+        </p:txBody>
+      </p:sp>
+      <p:sp>
+        <p:nvSpPr>
+          <p:cNvPr id="3" name="Inhaltsplatzhalter 2">
+            <a:extLst>
+              <a:ext uri="{FF2B5EF4-FFF2-40B4-BE49-F238E27FC236}">
+                <a16:creationId xmlns:a16="http://schemas.microsoft.com/office/drawing/2014/main" id="{900E3307-8428-4C7A-A1DA-C96FE547A036}"/>
+              </a:ext>
+            </a:extLst>
+          </p:cNvPr>
+          <p:cNvSpPr>
+            <a:spLocks noGrp="1"/>
+          </p:cNvSpPr>
+          <p:nvPr>
+            <p:ph idx="1"/>
+          </p:nvPr>
+        </p:nvSpPr>
+        <p:spPr>
+          <a:xfrm>
+            <a:off x="524664" y="1269207"/>
+            <a:ext cx="11142672" cy="4502318"/>
+          </a:xfrm>
+        </p:spPr>
+        <p:txBody>
+          <a:bodyPr/>
+          <a:lstStyle/>
+          <a:p>
+            <a:pPr>
+              <a:lnSpc>
+                <a:spcPct val="100000"/>
+              </a:lnSpc>
+            </a:pPr>
+            <a:r>
+              <a:rPr lang="de-DE" dirty="0"/>
+              <a:t>Datenflussdiagramme: Verwendung in vielen Szenarien</a:t>
+            </a:r>
+          </a:p>
+          <a:p>
+            <a:pPr lvl="1">
+              <a:lnSpc>
+                <a:spcPct val="100000"/>
+              </a:lnSpc>
+            </a:pPr>
+            <a:r>
+              <a:rPr lang="de-DE" dirty="0"/>
+              <a:t>Sicherheitsanalyse</a:t>
+            </a:r>
+          </a:p>
+          <a:p>
+            <a:pPr lvl="1">
+              <a:lnSpc>
+                <a:spcPct val="100000"/>
+              </a:lnSpc>
+            </a:pPr>
+            <a:r>
+              <a:rPr lang="de-DE" dirty="0" err="1"/>
+              <a:t>Requirements</a:t>
+            </a:r>
+            <a:r>
+              <a:rPr lang="de-DE" dirty="0"/>
+              <a:t> Engineering</a:t>
+            </a:r>
+          </a:p>
+          <a:p>
+            <a:pPr>
+              <a:lnSpc>
+                <a:spcPct val="100000"/>
+              </a:lnSpc>
+            </a:pPr>
+            <a:r>
+              <a:rPr lang="de-DE" dirty="0"/>
+              <a:t>Bisher: Kein Editor ist Industriestandard</a:t>
+            </a:r>
+          </a:p>
+          <a:p>
+            <a:pPr lvl="1">
+              <a:lnSpc>
+                <a:spcPct val="100000"/>
+              </a:lnSpc>
+            </a:pPr>
+            <a:r>
+              <a:rPr lang="de-DE" dirty="0"/>
+              <a:t>Insb. kein Editor im </a:t>
+            </a:r>
+            <a:r>
+              <a:rPr lang="de-DE" dirty="0" err="1"/>
+              <a:t>Eclipse-Ökosystem</a:t>
+            </a:r>
+            <a:endParaRPr lang="de-DE" dirty="0"/>
+          </a:p>
+          <a:p>
+            <a:pPr>
+              <a:lnSpc>
+                <a:spcPct val="100000"/>
+              </a:lnSpc>
+            </a:pPr>
+            <a:r>
+              <a:rPr lang="de-DE" dirty="0"/>
+              <a:t>Zeichenprogramme möglich, aber:</a:t>
+            </a:r>
+          </a:p>
+          <a:p>
+            <a:pPr lvl="1">
+              <a:lnSpc>
+                <a:spcPct val="100000"/>
+              </a:lnSpc>
+            </a:pPr>
+            <a:r>
+              <a:rPr lang="de-DE" dirty="0"/>
+              <a:t>Semantik geht verloren</a:t>
+            </a:r>
+          </a:p>
+          <a:p>
+            <a:pPr lvl="1">
+              <a:lnSpc>
+                <a:spcPct val="100000"/>
+              </a:lnSpc>
+            </a:pPr>
+            <a:r>
+              <a:rPr lang="de-DE" dirty="0"/>
+              <a:t>Keine Unterstützung bei Erstellung</a:t>
+            </a:r>
+          </a:p>
+          <a:p>
+            <a:pPr lvl="1">
+              <a:lnSpc>
+                <a:spcPct val="100000"/>
+              </a:lnSpc>
+            </a:pPr>
+            <a:endParaRPr lang="de-DE" dirty="0"/>
+          </a:p>
+        </p:txBody>
+      </p:sp>
+      <p:sp>
+        <p:nvSpPr>
+          <p:cNvPr id="4" name="Datumsplatzhalter 3">
+            <a:extLst>
+              <a:ext uri="{FF2B5EF4-FFF2-40B4-BE49-F238E27FC236}">
+                <a16:creationId xmlns:a16="http://schemas.microsoft.com/office/drawing/2014/main" id="{9CCAFD67-B02A-4CC5-A0AF-41ECCAE2B82F}"/>
+              </a:ext>
+            </a:extLst>
+          </p:cNvPr>
+          <p:cNvSpPr>
+            <a:spLocks noGrp="1"/>
+          </p:cNvSpPr>
+          <p:nvPr>
+            <p:ph type="dt" sz="half" idx="10"/>
+          </p:nvPr>
+        </p:nvSpPr>
+        <p:spPr/>
+        <p:txBody>
+          <a:bodyPr/>
+          <a:lstStyle/>
+          <a:p>
+            <a:r>
+              <a:rPr lang="de-DE"/>
+              <a:t>25.03.2020</a:t>
+            </a:r>
+          </a:p>
+        </p:txBody>
+      </p:sp>
+      <p:sp>
+        <p:nvSpPr>
+          <p:cNvPr id="6" name="Foliennummernplatzhalter 5">
+            <a:extLst>
+              <a:ext uri="{FF2B5EF4-FFF2-40B4-BE49-F238E27FC236}">
+                <a16:creationId xmlns:a16="http://schemas.microsoft.com/office/drawing/2014/main" id="{2014E5A3-BB19-4CC6-A059-F359A2A51340}"/>
+              </a:ext>
+            </a:extLst>
+          </p:cNvPr>
+          <p:cNvSpPr>
+            <a:spLocks noGrp="1"/>
+          </p:cNvSpPr>
+          <p:nvPr>
+            <p:ph type="sldNum" sz="quarter" idx="12"/>
+          </p:nvPr>
+        </p:nvSpPr>
+        <p:spPr/>
+        <p:txBody>
+          <a:bodyPr/>
+          <a:lstStyle/>
+          <a:p>
+            <a:fld id="{61696EC4-B4CF-4701-AD06-A8439D6D8E12}" type="slidenum">
+              <a:rPr lang="de-DE" smtClean="0"/>
+              <a:t>2</a:t>
+            </a:fld>
+            <a:endParaRPr lang="de-DE"/>
+          </a:p>
+        </p:txBody>
+      </p:sp>
+    </p:spTree>
+    <p:extLst>
+      <p:ext uri="{BB962C8B-B14F-4D97-AF65-F5344CB8AC3E}">
+        <p14:creationId xmlns:p14="http://schemas.microsoft.com/office/powerpoint/2010/main" val="3570596655"/>
+      </p:ext>
+    </p:extLst>
+  </p:cSld>
+  <p:clrMapOvr>
+    <a:masterClrMapping/>
+  </p:clrMapOvr>
+</p:sld>
+</file>
+
+<file path=ppt/slides/slide3.xml><?xml version="1.0" encoding="utf-8"?>
+<p:sld xmlns:a="http://schemas.openxmlformats.org/drawingml/2006/main" xmlns:r="http://schemas.openxmlformats.org/officeDocument/2006/relationships" xmlns:p="http://schemas.openxmlformats.org/presentationml/2006/main">
+  <p:cSld>
+    <p:spTree>
+      <p:nvGrpSpPr>
+        <p:cNvPr id="1" name=""/>
+        <p:cNvGrpSpPr/>
+        <p:nvPr/>
+      </p:nvGrpSpPr>
+      <p:grpSpPr>
+        <a:xfrm>
+          <a:off x="0" y="0"/>
+          <a:ext cx="0" cy="0"/>
+          <a:chOff x="0" y="0"/>
+          <a:chExt cx="0" cy="0"/>
+        </a:xfrm>
+      </p:grpSpPr>
+      <p:sp>
+        <p:nvSpPr>
+          <p:cNvPr id="2" name="Titel 1">
+            <a:extLst>
+              <a:ext uri="{FF2B5EF4-FFF2-40B4-BE49-F238E27FC236}">
+                <a16:creationId xmlns:a16="http://schemas.microsoft.com/office/drawing/2014/main" id="{4E4AE26E-BDAE-4262-A057-39AC2366A5F1}"/>
+              </a:ext>
+            </a:extLst>
+          </p:cNvPr>
+          <p:cNvSpPr>
+            <a:spLocks noGrp="1"/>
+          </p:cNvSpPr>
+          <p:nvPr>
+            <p:ph type="title"/>
+          </p:nvPr>
+        </p:nvSpPr>
+        <p:spPr>
+          <a:xfrm>
+            <a:off x="524664" y="444005"/>
+            <a:ext cx="9178008" cy="627829"/>
+          </a:xfrm>
+        </p:spPr>
+        <p:txBody>
+          <a:bodyPr/>
+          <a:lstStyle/>
+          <a:p>
+            <a:r>
+              <a:rPr lang="en-US" noProof="0" dirty="0"/>
+              <a:t>Motivation (2)</a:t>
+            </a:r>
+          </a:p>
+        </p:txBody>
+      </p:sp>
+      <p:sp>
+        <p:nvSpPr>
+          <p:cNvPr id="3" name="Inhaltsplatzhalter 2">
+            <a:extLst>
+              <a:ext uri="{FF2B5EF4-FFF2-40B4-BE49-F238E27FC236}">
+                <a16:creationId xmlns:a16="http://schemas.microsoft.com/office/drawing/2014/main" id="{900E3307-8428-4C7A-A1DA-C96FE547A036}"/>
+              </a:ext>
+            </a:extLst>
+          </p:cNvPr>
+          <p:cNvSpPr>
+            <a:spLocks noGrp="1"/>
+          </p:cNvSpPr>
+          <p:nvPr>
+            <p:ph idx="1"/>
+          </p:nvPr>
+        </p:nvSpPr>
+        <p:spPr>
+          <a:xfrm>
+            <a:off x="524664" y="1269207"/>
+            <a:ext cx="11142672" cy="4502318"/>
+          </a:xfrm>
+        </p:spPr>
+        <p:txBody>
+          <a:bodyPr/>
+          <a:lstStyle/>
+          <a:p>
+            <a:pPr>
+              <a:lnSpc>
+                <a:spcPct val="100000"/>
+              </a:lnSpc>
+            </a:pPr>
+            <a:r>
+              <a:rPr lang="de-DE" dirty="0"/>
+              <a:t>Datenflussdiagramme: </a:t>
+            </a:r>
+            <a:r>
+              <a:rPr lang="de-DE" dirty="0" err="1"/>
+              <a:t>Leveling</a:t>
+            </a:r>
+            <a:r>
+              <a:rPr lang="de-DE" dirty="0"/>
+              <a:t> möglich</a:t>
+            </a:r>
+          </a:p>
+          <a:p>
+            <a:pPr lvl="1">
+              <a:lnSpc>
+                <a:spcPct val="100000"/>
+              </a:lnSpc>
+            </a:pPr>
+            <a:r>
+              <a:rPr lang="de-DE" dirty="0"/>
+              <a:t>Versch. Abstraktionslevel</a:t>
+            </a:r>
+          </a:p>
+          <a:p>
+            <a:pPr lvl="1">
+              <a:lnSpc>
+                <a:spcPct val="100000"/>
+              </a:lnSpc>
+            </a:pPr>
+            <a:r>
+              <a:rPr lang="de-DE" dirty="0"/>
+              <a:t>Konsistenzbedingungen</a:t>
+            </a:r>
+          </a:p>
+        </p:txBody>
+      </p:sp>
+      <p:sp>
+        <p:nvSpPr>
+          <p:cNvPr id="4" name="Datumsplatzhalter 3">
+            <a:extLst>
+              <a:ext uri="{FF2B5EF4-FFF2-40B4-BE49-F238E27FC236}">
+                <a16:creationId xmlns:a16="http://schemas.microsoft.com/office/drawing/2014/main" id="{9CCAFD67-B02A-4CC5-A0AF-41ECCAE2B82F}"/>
+              </a:ext>
+            </a:extLst>
+          </p:cNvPr>
+          <p:cNvSpPr>
+            <a:spLocks noGrp="1"/>
+          </p:cNvSpPr>
+          <p:nvPr>
+            <p:ph type="dt" sz="half" idx="10"/>
+          </p:nvPr>
+        </p:nvSpPr>
+        <p:spPr/>
+        <p:txBody>
+          <a:bodyPr/>
+          <a:lstStyle/>
+          <a:p>
+            <a:r>
+              <a:rPr lang="de-DE"/>
+              <a:t>25.03.2020</a:t>
+            </a:r>
+          </a:p>
+        </p:txBody>
+      </p:sp>
+      <p:sp>
+        <p:nvSpPr>
+          <p:cNvPr id="6" name="Foliennummernplatzhalter 5">
+            <a:extLst>
+              <a:ext uri="{FF2B5EF4-FFF2-40B4-BE49-F238E27FC236}">
+                <a16:creationId xmlns:a16="http://schemas.microsoft.com/office/drawing/2014/main" id="{2014E5A3-BB19-4CC6-A059-F359A2A51340}"/>
+              </a:ext>
+            </a:extLst>
+          </p:cNvPr>
+          <p:cNvSpPr>
+            <a:spLocks noGrp="1"/>
+          </p:cNvSpPr>
+          <p:nvPr>
+            <p:ph type="sldNum" sz="quarter" idx="12"/>
+          </p:nvPr>
+        </p:nvSpPr>
+        <p:spPr/>
+        <p:txBody>
+          <a:bodyPr/>
+          <a:lstStyle/>
+          <a:p>
+            <a:fld id="{61696EC4-B4CF-4701-AD06-A8439D6D8E12}" type="slidenum">
+              <a:rPr lang="de-DE" smtClean="0"/>
+              <a:t>3</a:t>
+            </a:fld>
+            <a:endParaRPr lang="de-DE"/>
+          </a:p>
+        </p:txBody>
+      </p:sp>
+      <p:sp>
+        <p:nvSpPr>
+          <p:cNvPr id="8" name="Textfeld 7">
+            <a:extLst>
+              <a:ext uri="{FF2B5EF4-FFF2-40B4-BE49-F238E27FC236}">
+                <a16:creationId xmlns:a16="http://schemas.microsoft.com/office/drawing/2014/main" id="{DAA5CD6C-DC04-794B-9123-4C4D88085DB0}"/>
+              </a:ext>
+            </a:extLst>
+          </p:cNvPr>
+          <p:cNvSpPr txBox="1"/>
+          <p:nvPr/>
+        </p:nvSpPr>
+        <p:spPr>
+          <a:xfrm>
+            <a:off x="2439145" y="5359615"/>
+            <a:ext cx="7263527" cy="523220"/>
+          </a:xfrm>
+          <a:prstGeom prst="rect">
+            <a:avLst/>
+          </a:prstGeom>
+          <a:noFill/>
+        </p:spPr>
+        <p:txBody>
+          <a:bodyPr wrap="none" rtlCol="0">
+            <a:spAutoFit/>
+          </a:bodyPr>
+          <a:lstStyle/>
+          <a:p>
+            <a:r>
+              <a:rPr lang="en-US" sz="2800" b="1" dirty="0" err="1"/>
+              <a:t>Ziel</a:t>
+            </a:r>
+            <a:r>
+              <a:rPr lang="en-US" sz="2800" b="1" dirty="0"/>
+              <a:t>: </a:t>
+            </a:r>
+            <a:r>
+              <a:rPr lang="en-US" sz="2800" dirty="0" err="1"/>
+              <a:t>Implementierung</a:t>
+            </a:r>
+            <a:r>
+              <a:rPr lang="en-US" sz="2800" dirty="0"/>
+              <a:t> </a:t>
+            </a:r>
+            <a:r>
+              <a:rPr lang="en-US" sz="2800" dirty="0" err="1"/>
+              <a:t>eines</a:t>
+            </a:r>
+            <a:r>
+              <a:rPr lang="en-US" sz="2800" dirty="0"/>
+              <a:t> </a:t>
+            </a:r>
+            <a:r>
+              <a:rPr lang="en-US" sz="2800" dirty="0" err="1"/>
+              <a:t>solchen</a:t>
+            </a:r>
+            <a:r>
+              <a:rPr lang="en-US" sz="2800" dirty="0"/>
+              <a:t> Editors </a:t>
+            </a:r>
+          </a:p>
+        </p:txBody>
+      </p:sp>
       <p:grpSp>
         <p:nvGrpSpPr>
-          <p:cNvPr id="15" name="Gruppieren 14">
-            <a:extLst>
-              <a:ext uri="{FF2B5EF4-FFF2-40B4-BE49-F238E27FC236}">
-                <a16:creationId xmlns:a16="http://schemas.microsoft.com/office/drawing/2014/main" id="{51DCBB4E-CCC1-6B4D-BCEA-0F137673D4D3}"/>
+          <p:cNvPr id="43" name="Gruppieren 42">
+            <a:extLst>
+              <a:ext uri="{FF2B5EF4-FFF2-40B4-BE49-F238E27FC236}">
+                <a16:creationId xmlns:a16="http://schemas.microsoft.com/office/drawing/2014/main" id="{E2C66E94-F85B-4246-8221-8E7ACD2AB837}"/>
               </a:ext>
             </a:extLst>
           </p:cNvPr>
@@ -9496,18 +7850,282 @@
         </p:nvGrpSpPr>
         <p:grpSpPr>
           <a:xfrm>
-            <a:off x="6376058" y="3148695"/>
-            <a:ext cx="5011371" cy="2963365"/>
-            <a:chOff x="3706431" y="3220347"/>
-            <a:chExt cx="5011371" cy="2963365"/>
+            <a:off x="885783" y="3204492"/>
+            <a:ext cx="2393925" cy="929953"/>
+            <a:chOff x="926633" y="2643861"/>
+            <a:chExt cx="3020624" cy="1173403"/>
+          </a:xfrm>
+        </p:grpSpPr>
+        <p:pic>
+          <p:nvPicPr>
+            <p:cNvPr id="9" name="Grafik 8">
+              <a:extLst>
+                <a:ext uri="{FF2B5EF4-FFF2-40B4-BE49-F238E27FC236}">
+                  <a16:creationId xmlns:a16="http://schemas.microsoft.com/office/drawing/2014/main" id="{84080E80-82DC-1348-9C41-AB3837B31426}"/>
+                </a:ext>
+              </a:extLst>
+            </p:cNvPr>
+            <p:cNvPicPr>
+              <a:picLocks noChangeAspect="1"/>
+            </p:cNvPicPr>
+            <p:nvPr/>
+          </p:nvPicPr>
+          <p:blipFill>
+            <a:blip r:embed="rId2">
+              <a:extLst>
+                <a:ext uri="{28A0092B-C50C-407E-A947-70E740481C1C}">
+                  <a14:useLocalDpi xmlns:a14="http://schemas.microsoft.com/office/drawing/2010/main" val="0"/>
+                </a:ext>
+                <a:ext uri="{96DAC541-7B7A-43D3-8B79-37D633B846F1}">
+                  <asvg:svgBlip xmlns:asvg="http://schemas.microsoft.com/office/drawing/2016/SVG/main" r:embed="rId3"/>
+                </a:ext>
+              </a:extLst>
+            </a:blip>
+            <a:stretch>
+              <a:fillRect/>
+            </a:stretch>
+          </p:blipFill>
+          <p:spPr>
+            <a:xfrm>
+              <a:off x="1856064" y="2643861"/>
+              <a:ext cx="1173403" cy="1173403"/>
+            </a:xfrm>
+            <a:prstGeom prst="rect">
+              <a:avLst/>
+            </a:prstGeom>
+          </p:spPr>
+        </p:pic>
+        <p:sp>
+          <p:nvSpPr>
+            <p:cNvPr id="10" name="Textfeld 9">
+              <a:extLst>
+                <a:ext uri="{FF2B5EF4-FFF2-40B4-BE49-F238E27FC236}">
+                  <a16:creationId xmlns:a16="http://schemas.microsoft.com/office/drawing/2014/main" id="{14F31B20-3CA1-0E47-87B0-03B630AA08AA}"/>
+                </a:ext>
+              </a:extLst>
+            </p:cNvPr>
+            <p:cNvSpPr txBox="1"/>
+            <p:nvPr/>
+          </p:nvSpPr>
+          <p:spPr>
+            <a:xfrm>
+              <a:off x="2280777" y="3008592"/>
+              <a:ext cx="338555" cy="369331"/>
+            </a:xfrm>
+            <a:prstGeom prst="rect">
+              <a:avLst/>
+            </a:prstGeom>
+            <a:noFill/>
+          </p:spPr>
+          <p:txBody>
+            <a:bodyPr wrap="none" rtlCol="0">
+              <a:spAutoFit/>
+            </a:bodyPr>
+            <a:lstStyle/>
+            <a:p>
+              <a:pPr algn="ctr"/>
+              <a:r>
+                <a:rPr lang="en-US" dirty="0"/>
+                <a:t>B</a:t>
+              </a:r>
+            </a:p>
+          </p:txBody>
+        </p:sp>
+        <p:cxnSp>
+          <p:nvCxnSpPr>
+            <p:cNvPr id="13" name="Gerade Verbindung mit Pfeil 12">
+              <a:extLst>
+                <a:ext uri="{FF2B5EF4-FFF2-40B4-BE49-F238E27FC236}">
+                  <a16:creationId xmlns:a16="http://schemas.microsoft.com/office/drawing/2014/main" id="{4AF32498-09ED-0B45-97FC-A4E7EC3BB6B3}"/>
+                </a:ext>
+              </a:extLst>
+            </p:cNvPr>
+            <p:cNvCxnSpPr>
+              <a:cxnSpLocks/>
+            </p:cNvCxnSpPr>
+            <p:nvPr/>
+          </p:nvCxnSpPr>
+          <p:spPr>
+            <a:xfrm>
+              <a:off x="926633" y="3273401"/>
+              <a:ext cx="930615" cy="0"/>
+            </a:xfrm>
+            <a:prstGeom prst="straightConnector1">
+              <a:avLst/>
+            </a:prstGeom>
+            <a:ln w="38100">
+              <a:solidFill>
+                <a:schemeClr val="tx1"/>
+              </a:solidFill>
+              <a:headEnd w="lg" len="med"/>
+              <a:tailEnd type="triangle" w="lg" len="med"/>
+            </a:ln>
+          </p:spPr>
+          <p:style>
+            <a:lnRef idx="1">
+              <a:schemeClr val="accent1"/>
+            </a:lnRef>
+            <a:fillRef idx="0">
+              <a:schemeClr val="accent1"/>
+            </a:fillRef>
+            <a:effectRef idx="0">
+              <a:schemeClr val="accent1"/>
+            </a:effectRef>
+            <a:fontRef idx="minor">
+              <a:schemeClr val="tx1"/>
+            </a:fontRef>
+          </p:style>
+        </p:cxnSp>
+        <p:sp>
+          <p:nvSpPr>
+            <p:cNvPr id="19" name="Textfeld 18">
+              <a:extLst>
+                <a:ext uri="{FF2B5EF4-FFF2-40B4-BE49-F238E27FC236}">
+                  <a16:creationId xmlns:a16="http://schemas.microsoft.com/office/drawing/2014/main" id="{43961785-3E41-FA45-B754-3FD129873890}"/>
+                </a:ext>
+              </a:extLst>
+            </p:cNvPr>
+            <p:cNvSpPr txBox="1"/>
+            <p:nvPr/>
+          </p:nvSpPr>
+          <p:spPr>
+            <a:xfrm>
+              <a:off x="1136681" y="2861231"/>
+              <a:ext cx="338554" cy="369331"/>
+            </a:xfrm>
+            <a:prstGeom prst="rect">
+              <a:avLst/>
+            </a:prstGeom>
+            <a:noFill/>
+          </p:spPr>
+          <p:txBody>
+            <a:bodyPr wrap="none" rtlCol="0">
+              <a:spAutoFit/>
+            </a:bodyPr>
+            <a:lstStyle/>
+            <a:p>
+              <a:r>
+                <a:rPr lang="en-US" dirty="0">
+                  <a:solidFill>
+                    <a:srgbClr val="FF0000"/>
+                  </a:solidFill>
+                </a:rPr>
+                <a:t>A</a:t>
+              </a:r>
+            </a:p>
+          </p:txBody>
+        </p:sp>
+        <p:cxnSp>
+          <p:nvCxnSpPr>
+            <p:cNvPr id="20" name="Gerade Verbindung mit Pfeil 19">
+              <a:extLst>
+                <a:ext uri="{FF2B5EF4-FFF2-40B4-BE49-F238E27FC236}">
+                  <a16:creationId xmlns:a16="http://schemas.microsoft.com/office/drawing/2014/main" id="{9D79A379-CD47-B949-938F-4A84A8F5AF53}"/>
+                </a:ext>
+              </a:extLst>
+            </p:cNvPr>
+            <p:cNvCxnSpPr>
+              <a:cxnSpLocks/>
+            </p:cNvCxnSpPr>
+            <p:nvPr/>
+          </p:nvCxnSpPr>
+          <p:spPr>
+            <a:xfrm>
+              <a:off x="3016642" y="3278225"/>
+              <a:ext cx="930615" cy="0"/>
+            </a:xfrm>
+            <a:prstGeom prst="straightConnector1">
+              <a:avLst/>
+            </a:prstGeom>
+            <a:ln w="38100">
+              <a:solidFill>
+                <a:schemeClr val="tx1"/>
+              </a:solidFill>
+              <a:headEnd w="lg" len="med"/>
+              <a:tailEnd type="triangle" w="lg" len="med"/>
+            </a:ln>
+          </p:spPr>
+          <p:style>
+            <a:lnRef idx="1">
+              <a:schemeClr val="accent1"/>
+            </a:lnRef>
+            <a:fillRef idx="0">
+              <a:schemeClr val="accent1"/>
+            </a:fillRef>
+            <a:effectRef idx="0">
+              <a:schemeClr val="accent1"/>
+            </a:effectRef>
+            <a:fontRef idx="minor">
+              <a:schemeClr val="tx1"/>
+            </a:fontRef>
+          </p:style>
+        </p:cxnSp>
+        <p:sp>
+          <p:nvSpPr>
+            <p:cNvPr id="21" name="Textfeld 20">
+              <a:extLst>
+                <a:ext uri="{FF2B5EF4-FFF2-40B4-BE49-F238E27FC236}">
+                  <a16:creationId xmlns:a16="http://schemas.microsoft.com/office/drawing/2014/main" id="{71566894-2AE6-714E-A709-70E581685531}"/>
+                </a:ext>
+              </a:extLst>
+            </p:cNvPr>
+            <p:cNvSpPr txBox="1"/>
+            <p:nvPr/>
+          </p:nvSpPr>
+          <p:spPr>
+            <a:xfrm>
+              <a:off x="3212898" y="2861231"/>
+              <a:ext cx="351377" cy="369331"/>
+            </a:xfrm>
+            <a:prstGeom prst="rect">
+              <a:avLst/>
+            </a:prstGeom>
+            <a:noFill/>
+          </p:spPr>
+          <p:txBody>
+            <a:bodyPr wrap="none" rtlCol="0">
+              <a:spAutoFit/>
+            </a:bodyPr>
+            <a:lstStyle/>
+            <a:p>
+              <a:r>
+                <a:rPr lang="en-US" dirty="0">
+                  <a:solidFill>
+                    <a:srgbClr val="0070C0"/>
+                  </a:solidFill>
+                </a:rPr>
+                <a:t>C</a:t>
+              </a:r>
+            </a:p>
+          </p:txBody>
+        </p:sp>
+      </p:grpSp>
+      <p:grpSp>
+        <p:nvGrpSpPr>
+          <p:cNvPr id="66" name="Gruppieren 65">
+            <a:extLst>
+              <a:ext uri="{FF2B5EF4-FFF2-40B4-BE49-F238E27FC236}">
+                <a16:creationId xmlns:a16="http://schemas.microsoft.com/office/drawing/2014/main" id="{B89317A6-F691-EE44-9A3E-839FFA042A4F}"/>
+              </a:ext>
+            </a:extLst>
+          </p:cNvPr>
+          <p:cNvGrpSpPr/>
+          <p:nvPr/>
+        </p:nvGrpSpPr>
+        <p:grpSpPr>
+          <a:xfrm>
+            <a:off x="5687039" y="2335490"/>
+            <a:ext cx="5531191" cy="2699221"/>
+            <a:chOff x="4688149" y="1874472"/>
+            <a:chExt cx="6979187" cy="3405843"/>
           </a:xfrm>
         </p:grpSpPr>
         <p:grpSp>
           <p:nvGrpSpPr>
-            <p:cNvPr id="5" name="Gruppieren 4">
+            <p:cNvPr id="51" name="Gruppieren 50">
               <a:extLst>
                 <a:ext uri="{FF2B5EF4-FFF2-40B4-BE49-F238E27FC236}">
-                  <a16:creationId xmlns:a16="http://schemas.microsoft.com/office/drawing/2014/main" id="{CBC3684D-6260-7F46-AC33-9D66FFA62BAA}"/>
+                  <a16:creationId xmlns:a16="http://schemas.microsoft.com/office/drawing/2014/main" id="{965F10F2-7701-F24B-AA74-82BA3344FC0B}"/>
                 </a:ext>
               </a:extLst>
             </p:cNvPr>
@@ -9516,18 +8134,18 @@
           </p:nvGrpSpPr>
           <p:grpSpPr>
             <a:xfrm>
-              <a:off x="6034377" y="3220347"/>
-              <a:ext cx="2683425" cy="2963365"/>
-              <a:chOff x="6034377" y="3220347"/>
-              <a:chExt cx="2683425" cy="2963365"/>
+              <a:off x="4688149" y="1874472"/>
+              <a:ext cx="3628486" cy="3405843"/>
+              <a:chOff x="5518285" y="1351305"/>
+              <a:chExt cx="3628486" cy="3405843"/>
             </a:xfrm>
           </p:grpSpPr>
           <p:pic>
             <p:nvPicPr>
-              <p:cNvPr id="11" name="Grafik 10">
+              <p:cNvPr id="22" name="Grafik 21">
                 <a:extLst>
                   <a:ext uri="{FF2B5EF4-FFF2-40B4-BE49-F238E27FC236}">
-                    <a16:creationId xmlns:a16="http://schemas.microsoft.com/office/drawing/2014/main" id="{0A2DD6A0-97A6-D94B-AFA3-1E359CCC5AB9}"/>
+                    <a16:creationId xmlns:a16="http://schemas.microsoft.com/office/drawing/2014/main" id="{8FCB4E6E-284E-964F-99F7-D4BD8987C1A7}"/>
                   </a:ext>
                 </a:extLst>
               </p:cNvPr>
@@ -9553,20 +8171,186 @@
             </p:blipFill>
             <p:spPr>
               <a:xfrm>
-                <a:off x="7528947" y="4993874"/>
-                <a:ext cx="1188855" cy="1189838"/>
+                <a:off x="6600703" y="1751850"/>
+                <a:ext cx="1173403" cy="1173403"/>
               </a:xfrm>
               <a:prstGeom prst="rect">
                 <a:avLst/>
               </a:prstGeom>
             </p:spPr>
           </p:pic>
+          <p:sp>
+            <p:nvSpPr>
+              <p:cNvPr id="23" name="Textfeld 22">
+                <a:extLst>
+                  <a:ext uri="{FF2B5EF4-FFF2-40B4-BE49-F238E27FC236}">
+                    <a16:creationId xmlns:a16="http://schemas.microsoft.com/office/drawing/2014/main" id="{552041A9-2683-284E-83F2-D9F26EA3AA3B}"/>
+                  </a:ext>
+                </a:extLst>
+              </p:cNvPr>
+              <p:cNvSpPr txBox="1"/>
+              <p:nvPr/>
+            </p:nvSpPr>
+            <p:spPr>
+              <a:xfrm>
+                <a:off x="6957144" y="2134191"/>
+                <a:ext cx="530916" cy="369331"/>
+              </a:xfrm>
+              <a:prstGeom prst="rect">
+                <a:avLst/>
+              </a:prstGeom>
+              <a:noFill/>
+            </p:spPr>
+            <p:txBody>
+              <a:bodyPr wrap="none" rtlCol="0">
+                <a:spAutoFit/>
+              </a:bodyPr>
+              <a:lstStyle/>
+              <a:p>
+                <a:pPr algn="ctr"/>
+                <a:r>
+                  <a:rPr lang="en-US" dirty="0"/>
+                  <a:t>B.1</a:t>
+                </a:r>
+              </a:p>
+            </p:txBody>
+          </p:sp>
+          <p:cxnSp>
+            <p:nvCxnSpPr>
+              <p:cNvPr id="24" name="Gerade Verbindung mit Pfeil 23">
+                <a:extLst>
+                  <a:ext uri="{FF2B5EF4-FFF2-40B4-BE49-F238E27FC236}">
+                    <a16:creationId xmlns:a16="http://schemas.microsoft.com/office/drawing/2014/main" id="{B05C51EF-DBCA-1E4D-9AAD-4C0E2EF1D73C}"/>
+                  </a:ext>
+                </a:extLst>
+              </p:cNvPr>
+              <p:cNvCxnSpPr>
+                <a:cxnSpLocks/>
+                <a:endCxn id="22" idx="1"/>
+              </p:cNvCxnSpPr>
+              <p:nvPr/>
+            </p:nvCxnSpPr>
+            <p:spPr>
+              <a:xfrm flipV="1">
+                <a:off x="5684097" y="2338552"/>
+                <a:ext cx="916606" cy="963916"/>
+              </a:xfrm>
+              <a:prstGeom prst="straightConnector1">
+                <a:avLst/>
+              </a:prstGeom>
+              <a:ln w="38100">
+                <a:solidFill>
+                  <a:schemeClr val="tx1"/>
+                </a:solidFill>
+                <a:headEnd w="lg" len="med"/>
+                <a:tailEnd type="triangle" w="lg" len="med"/>
+              </a:ln>
+            </p:spPr>
+            <p:style>
+              <a:lnRef idx="1">
+                <a:schemeClr val="accent1"/>
+              </a:lnRef>
+              <a:fillRef idx="0">
+                <a:schemeClr val="accent1"/>
+              </a:fillRef>
+              <a:effectRef idx="0">
+                <a:schemeClr val="accent1"/>
+              </a:effectRef>
+              <a:fontRef idx="minor">
+                <a:schemeClr val="tx1"/>
+              </a:fontRef>
+            </p:style>
+          </p:cxnSp>
+          <p:sp>
+            <p:nvSpPr>
+              <p:cNvPr id="25" name="Textfeld 24">
+                <a:extLst>
+                  <a:ext uri="{FF2B5EF4-FFF2-40B4-BE49-F238E27FC236}">
+                    <a16:creationId xmlns:a16="http://schemas.microsoft.com/office/drawing/2014/main" id="{322940FA-FDBF-C44C-BB68-BD9E8987A644}"/>
+                  </a:ext>
+                </a:extLst>
+              </p:cNvPr>
+              <p:cNvSpPr txBox="1"/>
+              <p:nvPr/>
+            </p:nvSpPr>
+            <p:spPr>
+              <a:xfrm>
+                <a:off x="5518285" y="2480740"/>
+                <a:ext cx="530915" cy="369331"/>
+              </a:xfrm>
+              <a:prstGeom prst="rect">
+                <a:avLst/>
+              </a:prstGeom>
+              <a:noFill/>
+            </p:spPr>
+            <p:txBody>
+              <a:bodyPr wrap="none" rtlCol="0">
+                <a:spAutoFit/>
+              </a:bodyPr>
+              <a:lstStyle/>
+              <a:p>
+                <a:r>
+                  <a:rPr lang="en-US" dirty="0">
+                    <a:solidFill>
+                      <a:srgbClr val="FF0000"/>
+                    </a:solidFill>
+                  </a:rPr>
+                  <a:t>A.1</a:t>
+                </a:r>
+              </a:p>
+            </p:txBody>
+          </p:sp>
+          <p:cxnSp>
+            <p:nvCxnSpPr>
+              <p:cNvPr id="26" name="Gerade Verbindung mit Pfeil 25">
+                <a:extLst>
+                  <a:ext uri="{FF2B5EF4-FFF2-40B4-BE49-F238E27FC236}">
+                    <a16:creationId xmlns:a16="http://schemas.microsoft.com/office/drawing/2014/main" id="{35A95B88-9AEB-6744-8F34-A5363C186FF5}"/>
+                  </a:ext>
+                </a:extLst>
+              </p:cNvPr>
+              <p:cNvCxnSpPr>
+                <a:cxnSpLocks/>
+              </p:cNvCxnSpPr>
+              <p:nvPr/>
+            </p:nvCxnSpPr>
+            <p:spPr>
+              <a:xfrm flipV="1">
+                <a:off x="7774106" y="1629103"/>
+                <a:ext cx="718253" cy="731522"/>
+              </a:xfrm>
+              <a:prstGeom prst="straightConnector1">
+                <a:avLst/>
+              </a:prstGeom>
+              <a:ln w="38100">
+                <a:solidFill>
+                  <a:schemeClr val="tx1"/>
+                </a:solidFill>
+                <a:headEnd w="lg" len="med"/>
+                <a:tailEnd type="triangle" w="lg" len="med"/>
+              </a:ln>
+            </p:spPr>
+            <p:style>
+              <a:lnRef idx="1">
+                <a:schemeClr val="accent1"/>
+              </a:lnRef>
+              <a:fillRef idx="0">
+                <a:schemeClr val="accent1"/>
+              </a:fillRef>
+              <a:effectRef idx="0">
+                <a:schemeClr val="accent1"/>
+              </a:effectRef>
+              <a:fontRef idx="minor">
+                <a:schemeClr val="tx1"/>
+              </a:fontRef>
+            </p:style>
+          </p:cxnSp>
           <p:pic>
             <p:nvPicPr>
-              <p:cNvPr id="12" name="Grafik 11">
+              <p:cNvPr id="28" name="Grafik 27">
                 <a:extLst>
                   <a:ext uri="{FF2B5EF4-FFF2-40B4-BE49-F238E27FC236}">
-                    <a16:creationId xmlns:a16="http://schemas.microsoft.com/office/drawing/2014/main" id="{51B681CA-8740-1646-ACA6-B1572AAC2A55}"/>
+                    <a16:creationId xmlns:a16="http://schemas.microsoft.com/office/drawing/2014/main" id="{DD14E1CE-8259-8948-A82F-9CBD633B6C95}"/>
                   </a:ext>
                 </a:extLst>
               </p:cNvPr>
@@ -9576,13 +8360,13 @@
               <p:nvPr/>
             </p:nvPicPr>
             <p:blipFill>
-              <a:blip r:embed="rId4">
+              <a:blip r:embed="rId2">
                 <a:extLst>
                   <a:ext uri="{28A0092B-C50C-407E-A947-70E740481C1C}">
                     <a14:useLocalDpi xmlns:a14="http://schemas.microsoft.com/office/drawing/2010/main" val="0"/>
                   </a:ext>
                   <a:ext uri="{96DAC541-7B7A-43D3-8B79-37D633B846F1}">
-                    <asvg:svgBlip xmlns:asvg="http://schemas.microsoft.com/office/drawing/2016/SVG/main" r:embed="rId5"/>
+                    <asvg:svgBlip xmlns:asvg="http://schemas.microsoft.com/office/drawing/2016/SVG/main" r:embed="rId3"/>
                   </a:ext>
                 </a:extLst>
               </a:blip>
@@ -9592,60 +8376,1707 @@
             </p:blipFill>
             <p:spPr>
               <a:xfrm>
-                <a:off x="7528947" y="3220347"/>
-                <a:ext cx="1188855" cy="1189838"/>
+                <a:off x="6600703" y="3583745"/>
+                <a:ext cx="1173403" cy="1173403"/>
               </a:xfrm>
               <a:prstGeom prst="rect">
                 <a:avLst/>
               </a:prstGeom>
             </p:spPr>
           </p:pic>
-          <p:pic>
-            <p:nvPicPr>
-              <p:cNvPr id="13" name="Grafik 12">
+          <p:sp>
+            <p:nvSpPr>
+              <p:cNvPr id="29" name="Textfeld 28">
                 <a:extLst>
                   <a:ext uri="{FF2B5EF4-FFF2-40B4-BE49-F238E27FC236}">
-                    <a16:creationId xmlns:a16="http://schemas.microsoft.com/office/drawing/2014/main" id="{37A6CE56-9020-BE44-9949-27A74B543A74}"/>
+                    <a16:creationId xmlns:a16="http://schemas.microsoft.com/office/drawing/2014/main" id="{2F2F3D34-4726-0640-85CE-149A3854DAD4}"/>
                   </a:ext>
                 </a:extLst>
               </p:cNvPr>
-              <p:cNvPicPr>
-                <a:picLocks noChangeAspect="1"/>
-              </p:cNvPicPr>
+              <p:cNvSpPr txBox="1"/>
               <p:nvPr/>
-            </p:nvPicPr>
-            <p:blipFill>
-              <a:blip r:embed="rId6">
-                <a:extLst>
-                  <a:ext uri="{28A0092B-C50C-407E-A947-70E740481C1C}">
-                    <a14:useLocalDpi xmlns:a14="http://schemas.microsoft.com/office/drawing/2010/main" val="0"/>
-                  </a:ext>
-                  <a:ext uri="{96DAC541-7B7A-43D3-8B79-37D633B846F1}">
-                    <asvg:svgBlip xmlns:asvg="http://schemas.microsoft.com/office/drawing/2016/SVG/main" r:embed="rId7"/>
-                  </a:ext>
-                </a:extLst>
-              </a:blip>
-              <a:stretch>
-                <a:fillRect/>
-              </a:stretch>
-            </p:blipFill>
+            </p:nvSpPr>
             <p:spPr>
               <a:xfrm>
-                <a:off x="6034377" y="4151476"/>
-                <a:ext cx="1188855" cy="1189838"/>
+                <a:off x="6952592" y="3945092"/>
+                <a:ext cx="530916" cy="369331"/>
               </a:xfrm>
               <a:prstGeom prst="rect">
                 <a:avLst/>
               </a:prstGeom>
+              <a:noFill/>
             </p:spPr>
-          </p:pic>
+            <p:txBody>
+              <a:bodyPr wrap="none" rtlCol="0">
+                <a:spAutoFit/>
+              </a:bodyPr>
+              <a:lstStyle/>
+              <a:p>
+                <a:pPr algn="ctr"/>
+                <a:r>
+                  <a:rPr lang="en-US" dirty="0"/>
+                  <a:t>B.2</a:t>
+                </a:r>
+              </a:p>
+            </p:txBody>
+          </p:sp>
+          <p:cxnSp>
+            <p:nvCxnSpPr>
+              <p:cNvPr id="31" name="Gerade Verbindung mit Pfeil 30">
+                <a:extLst>
+                  <a:ext uri="{FF2B5EF4-FFF2-40B4-BE49-F238E27FC236}">
+                    <a16:creationId xmlns:a16="http://schemas.microsoft.com/office/drawing/2014/main" id="{A7185D21-3A4E-7446-957F-2CE37A2BF760}"/>
+                  </a:ext>
+                </a:extLst>
+              </p:cNvPr>
+              <p:cNvCxnSpPr>
+                <a:cxnSpLocks/>
+                <a:endCxn id="28" idx="1"/>
+              </p:cNvCxnSpPr>
+              <p:nvPr/>
+            </p:nvCxnSpPr>
+            <p:spPr>
+              <a:xfrm>
+                <a:off x="5684097" y="3407896"/>
+                <a:ext cx="916606" cy="762551"/>
+              </a:xfrm>
+              <a:prstGeom prst="straightConnector1">
+                <a:avLst/>
+              </a:prstGeom>
+              <a:ln w="38100">
+                <a:solidFill>
+                  <a:schemeClr val="tx1"/>
+                </a:solidFill>
+                <a:headEnd w="lg" len="med"/>
+                <a:tailEnd type="triangle" w="lg" len="med"/>
+              </a:ln>
+            </p:spPr>
+            <p:style>
+              <a:lnRef idx="1">
+                <a:schemeClr val="accent1"/>
+              </a:lnRef>
+              <a:fillRef idx="0">
+                <a:schemeClr val="accent1"/>
+              </a:fillRef>
+              <a:effectRef idx="0">
+                <a:schemeClr val="accent1"/>
+              </a:effectRef>
+              <a:fontRef idx="minor">
+                <a:schemeClr val="tx1"/>
+              </a:fontRef>
+            </p:style>
+          </p:cxnSp>
+          <p:sp>
+            <p:nvSpPr>
+              <p:cNvPr id="34" name="Textfeld 33">
+                <a:extLst>
+                  <a:ext uri="{FF2B5EF4-FFF2-40B4-BE49-F238E27FC236}">
+                    <a16:creationId xmlns:a16="http://schemas.microsoft.com/office/drawing/2014/main" id="{02F5D4F0-5A8D-CB42-AB72-84E0C794E22F}"/>
+                  </a:ext>
+                </a:extLst>
+              </p:cNvPr>
+              <p:cNvSpPr txBox="1"/>
+              <p:nvPr/>
+            </p:nvSpPr>
+            <p:spPr>
+              <a:xfrm>
+                <a:off x="5550512" y="3787114"/>
+                <a:ext cx="530915" cy="369331"/>
+              </a:xfrm>
+              <a:prstGeom prst="rect">
+                <a:avLst/>
+              </a:prstGeom>
+              <a:noFill/>
+            </p:spPr>
+            <p:txBody>
+              <a:bodyPr wrap="none" rtlCol="0">
+                <a:spAutoFit/>
+              </a:bodyPr>
+              <a:lstStyle/>
+              <a:p>
+                <a:r>
+                  <a:rPr lang="en-US" dirty="0">
+                    <a:solidFill>
+                      <a:srgbClr val="FF0000"/>
+                    </a:solidFill>
+                  </a:rPr>
+                  <a:t>A.2</a:t>
+                </a:r>
+              </a:p>
+            </p:txBody>
+          </p:sp>
+          <p:cxnSp>
+            <p:nvCxnSpPr>
+              <p:cNvPr id="38" name="Gerade Verbindung mit Pfeil 37">
+                <a:extLst>
+                  <a:ext uri="{FF2B5EF4-FFF2-40B4-BE49-F238E27FC236}">
+                    <a16:creationId xmlns:a16="http://schemas.microsoft.com/office/drawing/2014/main" id="{BF8D0FBB-FD7F-8A48-9432-D82710D9481F}"/>
+                  </a:ext>
+                </a:extLst>
+              </p:cNvPr>
+              <p:cNvCxnSpPr>
+                <a:cxnSpLocks/>
+                <a:stCxn id="22" idx="3"/>
+              </p:cNvCxnSpPr>
+              <p:nvPr/>
+            </p:nvCxnSpPr>
+            <p:spPr>
+              <a:xfrm>
+                <a:off x="7774106" y="2338552"/>
+                <a:ext cx="718253" cy="878745"/>
+              </a:xfrm>
+              <a:prstGeom prst="straightConnector1">
+                <a:avLst/>
+              </a:prstGeom>
+              <a:ln w="38100">
+                <a:solidFill>
+                  <a:schemeClr val="tx1"/>
+                </a:solidFill>
+                <a:headEnd w="lg" len="med"/>
+                <a:tailEnd type="triangle" w="lg" len="med"/>
+              </a:ln>
+            </p:spPr>
+            <p:style>
+              <a:lnRef idx="1">
+                <a:schemeClr val="accent1"/>
+              </a:lnRef>
+              <a:fillRef idx="0">
+                <a:schemeClr val="accent1"/>
+              </a:fillRef>
+              <a:effectRef idx="0">
+                <a:schemeClr val="accent1"/>
+              </a:effectRef>
+              <a:fontRef idx="minor">
+                <a:schemeClr val="tx1"/>
+              </a:fontRef>
+            </p:style>
+          </p:cxnSp>
+          <p:cxnSp>
+            <p:nvCxnSpPr>
+              <p:cNvPr id="41" name="Gerade Verbindung mit Pfeil 40">
+                <a:extLst>
+                  <a:ext uri="{FF2B5EF4-FFF2-40B4-BE49-F238E27FC236}">
+                    <a16:creationId xmlns:a16="http://schemas.microsoft.com/office/drawing/2014/main" id="{FE1D6A77-AB0A-FC41-94D9-BCFFA94E9B4B}"/>
+                  </a:ext>
+                </a:extLst>
+              </p:cNvPr>
+              <p:cNvCxnSpPr>
+                <a:cxnSpLocks/>
+              </p:cNvCxnSpPr>
+              <p:nvPr/>
+            </p:nvCxnSpPr>
+            <p:spPr>
+              <a:xfrm>
+                <a:off x="7774105" y="4159680"/>
+                <a:ext cx="821514" cy="0"/>
+              </a:xfrm>
+              <a:prstGeom prst="straightConnector1">
+                <a:avLst/>
+              </a:prstGeom>
+              <a:ln w="38100">
+                <a:solidFill>
+                  <a:schemeClr val="tx1"/>
+                </a:solidFill>
+                <a:headEnd w="lg" len="med"/>
+                <a:tailEnd type="triangle" w="lg" len="med"/>
+              </a:ln>
+            </p:spPr>
+            <p:style>
+              <a:lnRef idx="1">
+                <a:schemeClr val="accent1"/>
+              </a:lnRef>
+              <a:fillRef idx="0">
+                <a:schemeClr val="accent1"/>
+              </a:fillRef>
+              <a:effectRef idx="0">
+                <a:schemeClr val="accent1"/>
+              </a:effectRef>
+              <a:fontRef idx="minor">
+                <a:schemeClr val="tx1"/>
+              </a:fontRef>
+            </p:style>
+          </p:cxnSp>
+          <p:sp>
+            <p:nvSpPr>
+              <p:cNvPr id="46" name="Textfeld 45">
+                <a:extLst>
+                  <a:ext uri="{FF2B5EF4-FFF2-40B4-BE49-F238E27FC236}">
+                    <a16:creationId xmlns:a16="http://schemas.microsoft.com/office/drawing/2014/main" id="{0B0A00F7-D4DA-F947-9048-67AD41EA470D}"/>
+                  </a:ext>
+                </a:extLst>
+              </p:cNvPr>
+              <p:cNvSpPr txBox="1"/>
+              <p:nvPr/>
+            </p:nvSpPr>
+            <p:spPr>
+              <a:xfrm>
+                <a:off x="8690898" y="1351305"/>
+                <a:ext cx="415498" cy="369332"/>
+              </a:xfrm>
+              <a:prstGeom prst="rect">
+                <a:avLst/>
+              </a:prstGeom>
+              <a:noFill/>
+            </p:spPr>
+            <p:txBody>
+              <a:bodyPr wrap="none" rtlCol="0">
+                <a:spAutoFit/>
+              </a:bodyPr>
+              <a:lstStyle/>
+              <a:p>
+                <a:r>
+                  <a:rPr lang="en-US" dirty="0"/>
+                  <a:t>…</a:t>
+                </a:r>
+              </a:p>
+            </p:txBody>
+          </p:sp>
+          <p:sp>
+            <p:nvSpPr>
+              <p:cNvPr id="47" name="Textfeld 46">
+                <a:extLst>
+                  <a:ext uri="{FF2B5EF4-FFF2-40B4-BE49-F238E27FC236}">
+                    <a16:creationId xmlns:a16="http://schemas.microsoft.com/office/drawing/2014/main" id="{B9C604A2-D820-C841-B677-0857C190DD3E}"/>
+                  </a:ext>
+                </a:extLst>
+              </p:cNvPr>
+              <p:cNvSpPr txBox="1"/>
+              <p:nvPr/>
+            </p:nvSpPr>
+            <p:spPr>
+              <a:xfrm>
+                <a:off x="8715995" y="2961929"/>
+                <a:ext cx="415498" cy="369332"/>
+              </a:xfrm>
+              <a:prstGeom prst="rect">
+                <a:avLst/>
+              </a:prstGeom>
+              <a:noFill/>
+            </p:spPr>
+            <p:txBody>
+              <a:bodyPr wrap="none" rtlCol="0">
+                <a:spAutoFit/>
+              </a:bodyPr>
+              <a:lstStyle/>
+              <a:p>
+                <a:r>
+                  <a:rPr lang="en-US" dirty="0"/>
+                  <a:t>…</a:t>
+                </a:r>
+              </a:p>
+            </p:txBody>
+          </p:sp>
+          <p:sp>
+            <p:nvSpPr>
+              <p:cNvPr id="48" name="Textfeld 47">
+                <a:extLst>
+                  <a:ext uri="{FF2B5EF4-FFF2-40B4-BE49-F238E27FC236}">
+                    <a16:creationId xmlns:a16="http://schemas.microsoft.com/office/drawing/2014/main" id="{064FE4BD-D341-E845-99F3-9BE281B34D74}"/>
+                  </a:ext>
+                </a:extLst>
+              </p:cNvPr>
+              <p:cNvSpPr txBox="1"/>
+              <p:nvPr/>
+            </p:nvSpPr>
+            <p:spPr>
+              <a:xfrm>
+                <a:off x="8731273" y="3889169"/>
+                <a:ext cx="415498" cy="369332"/>
+              </a:xfrm>
+              <a:prstGeom prst="rect">
+                <a:avLst/>
+              </a:prstGeom>
+              <a:noFill/>
+            </p:spPr>
+            <p:txBody>
+              <a:bodyPr wrap="none" rtlCol="0">
+                <a:spAutoFit/>
+              </a:bodyPr>
+              <a:lstStyle/>
+              <a:p>
+                <a:r>
+                  <a:rPr lang="en-US" dirty="0"/>
+                  <a:t>…</a:t>
+                </a:r>
+              </a:p>
+            </p:txBody>
+          </p:sp>
         </p:grpSp>
+        <p:grpSp>
+          <p:nvGrpSpPr>
+            <p:cNvPr id="65" name="Gruppieren 64">
+              <a:extLst>
+                <a:ext uri="{FF2B5EF4-FFF2-40B4-BE49-F238E27FC236}">
+                  <a16:creationId xmlns:a16="http://schemas.microsoft.com/office/drawing/2014/main" id="{A57C3630-386F-AF41-ACCA-9C4F0462047C}"/>
+                </a:ext>
+              </a:extLst>
+            </p:cNvPr>
+            <p:cNvGrpSpPr/>
+            <p:nvPr/>
+          </p:nvGrpSpPr>
+          <p:grpSpPr>
+            <a:xfrm>
+              <a:off x="8452289" y="2074192"/>
+              <a:ext cx="3215047" cy="3195356"/>
+              <a:chOff x="8452289" y="2074192"/>
+              <a:chExt cx="3215047" cy="3195356"/>
+            </a:xfrm>
+          </p:grpSpPr>
+          <p:sp>
+            <p:nvSpPr>
+              <p:cNvPr id="27" name="Textfeld 26">
+                <a:extLst>
+                  <a:ext uri="{FF2B5EF4-FFF2-40B4-BE49-F238E27FC236}">
+                    <a16:creationId xmlns:a16="http://schemas.microsoft.com/office/drawing/2014/main" id="{2DEF7B46-437F-6D41-9E03-D6D2A607E78D}"/>
+                  </a:ext>
+                </a:extLst>
+              </p:cNvPr>
+              <p:cNvSpPr txBox="1"/>
+              <p:nvPr/>
+            </p:nvSpPr>
+            <p:spPr>
+              <a:xfrm>
+                <a:off x="11077961" y="2677053"/>
+                <a:ext cx="543740" cy="369332"/>
+              </a:xfrm>
+              <a:prstGeom prst="rect">
+                <a:avLst/>
+              </a:prstGeom>
+              <a:noFill/>
+            </p:spPr>
+            <p:txBody>
+              <a:bodyPr wrap="none" rtlCol="0">
+                <a:spAutoFit/>
+              </a:bodyPr>
+              <a:lstStyle/>
+              <a:p>
+                <a:r>
+                  <a:rPr lang="en-US" dirty="0">
+                    <a:solidFill>
+                      <a:srgbClr val="0070C0"/>
+                    </a:solidFill>
+                  </a:rPr>
+                  <a:t>C.1</a:t>
+                </a:r>
+              </a:p>
+            </p:txBody>
+          </p:sp>
+          <p:grpSp>
+            <p:nvGrpSpPr>
+              <p:cNvPr id="53" name="Gruppieren 52">
+                <a:extLst>
+                  <a:ext uri="{FF2B5EF4-FFF2-40B4-BE49-F238E27FC236}">
+                    <a16:creationId xmlns:a16="http://schemas.microsoft.com/office/drawing/2014/main" id="{564C8FB3-C73E-A440-8B08-2236861B090A}"/>
+                  </a:ext>
+                </a:extLst>
+              </p:cNvPr>
+              <p:cNvGrpSpPr/>
+              <p:nvPr/>
+            </p:nvGrpSpPr>
+            <p:grpSpPr>
+              <a:xfrm>
+                <a:off x="9490841" y="2074192"/>
+                <a:ext cx="1173403" cy="1173403"/>
+                <a:chOff x="9951942" y="2715766"/>
+                <a:chExt cx="1173403" cy="1173403"/>
+              </a:xfrm>
+            </p:grpSpPr>
+            <p:pic>
+              <p:nvPicPr>
+                <p:cNvPr id="36" name="Grafik 35">
+                  <a:extLst>
+                    <a:ext uri="{FF2B5EF4-FFF2-40B4-BE49-F238E27FC236}">
+                      <a16:creationId xmlns:a16="http://schemas.microsoft.com/office/drawing/2014/main" id="{EE0D90AC-6552-DF46-9D41-C24DD9FF2C05}"/>
+                    </a:ext>
+                  </a:extLst>
+                </p:cNvPr>
+                <p:cNvPicPr>
+                  <a:picLocks noChangeAspect="1"/>
+                </p:cNvPicPr>
+                <p:nvPr/>
+              </p:nvPicPr>
+              <p:blipFill>
+                <a:blip r:embed="rId2">
+                  <a:extLst>
+                    <a:ext uri="{28A0092B-C50C-407E-A947-70E740481C1C}">
+                      <a14:useLocalDpi xmlns:a14="http://schemas.microsoft.com/office/drawing/2010/main" val="0"/>
+                    </a:ext>
+                    <a:ext uri="{96DAC541-7B7A-43D3-8B79-37D633B846F1}">
+                      <asvg:svgBlip xmlns:asvg="http://schemas.microsoft.com/office/drawing/2016/SVG/main" r:embed="rId3"/>
+                    </a:ext>
+                  </a:extLst>
+                </a:blip>
+                <a:stretch>
+                  <a:fillRect/>
+                </a:stretch>
+              </p:blipFill>
+              <p:spPr>
+                <a:xfrm>
+                  <a:off x="9951942" y="2715766"/>
+                  <a:ext cx="1173403" cy="1173403"/>
+                </a:xfrm>
+                <a:prstGeom prst="rect">
+                  <a:avLst/>
+                </a:prstGeom>
+              </p:spPr>
+            </p:pic>
+            <p:sp>
+              <p:nvSpPr>
+                <p:cNvPr id="37" name="Textfeld 36">
+                  <a:extLst>
+                    <a:ext uri="{FF2B5EF4-FFF2-40B4-BE49-F238E27FC236}">
+                      <a16:creationId xmlns:a16="http://schemas.microsoft.com/office/drawing/2014/main" id="{54130A5D-C9DF-6146-99B5-1EB023536D94}"/>
+                    </a:ext>
+                  </a:extLst>
+                </p:cNvPr>
+                <p:cNvSpPr txBox="1"/>
+                <p:nvPr/>
+              </p:nvSpPr>
+              <p:spPr>
+                <a:xfrm>
+                  <a:off x="10218018" y="3114266"/>
+                  <a:ext cx="659155" cy="369331"/>
+                </a:xfrm>
+                <a:prstGeom prst="rect">
+                  <a:avLst/>
+                </a:prstGeom>
+                <a:noFill/>
+              </p:spPr>
+              <p:txBody>
+                <a:bodyPr wrap="none" rtlCol="0">
+                  <a:spAutoFit/>
+                </a:bodyPr>
+                <a:lstStyle/>
+                <a:p>
+                  <a:pPr algn="ctr"/>
+                  <a:r>
+                    <a:rPr lang="en-US" dirty="0"/>
+                    <a:t>B.19</a:t>
+                  </a:r>
+                </a:p>
+              </p:txBody>
+            </p:sp>
+          </p:grpSp>
+          <p:cxnSp>
+            <p:nvCxnSpPr>
+              <p:cNvPr id="44" name="Gerade Verbindung mit Pfeil 43">
+                <a:extLst>
+                  <a:ext uri="{FF2B5EF4-FFF2-40B4-BE49-F238E27FC236}">
+                    <a16:creationId xmlns:a16="http://schemas.microsoft.com/office/drawing/2014/main" id="{5E55DC5D-EE7D-EE41-8177-E6EF7E030B50}"/>
+                  </a:ext>
+                </a:extLst>
+              </p:cNvPr>
+              <p:cNvCxnSpPr>
+                <a:cxnSpLocks/>
+                <a:endCxn id="3" idx="3"/>
+              </p:cNvCxnSpPr>
+              <p:nvPr/>
+            </p:nvCxnSpPr>
+            <p:spPr>
+              <a:xfrm>
+                <a:off x="10664244" y="2657359"/>
+                <a:ext cx="1003092" cy="863007"/>
+              </a:xfrm>
+              <a:prstGeom prst="straightConnector1">
+                <a:avLst/>
+              </a:prstGeom>
+              <a:ln w="38100">
+                <a:solidFill>
+                  <a:schemeClr val="tx1"/>
+                </a:solidFill>
+                <a:headEnd w="lg" len="med"/>
+                <a:tailEnd type="triangle" w="lg" len="med"/>
+              </a:ln>
+            </p:spPr>
+            <p:style>
+              <a:lnRef idx="1">
+                <a:schemeClr val="accent1"/>
+              </a:lnRef>
+              <a:fillRef idx="0">
+                <a:schemeClr val="accent1"/>
+              </a:fillRef>
+              <a:effectRef idx="0">
+                <a:schemeClr val="accent1"/>
+              </a:effectRef>
+              <a:fontRef idx="minor">
+                <a:schemeClr val="tx1"/>
+              </a:fontRef>
+            </p:style>
+          </p:cxnSp>
+          <p:cxnSp>
+            <p:nvCxnSpPr>
+              <p:cNvPr id="50" name="Gerade Verbindung mit Pfeil 49">
+                <a:extLst>
+                  <a:ext uri="{FF2B5EF4-FFF2-40B4-BE49-F238E27FC236}">
+                    <a16:creationId xmlns:a16="http://schemas.microsoft.com/office/drawing/2014/main" id="{91D05AD9-E39B-EC48-9092-D0C498C7FC48}"/>
+                  </a:ext>
+                </a:extLst>
+              </p:cNvPr>
+              <p:cNvCxnSpPr>
+                <a:cxnSpLocks/>
+              </p:cNvCxnSpPr>
+              <p:nvPr/>
+            </p:nvCxnSpPr>
+            <p:spPr>
+              <a:xfrm>
+                <a:off x="8533384" y="2699126"/>
+                <a:ext cx="957457" cy="0"/>
+              </a:xfrm>
+              <a:prstGeom prst="straightConnector1">
+                <a:avLst/>
+              </a:prstGeom>
+              <a:ln w="38100">
+                <a:solidFill>
+                  <a:schemeClr val="tx1"/>
+                </a:solidFill>
+                <a:headEnd w="lg" len="med"/>
+                <a:tailEnd type="triangle" w="lg" len="med"/>
+              </a:ln>
+            </p:spPr>
+            <p:style>
+              <a:lnRef idx="1">
+                <a:schemeClr val="accent1"/>
+              </a:lnRef>
+              <a:fillRef idx="0">
+                <a:schemeClr val="accent1"/>
+              </a:fillRef>
+              <a:effectRef idx="0">
+                <a:schemeClr val="accent1"/>
+              </a:effectRef>
+              <a:fontRef idx="minor">
+                <a:schemeClr val="tx1"/>
+              </a:fontRef>
+            </p:style>
+          </p:cxnSp>
+          <p:grpSp>
+            <p:nvGrpSpPr>
+              <p:cNvPr id="54" name="Gruppieren 53">
+                <a:extLst>
+                  <a:ext uri="{FF2B5EF4-FFF2-40B4-BE49-F238E27FC236}">
+                    <a16:creationId xmlns:a16="http://schemas.microsoft.com/office/drawing/2014/main" id="{BC039A39-2D12-F44A-9034-BA914ECD1DA8}"/>
+                  </a:ext>
+                </a:extLst>
+              </p:cNvPr>
+              <p:cNvGrpSpPr/>
+              <p:nvPr/>
+            </p:nvGrpSpPr>
+            <p:grpSpPr>
+              <a:xfrm>
+                <a:off x="9490841" y="4096145"/>
+                <a:ext cx="1173403" cy="1173403"/>
+                <a:chOff x="9951942" y="2715766"/>
+                <a:chExt cx="1173403" cy="1173403"/>
+              </a:xfrm>
+            </p:grpSpPr>
+            <p:pic>
+              <p:nvPicPr>
+                <p:cNvPr id="55" name="Grafik 54">
+                  <a:extLst>
+                    <a:ext uri="{FF2B5EF4-FFF2-40B4-BE49-F238E27FC236}">
+                      <a16:creationId xmlns:a16="http://schemas.microsoft.com/office/drawing/2014/main" id="{073CAC25-834A-BA4C-8785-456026F7D8EC}"/>
+                    </a:ext>
+                  </a:extLst>
+                </p:cNvPr>
+                <p:cNvPicPr>
+                  <a:picLocks noChangeAspect="1"/>
+                </p:cNvPicPr>
+                <p:nvPr/>
+              </p:nvPicPr>
+              <p:blipFill>
+                <a:blip r:embed="rId2">
+                  <a:extLst>
+                    <a:ext uri="{28A0092B-C50C-407E-A947-70E740481C1C}">
+                      <a14:useLocalDpi xmlns:a14="http://schemas.microsoft.com/office/drawing/2010/main" val="0"/>
+                    </a:ext>
+                    <a:ext uri="{96DAC541-7B7A-43D3-8B79-37D633B846F1}">
+                      <asvg:svgBlip xmlns:asvg="http://schemas.microsoft.com/office/drawing/2016/SVG/main" r:embed="rId3"/>
+                    </a:ext>
+                  </a:extLst>
+                </a:blip>
+                <a:stretch>
+                  <a:fillRect/>
+                </a:stretch>
+              </p:blipFill>
+              <p:spPr>
+                <a:xfrm>
+                  <a:off x="9951942" y="2715766"/>
+                  <a:ext cx="1173403" cy="1173403"/>
+                </a:xfrm>
+                <a:prstGeom prst="rect">
+                  <a:avLst/>
+                </a:prstGeom>
+              </p:spPr>
+            </p:pic>
+            <p:sp>
+              <p:nvSpPr>
+                <p:cNvPr id="56" name="Textfeld 55">
+                  <a:extLst>
+                    <a:ext uri="{FF2B5EF4-FFF2-40B4-BE49-F238E27FC236}">
+                      <a16:creationId xmlns:a16="http://schemas.microsoft.com/office/drawing/2014/main" id="{0D7595C9-C7BD-6E4D-9022-A6A61C5C764B}"/>
+                    </a:ext>
+                  </a:extLst>
+                </p:cNvPr>
+                <p:cNvSpPr txBox="1"/>
+                <p:nvPr/>
+              </p:nvSpPr>
+              <p:spPr>
+                <a:xfrm>
+                  <a:off x="10218018" y="3114568"/>
+                  <a:ext cx="659155" cy="369331"/>
+                </a:xfrm>
+                <a:prstGeom prst="rect">
+                  <a:avLst/>
+                </a:prstGeom>
+                <a:noFill/>
+              </p:spPr>
+              <p:txBody>
+                <a:bodyPr wrap="none" rtlCol="0">
+                  <a:spAutoFit/>
+                </a:bodyPr>
+                <a:lstStyle/>
+                <a:p>
+                  <a:pPr algn="ctr"/>
+                  <a:r>
+                    <a:rPr lang="en-US" dirty="0"/>
+                    <a:t>B.23</a:t>
+                  </a:r>
+                </a:p>
+              </p:txBody>
+            </p:sp>
+          </p:grpSp>
+          <p:cxnSp>
+            <p:nvCxnSpPr>
+              <p:cNvPr id="58" name="Gerade Verbindung mit Pfeil 57">
+                <a:extLst>
+                  <a:ext uri="{FF2B5EF4-FFF2-40B4-BE49-F238E27FC236}">
+                    <a16:creationId xmlns:a16="http://schemas.microsoft.com/office/drawing/2014/main" id="{4FADEA90-5319-9746-861D-3CF1AEAC9D95}"/>
+                  </a:ext>
+                </a:extLst>
+              </p:cNvPr>
+              <p:cNvCxnSpPr>
+                <a:cxnSpLocks/>
+              </p:cNvCxnSpPr>
+              <p:nvPr/>
+            </p:nvCxnSpPr>
+            <p:spPr>
+              <a:xfrm flipV="1">
+                <a:off x="10664244" y="3772252"/>
+                <a:ext cx="980130" cy="885277"/>
+              </a:xfrm>
+              <a:prstGeom prst="straightConnector1">
+                <a:avLst/>
+              </a:prstGeom>
+              <a:ln w="38100">
+                <a:solidFill>
+                  <a:schemeClr val="tx1"/>
+                </a:solidFill>
+                <a:headEnd w="lg" len="med"/>
+                <a:tailEnd type="triangle" w="lg" len="med"/>
+              </a:ln>
+            </p:spPr>
+            <p:style>
+              <a:lnRef idx="1">
+                <a:schemeClr val="accent1"/>
+              </a:lnRef>
+              <a:fillRef idx="0">
+                <a:schemeClr val="accent1"/>
+              </a:fillRef>
+              <a:effectRef idx="0">
+                <a:schemeClr val="accent1"/>
+              </a:effectRef>
+              <a:fontRef idx="minor">
+                <a:schemeClr val="tx1"/>
+              </a:fontRef>
+            </p:style>
+          </p:cxnSp>
+          <p:sp>
+            <p:nvSpPr>
+              <p:cNvPr id="60" name="Textfeld 59">
+                <a:extLst>
+                  <a:ext uri="{FF2B5EF4-FFF2-40B4-BE49-F238E27FC236}">
+                    <a16:creationId xmlns:a16="http://schemas.microsoft.com/office/drawing/2014/main" id="{42CB6FE4-82A4-4C43-AB41-65790D339E38}"/>
+                  </a:ext>
+                </a:extLst>
+              </p:cNvPr>
+              <p:cNvSpPr txBox="1"/>
+              <p:nvPr/>
+            </p:nvSpPr>
+            <p:spPr>
+              <a:xfrm>
+                <a:off x="11056922" y="4261559"/>
+                <a:ext cx="543739" cy="369332"/>
+              </a:xfrm>
+              <a:prstGeom prst="rect">
+                <a:avLst/>
+              </a:prstGeom>
+              <a:noFill/>
+            </p:spPr>
+            <p:txBody>
+              <a:bodyPr wrap="none" rtlCol="0">
+                <a:spAutoFit/>
+              </a:bodyPr>
+              <a:lstStyle/>
+              <a:p>
+                <a:r>
+                  <a:rPr lang="en-US" dirty="0">
+                    <a:solidFill>
+                      <a:srgbClr val="0070C0"/>
+                    </a:solidFill>
+                  </a:rPr>
+                  <a:t>C.2</a:t>
+                </a:r>
+              </a:p>
+            </p:txBody>
+          </p:sp>
+          <p:cxnSp>
+            <p:nvCxnSpPr>
+              <p:cNvPr id="61" name="Gerade Verbindung mit Pfeil 60">
+                <a:extLst>
+                  <a:ext uri="{FF2B5EF4-FFF2-40B4-BE49-F238E27FC236}">
+                    <a16:creationId xmlns:a16="http://schemas.microsoft.com/office/drawing/2014/main" id="{DEB57DDC-4C6D-1C42-B98B-6EE726F9A271}"/>
+                  </a:ext>
+                </a:extLst>
+              </p:cNvPr>
+              <p:cNvCxnSpPr>
+                <a:cxnSpLocks/>
+                <a:endCxn id="55" idx="1"/>
+              </p:cNvCxnSpPr>
+              <p:nvPr/>
+            </p:nvCxnSpPr>
+            <p:spPr>
+              <a:xfrm>
+                <a:off x="8452289" y="4682847"/>
+                <a:ext cx="1038552" cy="0"/>
+              </a:xfrm>
+              <a:prstGeom prst="straightConnector1">
+                <a:avLst/>
+              </a:prstGeom>
+              <a:ln w="38100">
+                <a:solidFill>
+                  <a:schemeClr val="tx1"/>
+                </a:solidFill>
+                <a:headEnd w="lg" len="med"/>
+                <a:tailEnd type="triangle" w="lg" len="med"/>
+              </a:ln>
+            </p:spPr>
+            <p:style>
+              <a:lnRef idx="1">
+                <a:schemeClr val="accent1"/>
+              </a:lnRef>
+              <a:fillRef idx="0">
+                <a:schemeClr val="accent1"/>
+              </a:fillRef>
+              <a:effectRef idx="0">
+                <a:schemeClr val="accent1"/>
+              </a:effectRef>
+              <a:fontRef idx="minor">
+                <a:schemeClr val="tx1"/>
+              </a:fontRef>
+            </p:style>
+          </p:cxnSp>
+        </p:grpSp>
+      </p:grpSp>
+      <p:sp>
+        <p:nvSpPr>
+          <p:cNvPr id="67" name="Pfeil nach rechts 66">
+            <a:extLst>
+              <a:ext uri="{FF2B5EF4-FFF2-40B4-BE49-F238E27FC236}">
+                <a16:creationId xmlns:a16="http://schemas.microsoft.com/office/drawing/2014/main" id="{D2E9C82B-1117-C84D-B853-A45FC5D3B4E2}"/>
+              </a:ext>
+            </a:extLst>
+          </p:cNvPr>
+          <p:cNvSpPr/>
+          <p:nvPr/>
+        </p:nvSpPr>
+        <p:spPr>
+          <a:xfrm>
+            <a:off x="3945798" y="3488797"/>
+            <a:ext cx="821256" cy="417360"/>
+          </a:xfrm>
+          <a:prstGeom prst="rightArrow">
+            <a:avLst/>
+          </a:prstGeom>
+        </p:spPr>
+        <p:style>
+          <a:lnRef idx="2">
+            <a:schemeClr val="accent1">
+              <a:shade val="50000"/>
+            </a:schemeClr>
+          </a:lnRef>
+          <a:fillRef idx="1">
+            <a:schemeClr val="accent1"/>
+          </a:fillRef>
+          <a:effectRef idx="0">
+            <a:schemeClr val="accent1"/>
+          </a:effectRef>
+          <a:fontRef idx="minor">
+            <a:schemeClr val="lt1"/>
+          </a:fontRef>
+        </p:style>
+        <p:txBody>
+          <a:bodyPr rtlCol="0" anchor="ctr"/>
+          <a:lstStyle/>
+          <a:p>
+            <a:pPr algn="ctr"/>
+            <a:endParaRPr lang="en-US" dirty="0"/>
+          </a:p>
+        </p:txBody>
+      </p:sp>
+    </p:spTree>
+    <p:extLst>
+      <p:ext uri="{BB962C8B-B14F-4D97-AF65-F5344CB8AC3E}">
+        <p14:creationId xmlns:p14="http://schemas.microsoft.com/office/powerpoint/2010/main" val="1603997193"/>
+      </p:ext>
+    </p:extLst>
+  </p:cSld>
+  <p:clrMapOvr>
+    <a:masterClrMapping/>
+  </p:clrMapOvr>
+</p:sld>
+</file>
+
+<file path=ppt/slides/slide4.xml><?xml version="1.0" encoding="utf-8"?>
+<p:sld xmlns:a="http://schemas.openxmlformats.org/drawingml/2006/main" xmlns:r="http://schemas.openxmlformats.org/officeDocument/2006/relationships" xmlns:p="http://schemas.openxmlformats.org/presentationml/2006/main">
+  <p:cSld>
+    <p:spTree>
+      <p:nvGrpSpPr>
+        <p:cNvPr id="1" name=""/>
+        <p:cNvGrpSpPr/>
+        <p:nvPr/>
+      </p:nvGrpSpPr>
+      <p:grpSpPr>
+        <a:xfrm>
+          <a:off x="0" y="0"/>
+          <a:ext cx="0" cy="0"/>
+          <a:chOff x="0" y="0"/>
+          <a:chExt cx="0" cy="0"/>
+        </a:xfrm>
+      </p:grpSpPr>
+      <p:sp>
+        <p:nvSpPr>
+          <p:cNvPr id="2" name="Titel 1">
+            <a:extLst>
+              <a:ext uri="{FF2B5EF4-FFF2-40B4-BE49-F238E27FC236}">
+                <a16:creationId xmlns:a16="http://schemas.microsoft.com/office/drawing/2014/main" id="{4E4AE26E-BDAE-4262-A057-39AC2366A5F1}"/>
+              </a:ext>
+            </a:extLst>
+          </p:cNvPr>
+          <p:cNvSpPr>
+            <a:spLocks noGrp="1"/>
+          </p:cNvSpPr>
+          <p:nvPr>
+            <p:ph type="title"/>
+          </p:nvPr>
+        </p:nvSpPr>
+        <p:spPr>
+          <a:xfrm>
+            <a:off x="524664" y="444005"/>
+            <a:ext cx="9178008" cy="627829"/>
+          </a:xfrm>
+        </p:spPr>
+        <p:txBody>
+          <a:bodyPr/>
+          <a:lstStyle/>
+          <a:p>
+            <a:r>
+              <a:rPr lang="en-US" noProof="0" dirty="0" err="1"/>
+              <a:t>Datenflussdiagramme</a:t>
+            </a:r>
+            <a:endParaRPr lang="en-US" noProof="0" dirty="0"/>
+          </a:p>
+        </p:txBody>
+      </p:sp>
+      <p:sp>
+        <p:nvSpPr>
+          <p:cNvPr id="3" name="Inhaltsplatzhalter 2">
+            <a:extLst>
+              <a:ext uri="{FF2B5EF4-FFF2-40B4-BE49-F238E27FC236}">
+                <a16:creationId xmlns:a16="http://schemas.microsoft.com/office/drawing/2014/main" id="{900E3307-8428-4C7A-A1DA-C96FE547A036}"/>
+              </a:ext>
+            </a:extLst>
+          </p:cNvPr>
+          <p:cNvSpPr>
+            <a:spLocks noGrp="1"/>
+          </p:cNvSpPr>
+          <p:nvPr>
+            <p:ph idx="1"/>
+          </p:nvPr>
+        </p:nvSpPr>
+        <p:spPr>
+          <a:xfrm>
+            <a:off x="524664" y="1269207"/>
+            <a:ext cx="11142672" cy="4502318"/>
+          </a:xfrm>
+        </p:spPr>
+        <p:txBody>
+          <a:bodyPr/>
+          <a:lstStyle/>
+          <a:p>
+            <a:pPr>
+              <a:lnSpc>
+                <a:spcPct val="100000"/>
+              </a:lnSpc>
+            </a:pPr>
+            <a:r>
+              <a:rPr lang="de-DE" dirty="0"/>
+              <a:t>Datenorientierte Darstellung von Systemen</a:t>
+            </a:r>
+          </a:p>
+          <a:p>
+            <a:pPr>
+              <a:lnSpc>
+                <a:spcPct val="100000"/>
+              </a:lnSpc>
+            </a:pPr>
+            <a:r>
+              <a:rPr lang="de-DE" dirty="0"/>
+              <a:t>4 Einheiten</a:t>
+            </a:r>
+          </a:p>
+          <a:p>
+            <a:pPr>
+              <a:lnSpc>
+                <a:spcPct val="100000"/>
+              </a:lnSpc>
+            </a:pPr>
+            <a:r>
+              <a:rPr lang="de-DE" dirty="0"/>
+              <a:t>Verfeinern in Subdiagramme möglich</a:t>
+            </a:r>
+          </a:p>
+        </p:txBody>
+      </p:sp>
+      <p:sp>
+        <p:nvSpPr>
+          <p:cNvPr id="4" name="Datumsplatzhalter 3">
+            <a:extLst>
+              <a:ext uri="{FF2B5EF4-FFF2-40B4-BE49-F238E27FC236}">
+                <a16:creationId xmlns:a16="http://schemas.microsoft.com/office/drawing/2014/main" id="{9CCAFD67-B02A-4CC5-A0AF-41ECCAE2B82F}"/>
+              </a:ext>
+            </a:extLst>
+          </p:cNvPr>
+          <p:cNvSpPr>
+            <a:spLocks noGrp="1"/>
+          </p:cNvSpPr>
+          <p:nvPr>
+            <p:ph type="dt" sz="half" idx="10"/>
+          </p:nvPr>
+        </p:nvSpPr>
+        <p:spPr/>
+        <p:txBody>
+          <a:bodyPr/>
+          <a:lstStyle/>
+          <a:p>
+            <a:r>
+              <a:rPr lang="de-DE"/>
+              <a:t>25.03.2020</a:t>
+            </a:r>
+          </a:p>
+        </p:txBody>
+      </p:sp>
+      <p:sp>
+        <p:nvSpPr>
+          <p:cNvPr id="6" name="Foliennummernplatzhalter 5">
+            <a:extLst>
+              <a:ext uri="{FF2B5EF4-FFF2-40B4-BE49-F238E27FC236}">
+                <a16:creationId xmlns:a16="http://schemas.microsoft.com/office/drawing/2014/main" id="{2014E5A3-BB19-4CC6-A059-F359A2A51340}"/>
+              </a:ext>
+            </a:extLst>
+          </p:cNvPr>
+          <p:cNvSpPr>
+            <a:spLocks noGrp="1"/>
+          </p:cNvSpPr>
+          <p:nvPr>
+            <p:ph type="sldNum" sz="quarter" idx="12"/>
+          </p:nvPr>
+        </p:nvSpPr>
+        <p:spPr/>
+        <p:txBody>
+          <a:bodyPr/>
+          <a:lstStyle/>
+          <a:p>
+            <a:fld id="{61696EC4-B4CF-4701-AD06-A8439D6D8E12}" type="slidenum">
+              <a:rPr lang="de-DE" smtClean="0"/>
+              <a:t>4</a:t>
+            </a:fld>
+            <a:endParaRPr lang="de-DE"/>
+          </a:p>
+        </p:txBody>
+      </p:sp>
+      <p:pic>
+        <p:nvPicPr>
+          <p:cNvPr id="7" name="Grafik 6">
+            <a:extLst>
+              <a:ext uri="{FF2B5EF4-FFF2-40B4-BE49-F238E27FC236}">
+                <a16:creationId xmlns:a16="http://schemas.microsoft.com/office/drawing/2014/main" id="{A73C25D4-379A-3A41-8F94-5BC91FF99D70}"/>
+              </a:ext>
+            </a:extLst>
+          </p:cNvPr>
+          <p:cNvPicPr>
+            <a:picLocks noChangeAspect="1"/>
+          </p:cNvPicPr>
+          <p:nvPr/>
+        </p:nvPicPr>
+        <p:blipFill>
+          <a:blip r:embed="rId2">
+            <a:extLst>
+              <a:ext uri="{28A0092B-C50C-407E-A947-70E740481C1C}">
+                <a14:useLocalDpi xmlns:a14="http://schemas.microsoft.com/office/drawing/2010/main" val="0"/>
+              </a:ext>
+              <a:ext uri="{96DAC541-7B7A-43D3-8B79-37D633B846F1}">
+                <asvg:svgBlip xmlns:asvg="http://schemas.microsoft.com/office/drawing/2016/SVG/main" r:embed="rId3"/>
+              </a:ext>
+            </a:extLst>
+          </a:blip>
+          <a:stretch>
+            <a:fillRect/>
+          </a:stretch>
+        </p:blipFill>
+        <p:spPr>
+          <a:xfrm>
+            <a:off x="8423254" y="3673619"/>
+            <a:ext cx="1943100" cy="800100"/>
+          </a:xfrm>
+          <a:prstGeom prst="rect">
+            <a:avLst/>
+          </a:prstGeom>
+        </p:spPr>
+      </p:pic>
+      <p:pic>
+        <p:nvPicPr>
+          <p:cNvPr id="8" name="Grafik 7">
+            <a:extLst>
+              <a:ext uri="{FF2B5EF4-FFF2-40B4-BE49-F238E27FC236}">
+                <a16:creationId xmlns:a16="http://schemas.microsoft.com/office/drawing/2014/main" id="{50543119-C266-CC4C-A29D-B47CF5E9614A}"/>
+              </a:ext>
+            </a:extLst>
+          </p:cNvPr>
+          <p:cNvPicPr>
+            <a:picLocks noChangeAspect="1"/>
+          </p:cNvPicPr>
+          <p:nvPr/>
+        </p:nvPicPr>
+        <p:blipFill>
+          <a:blip r:embed="rId4">
+            <a:extLst>
+              <a:ext uri="{28A0092B-C50C-407E-A947-70E740481C1C}">
+                <a14:useLocalDpi xmlns:a14="http://schemas.microsoft.com/office/drawing/2010/main" val="0"/>
+              </a:ext>
+              <a:ext uri="{96DAC541-7B7A-43D3-8B79-37D633B846F1}">
+                <asvg:svgBlip xmlns:asvg="http://schemas.microsoft.com/office/drawing/2016/SVG/main" r:embed="rId5"/>
+              </a:ext>
+            </a:extLst>
+          </a:blip>
+          <a:stretch>
+            <a:fillRect/>
+          </a:stretch>
+        </p:blipFill>
+        <p:spPr>
+          <a:xfrm>
+            <a:off x="1839288" y="3673619"/>
+            <a:ext cx="1943100" cy="800100"/>
+          </a:xfrm>
+          <a:prstGeom prst="rect">
+            <a:avLst/>
+          </a:prstGeom>
+        </p:spPr>
+      </p:pic>
+      <p:cxnSp>
+        <p:nvCxnSpPr>
+          <p:cNvPr id="9" name="Gerade Verbindung mit Pfeil 8">
+            <a:extLst>
+              <a:ext uri="{FF2B5EF4-FFF2-40B4-BE49-F238E27FC236}">
+                <a16:creationId xmlns:a16="http://schemas.microsoft.com/office/drawing/2014/main" id="{4238EEC0-315F-BB4B-B529-0BA64945EC2F}"/>
+              </a:ext>
+            </a:extLst>
+          </p:cNvPr>
+          <p:cNvCxnSpPr>
+            <a:cxnSpLocks/>
+          </p:cNvCxnSpPr>
+          <p:nvPr/>
+        </p:nvCxnSpPr>
+        <p:spPr>
+          <a:xfrm>
+            <a:off x="3791442" y="4091306"/>
+            <a:ext cx="1598356" cy="7468"/>
+          </a:xfrm>
+          <a:prstGeom prst="straightConnector1">
+            <a:avLst/>
+          </a:prstGeom>
+          <a:ln w="38100">
+            <a:solidFill>
+              <a:schemeClr val="tx1"/>
+            </a:solidFill>
+            <a:headEnd w="lg" len="med"/>
+            <a:tailEnd type="triangle" w="lg" len="med"/>
+          </a:ln>
+        </p:spPr>
+        <p:style>
+          <a:lnRef idx="1">
+            <a:schemeClr val="accent1"/>
+          </a:lnRef>
+          <a:fillRef idx="0">
+            <a:schemeClr val="accent1"/>
+          </a:fillRef>
+          <a:effectRef idx="0">
+            <a:schemeClr val="accent1"/>
+          </a:effectRef>
+          <a:fontRef idx="minor">
+            <a:schemeClr val="tx1"/>
+          </a:fontRef>
+        </p:style>
+      </p:cxnSp>
+      <p:sp>
+        <p:nvSpPr>
+          <p:cNvPr id="10" name="Textfeld 9">
+            <a:extLst>
+              <a:ext uri="{FF2B5EF4-FFF2-40B4-BE49-F238E27FC236}">
+                <a16:creationId xmlns:a16="http://schemas.microsoft.com/office/drawing/2014/main" id="{63DA3476-DBFB-664E-B714-A82273E77596}"/>
+              </a:ext>
+            </a:extLst>
+          </p:cNvPr>
+          <p:cNvSpPr txBox="1"/>
+          <p:nvPr/>
+        </p:nvSpPr>
+        <p:spPr>
+          <a:xfrm>
+            <a:off x="1988717" y="3886490"/>
+            <a:ext cx="1646669" cy="369332"/>
+          </a:xfrm>
+          <a:prstGeom prst="rect">
+            <a:avLst/>
+          </a:prstGeom>
+          <a:noFill/>
+        </p:spPr>
+        <p:txBody>
+          <a:bodyPr wrap="none" rtlCol="0">
+            <a:spAutoFit/>
+          </a:bodyPr>
+          <a:lstStyle/>
+          <a:p>
+            <a:pPr algn="ctr"/>
+            <a:r>
+              <a:rPr lang="en-US" dirty="0" err="1"/>
+              <a:t>Externer</a:t>
+            </a:r>
+            <a:r>
+              <a:rPr lang="en-US" dirty="0"/>
+              <a:t> </a:t>
+            </a:r>
+            <a:r>
+              <a:rPr lang="en-US" dirty="0" err="1"/>
+              <a:t>Aktor</a:t>
+            </a:r>
+            <a:endParaRPr lang="en-US" dirty="0"/>
+          </a:p>
+        </p:txBody>
+      </p:sp>
+      <p:sp>
+        <p:nvSpPr>
+          <p:cNvPr id="11" name="Textfeld 10">
+            <a:extLst>
+              <a:ext uri="{FF2B5EF4-FFF2-40B4-BE49-F238E27FC236}">
+                <a16:creationId xmlns:a16="http://schemas.microsoft.com/office/drawing/2014/main" id="{5630C8F0-28ED-BA44-B843-8DDA3D8B267F}"/>
+              </a:ext>
+            </a:extLst>
+          </p:cNvPr>
+          <p:cNvSpPr txBox="1"/>
+          <p:nvPr/>
+        </p:nvSpPr>
+        <p:spPr>
+          <a:xfrm>
+            <a:off x="5626651" y="3886490"/>
+            <a:ext cx="1018227" cy="369332"/>
+          </a:xfrm>
+          <a:prstGeom prst="rect">
+            <a:avLst/>
+          </a:prstGeom>
+          <a:noFill/>
+        </p:spPr>
+        <p:txBody>
+          <a:bodyPr wrap="none" rtlCol="0">
+            <a:spAutoFit/>
+          </a:bodyPr>
+          <a:lstStyle/>
+          <a:p>
+            <a:r>
+              <a:rPr lang="en-US" dirty="0" err="1"/>
+              <a:t>Prozess</a:t>
+            </a:r>
+            <a:endParaRPr lang="en-US" dirty="0"/>
+          </a:p>
+        </p:txBody>
+      </p:sp>
+      <p:sp>
+        <p:nvSpPr>
+          <p:cNvPr id="12" name="Textfeld 11">
+            <a:extLst>
+              <a:ext uri="{FF2B5EF4-FFF2-40B4-BE49-F238E27FC236}">
+                <a16:creationId xmlns:a16="http://schemas.microsoft.com/office/drawing/2014/main" id="{AF62FDD6-30A1-C349-8806-D990480B6C8B}"/>
+              </a:ext>
+            </a:extLst>
+          </p:cNvPr>
+          <p:cNvSpPr txBox="1"/>
+          <p:nvPr/>
+        </p:nvSpPr>
+        <p:spPr>
+          <a:xfrm>
+            <a:off x="9026755" y="3897122"/>
+            <a:ext cx="736099" cy="369332"/>
+          </a:xfrm>
+          <a:prstGeom prst="rect">
+            <a:avLst/>
+          </a:prstGeom>
+          <a:noFill/>
+        </p:spPr>
+        <p:txBody>
+          <a:bodyPr wrap="none" rtlCol="0">
+            <a:spAutoFit/>
+          </a:bodyPr>
+          <a:lstStyle/>
+          <a:p>
+            <a:r>
+              <a:rPr lang="en-US" dirty="0"/>
+              <a:t>Store</a:t>
+            </a:r>
+          </a:p>
+        </p:txBody>
+      </p:sp>
+      <p:sp>
+        <p:nvSpPr>
+          <p:cNvPr id="13" name="Textfeld 12">
+            <a:extLst>
+              <a:ext uri="{FF2B5EF4-FFF2-40B4-BE49-F238E27FC236}">
+                <a16:creationId xmlns:a16="http://schemas.microsoft.com/office/drawing/2014/main" id="{13548C0F-E196-1C43-B5BA-CD4F708A1E63}"/>
+              </a:ext>
+            </a:extLst>
+          </p:cNvPr>
+          <p:cNvSpPr txBox="1"/>
+          <p:nvPr/>
+        </p:nvSpPr>
+        <p:spPr>
+          <a:xfrm>
+            <a:off x="3955351" y="3652767"/>
+            <a:ext cx="1274708" cy="369332"/>
+          </a:xfrm>
+          <a:prstGeom prst="rect">
+            <a:avLst/>
+          </a:prstGeom>
+          <a:noFill/>
+        </p:spPr>
+        <p:txBody>
+          <a:bodyPr wrap="none" rtlCol="0">
+            <a:spAutoFit/>
+          </a:bodyPr>
+          <a:lstStyle/>
+          <a:p>
+            <a:r>
+              <a:rPr lang="en-US" dirty="0" err="1"/>
+              <a:t>Datenfluss</a:t>
+            </a:r>
+            <a:endParaRPr lang="en-US" dirty="0"/>
+          </a:p>
+        </p:txBody>
+      </p:sp>
+      <p:sp>
+        <p:nvSpPr>
+          <p:cNvPr id="14" name="Textfeld 13">
+            <a:extLst>
+              <a:ext uri="{FF2B5EF4-FFF2-40B4-BE49-F238E27FC236}">
+                <a16:creationId xmlns:a16="http://schemas.microsoft.com/office/drawing/2014/main" id="{326B94E1-A23E-2F48-8E92-032D9443769A}"/>
+              </a:ext>
+            </a:extLst>
+          </p:cNvPr>
+          <p:cNvSpPr txBox="1"/>
+          <p:nvPr/>
+        </p:nvSpPr>
+        <p:spPr>
+          <a:xfrm>
+            <a:off x="6917597" y="4146437"/>
+            <a:ext cx="1274708" cy="369332"/>
+          </a:xfrm>
+          <a:prstGeom prst="rect">
+            <a:avLst/>
+          </a:prstGeom>
+          <a:noFill/>
+        </p:spPr>
+        <p:txBody>
+          <a:bodyPr wrap="none" rtlCol="0">
+            <a:spAutoFit/>
+          </a:bodyPr>
+          <a:lstStyle/>
+          <a:p>
+            <a:r>
+              <a:rPr lang="en-US" dirty="0" err="1"/>
+              <a:t>Datenfluss</a:t>
+            </a:r>
+            <a:endParaRPr lang="en-US" dirty="0"/>
+          </a:p>
+        </p:txBody>
+      </p:sp>
+      <p:cxnSp>
+        <p:nvCxnSpPr>
+          <p:cNvPr id="15" name="Gerade Verbindung mit Pfeil 14">
+            <a:extLst>
+              <a:ext uri="{FF2B5EF4-FFF2-40B4-BE49-F238E27FC236}">
+                <a16:creationId xmlns:a16="http://schemas.microsoft.com/office/drawing/2014/main" id="{AA2DCF34-C671-A941-AA9A-A4BE54156BAC}"/>
+              </a:ext>
+            </a:extLst>
+          </p:cNvPr>
+          <p:cNvCxnSpPr>
+            <a:cxnSpLocks/>
+          </p:cNvCxnSpPr>
+          <p:nvPr/>
+        </p:nvCxnSpPr>
+        <p:spPr>
+          <a:xfrm>
+            <a:off x="6824898" y="4095040"/>
+            <a:ext cx="1598356" cy="7468"/>
+          </a:xfrm>
+          <a:prstGeom prst="straightConnector1">
+            <a:avLst/>
+          </a:prstGeom>
+          <a:ln w="38100">
+            <a:solidFill>
+              <a:schemeClr val="tx1"/>
+            </a:solidFill>
+            <a:headEnd w="lg" len="med"/>
+            <a:tailEnd type="triangle" w="lg" len="med"/>
+          </a:ln>
+        </p:spPr>
+        <p:style>
+          <a:lnRef idx="1">
+            <a:schemeClr val="accent1"/>
+          </a:lnRef>
+          <a:fillRef idx="0">
+            <a:schemeClr val="accent1"/>
+          </a:fillRef>
+          <a:effectRef idx="0">
+            <a:schemeClr val="accent1"/>
+          </a:effectRef>
+          <a:fontRef idx="minor">
+            <a:schemeClr val="tx1"/>
+          </a:fontRef>
+        </p:style>
+      </p:cxnSp>
+      <p:pic>
+        <p:nvPicPr>
+          <p:cNvPr id="16" name="Grafik 15">
+            <a:extLst>
+              <a:ext uri="{FF2B5EF4-FFF2-40B4-BE49-F238E27FC236}">
+                <a16:creationId xmlns:a16="http://schemas.microsoft.com/office/drawing/2014/main" id="{86FE47F8-13CE-814C-B74E-181A9DE2B4A1}"/>
+              </a:ext>
+            </a:extLst>
+          </p:cNvPr>
+          <p:cNvPicPr>
+            <a:picLocks noChangeAspect="1"/>
+          </p:cNvPicPr>
+          <p:nvPr/>
+        </p:nvPicPr>
+        <p:blipFill>
+          <a:blip r:embed="rId6">
+            <a:extLst>
+              <a:ext uri="{28A0092B-C50C-407E-A947-70E740481C1C}">
+                <a14:useLocalDpi xmlns:a14="http://schemas.microsoft.com/office/drawing/2010/main" val="0"/>
+              </a:ext>
+              <a:ext uri="{96DAC541-7B7A-43D3-8B79-37D633B846F1}">
+                <asvg:svgBlip xmlns:asvg="http://schemas.microsoft.com/office/drawing/2016/SVG/main" r:embed="rId7"/>
+              </a:ext>
+            </a:extLst>
+          </a:blip>
+          <a:stretch>
+            <a:fillRect/>
+          </a:stretch>
+        </p:blipFill>
+        <p:spPr>
+          <a:xfrm>
+            <a:off x="5389798" y="3381224"/>
+            <a:ext cx="1436400" cy="1436400"/>
+          </a:xfrm>
+          <a:prstGeom prst="rect">
+            <a:avLst/>
+          </a:prstGeom>
+        </p:spPr>
+      </p:pic>
+    </p:spTree>
+    <p:extLst>
+      <p:ext uri="{BB962C8B-B14F-4D97-AF65-F5344CB8AC3E}">
+        <p14:creationId xmlns:p14="http://schemas.microsoft.com/office/powerpoint/2010/main" val="1916645623"/>
+      </p:ext>
+    </p:extLst>
+  </p:cSld>
+  <p:clrMapOvr>
+    <a:masterClrMapping/>
+  </p:clrMapOvr>
+</p:sld>
+</file>
+
+<file path=ppt/slides/slide5.xml><?xml version="1.0" encoding="utf-8"?>
+<p:sld xmlns:a="http://schemas.openxmlformats.org/drawingml/2006/main" xmlns:r="http://schemas.openxmlformats.org/officeDocument/2006/relationships" xmlns:p="http://schemas.openxmlformats.org/presentationml/2006/main">
+  <p:cSld>
+    <p:spTree>
+      <p:nvGrpSpPr>
+        <p:cNvPr id="1" name=""/>
+        <p:cNvGrpSpPr/>
+        <p:nvPr/>
+      </p:nvGrpSpPr>
+      <p:grpSpPr>
+        <a:xfrm>
+          <a:off x="0" y="0"/>
+          <a:ext cx="0" cy="0"/>
+          <a:chOff x="0" y="0"/>
+          <a:chExt cx="0" cy="0"/>
+        </a:xfrm>
+      </p:grpSpPr>
+      <p:sp>
+        <p:nvSpPr>
+          <p:cNvPr id="2" name="Titel 1">
+            <a:extLst>
+              <a:ext uri="{FF2B5EF4-FFF2-40B4-BE49-F238E27FC236}">
+                <a16:creationId xmlns:a16="http://schemas.microsoft.com/office/drawing/2014/main" id="{4E4AE26E-BDAE-4262-A057-39AC2366A5F1}"/>
+              </a:ext>
+            </a:extLst>
+          </p:cNvPr>
+          <p:cNvSpPr>
+            <a:spLocks noGrp="1"/>
+          </p:cNvSpPr>
+          <p:nvPr>
+            <p:ph type="title"/>
+          </p:nvPr>
+        </p:nvSpPr>
+        <p:spPr>
+          <a:xfrm>
+            <a:off x="524664" y="444005"/>
+            <a:ext cx="9178008" cy="627829"/>
+          </a:xfrm>
+        </p:spPr>
+        <p:txBody>
+          <a:bodyPr/>
+          <a:lstStyle/>
+          <a:p>
+            <a:r>
+              <a:rPr lang="en-US" noProof="0" dirty="0"/>
+              <a:t>Data Dictionary</a:t>
+            </a:r>
+          </a:p>
+        </p:txBody>
+      </p:sp>
+      <p:sp>
+        <p:nvSpPr>
+          <p:cNvPr id="3" name="Inhaltsplatzhalter 2">
+            <a:extLst>
+              <a:ext uri="{FF2B5EF4-FFF2-40B4-BE49-F238E27FC236}">
+                <a16:creationId xmlns:a16="http://schemas.microsoft.com/office/drawing/2014/main" id="{900E3307-8428-4C7A-A1DA-C96FE547A036}"/>
+              </a:ext>
+            </a:extLst>
+          </p:cNvPr>
+          <p:cNvSpPr>
+            <a:spLocks noGrp="1"/>
+          </p:cNvSpPr>
+          <p:nvPr>
+            <p:ph idx="1"/>
+          </p:nvPr>
+        </p:nvSpPr>
+        <p:spPr>
+          <a:xfrm>
+            <a:off x="524664" y="1269207"/>
+            <a:ext cx="11142672" cy="4502318"/>
+          </a:xfrm>
+        </p:spPr>
+        <p:txBody>
+          <a:bodyPr/>
+          <a:lstStyle/>
+          <a:p>
+            <a:pPr>
+              <a:lnSpc>
+                <a:spcPct val="100000"/>
+              </a:lnSpc>
+            </a:pPr>
+            <a:r>
+              <a:rPr lang="de-DE" dirty="0"/>
+              <a:t>Definition von Typkontext</a:t>
+            </a:r>
+          </a:p>
+          <a:p>
+            <a:pPr lvl="1">
+              <a:lnSpc>
+                <a:spcPct val="100000"/>
+              </a:lnSpc>
+            </a:pPr>
+            <a:r>
+              <a:rPr lang="de-DE" dirty="0"/>
+              <a:t>d.h. Menge von Datentypen, die in Datenflussdiagramm vorkommen können</a:t>
+            </a:r>
+          </a:p>
+          <a:p>
+            <a:pPr>
+              <a:lnSpc>
+                <a:spcPct val="100000"/>
+              </a:lnSpc>
+            </a:pPr>
+            <a:r>
+              <a:rPr lang="de-DE" dirty="0"/>
+              <a:t>3 Einheiten  </a:t>
+            </a:r>
+          </a:p>
+          <a:p>
+            <a:pPr>
+              <a:lnSpc>
+                <a:spcPct val="100000"/>
+              </a:lnSpc>
+            </a:pPr>
+            <a:r>
+              <a:rPr lang="de-DE" dirty="0"/>
+              <a:t>Grundlage für </a:t>
+            </a:r>
+          </a:p>
+          <a:p>
+            <a:pPr lvl="1">
+              <a:lnSpc>
+                <a:spcPct val="100000"/>
+              </a:lnSpc>
+            </a:pPr>
+            <a:r>
+              <a:rPr lang="de-DE" dirty="0" err="1"/>
+              <a:t>Leveling</a:t>
+            </a:r>
+            <a:endParaRPr lang="de-DE" dirty="0"/>
+          </a:p>
+          <a:p>
+            <a:pPr lvl="1">
+              <a:lnSpc>
+                <a:spcPct val="100000"/>
+              </a:lnSpc>
+            </a:pPr>
+            <a:r>
+              <a:rPr lang="de-DE" dirty="0"/>
+              <a:t>Konsistenzbedingungen</a:t>
+            </a:r>
+          </a:p>
+        </p:txBody>
+      </p:sp>
+      <p:sp>
+        <p:nvSpPr>
+          <p:cNvPr id="4" name="Datumsplatzhalter 3">
+            <a:extLst>
+              <a:ext uri="{FF2B5EF4-FFF2-40B4-BE49-F238E27FC236}">
+                <a16:creationId xmlns:a16="http://schemas.microsoft.com/office/drawing/2014/main" id="{9CCAFD67-B02A-4CC5-A0AF-41ECCAE2B82F}"/>
+              </a:ext>
+            </a:extLst>
+          </p:cNvPr>
+          <p:cNvSpPr>
+            <a:spLocks noGrp="1"/>
+          </p:cNvSpPr>
+          <p:nvPr>
+            <p:ph type="dt" sz="half" idx="10"/>
+          </p:nvPr>
+        </p:nvSpPr>
+        <p:spPr/>
+        <p:txBody>
+          <a:bodyPr/>
+          <a:lstStyle/>
+          <a:p>
+            <a:r>
+              <a:rPr lang="de-DE"/>
+              <a:t>25.03.2020</a:t>
+            </a:r>
+          </a:p>
+        </p:txBody>
+      </p:sp>
+      <p:sp>
+        <p:nvSpPr>
+          <p:cNvPr id="6" name="Foliennummernplatzhalter 5">
+            <a:extLst>
+              <a:ext uri="{FF2B5EF4-FFF2-40B4-BE49-F238E27FC236}">
+                <a16:creationId xmlns:a16="http://schemas.microsoft.com/office/drawing/2014/main" id="{2014E5A3-BB19-4CC6-A059-F359A2A51340}"/>
+              </a:ext>
+            </a:extLst>
+          </p:cNvPr>
+          <p:cNvSpPr>
+            <a:spLocks noGrp="1"/>
+          </p:cNvSpPr>
+          <p:nvPr>
+            <p:ph type="sldNum" sz="quarter" idx="12"/>
+          </p:nvPr>
+        </p:nvSpPr>
+        <p:spPr/>
+        <p:txBody>
+          <a:bodyPr/>
+          <a:lstStyle/>
+          <a:p>
+            <a:fld id="{61696EC4-B4CF-4701-AD06-A8439D6D8E12}" type="slidenum">
+              <a:rPr lang="de-DE" smtClean="0"/>
+              <a:t>5</a:t>
+            </a:fld>
+            <a:endParaRPr lang="de-DE"/>
+          </a:p>
+        </p:txBody>
+      </p:sp>
+      <p:grpSp>
+        <p:nvGrpSpPr>
+          <p:cNvPr id="8" name="Gruppieren 7">
+            <a:extLst>
+              <a:ext uri="{FF2B5EF4-FFF2-40B4-BE49-F238E27FC236}">
+                <a16:creationId xmlns:a16="http://schemas.microsoft.com/office/drawing/2014/main" id="{6B1A7030-2A70-E848-860D-F66231078F88}"/>
+              </a:ext>
+            </a:extLst>
+          </p:cNvPr>
+          <p:cNvGrpSpPr/>
+          <p:nvPr/>
+        </p:nvGrpSpPr>
+        <p:grpSpPr>
+          <a:xfrm>
+            <a:off x="7265178" y="4739996"/>
+            <a:ext cx="1524000" cy="1028700"/>
+            <a:chOff x="2590800" y="4747600"/>
+            <a:chExt cx="1524000" cy="1028700"/>
+          </a:xfrm>
+        </p:grpSpPr>
+        <p:pic>
+          <p:nvPicPr>
+            <p:cNvPr id="9" name="Grafik 8">
+              <a:extLst>
+                <a:ext uri="{FF2B5EF4-FFF2-40B4-BE49-F238E27FC236}">
+                  <a16:creationId xmlns:a16="http://schemas.microsoft.com/office/drawing/2014/main" id="{B9BB8867-472B-4647-A2EC-0B8467E7F612}"/>
+                </a:ext>
+              </a:extLst>
+            </p:cNvPr>
+            <p:cNvPicPr>
+              <a:picLocks noChangeAspect="1"/>
+            </p:cNvPicPr>
+            <p:nvPr/>
+          </p:nvPicPr>
+          <p:blipFill>
+            <a:blip r:embed="rId2">
+              <a:extLst>
+                <a:ext uri="{28A0092B-C50C-407E-A947-70E740481C1C}">
+                  <a14:useLocalDpi xmlns:a14="http://schemas.microsoft.com/office/drawing/2010/main" val="0"/>
+                </a:ext>
+                <a:ext uri="{96DAC541-7B7A-43D3-8B79-37D633B846F1}">
+                  <asvg:svgBlip xmlns:asvg="http://schemas.microsoft.com/office/drawing/2016/SVG/main" r:embed="rId3"/>
+                </a:ext>
+              </a:extLst>
+            </a:blip>
+            <a:stretch>
+              <a:fillRect/>
+            </a:stretch>
+          </p:blipFill>
+          <p:spPr>
+            <a:xfrm>
+              <a:off x="2590800" y="4747600"/>
+              <a:ext cx="1524000" cy="1028700"/>
+            </a:xfrm>
+            <a:prstGeom prst="rect">
+              <a:avLst/>
+            </a:prstGeom>
+          </p:spPr>
+        </p:pic>
         <p:sp>
           <p:nvSpPr>
-            <p:cNvPr id="9" name="Textfeld 8">
+            <p:cNvPr id="10" name="Textfeld 9">
               <a:extLst>
                 <a:ext uri="{FF2B5EF4-FFF2-40B4-BE49-F238E27FC236}">
-                  <a16:creationId xmlns:a16="http://schemas.microsoft.com/office/drawing/2014/main" id="{8975F2DE-3369-6145-AE3F-A3D0FF536E51}"/>
+                  <a16:creationId xmlns:a16="http://schemas.microsoft.com/office/drawing/2014/main" id="{ABA71799-FD61-F747-89AB-9FF65A7EE096}"/>
                 </a:ext>
               </a:extLst>
             </p:cNvPr>
@@ -9654,8 +10085,8 @@
           </p:nvSpPr>
           <p:spPr>
             <a:xfrm>
-              <a:off x="3706431" y="4527595"/>
-              <a:ext cx="1127232" cy="461665"/>
+              <a:off x="2709034" y="5077284"/>
+              <a:ext cx="1287532" cy="369332"/>
             </a:xfrm>
             <a:prstGeom prst="rect">
               <a:avLst/>
@@ -9669,55 +10100,199 @@
             <a:lstStyle/>
             <a:p>
               <a:r>
-                <a:rPr lang="en-US" sz="2400" dirty="0"/>
-                <a:t>“Node”</a:t>
+                <a:rPr lang="en-US" dirty="0"/>
+                <a:t>Composite</a:t>
               </a:r>
             </a:p>
           </p:txBody>
         </p:sp>
-        <p:sp>
-          <p:nvSpPr>
-            <p:cNvPr id="14" name="Pfeil nach rechts 13">
+      </p:grpSp>
+      <p:grpSp>
+        <p:nvGrpSpPr>
+          <p:cNvPr id="11" name="Gruppieren 10">
+            <a:extLst>
+              <a:ext uri="{FF2B5EF4-FFF2-40B4-BE49-F238E27FC236}">
+                <a16:creationId xmlns:a16="http://schemas.microsoft.com/office/drawing/2014/main" id="{1522463D-5D26-FF40-88C6-54DF347617E3}"/>
+              </a:ext>
+            </a:extLst>
+          </p:cNvPr>
+          <p:cNvGrpSpPr/>
+          <p:nvPr/>
+        </p:nvGrpSpPr>
+        <p:grpSpPr>
+          <a:xfrm>
+            <a:off x="6217422" y="3361788"/>
+            <a:ext cx="1524000" cy="1028700"/>
+            <a:chOff x="1066800" y="3034517"/>
+            <a:chExt cx="1524000" cy="1028700"/>
+          </a:xfrm>
+        </p:grpSpPr>
+        <p:pic>
+          <p:nvPicPr>
+            <p:cNvPr id="12" name="Grafik 11">
               <a:extLst>
                 <a:ext uri="{FF2B5EF4-FFF2-40B4-BE49-F238E27FC236}">
-                  <a16:creationId xmlns:a16="http://schemas.microsoft.com/office/drawing/2014/main" id="{24C8E1BF-BC31-1747-A4DE-C1689FEA9C36}"/>
+                  <a16:creationId xmlns:a16="http://schemas.microsoft.com/office/drawing/2014/main" id="{B3B6DE2A-7763-4D40-9064-7495CCF0D4D0}"/>
                 </a:ext>
               </a:extLst>
             </p:cNvPr>
-            <p:cNvSpPr/>
+            <p:cNvPicPr>
+              <a:picLocks noChangeAspect="1"/>
+            </p:cNvPicPr>
+            <p:nvPr/>
+          </p:nvPicPr>
+          <p:blipFill>
+            <a:blip r:embed="rId4">
+              <a:extLst>
+                <a:ext uri="{28A0092B-C50C-407E-A947-70E740481C1C}">
+                  <a14:useLocalDpi xmlns:a14="http://schemas.microsoft.com/office/drawing/2010/main" val="0"/>
+                </a:ext>
+                <a:ext uri="{96DAC541-7B7A-43D3-8B79-37D633B846F1}">
+                  <asvg:svgBlip xmlns:asvg="http://schemas.microsoft.com/office/drawing/2016/SVG/main" r:embed="rId5"/>
+                </a:ext>
+              </a:extLst>
+            </a:blip>
+            <a:stretch>
+              <a:fillRect/>
+            </a:stretch>
+          </p:blipFill>
+          <p:spPr>
+            <a:xfrm>
+              <a:off x="1066800" y="3034517"/>
+              <a:ext cx="1524000" cy="1028700"/>
+            </a:xfrm>
+            <a:prstGeom prst="rect">
+              <a:avLst/>
+            </a:prstGeom>
+          </p:spPr>
+        </p:pic>
+        <p:sp>
+          <p:nvSpPr>
+            <p:cNvPr id="13" name="Textfeld 12">
+              <a:extLst>
+                <a:ext uri="{FF2B5EF4-FFF2-40B4-BE49-F238E27FC236}">
+                  <a16:creationId xmlns:a16="http://schemas.microsoft.com/office/drawing/2014/main" id="{ABC878E1-E72F-C940-889D-69A38F3A616F}"/>
+                </a:ext>
+              </a:extLst>
+            </p:cNvPr>
+            <p:cNvSpPr txBox="1"/>
             <p:nvPr/>
           </p:nvSpPr>
           <p:spPr>
             <a:xfrm>
-              <a:off x="4938936" y="4549748"/>
-              <a:ext cx="821256" cy="417360"/>
+              <a:off x="1229918" y="3244334"/>
+              <a:ext cx="1197764" cy="369332"/>
             </a:xfrm>
-            <a:prstGeom prst="rightArrow">
+            <a:prstGeom prst="rect">
+              <a:avLst/>
+            </a:prstGeom>
+            <a:noFill/>
+          </p:spPr>
+          <p:txBody>
+            <a:bodyPr wrap="none" rtlCol="0">
+              <a:spAutoFit/>
+            </a:bodyPr>
+            <a:lstStyle/>
+            <a:p>
+              <a:r>
+                <a:rPr lang="en-US" dirty="0"/>
+                <a:t>Collection</a:t>
+              </a:r>
+            </a:p>
+          </p:txBody>
+        </p:sp>
+      </p:grpSp>
+      <p:grpSp>
+        <p:nvGrpSpPr>
+          <p:cNvPr id="14" name="Gruppieren 13">
+            <a:extLst>
+              <a:ext uri="{FF2B5EF4-FFF2-40B4-BE49-F238E27FC236}">
+                <a16:creationId xmlns:a16="http://schemas.microsoft.com/office/drawing/2014/main" id="{438FF043-3499-4741-A341-42C0CCC95874}"/>
+              </a:ext>
+            </a:extLst>
+          </p:cNvPr>
+          <p:cNvGrpSpPr/>
+          <p:nvPr/>
+        </p:nvGrpSpPr>
+        <p:grpSpPr>
+          <a:xfrm>
+            <a:off x="8393943" y="3057255"/>
+            <a:ext cx="1524000" cy="1028700"/>
+            <a:chOff x="3810000" y="2914650"/>
+            <a:chExt cx="1524000" cy="1028700"/>
+          </a:xfrm>
+        </p:grpSpPr>
+        <p:pic>
+          <p:nvPicPr>
+            <p:cNvPr id="15" name="Grafik 14">
+              <a:extLst>
+                <a:ext uri="{FF2B5EF4-FFF2-40B4-BE49-F238E27FC236}">
+                  <a16:creationId xmlns:a16="http://schemas.microsoft.com/office/drawing/2014/main" id="{E569351E-B4D9-1742-8D5F-AD0D2AD92CE0}"/>
+                </a:ext>
+              </a:extLst>
+            </p:cNvPr>
+            <p:cNvPicPr>
+              <a:picLocks noChangeAspect="1"/>
+            </p:cNvPicPr>
+            <p:nvPr/>
+          </p:nvPicPr>
+          <p:blipFill>
+            <a:blip r:embed="rId6">
+              <a:extLst>
+                <a:ext uri="{28A0092B-C50C-407E-A947-70E740481C1C}">
+                  <a14:useLocalDpi xmlns:a14="http://schemas.microsoft.com/office/drawing/2010/main" val="0"/>
+                </a:ext>
+                <a:ext uri="{96DAC541-7B7A-43D3-8B79-37D633B846F1}">
+                  <asvg:svgBlip xmlns:asvg="http://schemas.microsoft.com/office/drawing/2016/SVG/main" r:embed="rId7"/>
+                </a:ext>
+              </a:extLst>
+            </a:blip>
+            <a:stretch>
+              <a:fillRect/>
+            </a:stretch>
+          </p:blipFill>
+          <p:spPr>
+            <a:xfrm>
+              <a:off x="3810000" y="2914650"/>
+              <a:ext cx="1524000" cy="1028700"/>
+            </a:xfrm>
+            <a:prstGeom prst="rect">
               <a:avLst/>
             </a:prstGeom>
           </p:spPr>
-          <p:style>
-            <a:lnRef idx="2">
-              <a:schemeClr val="accent1">
-                <a:shade val="50000"/>
-              </a:schemeClr>
-            </a:lnRef>
-            <a:fillRef idx="1">
-              <a:schemeClr val="accent1"/>
-            </a:fillRef>
-            <a:effectRef idx="0">
-              <a:schemeClr val="accent1"/>
-            </a:effectRef>
-            <a:fontRef idx="minor">
-              <a:schemeClr val="lt1"/>
-            </a:fontRef>
-          </p:style>
+        </p:pic>
+        <p:sp>
+          <p:nvSpPr>
+            <p:cNvPr id="16" name="Textfeld 15">
+              <a:extLst>
+                <a:ext uri="{FF2B5EF4-FFF2-40B4-BE49-F238E27FC236}">
+                  <a16:creationId xmlns:a16="http://schemas.microsoft.com/office/drawing/2014/main" id="{E8C6C50A-939C-E746-A72D-BF054E3D5D2A}"/>
+                </a:ext>
+              </a:extLst>
+            </p:cNvPr>
+            <p:cNvSpPr txBox="1"/>
+            <p:nvPr/>
+          </p:nvSpPr>
+          <p:spPr>
+            <a:xfrm>
+              <a:off x="4063089" y="3244334"/>
+              <a:ext cx="1069524" cy="369332"/>
+            </a:xfrm>
+            <a:prstGeom prst="rect">
+              <a:avLst/>
+            </a:prstGeom>
+            <a:noFill/>
+          </p:spPr>
           <p:txBody>
-            <a:bodyPr rtlCol="0" anchor="ctr"/>
+            <a:bodyPr wrap="none" rtlCol="0">
+              <a:spAutoFit/>
+            </a:bodyPr>
             <a:lstStyle/>
             <a:p>
-              <a:pPr algn="ctr"/>
-              <a:endParaRPr lang="en-US"/>
+              <a:r>
+                <a:rPr lang="en-US" dirty="0"/>
+                <a:t>Primitive</a:t>
+              </a:r>
             </a:p>
           </p:txBody>
         </p:sp>
@@ -9725,7 +10300,629 @@
     </p:spTree>
     <p:extLst>
       <p:ext uri="{BB962C8B-B14F-4D97-AF65-F5344CB8AC3E}">
-        <p14:creationId xmlns:p14="http://schemas.microsoft.com/office/powerpoint/2010/main" val="302426992"/>
+        <p14:creationId xmlns:p14="http://schemas.microsoft.com/office/powerpoint/2010/main" val="3449464428"/>
+      </p:ext>
+    </p:extLst>
+  </p:cSld>
+  <p:clrMapOvr>
+    <a:masterClrMapping/>
+  </p:clrMapOvr>
+</p:sld>
+</file>
+
+<file path=ppt/slides/slide6.xml><?xml version="1.0" encoding="utf-8"?>
+<p:sld xmlns:a="http://schemas.openxmlformats.org/drawingml/2006/main" xmlns:r="http://schemas.openxmlformats.org/officeDocument/2006/relationships" xmlns:p="http://schemas.openxmlformats.org/presentationml/2006/main">
+  <p:cSld>
+    <p:spTree>
+      <p:nvGrpSpPr>
+        <p:cNvPr id="1" name=""/>
+        <p:cNvGrpSpPr/>
+        <p:nvPr/>
+      </p:nvGrpSpPr>
+      <p:grpSpPr>
+        <a:xfrm>
+          <a:off x="0" y="0"/>
+          <a:ext cx="0" cy="0"/>
+          <a:chOff x="0" y="0"/>
+          <a:chExt cx="0" cy="0"/>
+        </a:xfrm>
+      </p:grpSpPr>
+      <p:sp>
+        <p:nvSpPr>
+          <p:cNvPr id="2" name="Titel 1">
+            <a:extLst>
+              <a:ext uri="{FF2B5EF4-FFF2-40B4-BE49-F238E27FC236}">
+                <a16:creationId xmlns:a16="http://schemas.microsoft.com/office/drawing/2014/main" id="{4E4AE26E-BDAE-4262-A057-39AC2366A5F1}"/>
+              </a:ext>
+            </a:extLst>
+          </p:cNvPr>
+          <p:cNvSpPr>
+            <a:spLocks noGrp="1"/>
+          </p:cNvSpPr>
+          <p:nvPr>
+            <p:ph type="title"/>
+          </p:nvPr>
+        </p:nvSpPr>
+        <p:spPr>
+          <a:xfrm>
+            <a:off x="524664" y="444005"/>
+            <a:ext cx="9178008" cy="627829"/>
+          </a:xfrm>
+        </p:spPr>
+        <p:txBody>
+          <a:bodyPr/>
+          <a:lstStyle/>
+          <a:p>
+            <a:r>
+              <a:rPr lang="en-US" noProof="0" dirty="0"/>
+              <a:t>Leveling (1)</a:t>
+            </a:r>
+          </a:p>
+        </p:txBody>
+      </p:sp>
+      <p:sp>
+        <p:nvSpPr>
+          <p:cNvPr id="4" name="Datumsplatzhalter 3">
+            <a:extLst>
+              <a:ext uri="{FF2B5EF4-FFF2-40B4-BE49-F238E27FC236}">
+                <a16:creationId xmlns:a16="http://schemas.microsoft.com/office/drawing/2014/main" id="{9CCAFD67-B02A-4CC5-A0AF-41ECCAE2B82F}"/>
+              </a:ext>
+            </a:extLst>
+          </p:cNvPr>
+          <p:cNvSpPr>
+            <a:spLocks noGrp="1"/>
+          </p:cNvSpPr>
+          <p:nvPr>
+            <p:ph type="dt" sz="half" idx="10"/>
+          </p:nvPr>
+        </p:nvSpPr>
+        <p:spPr/>
+        <p:txBody>
+          <a:bodyPr/>
+          <a:lstStyle/>
+          <a:p>
+            <a:r>
+              <a:rPr lang="de-DE"/>
+              <a:t>25.03.2020</a:t>
+            </a:r>
+          </a:p>
+        </p:txBody>
+      </p:sp>
+      <p:sp>
+        <p:nvSpPr>
+          <p:cNvPr id="6" name="Foliennummernplatzhalter 5">
+            <a:extLst>
+              <a:ext uri="{FF2B5EF4-FFF2-40B4-BE49-F238E27FC236}">
+                <a16:creationId xmlns:a16="http://schemas.microsoft.com/office/drawing/2014/main" id="{2014E5A3-BB19-4CC6-A059-F359A2A51340}"/>
+              </a:ext>
+            </a:extLst>
+          </p:cNvPr>
+          <p:cNvSpPr>
+            <a:spLocks noGrp="1"/>
+          </p:cNvSpPr>
+          <p:nvPr>
+            <p:ph type="sldNum" sz="quarter" idx="12"/>
+          </p:nvPr>
+        </p:nvSpPr>
+        <p:spPr/>
+        <p:txBody>
+          <a:bodyPr/>
+          <a:lstStyle/>
+          <a:p>
+            <a:fld id="{61696EC4-B4CF-4701-AD06-A8439D6D8E12}" type="slidenum">
+              <a:rPr lang="de-DE" smtClean="0"/>
+              <a:t>6</a:t>
+            </a:fld>
+            <a:endParaRPr lang="de-DE"/>
+          </a:p>
+        </p:txBody>
+      </p:sp>
+      <p:pic>
+        <p:nvPicPr>
+          <p:cNvPr id="13" name="Grafik 12">
+            <a:extLst>
+              <a:ext uri="{FF2B5EF4-FFF2-40B4-BE49-F238E27FC236}">
+                <a16:creationId xmlns:a16="http://schemas.microsoft.com/office/drawing/2014/main" id="{2028A5BC-A81F-8148-94B6-E72171327A6E}"/>
+              </a:ext>
+            </a:extLst>
+          </p:cNvPr>
+          <p:cNvPicPr>
+            <a:picLocks noChangeAspect="1"/>
+          </p:cNvPicPr>
+          <p:nvPr/>
+        </p:nvPicPr>
+        <p:blipFill>
+          <a:blip r:embed="rId2">
+            <a:extLst>
+              <a:ext uri="{28A0092B-C50C-407E-A947-70E740481C1C}">
+                <a14:useLocalDpi xmlns:a14="http://schemas.microsoft.com/office/drawing/2010/main" val="0"/>
+              </a:ext>
+            </a:extLst>
+          </a:blip>
+          <a:stretch>
+            <a:fillRect/>
+          </a:stretch>
+        </p:blipFill>
+        <p:spPr>
+          <a:xfrm>
+            <a:off x="1529570" y="1773442"/>
+            <a:ext cx="9132859" cy="3311116"/>
+          </a:xfrm>
+          <a:prstGeom prst="rect">
+            <a:avLst/>
+          </a:prstGeom>
+        </p:spPr>
+      </p:pic>
+    </p:spTree>
+    <p:extLst>
+      <p:ext uri="{BB962C8B-B14F-4D97-AF65-F5344CB8AC3E}">
+        <p14:creationId xmlns:p14="http://schemas.microsoft.com/office/powerpoint/2010/main" val="2766570188"/>
+      </p:ext>
+    </p:extLst>
+  </p:cSld>
+  <p:clrMapOvr>
+    <a:masterClrMapping/>
+  </p:clrMapOvr>
+</p:sld>
+</file>
+
+<file path=ppt/slides/slide7.xml><?xml version="1.0" encoding="utf-8"?>
+<p:sld xmlns:a="http://schemas.openxmlformats.org/drawingml/2006/main" xmlns:r="http://schemas.openxmlformats.org/officeDocument/2006/relationships" xmlns:p="http://schemas.openxmlformats.org/presentationml/2006/main">
+  <p:cSld>
+    <p:spTree>
+      <p:nvGrpSpPr>
+        <p:cNvPr id="1" name=""/>
+        <p:cNvGrpSpPr/>
+        <p:nvPr/>
+      </p:nvGrpSpPr>
+      <p:grpSpPr>
+        <a:xfrm>
+          <a:off x="0" y="0"/>
+          <a:ext cx="0" cy="0"/>
+          <a:chOff x="0" y="0"/>
+          <a:chExt cx="0" cy="0"/>
+        </a:xfrm>
+      </p:grpSpPr>
+      <p:sp>
+        <p:nvSpPr>
+          <p:cNvPr id="2" name="Titel 1">
+            <a:extLst>
+              <a:ext uri="{FF2B5EF4-FFF2-40B4-BE49-F238E27FC236}">
+                <a16:creationId xmlns:a16="http://schemas.microsoft.com/office/drawing/2014/main" id="{4E4AE26E-BDAE-4262-A057-39AC2366A5F1}"/>
+              </a:ext>
+            </a:extLst>
+          </p:cNvPr>
+          <p:cNvSpPr>
+            <a:spLocks noGrp="1"/>
+          </p:cNvSpPr>
+          <p:nvPr>
+            <p:ph type="title"/>
+          </p:nvPr>
+        </p:nvSpPr>
+        <p:spPr>
+          <a:xfrm>
+            <a:off x="524664" y="444005"/>
+            <a:ext cx="9178008" cy="627829"/>
+          </a:xfrm>
+        </p:spPr>
+        <p:txBody>
+          <a:bodyPr/>
+          <a:lstStyle/>
+          <a:p>
+            <a:r>
+              <a:rPr lang="en-US" noProof="0" dirty="0"/>
+              <a:t>Leveling (2)</a:t>
+            </a:r>
+          </a:p>
+        </p:txBody>
+      </p:sp>
+      <p:sp>
+        <p:nvSpPr>
+          <p:cNvPr id="4" name="Datumsplatzhalter 3">
+            <a:extLst>
+              <a:ext uri="{FF2B5EF4-FFF2-40B4-BE49-F238E27FC236}">
+                <a16:creationId xmlns:a16="http://schemas.microsoft.com/office/drawing/2014/main" id="{9CCAFD67-B02A-4CC5-A0AF-41ECCAE2B82F}"/>
+              </a:ext>
+            </a:extLst>
+          </p:cNvPr>
+          <p:cNvSpPr>
+            <a:spLocks noGrp="1"/>
+          </p:cNvSpPr>
+          <p:nvPr>
+            <p:ph type="dt" sz="half" idx="10"/>
+          </p:nvPr>
+        </p:nvSpPr>
+        <p:spPr/>
+        <p:txBody>
+          <a:bodyPr/>
+          <a:lstStyle/>
+          <a:p>
+            <a:r>
+              <a:rPr lang="de-DE"/>
+              <a:t>25.03.2020</a:t>
+            </a:r>
+          </a:p>
+        </p:txBody>
+      </p:sp>
+      <p:sp>
+        <p:nvSpPr>
+          <p:cNvPr id="6" name="Foliennummernplatzhalter 5">
+            <a:extLst>
+              <a:ext uri="{FF2B5EF4-FFF2-40B4-BE49-F238E27FC236}">
+                <a16:creationId xmlns:a16="http://schemas.microsoft.com/office/drawing/2014/main" id="{2014E5A3-BB19-4CC6-A059-F359A2A51340}"/>
+              </a:ext>
+            </a:extLst>
+          </p:cNvPr>
+          <p:cNvSpPr>
+            <a:spLocks noGrp="1"/>
+          </p:cNvSpPr>
+          <p:nvPr>
+            <p:ph type="sldNum" sz="quarter" idx="12"/>
+          </p:nvPr>
+        </p:nvSpPr>
+        <p:spPr/>
+        <p:txBody>
+          <a:bodyPr/>
+          <a:lstStyle/>
+          <a:p>
+            <a:fld id="{61696EC4-B4CF-4701-AD06-A8439D6D8E12}" type="slidenum">
+              <a:rPr lang="de-DE" smtClean="0"/>
+              <a:t>7</a:t>
+            </a:fld>
+            <a:endParaRPr lang="de-DE"/>
+          </a:p>
+        </p:txBody>
+      </p:sp>
+      <p:pic>
+        <p:nvPicPr>
+          <p:cNvPr id="5" name="Grafik 4">
+            <a:extLst>
+              <a:ext uri="{FF2B5EF4-FFF2-40B4-BE49-F238E27FC236}">
+                <a16:creationId xmlns:a16="http://schemas.microsoft.com/office/drawing/2014/main" id="{319D6B79-36DA-864D-8099-2A07CFEB8C0B}"/>
+              </a:ext>
+            </a:extLst>
+          </p:cNvPr>
+          <p:cNvPicPr>
+            <a:picLocks noChangeAspect="1"/>
+          </p:cNvPicPr>
+          <p:nvPr/>
+        </p:nvPicPr>
+        <p:blipFill>
+          <a:blip r:embed="rId2">
+            <a:extLst>
+              <a:ext uri="{28A0092B-C50C-407E-A947-70E740481C1C}">
+                <a14:useLocalDpi xmlns:a14="http://schemas.microsoft.com/office/drawing/2010/main" val="0"/>
+              </a:ext>
+            </a:extLst>
+          </a:blip>
+          <a:stretch>
+            <a:fillRect/>
+          </a:stretch>
+        </p:blipFill>
+        <p:spPr>
+          <a:xfrm>
+            <a:off x="1454563" y="1108281"/>
+            <a:ext cx="9282873" cy="4641437"/>
+          </a:xfrm>
+          <a:prstGeom prst="rect">
+            <a:avLst/>
+          </a:prstGeom>
+        </p:spPr>
+      </p:pic>
+    </p:spTree>
+    <p:extLst>
+      <p:ext uri="{BB962C8B-B14F-4D97-AF65-F5344CB8AC3E}">
+        <p14:creationId xmlns:p14="http://schemas.microsoft.com/office/powerpoint/2010/main" val="4170151529"/>
+      </p:ext>
+    </p:extLst>
+  </p:cSld>
+  <p:clrMapOvr>
+    <a:masterClrMapping/>
+  </p:clrMapOvr>
+</p:sld>
+</file>
+
+<file path=ppt/slides/slide8.xml><?xml version="1.0" encoding="utf-8"?>
+<p:sld xmlns:a="http://schemas.openxmlformats.org/drawingml/2006/main" xmlns:r="http://schemas.openxmlformats.org/officeDocument/2006/relationships" xmlns:p="http://schemas.openxmlformats.org/presentationml/2006/main">
+  <p:cSld>
+    <p:spTree>
+      <p:nvGrpSpPr>
+        <p:cNvPr id="1" name=""/>
+        <p:cNvGrpSpPr/>
+        <p:nvPr/>
+      </p:nvGrpSpPr>
+      <p:grpSpPr>
+        <a:xfrm>
+          <a:off x="0" y="0"/>
+          <a:ext cx="0" cy="0"/>
+          <a:chOff x="0" y="0"/>
+          <a:chExt cx="0" cy="0"/>
+        </a:xfrm>
+      </p:grpSpPr>
+      <p:sp>
+        <p:nvSpPr>
+          <p:cNvPr id="2" name="Titel 1">
+            <a:extLst>
+              <a:ext uri="{FF2B5EF4-FFF2-40B4-BE49-F238E27FC236}">
+                <a16:creationId xmlns:a16="http://schemas.microsoft.com/office/drawing/2014/main" id="{4E4AE26E-BDAE-4262-A057-39AC2366A5F1}"/>
+              </a:ext>
+            </a:extLst>
+          </p:cNvPr>
+          <p:cNvSpPr>
+            <a:spLocks noGrp="1"/>
+          </p:cNvSpPr>
+          <p:nvPr>
+            <p:ph type="title"/>
+          </p:nvPr>
+        </p:nvSpPr>
+        <p:spPr>
+          <a:xfrm>
+            <a:off x="524664" y="444005"/>
+            <a:ext cx="9178008" cy="627829"/>
+          </a:xfrm>
+        </p:spPr>
+        <p:txBody>
+          <a:bodyPr/>
+          <a:lstStyle/>
+          <a:p>
+            <a:r>
+              <a:rPr lang="en-US" noProof="0" dirty="0"/>
+              <a:t>Meta-Modell (1)</a:t>
+            </a:r>
+          </a:p>
+        </p:txBody>
+      </p:sp>
+      <p:pic>
+        <p:nvPicPr>
+          <p:cNvPr id="7" name="Inhaltsplatzhalter 6">
+            <a:extLst>
+              <a:ext uri="{FF2B5EF4-FFF2-40B4-BE49-F238E27FC236}">
+                <a16:creationId xmlns:a16="http://schemas.microsoft.com/office/drawing/2014/main" id="{AAFBDB75-4142-7142-926F-5BA01FB0FEA5}"/>
+              </a:ext>
+            </a:extLst>
+          </p:cNvPr>
+          <p:cNvPicPr>
+            <a:picLocks noGrp="1" noChangeAspect="1"/>
+          </p:cNvPicPr>
+          <p:nvPr>
+            <p:ph idx="1"/>
+          </p:nvPr>
+        </p:nvPicPr>
+        <p:blipFill>
+          <a:blip r:embed="rId2">
+            <a:extLst>
+              <a:ext uri="{28A0092B-C50C-407E-A947-70E740481C1C}">
+                <a14:useLocalDpi xmlns:a14="http://schemas.microsoft.com/office/drawing/2010/main" val="0"/>
+              </a:ext>
+            </a:extLst>
+          </a:blip>
+          <a:stretch>
+            <a:fillRect/>
+          </a:stretch>
+        </p:blipFill>
+        <p:spPr>
+          <a:xfrm>
+            <a:off x="1295937" y="1695360"/>
+            <a:ext cx="9600125" cy="3276690"/>
+          </a:xfrm>
+        </p:spPr>
+      </p:pic>
+      <p:sp>
+        <p:nvSpPr>
+          <p:cNvPr id="4" name="Datumsplatzhalter 3">
+            <a:extLst>
+              <a:ext uri="{FF2B5EF4-FFF2-40B4-BE49-F238E27FC236}">
+                <a16:creationId xmlns:a16="http://schemas.microsoft.com/office/drawing/2014/main" id="{9CCAFD67-B02A-4CC5-A0AF-41ECCAE2B82F}"/>
+              </a:ext>
+            </a:extLst>
+          </p:cNvPr>
+          <p:cNvSpPr>
+            <a:spLocks noGrp="1"/>
+          </p:cNvSpPr>
+          <p:nvPr>
+            <p:ph type="dt" sz="half" idx="10"/>
+          </p:nvPr>
+        </p:nvSpPr>
+        <p:spPr/>
+        <p:txBody>
+          <a:bodyPr/>
+          <a:lstStyle/>
+          <a:p>
+            <a:r>
+              <a:rPr lang="de-DE"/>
+              <a:t>25.03.2020</a:t>
+            </a:r>
+          </a:p>
+        </p:txBody>
+      </p:sp>
+      <p:sp>
+        <p:nvSpPr>
+          <p:cNvPr id="6" name="Foliennummernplatzhalter 5">
+            <a:extLst>
+              <a:ext uri="{FF2B5EF4-FFF2-40B4-BE49-F238E27FC236}">
+                <a16:creationId xmlns:a16="http://schemas.microsoft.com/office/drawing/2014/main" id="{2014E5A3-BB19-4CC6-A059-F359A2A51340}"/>
+              </a:ext>
+            </a:extLst>
+          </p:cNvPr>
+          <p:cNvSpPr>
+            <a:spLocks noGrp="1"/>
+          </p:cNvSpPr>
+          <p:nvPr>
+            <p:ph type="sldNum" sz="quarter" idx="12"/>
+          </p:nvPr>
+        </p:nvSpPr>
+        <p:spPr/>
+        <p:txBody>
+          <a:bodyPr/>
+          <a:lstStyle/>
+          <a:p>
+            <a:fld id="{61696EC4-B4CF-4701-AD06-A8439D6D8E12}" type="slidenum">
+              <a:rPr lang="de-DE" smtClean="0"/>
+              <a:t>8</a:t>
+            </a:fld>
+            <a:endParaRPr lang="de-DE"/>
+          </a:p>
+        </p:txBody>
+      </p:sp>
+    </p:spTree>
+    <p:extLst>
+      <p:ext uri="{BB962C8B-B14F-4D97-AF65-F5344CB8AC3E}">
+        <p14:creationId xmlns:p14="http://schemas.microsoft.com/office/powerpoint/2010/main" val="2669224639"/>
+      </p:ext>
+    </p:extLst>
+  </p:cSld>
+  <p:clrMapOvr>
+    <a:masterClrMapping/>
+  </p:clrMapOvr>
+</p:sld>
+</file>
+
+<file path=ppt/slides/slide9.xml><?xml version="1.0" encoding="utf-8"?>
+<p:sld xmlns:a="http://schemas.openxmlformats.org/drawingml/2006/main" xmlns:r="http://schemas.openxmlformats.org/officeDocument/2006/relationships" xmlns:p="http://schemas.openxmlformats.org/presentationml/2006/main">
+  <p:cSld>
+    <p:spTree>
+      <p:nvGrpSpPr>
+        <p:cNvPr id="1" name=""/>
+        <p:cNvGrpSpPr/>
+        <p:nvPr/>
+      </p:nvGrpSpPr>
+      <p:grpSpPr>
+        <a:xfrm>
+          <a:off x="0" y="0"/>
+          <a:ext cx="0" cy="0"/>
+          <a:chOff x="0" y="0"/>
+          <a:chExt cx="0" cy="0"/>
+        </a:xfrm>
+      </p:grpSpPr>
+      <p:pic>
+        <p:nvPicPr>
+          <p:cNvPr id="7" name="Inhaltsplatzhalter 6">
+            <a:extLst>
+              <a:ext uri="{FF2B5EF4-FFF2-40B4-BE49-F238E27FC236}">
+                <a16:creationId xmlns:a16="http://schemas.microsoft.com/office/drawing/2014/main" id="{84EBC7FC-1EE8-0648-884C-272B49BEAE15}"/>
+              </a:ext>
+            </a:extLst>
+          </p:cNvPr>
+          <p:cNvPicPr>
+            <a:picLocks noGrp="1" noChangeAspect="1"/>
+          </p:cNvPicPr>
+          <p:nvPr>
+            <p:ph idx="1"/>
+          </p:nvPr>
+        </p:nvPicPr>
+        <p:blipFill>
+          <a:blip r:embed="rId2">
+            <a:extLst>
+              <a:ext uri="{28A0092B-C50C-407E-A947-70E740481C1C}">
+                <a14:useLocalDpi xmlns:a14="http://schemas.microsoft.com/office/drawing/2010/main" val="0"/>
+              </a:ext>
+            </a:extLst>
+          </a:blip>
+          <a:stretch>
+            <a:fillRect/>
+          </a:stretch>
+        </p:blipFill>
+        <p:spPr>
+          <a:xfrm>
+            <a:off x="2064412" y="444005"/>
+            <a:ext cx="8063176" cy="5678503"/>
+          </a:xfrm>
+        </p:spPr>
+      </p:pic>
+      <p:sp>
+        <p:nvSpPr>
+          <p:cNvPr id="2" name="Titel 1">
+            <a:extLst>
+              <a:ext uri="{FF2B5EF4-FFF2-40B4-BE49-F238E27FC236}">
+                <a16:creationId xmlns:a16="http://schemas.microsoft.com/office/drawing/2014/main" id="{4E4AE26E-BDAE-4262-A057-39AC2366A5F1}"/>
+              </a:ext>
+            </a:extLst>
+          </p:cNvPr>
+          <p:cNvSpPr>
+            <a:spLocks noGrp="1"/>
+          </p:cNvSpPr>
+          <p:nvPr>
+            <p:ph type="title"/>
+          </p:nvPr>
+        </p:nvSpPr>
+        <p:spPr>
+          <a:xfrm>
+            <a:off x="524664" y="444005"/>
+            <a:ext cx="9178008" cy="627829"/>
+          </a:xfrm>
+        </p:spPr>
+        <p:txBody>
+          <a:bodyPr/>
+          <a:lstStyle/>
+          <a:p>
+            <a:r>
+              <a:rPr lang="en-US" noProof="0" dirty="0"/>
+              <a:t>Meta-Modell (2)</a:t>
+            </a:r>
+          </a:p>
+        </p:txBody>
+      </p:sp>
+      <p:sp>
+        <p:nvSpPr>
+          <p:cNvPr id="4" name="Datumsplatzhalter 3">
+            <a:extLst>
+              <a:ext uri="{FF2B5EF4-FFF2-40B4-BE49-F238E27FC236}">
+                <a16:creationId xmlns:a16="http://schemas.microsoft.com/office/drawing/2014/main" id="{9CCAFD67-B02A-4CC5-A0AF-41ECCAE2B82F}"/>
+              </a:ext>
+            </a:extLst>
+          </p:cNvPr>
+          <p:cNvSpPr>
+            <a:spLocks noGrp="1"/>
+          </p:cNvSpPr>
+          <p:nvPr>
+            <p:ph type="dt" sz="half" idx="10"/>
+          </p:nvPr>
+        </p:nvSpPr>
+        <p:spPr/>
+        <p:txBody>
+          <a:bodyPr/>
+          <a:lstStyle/>
+          <a:p>
+            <a:r>
+              <a:rPr lang="de-DE"/>
+              <a:t>25.03.2020</a:t>
+            </a:r>
+          </a:p>
+        </p:txBody>
+      </p:sp>
+      <p:sp>
+        <p:nvSpPr>
+          <p:cNvPr id="6" name="Foliennummernplatzhalter 5">
+            <a:extLst>
+              <a:ext uri="{FF2B5EF4-FFF2-40B4-BE49-F238E27FC236}">
+                <a16:creationId xmlns:a16="http://schemas.microsoft.com/office/drawing/2014/main" id="{2014E5A3-BB19-4CC6-A059-F359A2A51340}"/>
+              </a:ext>
+            </a:extLst>
+          </p:cNvPr>
+          <p:cNvSpPr>
+            <a:spLocks noGrp="1"/>
+          </p:cNvSpPr>
+          <p:nvPr>
+            <p:ph type="sldNum" sz="quarter" idx="12"/>
+          </p:nvPr>
+        </p:nvSpPr>
+        <p:spPr/>
+        <p:txBody>
+          <a:bodyPr/>
+          <a:lstStyle/>
+          <a:p>
+            <a:fld id="{61696EC4-B4CF-4701-AD06-A8439D6D8E12}" type="slidenum">
+              <a:rPr lang="de-DE" smtClean="0"/>
+              <a:t>9</a:t>
+            </a:fld>
+            <a:endParaRPr lang="de-DE"/>
+          </a:p>
+        </p:txBody>
+      </p:sp>
+    </p:spTree>
+    <p:extLst>
+      <p:ext uri="{BB962C8B-B14F-4D97-AF65-F5344CB8AC3E}">
+        <p14:creationId xmlns:p14="http://schemas.microsoft.com/office/powerpoint/2010/main" val="457514926"/>
       </p:ext>
     </p:extLst>
   </p:cSld>
